--- a/C语言课程设计/2016/Garage_mfc/状态和状态机.pptx
+++ b/C语言课程设计/2016/Garage_mfc/状态和状态机.pptx
@@ -7254,7 +7254,7 @@
           <a:graphicData uri="http://schemas.openxmlformats.org/presentationml/2006/ole">
             <mc:AlternateContent xmlns:mc="http://schemas.openxmlformats.org/markup-compatibility/2006">
               <mc:Choice xmlns:v="urn:schemas-microsoft-com:vml" Requires="v">
-                <p:oleObj spid="_x0000_s3151" name="Visio" r:id="rId4" imgW="1830313" imgH="456553" progId="Visio.Drawing.11">
+                <p:oleObj spid="_x0000_s3152" name="Visio" r:id="rId4" imgW="1830313" imgH="456553" progId="Visio.Drawing.11">
                   <p:link updateAutomatic="1"/>
                 </p:oleObj>
               </mc:Choice>
@@ -8363,7 +8363,7 @@
           <a:graphicData uri="http://schemas.openxmlformats.org/presentationml/2006/ole">
             <mc:AlternateContent xmlns:mc="http://schemas.openxmlformats.org/markup-compatibility/2006">
               <mc:Choice xmlns:v="urn:schemas-microsoft-com:vml" Requires="v">
-                <p:oleObj spid="_x0000_s4173" name="Visio" r:id="rId4" imgW="4370097" imgH="877953" progId="Visio.Drawing.11">
+                <p:oleObj spid="_x0000_s4174" name="Visio" r:id="rId4" imgW="4370097" imgH="877953" progId="Visio.Drawing.11">
                   <p:link updateAutomatic="1"/>
                 </p:oleObj>
               </mc:Choice>
@@ -10051,6 +10051,48 @@
           </a:p>
         </p:txBody>
       </p:sp>
+      <p:sp>
+        <p:nvSpPr>
+          <p:cNvPr id="4" name="TextBox 3"/>
+          <p:cNvSpPr txBox="1"/>
+          <p:nvPr/>
+        </p:nvSpPr>
+        <p:spPr>
+          <a:xfrm>
+            <a:off x="323528" y="2348880"/>
+            <a:ext cx="2880320" cy="923330"/>
+          </a:xfrm>
+          <a:prstGeom prst="rect">
+            <a:avLst/>
+          </a:prstGeom>
+          <a:noFill/>
+          <a:ln>
+            <a:solidFill>
+              <a:schemeClr val="accent1"/>
+            </a:solidFill>
+          </a:ln>
+        </p:spPr>
+        <p:txBody>
+          <a:bodyPr wrap="square" rtlCol="0">
+            <a:spAutoFit/>
+          </a:bodyPr>
+          <a:lstStyle/>
+          <a:p>
+            <a:r>
+              <a:rPr lang="zh-CN" altLang="en-US" dirty="0" smtClean="0"/>
+              <a:t>运行编译好的执行文件，观察仿真效果。</a:t>
+            </a:r>
+            <a:endParaRPr lang="en-US" altLang="zh-CN" dirty="0" smtClean="0"/>
+          </a:p>
+          <a:p>
+            <a:r>
+              <a:rPr lang="en-US" altLang="zh-CN" dirty="0" smtClean="0"/>
+              <a:t>Elevator_dialog.exe</a:t>
+            </a:r>
+            <a:endParaRPr lang="zh-CN" altLang="en-US" dirty="0"/>
+          </a:p>
+        </p:txBody>
+      </p:sp>
     </p:spTree>
     <p:extLst>
       <p:ext uri="{BB962C8B-B14F-4D97-AF65-F5344CB8AC3E}">
@@ -10117,15 +10159,7 @@
                   <a:schemeClr val="bg1"/>
                 </a:solidFill>
               </a:rPr>
-              <a:t>三层电梯</a:t>
-            </a:r>
-            <a:r>
-              <a:rPr lang="zh-CN" altLang="en-US" sz="2800" dirty="0" smtClean="0">
-                <a:solidFill>
-                  <a:schemeClr val="bg1"/>
-                </a:solidFill>
-              </a:rPr>
-              <a:t>状态机</a:t>
+              <a:t>三层电梯状态机</a:t>
             </a:r>
             <a:endParaRPr lang="zh-CN" altLang="en-US" sz="2800" dirty="0">
               <a:solidFill>
@@ -10767,15 +10801,7 @@
                   <a:schemeClr val="bg1"/>
                 </a:solidFill>
               </a:rPr>
-              <a:t>三层电梯</a:t>
-            </a:r>
-            <a:r>
-              <a:rPr lang="zh-CN" altLang="en-US" sz="2800" dirty="0" smtClean="0">
-                <a:solidFill>
-                  <a:schemeClr val="bg1"/>
-                </a:solidFill>
-              </a:rPr>
-              <a:t>状态机</a:t>
+              <a:t>三层电梯状态机</a:t>
             </a:r>
             <a:endParaRPr lang="zh-CN" altLang="en-US" sz="2800" dirty="0">
               <a:solidFill>
@@ -13046,11 +13072,7 @@
             </a:r>
             <a:r>
               <a:rPr lang="en-US" altLang="zh-CN" dirty="0"/>
-              <a:t> *up</a:t>
-            </a:r>
-            <a:r>
-              <a:rPr lang="en-US" altLang="zh-CN" dirty="0"/>
-              <a:t>);</a:t>
+              <a:t> *up);</a:t>
             </a:r>
           </a:p>
           <a:p>
@@ -14673,11 +14695,7 @@
             </a:pPr>
             <a:r>
               <a:rPr lang="zh-CN" altLang="en-US" dirty="0" smtClean="0"/>
-              <a:t>状态机</a:t>
-            </a:r>
-            <a:r>
-              <a:rPr lang="zh-CN" altLang="en-US" dirty="0" smtClean="0"/>
-              <a:t>图。</a:t>
+              <a:t>状态机图。</a:t>
             </a:r>
             <a:endParaRPr lang="en-US" altLang="zh-CN" dirty="0" smtClean="0"/>
           </a:p>

--- a/C语言课程设计/2016/Garage_mfc/状态和状态机.pptx
+++ b/C语言课程设计/2016/Garage_mfc/状态和状态机.pptx
@@ -5,10 +5,10 @@
     <p:sldMasterId id="2147483659" r:id="rId1"/>
   </p:sldMasterIdLst>
   <p:notesMasterIdLst>
-    <p:notesMasterId r:id="rId34"/>
+    <p:notesMasterId r:id="rId37"/>
   </p:notesMasterIdLst>
   <p:handoutMasterIdLst>
-    <p:handoutMasterId r:id="rId35"/>
+    <p:handoutMasterId r:id="rId38"/>
   </p:handoutMasterIdLst>
   <p:sldIdLst>
     <p:sldId id="335" r:id="rId2"/>
@@ -43,6 +43,9 @@
     <p:sldId id="366" r:id="rId31"/>
     <p:sldId id="360" r:id="rId32"/>
     <p:sldId id="367" r:id="rId33"/>
+    <p:sldId id="368" r:id="rId34"/>
+    <p:sldId id="369" r:id="rId35"/>
+    <p:sldId id="370" r:id="rId36"/>
   </p:sldIdLst>
   <p:sldSz cx="9144000" cy="6858000" type="screen4x3"/>
   <p:notesSz cx="6858000" cy="9144000"/>
@@ -7254,7 +7257,7 @@
           <a:graphicData uri="http://schemas.openxmlformats.org/presentationml/2006/ole">
             <mc:AlternateContent xmlns:mc="http://schemas.openxmlformats.org/markup-compatibility/2006">
               <mc:Choice xmlns:v="urn:schemas-microsoft-com:vml" Requires="v">
-                <p:oleObj spid="_x0000_s3152" name="Visio" r:id="rId4" imgW="1830313" imgH="456553" progId="Visio.Drawing.11">
+                <p:oleObj spid="_x0000_s3165" name="Visio" r:id="rId4" imgW="1830313" imgH="456553" progId="Visio.Drawing.11">
                   <p:link updateAutomatic="1"/>
                 </p:oleObj>
               </mc:Choice>
@@ -8363,7 +8366,7 @@
           <a:graphicData uri="http://schemas.openxmlformats.org/presentationml/2006/ole">
             <mc:AlternateContent xmlns:mc="http://schemas.openxmlformats.org/markup-compatibility/2006">
               <mc:Choice xmlns:v="urn:schemas-microsoft-com:vml" Requires="v">
-                <p:oleObj spid="_x0000_s4174" name="Visio" r:id="rId4" imgW="4370097" imgH="877953" progId="Visio.Drawing.11">
+                <p:oleObj spid="_x0000_s4187" name="Visio" r:id="rId4" imgW="4370097" imgH="877953" progId="Visio.Drawing.11">
                   <p:link updateAutomatic="1"/>
                 </p:oleObj>
               </mc:Choice>
@@ -14848,6 +14851,1333 @@
     <p:extLst>
       <p:ext uri="{BB962C8B-B14F-4D97-AF65-F5344CB8AC3E}">
         <p14:creationId xmlns:p14="http://schemas.microsoft.com/office/powerpoint/2010/main" val="2291265408"/>
+      </p:ext>
+    </p:extLst>
+  </p:cSld>
+  <p:clrMapOvr>
+    <a:masterClrMapping/>
+  </p:clrMapOvr>
+  <p:transition>
+    <p:random/>
+  </p:transition>
+</p:sld>
+</file>
+
+<file path=ppt/slides/slide33.xml><?xml version="1.0" encoding="utf-8"?>
+<p:sld xmlns:a="http://schemas.openxmlformats.org/drawingml/2006/main" xmlns:r="http://schemas.openxmlformats.org/officeDocument/2006/relationships" xmlns:p="http://schemas.openxmlformats.org/presentationml/2006/main">
+  <p:cSld>
+    <p:spTree>
+      <p:nvGrpSpPr>
+        <p:cNvPr id="1" name=""/>
+        <p:cNvGrpSpPr/>
+        <p:nvPr/>
+      </p:nvGrpSpPr>
+      <p:grpSpPr>
+        <a:xfrm>
+          <a:off x="0" y="0"/>
+          <a:ext cx="0" cy="0"/>
+          <a:chOff x="0" y="0"/>
+          <a:chExt cx="0" cy="0"/>
+        </a:xfrm>
+      </p:grpSpPr>
+      <p:sp>
+        <p:nvSpPr>
+          <p:cNvPr id="2" name="标题 1"/>
+          <p:cNvSpPr>
+            <a:spLocks noGrp="1"/>
+          </p:cNvSpPr>
+          <p:nvPr>
+            <p:ph type="title"/>
+          </p:nvPr>
+        </p:nvSpPr>
+        <p:spPr>
+          <a:xfrm>
+            <a:off x="349225" y="-243408"/>
+            <a:ext cx="8612188" cy="998538"/>
+          </a:xfrm>
+        </p:spPr>
+        <p:txBody>
+          <a:bodyPr/>
+          <a:lstStyle/>
+          <a:p>
+            <a:r>
+              <a:rPr lang="zh-CN" altLang="en-US" sz="3200" dirty="0" smtClean="0">
+                <a:solidFill>
+                  <a:schemeClr val="bg1"/>
+                </a:solidFill>
+              </a:rPr>
+              <a:t>电梯功能测试参考（</a:t>
+            </a:r>
+            <a:r>
+              <a:rPr lang="en-US" altLang="zh-CN" sz="3200" dirty="0" smtClean="0">
+                <a:solidFill>
+                  <a:schemeClr val="bg1"/>
+                </a:solidFill>
+              </a:rPr>
+              <a:t>1</a:t>
+            </a:r>
+            <a:r>
+              <a:rPr lang="zh-CN" altLang="en-US" sz="3200" dirty="0" smtClean="0">
+                <a:solidFill>
+                  <a:schemeClr val="bg1"/>
+                </a:solidFill>
+              </a:rPr>
+              <a:t>）</a:t>
+            </a:r>
+            <a:endParaRPr lang="zh-CN" altLang="en-US" sz="3200" dirty="0">
+              <a:solidFill>
+                <a:schemeClr val="bg1"/>
+              </a:solidFill>
+            </a:endParaRPr>
+          </a:p>
+        </p:txBody>
+      </p:sp>
+      <p:sp>
+        <p:nvSpPr>
+          <p:cNvPr id="3" name="TextBox 2"/>
+          <p:cNvSpPr txBox="1"/>
+          <p:nvPr/>
+        </p:nvSpPr>
+        <p:spPr>
+          <a:xfrm>
+            <a:off x="323528" y="483051"/>
+            <a:ext cx="8640960" cy="6186309"/>
+          </a:xfrm>
+          <a:prstGeom prst="rect">
+            <a:avLst/>
+          </a:prstGeom>
+          <a:noFill/>
+        </p:spPr>
+        <p:txBody>
+          <a:bodyPr wrap="square" rtlCol="0">
+            <a:spAutoFit/>
+          </a:bodyPr>
+          <a:lstStyle/>
+          <a:p>
+            <a:pPr marL="342900" indent="-342900">
+              <a:lnSpc>
+                <a:spcPct val="150000"/>
+              </a:lnSpc>
+              <a:buFont typeface="+mj-lt"/>
+              <a:buAutoNum type="arabicPeriod"/>
+            </a:pPr>
+            <a:r>
+              <a:rPr lang="zh-CN" altLang="en-US" sz="2400" dirty="0" smtClean="0"/>
+              <a:t>电梯</a:t>
+            </a:r>
+            <a:r>
+              <a:rPr lang="zh-CN" altLang="en-US" sz="2400" dirty="0"/>
+              <a:t>停于</a:t>
+            </a:r>
+            <a:r>
+              <a:rPr lang="en-US" altLang="zh-CN" sz="2400" dirty="0"/>
+              <a:t>1F</a:t>
+            </a:r>
+            <a:r>
+              <a:rPr lang="zh-CN" altLang="en-US" sz="2400" dirty="0"/>
+              <a:t>或</a:t>
+            </a:r>
+            <a:r>
+              <a:rPr lang="en-US" altLang="zh-CN" sz="2400" dirty="0"/>
+              <a:t>2F</a:t>
+            </a:r>
+            <a:r>
+              <a:rPr lang="zh-CN" altLang="en-US" sz="2400" dirty="0"/>
+              <a:t>时，按</a:t>
+            </a:r>
+            <a:r>
+              <a:rPr lang="en-US" altLang="zh-CN" sz="2400" dirty="0" smtClean="0"/>
+              <a:t>3F</a:t>
+            </a:r>
+            <a:r>
+              <a:rPr lang="zh-CN" altLang="en-US" sz="2400" dirty="0"/>
+              <a:t>向下</a:t>
+            </a:r>
+            <a:r>
+              <a:rPr lang="zh-CN" altLang="en-US" sz="2400" dirty="0" smtClean="0"/>
+              <a:t>呼叫按钮</a:t>
+            </a:r>
+            <a:r>
+              <a:rPr lang="zh-CN" altLang="en-US" sz="2400" dirty="0"/>
+              <a:t>；</a:t>
+            </a:r>
+            <a:r>
+              <a:rPr lang="zh-CN" altLang="en-US" sz="2400" dirty="0" smtClean="0"/>
+              <a:t>电梯</a:t>
+            </a:r>
+            <a:r>
+              <a:rPr lang="zh-CN" altLang="en-US" sz="2400" dirty="0"/>
+              <a:t>上升到</a:t>
+            </a:r>
+            <a:r>
+              <a:rPr lang="en-US" altLang="zh-CN" sz="2400" dirty="0"/>
+              <a:t>3F</a:t>
+            </a:r>
+            <a:r>
+              <a:rPr lang="zh-CN" altLang="en-US" sz="2400" dirty="0"/>
+              <a:t>才</a:t>
+            </a:r>
+            <a:r>
+              <a:rPr lang="zh-CN" altLang="en-US" sz="2400" dirty="0" smtClean="0"/>
+              <a:t>停止。</a:t>
+            </a:r>
+            <a:endParaRPr lang="zh-CN" altLang="en-US" sz="2400" dirty="0"/>
+          </a:p>
+          <a:p>
+            <a:pPr marL="342900" indent="-342900">
+              <a:lnSpc>
+                <a:spcPct val="150000"/>
+              </a:lnSpc>
+              <a:buFont typeface="+mj-lt"/>
+              <a:buAutoNum type="arabicPeriod"/>
+            </a:pPr>
+            <a:r>
+              <a:rPr lang="zh-CN" altLang="en-US" sz="2400" dirty="0" smtClean="0"/>
+              <a:t>电梯</a:t>
+            </a:r>
+            <a:r>
+              <a:rPr lang="zh-CN" altLang="en-US" sz="2400" dirty="0"/>
+              <a:t>停于</a:t>
+            </a:r>
+            <a:r>
+              <a:rPr lang="en-US" altLang="zh-CN" sz="2400" dirty="0"/>
+              <a:t>2F</a:t>
+            </a:r>
+            <a:r>
+              <a:rPr lang="zh-CN" altLang="en-US" sz="2400" dirty="0"/>
+              <a:t>或</a:t>
+            </a:r>
+            <a:r>
+              <a:rPr lang="en-US" altLang="zh-CN" sz="2400" dirty="0"/>
+              <a:t>3F</a:t>
+            </a:r>
+            <a:r>
+              <a:rPr lang="zh-CN" altLang="en-US" sz="2400" dirty="0"/>
+              <a:t>时，按</a:t>
+            </a:r>
+            <a:r>
+              <a:rPr lang="en-US" altLang="zh-CN" sz="2400" dirty="0" smtClean="0"/>
+              <a:t>1F</a:t>
+            </a:r>
+            <a:r>
+              <a:rPr lang="zh-CN" altLang="en-US" sz="2400" dirty="0"/>
+              <a:t>向下</a:t>
+            </a:r>
+            <a:r>
+              <a:rPr lang="zh-CN" altLang="en-US" sz="2400" dirty="0" smtClean="0"/>
+              <a:t>呼叫按钮；电梯</a:t>
+            </a:r>
+            <a:r>
+              <a:rPr lang="zh-CN" altLang="en-US" sz="2400" dirty="0"/>
+              <a:t>下降到</a:t>
+            </a:r>
+            <a:r>
+              <a:rPr lang="en-US" altLang="zh-CN" sz="2400" dirty="0"/>
+              <a:t>1F</a:t>
+            </a:r>
+            <a:r>
+              <a:rPr lang="zh-CN" altLang="en-US" sz="2400" dirty="0"/>
+              <a:t>才</a:t>
+            </a:r>
+            <a:r>
+              <a:rPr lang="zh-CN" altLang="en-US" sz="2400" dirty="0" smtClean="0"/>
+              <a:t>停止。</a:t>
+            </a:r>
+            <a:endParaRPr lang="zh-CN" altLang="en-US" sz="2400" dirty="0"/>
+          </a:p>
+          <a:p>
+            <a:pPr marL="342900" indent="-342900">
+              <a:lnSpc>
+                <a:spcPct val="150000"/>
+              </a:lnSpc>
+              <a:buFont typeface="+mj-lt"/>
+              <a:buAutoNum type="arabicPeriod"/>
+            </a:pPr>
+            <a:r>
+              <a:rPr lang="zh-CN" altLang="en-US" sz="2400" dirty="0" smtClean="0"/>
+              <a:t>电梯</a:t>
+            </a:r>
+            <a:r>
+              <a:rPr lang="zh-CN" altLang="en-US" sz="2400" dirty="0"/>
+              <a:t>停于</a:t>
+            </a:r>
+            <a:r>
+              <a:rPr lang="en-US" altLang="zh-CN" sz="2400" dirty="0"/>
+              <a:t>1F</a:t>
+            </a:r>
+            <a:r>
+              <a:rPr lang="zh-CN" altLang="en-US" sz="2400" dirty="0"/>
+              <a:t>时，按</a:t>
+            </a:r>
+            <a:r>
+              <a:rPr lang="en-US" altLang="zh-CN" sz="2400" dirty="0" smtClean="0"/>
+              <a:t>2F</a:t>
+            </a:r>
+            <a:r>
+              <a:rPr lang="zh-CN" altLang="en-US" sz="2400" dirty="0" smtClean="0"/>
+              <a:t>向上呼叫按钮；电梯</a:t>
+            </a:r>
+            <a:r>
+              <a:rPr lang="zh-CN" altLang="en-US" sz="2400" dirty="0"/>
+              <a:t>上升到</a:t>
+            </a:r>
+            <a:r>
+              <a:rPr lang="en-US" altLang="zh-CN" sz="2400" dirty="0"/>
+              <a:t>2F</a:t>
+            </a:r>
+            <a:r>
+              <a:rPr lang="zh-CN" altLang="en-US" sz="2400" dirty="0" smtClean="0"/>
+              <a:t>停止。</a:t>
+            </a:r>
+            <a:endParaRPr lang="zh-CN" altLang="en-US" sz="2400" dirty="0"/>
+          </a:p>
+          <a:p>
+            <a:pPr marL="342900" indent="-342900">
+              <a:lnSpc>
+                <a:spcPct val="150000"/>
+              </a:lnSpc>
+              <a:buFont typeface="+mj-lt"/>
+              <a:buAutoNum type="arabicPeriod"/>
+            </a:pPr>
+            <a:r>
+              <a:rPr lang="zh-CN" altLang="en-US" sz="2400" dirty="0" smtClean="0"/>
+              <a:t>电梯</a:t>
+            </a:r>
+            <a:r>
+              <a:rPr lang="zh-CN" altLang="en-US" sz="2400" dirty="0"/>
+              <a:t>停于</a:t>
+            </a:r>
+            <a:r>
+              <a:rPr lang="en-US" altLang="zh-CN" sz="2400" dirty="0"/>
+              <a:t>3F</a:t>
+            </a:r>
+            <a:r>
+              <a:rPr lang="zh-CN" altLang="en-US" sz="2400" dirty="0"/>
+              <a:t>时，按</a:t>
+            </a:r>
+            <a:r>
+              <a:rPr lang="en-US" altLang="zh-CN" sz="2400" dirty="0" smtClean="0"/>
+              <a:t>2F</a:t>
+            </a:r>
+            <a:r>
+              <a:rPr lang="zh-CN" altLang="en-US" sz="2400" dirty="0" smtClean="0"/>
+              <a:t>向下呼叫按钮；电梯</a:t>
+            </a:r>
+            <a:r>
+              <a:rPr lang="zh-CN" altLang="en-US" sz="2400" dirty="0"/>
+              <a:t>下降到</a:t>
+            </a:r>
+            <a:r>
+              <a:rPr lang="en-US" altLang="zh-CN" sz="2400" dirty="0"/>
+              <a:t>2F</a:t>
+            </a:r>
+            <a:r>
+              <a:rPr lang="zh-CN" altLang="en-US" sz="2400" dirty="0" smtClean="0"/>
+              <a:t>停止。</a:t>
+            </a:r>
+            <a:endParaRPr lang="zh-CN" altLang="en-US" sz="2400" dirty="0"/>
+          </a:p>
+          <a:p>
+            <a:pPr marL="342900" indent="-342900">
+              <a:lnSpc>
+                <a:spcPct val="150000"/>
+              </a:lnSpc>
+              <a:buFont typeface="+mj-lt"/>
+              <a:buAutoNum type="arabicPeriod"/>
+            </a:pPr>
+            <a:r>
+              <a:rPr lang="zh-CN" altLang="en-US" sz="2400" dirty="0" smtClean="0"/>
+              <a:t>电梯</a:t>
+            </a:r>
+            <a:r>
+              <a:rPr lang="zh-CN" altLang="en-US" sz="2400" dirty="0"/>
+              <a:t>停于</a:t>
+            </a:r>
+            <a:r>
+              <a:rPr lang="en-US" altLang="zh-CN" sz="2400" dirty="0"/>
+              <a:t>1F</a:t>
+            </a:r>
+            <a:r>
+              <a:rPr lang="zh-CN" altLang="en-US" sz="2400" dirty="0" smtClean="0"/>
+              <a:t>，</a:t>
+            </a:r>
+            <a:r>
+              <a:rPr lang="en-US" altLang="zh-CN" sz="2400" dirty="0" smtClean="0"/>
+              <a:t>2F</a:t>
+            </a:r>
+            <a:r>
+              <a:rPr lang="zh-CN" altLang="en-US" sz="2400" dirty="0"/>
+              <a:t>和</a:t>
+            </a:r>
+            <a:r>
+              <a:rPr lang="en-US" altLang="zh-CN" sz="2400" dirty="0"/>
+              <a:t>3F</a:t>
+            </a:r>
+            <a:r>
+              <a:rPr lang="zh-CN" altLang="en-US" sz="2400" dirty="0"/>
+              <a:t>均有按钮</a:t>
+            </a:r>
+            <a:r>
+              <a:rPr lang="zh-CN" altLang="en-US" sz="2400" dirty="0" smtClean="0"/>
+              <a:t>呼叫；电梯</a:t>
+            </a:r>
+            <a:r>
+              <a:rPr lang="zh-CN" altLang="en-US" sz="2400" dirty="0"/>
+              <a:t>先上升到</a:t>
+            </a:r>
+            <a:r>
+              <a:rPr lang="en-US" altLang="zh-CN" sz="2400" dirty="0"/>
+              <a:t>2F</a:t>
+            </a:r>
+            <a:r>
+              <a:rPr lang="zh-CN" altLang="en-US" sz="2400" dirty="0" smtClean="0"/>
+              <a:t>，开门</a:t>
+            </a:r>
+            <a:r>
+              <a:rPr lang="en-US" altLang="zh-CN" sz="2400" dirty="0" smtClean="0"/>
+              <a:t>/</a:t>
+            </a:r>
+            <a:r>
+              <a:rPr lang="zh-CN" altLang="en-US" sz="2400" dirty="0" smtClean="0"/>
+              <a:t>关门，</a:t>
+            </a:r>
+            <a:r>
+              <a:rPr lang="zh-CN" altLang="en-US" sz="2400" dirty="0"/>
+              <a:t>然后上升到</a:t>
+            </a:r>
+            <a:r>
+              <a:rPr lang="en-US" altLang="zh-CN" sz="2400" dirty="0"/>
+              <a:t>3F</a:t>
+            </a:r>
+            <a:r>
+              <a:rPr lang="zh-CN" altLang="en-US" sz="2400" dirty="0" smtClean="0"/>
+              <a:t>停止</a:t>
+            </a:r>
+            <a:r>
+              <a:rPr lang="zh-CN" altLang="en-US" sz="2400" dirty="0"/>
+              <a:t>。</a:t>
+            </a:r>
+            <a:endParaRPr lang="en-US" altLang="zh-CN" sz="2400" dirty="0" smtClean="0"/>
+          </a:p>
+          <a:p>
+            <a:pPr marL="342900" indent="-342900">
+              <a:lnSpc>
+                <a:spcPct val="150000"/>
+              </a:lnSpc>
+              <a:buFont typeface="+mj-lt"/>
+              <a:buAutoNum type="arabicPeriod"/>
+            </a:pPr>
+            <a:r>
+              <a:rPr lang="zh-CN" altLang="zh-CN" sz="2400" dirty="0" smtClean="0"/>
+              <a:t>电梯</a:t>
+            </a:r>
+            <a:r>
+              <a:rPr lang="zh-CN" altLang="zh-CN" sz="2400" dirty="0"/>
+              <a:t>停于</a:t>
+            </a:r>
+            <a:r>
+              <a:rPr lang="en-US" altLang="zh-CN" sz="2400" dirty="0"/>
+              <a:t>3F</a:t>
+            </a:r>
+            <a:r>
+              <a:rPr lang="zh-CN" altLang="zh-CN" sz="2400" dirty="0"/>
+              <a:t>，</a:t>
+            </a:r>
+            <a:r>
+              <a:rPr lang="en-US" altLang="zh-CN" sz="2400" dirty="0"/>
+              <a:t>2F</a:t>
+            </a:r>
+            <a:r>
+              <a:rPr lang="zh-CN" altLang="zh-CN" sz="2400" dirty="0"/>
+              <a:t>和</a:t>
+            </a:r>
+            <a:r>
+              <a:rPr lang="en-US" altLang="zh-CN" sz="2400" dirty="0"/>
+              <a:t>1F</a:t>
+            </a:r>
+            <a:r>
+              <a:rPr lang="zh-CN" altLang="zh-CN" sz="2400" dirty="0"/>
+              <a:t>均有按钮</a:t>
+            </a:r>
+            <a:r>
+              <a:rPr lang="zh-CN" altLang="zh-CN" sz="2400" dirty="0" smtClean="0"/>
+              <a:t>呼叫</a:t>
+            </a:r>
+            <a:r>
+              <a:rPr lang="zh-CN" altLang="en-US" sz="2400" dirty="0" smtClean="0"/>
+              <a:t>；</a:t>
+            </a:r>
+            <a:r>
+              <a:rPr lang="zh-CN" altLang="zh-CN" sz="2400" dirty="0" smtClean="0"/>
+              <a:t>电梯</a:t>
+            </a:r>
+            <a:r>
+              <a:rPr lang="zh-CN" altLang="zh-CN" sz="2400" dirty="0"/>
+              <a:t>先下降到</a:t>
+            </a:r>
+            <a:r>
+              <a:rPr lang="en-US" altLang="zh-CN" sz="2400" dirty="0"/>
+              <a:t>2F</a:t>
+            </a:r>
+            <a:r>
+              <a:rPr lang="zh-CN" altLang="zh-CN" sz="2400" dirty="0" smtClean="0"/>
+              <a:t>，</a:t>
+            </a:r>
+            <a:r>
+              <a:rPr lang="zh-CN" altLang="en-US" sz="2400" dirty="0" smtClean="0"/>
+              <a:t>开门</a:t>
+            </a:r>
+            <a:r>
+              <a:rPr lang="en-US" altLang="zh-CN" sz="2400" dirty="0" smtClean="0"/>
+              <a:t>/</a:t>
+            </a:r>
+            <a:r>
+              <a:rPr lang="zh-CN" altLang="en-US" sz="2400" dirty="0" smtClean="0"/>
+              <a:t>关门</a:t>
+            </a:r>
+            <a:r>
+              <a:rPr lang="zh-CN" altLang="zh-CN" sz="2400" dirty="0" smtClean="0"/>
+              <a:t>，</a:t>
+            </a:r>
+            <a:r>
+              <a:rPr lang="zh-CN" altLang="zh-CN" sz="2400" dirty="0"/>
+              <a:t>然后下降到</a:t>
+            </a:r>
+            <a:r>
+              <a:rPr lang="en-US" altLang="zh-CN" sz="2400" dirty="0"/>
+              <a:t>1F</a:t>
+            </a:r>
+            <a:r>
+              <a:rPr lang="zh-CN" altLang="zh-CN" sz="2400" dirty="0" smtClean="0"/>
+              <a:t>停止</a:t>
+            </a:r>
+            <a:r>
+              <a:rPr lang="zh-CN" altLang="en-US" sz="2400" dirty="0"/>
+              <a:t>。</a:t>
+            </a:r>
+            <a:endParaRPr lang="en-US" altLang="zh-CN" sz="2400" dirty="0" smtClean="0"/>
+          </a:p>
+          <a:p>
+            <a:pPr marL="342900" indent="-342900">
+              <a:lnSpc>
+                <a:spcPct val="150000"/>
+              </a:lnSpc>
+              <a:buFont typeface="+mj-lt"/>
+              <a:buAutoNum type="arabicPeriod"/>
+            </a:pPr>
+            <a:r>
+              <a:rPr lang="zh-CN" altLang="zh-CN" sz="2400" dirty="0" smtClean="0"/>
+              <a:t>电梯</a:t>
+            </a:r>
+            <a:r>
+              <a:rPr lang="zh-CN" altLang="zh-CN" sz="2400" dirty="0"/>
+              <a:t>上升途中或下降途中，任何反方向按钮呼叫均</a:t>
+            </a:r>
+            <a:r>
+              <a:rPr lang="zh-CN" altLang="zh-CN" sz="2400" dirty="0" smtClean="0"/>
+              <a:t>无效</a:t>
+            </a:r>
+            <a:r>
+              <a:rPr lang="zh-CN" altLang="en-US" sz="2400" dirty="0"/>
+              <a:t>。</a:t>
+            </a:r>
+          </a:p>
+        </p:txBody>
+      </p:sp>
+    </p:spTree>
+    <p:extLst>
+      <p:ext uri="{BB962C8B-B14F-4D97-AF65-F5344CB8AC3E}">
+        <p14:creationId xmlns:p14="http://schemas.microsoft.com/office/powerpoint/2010/main" val="1775702534"/>
+      </p:ext>
+    </p:extLst>
+  </p:cSld>
+  <p:clrMapOvr>
+    <a:masterClrMapping/>
+  </p:clrMapOvr>
+  <p:transition>
+    <p:random/>
+  </p:transition>
+</p:sld>
+</file>
+
+<file path=ppt/slides/slide34.xml><?xml version="1.0" encoding="utf-8"?>
+<p:sld xmlns:a="http://schemas.openxmlformats.org/drawingml/2006/main" xmlns:r="http://schemas.openxmlformats.org/officeDocument/2006/relationships" xmlns:p="http://schemas.openxmlformats.org/presentationml/2006/main">
+  <p:cSld>
+    <p:spTree>
+      <p:nvGrpSpPr>
+        <p:cNvPr id="1" name=""/>
+        <p:cNvGrpSpPr/>
+        <p:nvPr/>
+      </p:nvGrpSpPr>
+      <p:grpSpPr>
+        <a:xfrm>
+          <a:off x="0" y="0"/>
+          <a:ext cx="0" cy="0"/>
+          <a:chOff x="0" y="0"/>
+          <a:chExt cx="0" cy="0"/>
+        </a:xfrm>
+      </p:grpSpPr>
+      <p:sp>
+        <p:nvSpPr>
+          <p:cNvPr id="2" name="标题 1"/>
+          <p:cNvSpPr>
+            <a:spLocks noGrp="1"/>
+          </p:cNvSpPr>
+          <p:nvPr>
+            <p:ph type="title"/>
+          </p:nvPr>
+        </p:nvSpPr>
+        <p:spPr>
+          <a:xfrm>
+            <a:off x="349225" y="-243408"/>
+            <a:ext cx="8612188" cy="998538"/>
+          </a:xfrm>
+        </p:spPr>
+        <p:txBody>
+          <a:bodyPr/>
+          <a:lstStyle/>
+          <a:p>
+            <a:r>
+              <a:rPr lang="zh-CN" altLang="en-US" sz="3200" dirty="0" smtClean="0">
+                <a:solidFill>
+                  <a:schemeClr val="bg1"/>
+                </a:solidFill>
+              </a:rPr>
+              <a:t>电梯功能测试参考（</a:t>
+            </a:r>
+            <a:r>
+              <a:rPr lang="en-US" altLang="zh-CN" sz="3200" dirty="0" smtClean="0">
+                <a:solidFill>
+                  <a:schemeClr val="bg1"/>
+                </a:solidFill>
+              </a:rPr>
+              <a:t>2</a:t>
+            </a:r>
+            <a:r>
+              <a:rPr lang="zh-CN" altLang="en-US" sz="3200" dirty="0" smtClean="0">
+                <a:solidFill>
+                  <a:schemeClr val="bg1"/>
+                </a:solidFill>
+              </a:rPr>
+              <a:t>）</a:t>
+            </a:r>
+            <a:endParaRPr lang="zh-CN" altLang="en-US" sz="3200" dirty="0">
+              <a:solidFill>
+                <a:schemeClr val="bg1"/>
+              </a:solidFill>
+            </a:endParaRPr>
+          </a:p>
+        </p:txBody>
+      </p:sp>
+      <p:sp>
+        <p:nvSpPr>
+          <p:cNvPr id="3" name="TextBox 2"/>
+          <p:cNvSpPr txBox="1"/>
+          <p:nvPr/>
+        </p:nvSpPr>
+        <p:spPr>
+          <a:xfrm>
+            <a:off x="323528" y="548680"/>
+            <a:ext cx="8640960" cy="5632311"/>
+          </a:xfrm>
+          <a:prstGeom prst="rect">
+            <a:avLst/>
+          </a:prstGeom>
+          <a:noFill/>
+        </p:spPr>
+        <p:txBody>
+          <a:bodyPr wrap="square" rtlCol="0">
+            <a:spAutoFit/>
+          </a:bodyPr>
+          <a:lstStyle/>
+          <a:p>
+            <a:pPr marL="342900" indent="-342900">
+              <a:lnSpc>
+                <a:spcPct val="150000"/>
+              </a:lnSpc>
+              <a:buFont typeface="+mj-lt"/>
+              <a:buAutoNum type="arabicPeriod"/>
+            </a:pPr>
+            <a:r>
+              <a:rPr lang="zh-CN" altLang="en-US" sz="2400" dirty="0" smtClean="0"/>
+              <a:t>电梯</a:t>
+            </a:r>
+            <a:r>
+              <a:rPr lang="zh-CN" altLang="en-US" sz="2400" dirty="0"/>
+              <a:t>停于</a:t>
+            </a:r>
+            <a:r>
+              <a:rPr lang="en-US" altLang="zh-CN" sz="2400" dirty="0" smtClean="0"/>
+              <a:t>1F</a:t>
+            </a:r>
+            <a:r>
+              <a:rPr lang="zh-CN" altLang="en-US" sz="2400" dirty="0" smtClean="0"/>
+              <a:t>，</a:t>
+            </a:r>
+            <a:r>
+              <a:rPr lang="zh-CN" altLang="en-US" sz="2400" dirty="0"/>
+              <a:t>按</a:t>
+            </a:r>
+            <a:r>
+              <a:rPr lang="en-US" altLang="zh-CN" sz="2400" dirty="0" smtClean="0"/>
+              <a:t>3F </a:t>
+            </a:r>
+            <a:r>
+              <a:rPr lang="zh-CN" altLang="en-US" sz="2400" dirty="0" smtClean="0"/>
+              <a:t>向下呼叫按钮，然后立即按</a:t>
+            </a:r>
+            <a:r>
+              <a:rPr lang="en-US" altLang="zh-CN" sz="2400" dirty="0" smtClean="0"/>
+              <a:t>2F </a:t>
+            </a:r>
+            <a:r>
+              <a:rPr lang="zh-CN" altLang="en-US" sz="2400" dirty="0" smtClean="0"/>
+              <a:t>向下呼叫按钮；电梯</a:t>
+            </a:r>
+            <a:r>
+              <a:rPr lang="zh-CN" altLang="en-US" sz="2400" dirty="0"/>
+              <a:t>上升到</a:t>
+            </a:r>
+            <a:r>
+              <a:rPr lang="en-US" altLang="zh-CN" sz="2400" dirty="0" smtClean="0"/>
+              <a:t>3F</a:t>
+            </a:r>
+            <a:r>
+              <a:rPr lang="zh-CN" altLang="en-US" sz="2400" dirty="0" smtClean="0"/>
+              <a:t>，开门</a:t>
+            </a:r>
+            <a:r>
+              <a:rPr lang="en-US" altLang="zh-CN" sz="2400" dirty="0" smtClean="0"/>
+              <a:t>/</a:t>
+            </a:r>
+            <a:r>
+              <a:rPr lang="zh-CN" altLang="en-US" sz="2400" dirty="0" smtClean="0"/>
+              <a:t>关门，然后到</a:t>
+            </a:r>
+            <a:r>
+              <a:rPr lang="en-US" altLang="zh-CN" sz="2400" dirty="0" smtClean="0"/>
+              <a:t>2F</a:t>
+            </a:r>
+            <a:r>
+              <a:rPr lang="zh-CN" altLang="en-US" sz="2400" dirty="0" smtClean="0"/>
+              <a:t>，开门</a:t>
+            </a:r>
+            <a:r>
+              <a:rPr lang="en-US" altLang="zh-CN" sz="2400" dirty="0" smtClean="0"/>
+              <a:t>/</a:t>
+            </a:r>
+            <a:r>
+              <a:rPr lang="zh-CN" altLang="en-US" sz="2400" dirty="0" smtClean="0"/>
+              <a:t>关门。</a:t>
+            </a:r>
+            <a:endParaRPr lang="zh-CN" altLang="en-US" sz="2400" dirty="0"/>
+          </a:p>
+          <a:p>
+            <a:pPr marL="342900" indent="-342900">
+              <a:lnSpc>
+                <a:spcPct val="150000"/>
+              </a:lnSpc>
+              <a:buFont typeface="+mj-lt"/>
+              <a:buAutoNum type="arabicPeriod"/>
+            </a:pPr>
+            <a:r>
+              <a:rPr lang="zh-CN" altLang="en-US" sz="2400" dirty="0" smtClean="0"/>
+              <a:t>电梯停于</a:t>
+            </a:r>
+            <a:r>
+              <a:rPr lang="en-US" altLang="zh-CN" sz="2400" dirty="0" smtClean="0"/>
+              <a:t>2F</a:t>
+            </a:r>
+            <a:r>
+              <a:rPr lang="zh-CN" altLang="en-US" sz="2400" dirty="0" smtClean="0"/>
+              <a:t>，按门内楼层按钮</a:t>
+            </a:r>
+            <a:r>
+              <a:rPr lang="en-US" altLang="zh-CN" sz="2400" dirty="0" smtClean="0"/>
+              <a:t>3</a:t>
+            </a:r>
+            <a:r>
+              <a:rPr lang="zh-CN" altLang="en-US" sz="2400" dirty="0" smtClean="0"/>
+              <a:t>，然后门内楼层按钮</a:t>
+            </a:r>
+            <a:r>
+              <a:rPr lang="en-US" altLang="zh-CN" sz="2400" dirty="0"/>
+              <a:t>1</a:t>
+            </a:r>
+            <a:r>
+              <a:rPr lang="zh-CN" altLang="en-US" sz="2400" dirty="0" smtClean="0"/>
+              <a:t>；电梯上手到</a:t>
+            </a:r>
+            <a:r>
+              <a:rPr lang="en-US" altLang="zh-CN" sz="2400" dirty="0" smtClean="0"/>
+              <a:t>3F</a:t>
+            </a:r>
+            <a:r>
+              <a:rPr lang="zh-CN" altLang="en-US" sz="2400" dirty="0" smtClean="0"/>
+              <a:t>，开门</a:t>
+            </a:r>
+            <a:r>
+              <a:rPr lang="en-US" altLang="zh-CN" sz="2400" dirty="0" smtClean="0"/>
+              <a:t>/</a:t>
+            </a:r>
+            <a:r>
+              <a:rPr lang="zh-CN" altLang="en-US" sz="2400" dirty="0" smtClean="0"/>
+              <a:t>关门，然后下降到</a:t>
+            </a:r>
+            <a:r>
+              <a:rPr lang="en-US" altLang="zh-CN" sz="2400" dirty="0" smtClean="0"/>
+              <a:t>1F</a:t>
+            </a:r>
+            <a:r>
+              <a:rPr lang="zh-CN" altLang="en-US" sz="2400" dirty="0" smtClean="0"/>
+              <a:t>，开门</a:t>
+            </a:r>
+            <a:r>
+              <a:rPr lang="en-US" altLang="zh-CN" sz="2400" dirty="0" smtClean="0"/>
+              <a:t>/</a:t>
+            </a:r>
+            <a:r>
+              <a:rPr lang="zh-CN" altLang="en-US" sz="2400" dirty="0" smtClean="0"/>
+              <a:t>关门。</a:t>
+            </a:r>
+            <a:endParaRPr lang="en-US" altLang="zh-CN" sz="2400" dirty="0" smtClean="0"/>
+          </a:p>
+          <a:p>
+            <a:pPr marL="342900" indent="-342900">
+              <a:lnSpc>
+                <a:spcPct val="150000"/>
+              </a:lnSpc>
+              <a:buFont typeface="+mj-lt"/>
+              <a:buAutoNum type="arabicPeriod"/>
+            </a:pPr>
+            <a:r>
+              <a:rPr lang="zh-CN" altLang="en-US" sz="2400" dirty="0" smtClean="0"/>
+              <a:t>电梯停于</a:t>
+            </a:r>
+            <a:r>
+              <a:rPr lang="en-US" altLang="zh-CN" sz="2400" dirty="0" smtClean="0"/>
+              <a:t>1F</a:t>
+            </a:r>
+            <a:r>
+              <a:rPr lang="zh-CN" altLang="en-US" sz="2400" dirty="0" smtClean="0"/>
+              <a:t>，按门内楼层按钮</a:t>
+            </a:r>
+            <a:r>
+              <a:rPr lang="en-US" altLang="zh-CN" sz="2400" dirty="0" smtClean="0"/>
+              <a:t>3</a:t>
+            </a:r>
+            <a:r>
+              <a:rPr lang="zh-CN" altLang="en-US" sz="2400" dirty="0" smtClean="0"/>
+              <a:t>，当电梯上升在</a:t>
+            </a:r>
+            <a:r>
+              <a:rPr lang="en-US" altLang="zh-CN" sz="2400" dirty="0" smtClean="0"/>
+              <a:t>1F</a:t>
+            </a:r>
+            <a:r>
+              <a:rPr lang="zh-CN" altLang="en-US" sz="2400" dirty="0" smtClean="0"/>
+              <a:t>到</a:t>
+            </a:r>
+            <a:r>
+              <a:rPr lang="en-US" altLang="zh-CN" sz="2400" dirty="0" smtClean="0"/>
+              <a:t>2F</a:t>
+            </a:r>
+            <a:r>
+              <a:rPr lang="zh-CN" altLang="en-US" sz="2400" dirty="0" smtClean="0"/>
+              <a:t>中间</a:t>
+            </a:r>
+            <a:r>
+              <a:rPr lang="zh-CN" altLang="en-US" sz="2400" dirty="0" smtClean="0">
+                <a:solidFill>
+                  <a:srgbClr val="C00000"/>
+                </a:solidFill>
+              </a:rPr>
+              <a:t>以下</a:t>
+            </a:r>
+            <a:r>
+              <a:rPr lang="zh-CN" altLang="en-US" sz="2400" dirty="0" smtClean="0"/>
+              <a:t>，按</a:t>
+            </a:r>
+            <a:r>
+              <a:rPr lang="en-US" altLang="zh-CN" sz="2400" dirty="0" smtClean="0"/>
+              <a:t>2F</a:t>
+            </a:r>
+            <a:r>
+              <a:rPr lang="zh-CN" altLang="en-US" sz="2400" dirty="0" smtClean="0"/>
+              <a:t>向上呼叫按钮；电梯先上升到</a:t>
+            </a:r>
+            <a:r>
+              <a:rPr lang="en-US" altLang="zh-CN" sz="2400" dirty="0" smtClean="0"/>
+              <a:t>2F</a:t>
+            </a:r>
+            <a:r>
+              <a:rPr lang="zh-CN" altLang="en-US" sz="2400" dirty="0" smtClean="0"/>
+              <a:t>，开门</a:t>
+            </a:r>
+            <a:r>
+              <a:rPr lang="en-US" altLang="zh-CN" sz="2400" dirty="0" smtClean="0"/>
+              <a:t>/</a:t>
+            </a:r>
+            <a:r>
+              <a:rPr lang="zh-CN" altLang="en-US" sz="2400" dirty="0" smtClean="0"/>
+              <a:t>关门；然后再到</a:t>
+            </a:r>
+            <a:r>
+              <a:rPr lang="en-US" altLang="zh-CN" sz="2400" dirty="0" smtClean="0"/>
+              <a:t>3F</a:t>
+            </a:r>
+            <a:r>
+              <a:rPr lang="zh-CN" altLang="en-US" sz="2400" dirty="0" smtClean="0"/>
+              <a:t>，开门</a:t>
+            </a:r>
+            <a:r>
+              <a:rPr lang="en-US" altLang="zh-CN" sz="2400" dirty="0" smtClean="0"/>
+              <a:t>/</a:t>
+            </a:r>
+            <a:r>
+              <a:rPr lang="zh-CN" altLang="en-US" sz="2400" dirty="0" smtClean="0"/>
+              <a:t>关门。</a:t>
+            </a:r>
+            <a:endParaRPr lang="en-US" altLang="zh-CN" sz="2400" dirty="0" smtClean="0"/>
+          </a:p>
+          <a:p>
+            <a:pPr marL="342900" indent="-342900">
+              <a:lnSpc>
+                <a:spcPct val="150000"/>
+              </a:lnSpc>
+              <a:buFont typeface="+mj-lt"/>
+              <a:buAutoNum type="arabicPeriod"/>
+            </a:pPr>
+            <a:r>
+              <a:rPr lang="zh-CN" altLang="en-US" sz="2400" dirty="0"/>
+              <a:t>电梯停于</a:t>
+            </a:r>
+            <a:r>
+              <a:rPr lang="en-US" altLang="zh-CN" sz="2400" dirty="0"/>
+              <a:t>1F</a:t>
+            </a:r>
+            <a:r>
+              <a:rPr lang="zh-CN" altLang="en-US" sz="2400" dirty="0"/>
+              <a:t>，按门内楼层按钮</a:t>
+            </a:r>
+            <a:r>
+              <a:rPr lang="en-US" altLang="zh-CN" sz="2400" dirty="0"/>
+              <a:t>3</a:t>
+            </a:r>
+            <a:r>
+              <a:rPr lang="zh-CN" altLang="en-US" sz="2400" dirty="0"/>
+              <a:t>，当电梯上升在</a:t>
+            </a:r>
+            <a:r>
+              <a:rPr lang="en-US" altLang="zh-CN" sz="2400" dirty="0"/>
+              <a:t>1F</a:t>
+            </a:r>
+            <a:r>
+              <a:rPr lang="zh-CN" altLang="en-US" sz="2400" dirty="0"/>
+              <a:t>到</a:t>
+            </a:r>
+            <a:r>
+              <a:rPr lang="en-US" altLang="zh-CN" sz="2400" dirty="0"/>
+              <a:t>2F</a:t>
+            </a:r>
+            <a:r>
+              <a:rPr lang="zh-CN" altLang="en-US" sz="2400" dirty="0"/>
+              <a:t>中间</a:t>
+            </a:r>
+            <a:r>
+              <a:rPr lang="zh-CN" altLang="en-US" sz="2400" dirty="0" smtClean="0">
+                <a:solidFill>
+                  <a:srgbClr val="C00000"/>
+                </a:solidFill>
+              </a:rPr>
+              <a:t>以上</a:t>
+            </a:r>
+            <a:r>
+              <a:rPr lang="zh-CN" altLang="en-US" sz="2400" dirty="0" smtClean="0"/>
+              <a:t>，</a:t>
+            </a:r>
+            <a:r>
+              <a:rPr lang="zh-CN" altLang="en-US" sz="2400" dirty="0"/>
+              <a:t>按</a:t>
+            </a:r>
+            <a:r>
+              <a:rPr lang="en-US" altLang="zh-CN" sz="2400" dirty="0"/>
+              <a:t>2F</a:t>
+            </a:r>
+            <a:r>
+              <a:rPr lang="zh-CN" altLang="en-US" sz="2400" dirty="0" smtClean="0"/>
+              <a:t>向上呼叫按钮</a:t>
+            </a:r>
+            <a:r>
+              <a:rPr lang="zh-CN" altLang="en-US" sz="2400" dirty="0"/>
+              <a:t>；电梯先上升</a:t>
+            </a:r>
+            <a:r>
+              <a:rPr lang="zh-CN" altLang="en-US" sz="2400" dirty="0" smtClean="0"/>
+              <a:t>到</a:t>
+            </a:r>
+            <a:r>
+              <a:rPr lang="en-US" altLang="zh-CN" sz="2400" dirty="0" smtClean="0"/>
+              <a:t>3F</a:t>
+            </a:r>
+            <a:r>
+              <a:rPr lang="zh-CN" altLang="en-US" sz="2400" dirty="0"/>
+              <a:t>，开门</a:t>
+            </a:r>
+            <a:r>
+              <a:rPr lang="en-US" altLang="zh-CN" sz="2400" dirty="0"/>
+              <a:t>/</a:t>
+            </a:r>
+            <a:r>
+              <a:rPr lang="zh-CN" altLang="en-US" sz="2400" dirty="0"/>
+              <a:t>关门；然后再</a:t>
+            </a:r>
+            <a:r>
+              <a:rPr lang="zh-CN" altLang="en-US" sz="2400" dirty="0" smtClean="0"/>
+              <a:t>到</a:t>
+            </a:r>
+            <a:r>
+              <a:rPr lang="en-US" altLang="zh-CN" sz="2400" dirty="0" smtClean="0"/>
+              <a:t>2F</a:t>
+            </a:r>
+            <a:r>
+              <a:rPr lang="zh-CN" altLang="en-US" sz="2400" dirty="0"/>
+              <a:t>，开门</a:t>
+            </a:r>
+            <a:r>
+              <a:rPr lang="en-US" altLang="zh-CN" sz="2400" dirty="0"/>
+              <a:t>/</a:t>
+            </a:r>
+            <a:r>
+              <a:rPr lang="zh-CN" altLang="en-US" sz="2400" dirty="0"/>
+              <a:t>关门</a:t>
+            </a:r>
+            <a:r>
+              <a:rPr lang="zh-CN" altLang="en-US" sz="2400" dirty="0" smtClean="0"/>
+              <a:t>。</a:t>
+            </a:r>
+            <a:endParaRPr lang="zh-CN" altLang="en-US" sz="2400" dirty="0"/>
+          </a:p>
+        </p:txBody>
+      </p:sp>
+    </p:spTree>
+    <p:extLst>
+      <p:ext uri="{BB962C8B-B14F-4D97-AF65-F5344CB8AC3E}">
+        <p14:creationId xmlns:p14="http://schemas.microsoft.com/office/powerpoint/2010/main" val="1268374169"/>
+      </p:ext>
+    </p:extLst>
+  </p:cSld>
+  <p:clrMapOvr>
+    <a:masterClrMapping/>
+  </p:clrMapOvr>
+  <p:transition>
+    <p:random/>
+  </p:transition>
+</p:sld>
+</file>
+
+<file path=ppt/slides/slide35.xml><?xml version="1.0" encoding="utf-8"?>
+<p:sld xmlns:a="http://schemas.openxmlformats.org/drawingml/2006/main" xmlns:r="http://schemas.openxmlformats.org/officeDocument/2006/relationships" xmlns:p="http://schemas.openxmlformats.org/presentationml/2006/main">
+  <p:cSld>
+    <p:spTree>
+      <p:nvGrpSpPr>
+        <p:cNvPr id="1" name=""/>
+        <p:cNvGrpSpPr/>
+        <p:nvPr/>
+      </p:nvGrpSpPr>
+      <p:grpSpPr>
+        <a:xfrm>
+          <a:off x="0" y="0"/>
+          <a:ext cx="0" cy="0"/>
+          <a:chOff x="0" y="0"/>
+          <a:chExt cx="0" cy="0"/>
+        </a:xfrm>
+      </p:grpSpPr>
+      <p:sp>
+        <p:nvSpPr>
+          <p:cNvPr id="2" name="标题 1"/>
+          <p:cNvSpPr>
+            <a:spLocks noGrp="1"/>
+          </p:cNvSpPr>
+          <p:nvPr>
+            <p:ph type="title"/>
+          </p:nvPr>
+        </p:nvSpPr>
+        <p:spPr>
+          <a:xfrm>
+            <a:off x="349225" y="-243408"/>
+            <a:ext cx="8612188" cy="998538"/>
+          </a:xfrm>
+        </p:spPr>
+        <p:txBody>
+          <a:bodyPr/>
+          <a:lstStyle/>
+          <a:p>
+            <a:r>
+              <a:rPr lang="zh-CN" altLang="en-US" sz="3200" dirty="0" smtClean="0">
+                <a:solidFill>
+                  <a:schemeClr val="bg1"/>
+                </a:solidFill>
+              </a:rPr>
+              <a:t>电梯功能测试参考（</a:t>
+            </a:r>
+            <a:r>
+              <a:rPr lang="en-US" altLang="zh-CN" sz="3200" dirty="0">
+                <a:solidFill>
+                  <a:schemeClr val="bg1"/>
+                </a:solidFill>
+              </a:rPr>
+              <a:t>3</a:t>
+            </a:r>
+            <a:r>
+              <a:rPr lang="zh-CN" altLang="en-US" sz="3200" dirty="0" smtClean="0">
+                <a:solidFill>
+                  <a:schemeClr val="bg1"/>
+                </a:solidFill>
+              </a:rPr>
+              <a:t>）</a:t>
+            </a:r>
+            <a:endParaRPr lang="zh-CN" altLang="en-US" sz="3200" dirty="0">
+              <a:solidFill>
+                <a:schemeClr val="bg1"/>
+              </a:solidFill>
+            </a:endParaRPr>
+          </a:p>
+        </p:txBody>
+      </p:sp>
+      <p:sp>
+        <p:nvSpPr>
+          <p:cNvPr id="3" name="TextBox 2"/>
+          <p:cNvSpPr txBox="1"/>
+          <p:nvPr/>
+        </p:nvSpPr>
+        <p:spPr>
+          <a:xfrm>
+            <a:off x="323528" y="548680"/>
+            <a:ext cx="8640960" cy="3970318"/>
+          </a:xfrm>
+          <a:prstGeom prst="rect">
+            <a:avLst/>
+          </a:prstGeom>
+          <a:noFill/>
+        </p:spPr>
+        <p:txBody>
+          <a:bodyPr wrap="square" rtlCol="0">
+            <a:spAutoFit/>
+          </a:bodyPr>
+          <a:lstStyle/>
+          <a:p>
+            <a:pPr marL="342900" indent="-342900">
+              <a:lnSpc>
+                <a:spcPct val="150000"/>
+              </a:lnSpc>
+              <a:buFont typeface="+mj-lt"/>
+              <a:buAutoNum type="arabicPeriod"/>
+            </a:pPr>
+            <a:r>
+              <a:rPr lang="zh-CN" altLang="en-US" sz="2400" dirty="0" smtClean="0"/>
+              <a:t>电梯</a:t>
+            </a:r>
+            <a:r>
+              <a:rPr lang="zh-CN" altLang="en-US" sz="2400" dirty="0"/>
+              <a:t>停于</a:t>
+            </a:r>
+            <a:r>
+              <a:rPr lang="en-US" altLang="zh-CN" sz="2400" dirty="0" smtClean="0"/>
+              <a:t>1F</a:t>
+            </a:r>
+            <a:r>
+              <a:rPr lang="zh-CN" altLang="en-US" sz="2400" dirty="0" smtClean="0"/>
+              <a:t>，按</a:t>
+            </a:r>
+            <a:r>
+              <a:rPr lang="en-US" altLang="zh-CN" sz="2400" dirty="0"/>
+              <a:t>2</a:t>
+            </a:r>
+            <a:r>
+              <a:rPr lang="en-US" altLang="zh-CN" sz="2400" dirty="0" smtClean="0"/>
+              <a:t>F </a:t>
+            </a:r>
+            <a:r>
+              <a:rPr lang="zh-CN" altLang="en-US" sz="2400" dirty="0" smtClean="0"/>
+              <a:t>向下呼叫按钮和向下呼叫按钮以及</a:t>
+            </a:r>
+            <a:r>
+              <a:rPr lang="en-US" altLang="zh-CN" sz="2400" dirty="0" smtClean="0"/>
+              <a:t>3F</a:t>
+            </a:r>
+            <a:r>
+              <a:rPr lang="zh-CN" altLang="en-US" sz="2400" dirty="0" smtClean="0"/>
+              <a:t>的向下呼叫按钮；电梯</a:t>
+            </a:r>
+            <a:r>
+              <a:rPr lang="zh-CN" altLang="en-US" sz="2400" dirty="0"/>
+              <a:t>上升</a:t>
+            </a:r>
+            <a:r>
+              <a:rPr lang="zh-CN" altLang="en-US" sz="2400" dirty="0" smtClean="0"/>
+              <a:t>到</a:t>
+            </a:r>
+            <a:r>
+              <a:rPr lang="en-US" altLang="zh-CN" sz="2400" dirty="0"/>
+              <a:t>2</a:t>
+            </a:r>
+            <a:r>
+              <a:rPr lang="en-US" altLang="zh-CN" sz="2400" dirty="0" smtClean="0"/>
+              <a:t>F</a:t>
+            </a:r>
+            <a:r>
+              <a:rPr lang="zh-CN" altLang="en-US" sz="2400" dirty="0" smtClean="0"/>
+              <a:t>，开门</a:t>
+            </a:r>
+            <a:r>
+              <a:rPr lang="en-US" altLang="zh-CN" sz="2400" dirty="0" smtClean="0"/>
+              <a:t>/</a:t>
+            </a:r>
+            <a:r>
+              <a:rPr lang="zh-CN" altLang="en-US" sz="2400" dirty="0" smtClean="0"/>
+              <a:t>关门，</a:t>
+            </a:r>
+            <a:r>
+              <a:rPr lang="en-US" altLang="zh-CN" sz="2400" dirty="0" smtClean="0"/>
+              <a:t>2F</a:t>
+            </a:r>
+            <a:r>
+              <a:rPr lang="zh-CN" altLang="en-US" sz="2400" dirty="0" smtClean="0"/>
+              <a:t>的向上呼叫按钮灯关闭，然后上升到</a:t>
+            </a:r>
+            <a:r>
+              <a:rPr lang="en-US" altLang="zh-CN" sz="2400" dirty="0"/>
+              <a:t>3</a:t>
+            </a:r>
+            <a:r>
+              <a:rPr lang="en-US" altLang="zh-CN" sz="2400" dirty="0" smtClean="0"/>
+              <a:t>F</a:t>
+            </a:r>
+            <a:r>
+              <a:rPr lang="zh-CN" altLang="en-US" sz="2400" dirty="0" smtClean="0"/>
+              <a:t>，开门</a:t>
+            </a:r>
+            <a:r>
+              <a:rPr lang="en-US" altLang="zh-CN" sz="2400" dirty="0" smtClean="0"/>
+              <a:t>/</a:t>
+            </a:r>
+            <a:r>
+              <a:rPr lang="zh-CN" altLang="en-US" sz="2400" dirty="0" smtClean="0"/>
+              <a:t>关门，</a:t>
+            </a:r>
+            <a:r>
+              <a:rPr lang="en-US" altLang="zh-CN" sz="2400" dirty="0" smtClean="0"/>
+              <a:t>3F</a:t>
+            </a:r>
+            <a:r>
+              <a:rPr lang="zh-CN" altLang="en-US" sz="2400" dirty="0" smtClean="0"/>
+              <a:t>的向下呼叫按钮关闭，然后下降到</a:t>
+            </a:r>
+            <a:r>
+              <a:rPr lang="en-US" altLang="zh-CN" sz="2400" dirty="0" smtClean="0"/>
+              <a:t>2F</a:t>
+            </a:r>
+            <a:r>
+              <a:rPr lang="zh-CN" altLang="en-US" sz="2400" dirty="0" smtClean="0"/>
+              <a:t>，开门</a:t>
+            </a:r>
+            <a:r>
+              <a:rPr lang="en-US" altLang="zh-CN" sz="2400" dirty="0" smtClean="0"/>
+              <a:t>/</a:t>
+            </a:r>
+            <a:r>
+              <a:rPr lang="zh-CN" altLang="en-US" sz="2400" dirty="0" smtClean="0"/>
+              <a:t>关门，</a:t>
+            </a:r>
+            <a:r>
+              <a:rPr lang="en-US" altLang="zh-CN" sz="2400" dirty="0" smtClean="0"/>
+              <a:t>2F</a:t>
+            </a:r>
+            <a:r>
+              <a:rPr lang="zh-CN" altLang="en-US" sz="2400" dirty="0" smtClean="0"/>
+              <a:t>的向下呼叫按钮关闭。</a:t>
+            </a:r>
+            <a:endParaRPr lang="en-US" altLang="zh-CN" sz="2400" dirty="0" smtClean="0"/>
+          </a:p>
+          <a:p>
+            <a:pPr marL="342900" indent="-342900">
+              <a:lnSpc>
+                <a:spcPct val="150000"/>
+              </a:lnSpc>
+              <a:buFont typeface="+mj-lt"/>
+              <a:buAutoNum type="arabicPeriod"/>
+            </a:pPr>
+            <a:r>
+              <a:rPr lang="zh-CN" altLang="en-US" sz="2400" dirty="0" smtClean="0"/>
+              <a:t>电梯在</a:t>
+            </a:r>
+            <a:r>
+              <a:rPr lang="en-US" altLang="zh-CN" sz="2400" dirty="0" smtClean="0"/>
+              <a:t>2F</a:t>
+            </a:r>
+            <a:r>
+              <a:rPr lang="zh-CN" altLang="en-US" sz="2400" dirty="0" smtClean="0"/>
+              <a:t>以上，</a:t>
+            </a:r>
+            <a:r>
+              <a:rPr lang="en-US" altLang="zh-CN" sz="2400" dirty="0" smtClean="0"/>
+              <a:t>10s</a:t>
+            </a:r>
+            <a:r>
+              <a:rPr lang="zh-CN" altLang="en-US" sz="2400" dirty="0" smtClean="0"/>
+              <a:t>无动作，自动降到</a:t>
+            </a:r>
+            <a:r>
+              <a:rPr lang="en-US" altLang="zh-CN" sz="2400" dirty="0" smtClean="0"/>
+              <a:t>1</a:t>
+            </a:r>
+            <a:r>
+              <a:rPr lang="zh-CN" altLang="en-US" sz="2400" dirty="0" smtClean="0"/>
+              <a:t>楼。</a:t>
+            </a:r>
+            <a:endParaRPr lang="en-US" altLang="zh-CN" sz="2400" dirty="0" smtClean="0"/>
+          </a:p>
+          <a:p>
+            <a:pPr marL="342900" indent="-342900">
+              <a:lnSpc>
+                <a:spcPct val="150000"/>
+              </a:lnSpc>
+              <a:buFont typeface="+mj-lt"/>
+              <a:buAutoNum type="arabicPeriod"/>
+            </a:pPr>
+            <a:r>
+              <a:rPr lang="zh-CN" altLang="en-US" sz="2400" dirty="0" smtClean="0"/>
+              <a:t>所有停止，开门</a:t>
+            </a:r>
+            <a:r>
+              <a:rPr lang="en-US" altLang="zh-CN" sz="2400" dirty="0" smtClean="0"/>
+              <a:t>/</a:t>
+            </a:r>
+            <a:r>
+              <a:rPr lang="zh-CN" altLang="en-US" sz="2400" dirty="0" smtClean="0"/>
+              <a:t>关门</a:t>
+            </a:r>
+            <a:r>
+              <a:rPr lang="zh-CN" altLang="en-US" sz="2400" smtClean="0"/>
+              <a:t>后，对应楼层的同方向门</a:t>
+            </a:r>
+            <a:r>
+              <a:rPr lang="zh-CN" altLang="en-US" sz="2400" dirty="0" smtClean="0"/>
+              <a:t>外呼叫按钮灯和门内楼层按钮灯</a:t>
+            </a:r>
+            <a:r>
+              <a:rPr lang="zh-CN" altLang="en-US" sz="2400" smtClean="0"/>
+              <a:t>关闭。</a:t>
+            </a:r>
+            <a:endParaRPr lang="zh-CN" altLang="en-US" sz="2400" dirty="0"/>
+          </a:p>
+        </p:txBody>
+      </p:sp>
+    </p:spTree>
+    <p:extLst>
+      <p:ext uri="{BB962C8B-B14F-4D97-AF65-F5344CB8AC3E}">
+        <p14:creationId xmlns:p14="http://schemas.microsoft.com/office/powerpoint/2010/main" val="741921519"/>
       </p:ext>
     </p:extLst>
   </p:cSld>

--- a/C语言课程设计/2016/Garage_mfc/状态和状态机.pptx
+++ b/C语言课程设计/2016/Garage_mfc/状态和状态机.pptx
@@ -7257,7 +7257,7 @@
           <a:graphicData uri="http://schemas.openxmlformats.org/presentationml/2006/ole">
             <mc:AlternateContent xmlns:mc="http://schemas.openxmlformats.org/markup-compatibility/2006">
               <mc:Choice xmlns:v="urn:schemas-microsoft-com:vml" Requires="v">
-                <p:oleObj spid="_x0000_s3165" name="Visio" r:id="rId4" imgW="1830313" imgH="456553" progId="Visio.Drawing.11">
+                <p:oleObj spid="_x0000_s3170" name="Visio" r:id="rId4" imgW="1830313" imgH="456553" progId="Visio.Drawing.11">
                   <p:link updateAutomatic="1"/>
                 </p:oleObj>
               </mc:Choice>
@@ -8366,7 +8366,7 @@
           <a:graphicData uri="http://schemas.openxmlformats.org/presentationml/2006/ole">
             <mc:AlternateContent xmlns:mc="http://schemas.openxmlformats.org/markup-compatibility/2006">
               <mc:Choice xmlns:v="urn:schemas-microsoft-com:vml" Requires="v">
-                <p:oleObj spid="_x0000_s4187" name="Visio" r:id="rId4" imgW="4370097" imgH="877953" progId="Visio.Drawing.11">
+                <p:oleObj spid="_x0000_s4192" name="Visio" r:id="rId4" imgW="4370097" imgH="877953" progId="Visio.Drawing.11">
                   <p:link updateAutomatic="1"/>
                 </p:oleObj>
               </mc:Choice>
@@ -10379,8 +10379,8 @@
         </p:nvSpPr>
         <p:spPr>
           <a:xfrm>
-            <a:off x="323528" y="3450852"/>
-            <a:ext cx="8136904" cy="3362524"/>
+            <a:off x="323528" y="3356992"/>
+            <a:ext cx="8136904" cy="3416320"/>
           </a:xfrm>
           <a:prstGeom prst="rect">
             <a:avLst/>
@@ -10408,11 +10408,19 @@
               </a:lnSpc>
             </a:pPr>
             <a:r>
-              <a:rPr lang="en-US" altLang="zh-CN" dirty="0"/>
+              <a:rPr lang="en-US" altLang="zh-CN" dirty="0">
+                <a:solidFill>
+                  <a:srgbClr val="FF0000"/>
+                </a:solidFill>
+              </a:rPr>
               <a:t>Idle</a:t>
             </a:r>
             <a:r>
-              <a:rPr lang="zh-CN" altLang="en-US" dirty="0"/>
+              <a:rPr lang="zh-CN" altLang="en-US" dirty="0">
+                <a:solidFill>
+                  <a:srgbClr val="FF0000"/>
+                </a:solidFill>
+              </a:rPr>
               <a:t>状态，电梯处于静止状态，等待相关事件的发生，从而走向下一个状态。</a:t>
             </a:r>
           </a:p>
@@ -10691,7 +10699,7 @@
       </p:sp>
       <p:pic>
         <p:nvPicPr>
-          <p:cNvPr id="6147" name="Picture 3"/>
+          <p:cNvPr id="6" name="Picture 2"/>
           <p:cNvPicPr>
             <a:picLocks noChangeAspect="1" noChangeArrowheads="1"/>
           </p:cNvPicPr>
@@ -10712,8 +10720,8 @@
         </p:blipFill>
         <p:spPr bwMode="auto">
           <a:xfrm>
-            <a:off x="323528" y="495667"/>
-            <a:ext cx="4838700" cy="2905125"/>
+            <a:off x="323528" y="476672"/>
+            <a:ext cx="4804469" cy="2880320"/>
           </a:xfrm>
           <a:prstGeom prst="rect">
             <a:avLst/>
@@ -10727,6 +10735,7 @@
             <a:headEnd/>
             <a:tailEnd/>
           </a:ln>
+          <a:effectLst/>
           <a:extLst>
             <a:ext uri="{909E8E84-426E-40DD-AFC4-6F175D3DCCD1}">
               <a14:hiddenFill xmlns:a14="http://schemas.microsoft.com/office/drawing/2010/main">
@@ -10734,6 +10743,15 @@
                   <a:schemeClr val="accent1"/>
                 </a:solidFill>
               </a14:hiddenFill>
+            </a:ext>
+            <a:ext uri="{AF507438-7753-43E0-B8FC-AC1667EBCBE1}">
+              <a14:hiddenEffects xmlns:a14="http://schemas.microsoft.com/office/drawing/2010/main">
+                <a:effectLst>
+                  <a:outerShdw dist="35921" dir="2700000" algn="ctr" rotWithShape="0">
+                    <a:schemeClr val="bg2"/>
+                  </a:outerShdw>
+                </a:effectLst>
+              </a14:hiddenEffects>
             </a:ext>
           </a:extLst>
         </p:spPr>
@@ -11119,12 +11137,12 @@
               <a:t> </a:t>
             </a:r>
             <a:r>
-              <a:rPr lang="en-US" altLang="zh-CN" dirty="0">
+              <a:rPr lang="en-US" altLang="zh-CN" smtClean="0">
                 <a:solidFill>
                   <a:srgbClr val="C00000"/>
                 </a:solidFill>
               </a:rPr>
-              <a:t>Idle</a:t>
+              <a:t>DoorOpen</a:t>
             </a:r>
             <a:endParaRPr lang="zh-CN" altLang="en-US" dirty="0">
               <a:solidFill>
@@ -11403,7 +11421,7 @@
       </p:sp>
       <p:pic>
         <p:nvPicPr>
-          <p:cNvPr id="7170" name="Picture 2"/>
+          <p:cNvPr id="5122" name="Picture 2"/>
           <p:cNvPicPr>
             <a:picLocks noChangeAspect="1" noChangeArrowheads="1"/>
           </p:cNvPicPr>
@@ -11424,8 +11442,8 @@
         </p:blipFill>
         <p:spPr bwMode="auto">
           <a:xfrm>
-            <a:off x="323528" y="451867"/>
-            <a:ext cx="4838700" cy="2905125"/>
+            <a:off x="323528" y="476672"/>
+            <a:ext cx="4804469" cy="2880320"/>
           </a:xfrm>
           <a:prstGeom prst="rect">
             <a:avLst/>
@@ -11439,6 +11457,7 @@
             <a:headEnd/>
             <a:tailEnd/>
           </a:ln>
+          <a:effectLst/>
           <a:extLst>
             <a:ext uri="{909E8E84-426E-40DD-AFC4-6F175D3DCCD1}">
               <a14:hiddenFill xmlns:a14="http://schemas.microsoft.com/office/drawing/2010/main">
@@ -11446,6 +11465,15 @@
                   <a:schemeClr val="accent1"/>
                 </a:solidFill>
               </a14:hiddenFill>
+            </a:ext>
+            <a:ext uri="{AF507438-7753-43E0-B8FC-AC1667EBCBE1}">
+              <a14:hiddenEffects xmlns:a14="http://schemas.microsoft.com/office/drawing/2010/main">
+                <a:effectLst>
+                  <a:outerShdw dist="35921" dir="2700000" algn="ctr" rotWithShape="0">
+                    <a:schemeClr val="bg2"/>
+                  </a:outerShdw>
+                </a:effectLst>
+              </a14:hiddenEffects>
             </a:ext>
           </a:extLst>
         </p:spPr>

--- a/C语言课程设计/2016/Garage_mfc/状态和状态机.pptx
+++ b/C语言课程设计/2016/Garage_mfc/状态和状态机.pptx
@@ -7257,7 +7257,7 @@
           <a:graphicData uri="http://schemas.openxmlformats.org/presentationml/2006/ole">
             <mc:AlternateContent xmlns:mc="http://schemas.openxmlformats.org/markup-compatibility/2006">
               <mc:Choice xmlns:v="urn:schemas-microsoft-com:vml" Requires="v">
-                <p:oleObj spid="_x0000_s3170" name="Visio" r:id="rId4" imgW="1830313" imgH="456553" progId="Visio.Drawing.11">
+                <p:oleObj spid="_x0000_s3172" name="Visio" r:id="rId4" imgW="1830313" imgH="456553" progId="Visio.Drawing.11">
                   <p:link updateAutomatic="1"/>
                 </p:oleObj>
               </mc:Choice>
@@ -8366,7 +8366,7 @@
           <a:graphicData uri="http://schemas.openxmlformats.org/presentationml/2006/ole">
             <mc:AlternateContent xmlns:mc="http://schemas.openxmlformats.org/markup-compatibility/2006">
               <mc:Choice xmlns:v="urn:schemas-microsoft-com:vml" Requires="v">
-                <p:oleObj spid="_x0000_s4192" name="Visio" r:id="rId4" imgW="4370097" imgH="877953" progId="Visio.Drawing.11">
+                <p:oleObj spid="_x0000_s4194" name="Visio" r:id="rId4" imgW="4370097" imgH="877953" progId="Visio.Drawing.11">
                   <p:link updateAutomatic="1"/>
                 </p:oleObj>
               </mc:Choice>
@@ -12219,7 +12219,7 @@
         <p:spPr>
           <a:xfrm>
             <a:off x="539552" y="1052736"/>
-            <a:ext cx="8280920" cy="4247317"/>
+            <a:ext cx="8280920" cy="5216813"/>
           </a:xfrm>
           <a:prstGeom prst="rect">
             <a:avLst/>
@@ -12359,6 +12359,7 @@
               <a:rPr lang="en-US" altLang="zh-CN" dirty="0" smtClean="0"/>
               <a:t>);</a:t>
             </a:r>
+            <a:endParaRPr lang="en-US" altLang="zh-CN" dirty="0"/>
           </a:p>
           <a:p>
             <a:pPr>
@@ -12366,14 +12367,6 @@
                 <a:spcPct val="150000"/>
               </a:lnSpc>
             </a:pPr>
-            <a:endParaRPr lang="en-US" altLang="zh-CN" dirty="0"/>
-          </a:p>
-          <a:p>
-            <a:pPr>
-              <a:lnSpc>
-                <a:spcPct val="150000"/>
-              </a:lnSpc>
-            </a:pPr>
             <a:r>
               <a:rPr lang="en-US" altLang="zh-CN" dirty="0" smtClean="0">
                 <a:solidFill>
@@ -12500,6 +12493,112 @@
               <a:rPr lang="en-US" altLang="zh-CN" dirty="0" smtClean="0"/>
               <a:t>();</a:t>
             </a:r>
+          </a:p>
+          <a:p>
+            <a:endParaRPr lang="en-US" altLang="zh-CN" dirty="0"/>
+          </a:p>
+          <a:p>
+            <a:r>
+              <a:rPr lang="en-US" altLang="zh-CN" dirty="0" smtClean="0">
+                <a:solidFill>
+                  <a:srgbClr val="FF0000"/>
+                </a:solidFill>
+              </a:rPr>
+              <a:t>// </a:t>
+            </a:r>
+            <a:r>
+              <a:rPr lang="zh-CN" altLang="en-US" dirty="0" smtClean="0">
+                <a:solidFill>
+                  <a:srgbClr val="FF0000"/>
+                </a:solidFill>
+              </a:rPr>
+              <a:t>常数，楼层数</a:t>
+            </a:r>
+            <a:endParaRPr lang="en-US" altLang="zh-CN" dirty="0" smtClean="0">
+              <a:solidFill>
+                <a:srgbClr val="FF0000"/>
+              </a:solidFill>
+            </a:endParaRPr>
+          </a:p>
+          <a:p>
+            <a:r>
+              <a:rPr lang="en-US" altLang="zh-CN" dirty="0" smtClean="0"/>
+              <a:t>#define </a:t>
+            </a:r>
+            <a:r>
+              <a:rPr lang="en-US" altLang="zh-CN" dirty="0" err="1" smtClean="0"/>
+              <a:t>Lib_FloorNum</a:t>
+            </a:r>
+            <a:r>
+              <a:rPr lang="en-US" altLang="zh-CN" dirty="0" smtClean="0"/>
+              <a:t>  3 </a:t>
+            </a:r>
+          </a:p>
+          <a:p>
+            <a:r>
+              <a:rPr lang="en-US" altLang="zh-CN" dirty="0" smtClean="0">
+                <a:solidFill>
+                  <a:srgbClr val="FF0000"/>
+                </a:solidFill>
+              </a:rPr>
+              <a:t>// </a:t>
+            </a:r>
+            <a:r>
+              <a:rPr lang="zh-CN" altLang="en-US" dirty="0" smtClean="0">
+                <a:solidFill>
+                  <a:srgbClr val="FF0000"/>
+                </a:solidFill>
+              </a:rPr>
+              <a:t>常数，容差</a:t>
+            </a:r>
+            <a:r>
+              <a:rPr lang="en-US" altLang="zh-CN" dirty="0" smtClean="0">
+                <a:solidFill>
+                  <a:srgbClr val="FF0000"/>
+                </a:solidFill>
+              </a:rPr>
+              <a:t>(</a:t>
+            </a:r>
+            <a:r>
+              <a:rPr lang="zh-CN" altLang="en-US" smtClean="0">
+                <a:solidFill>
+                  <a:srgbClr val="FF0000"/>
+                </a:solidFill>
+              </a:rPr>
+              <a:t>见下页</a:t>
+            </a:r>
+            <a:r>
+              <a:rPr lang="en-US" altLang="zh-CN" smtClean="0">
+                <a:solidFill>
+                  <a:srgbClr val="FF0000"/>
+                </a:solidFill>
+              </a:rPr>
+              <a:t>)</a:t>
+            </a:r>
+            <a:endParaRPr lang="en-US" altLang="zh-CN" dirty="0" smtClean="0">
+              <a:solidFill>
+                <a:srgbClr val="FF0000"/>
+              </a:solidFill>
+            </a:endParaRPr>
+          </a:p>
+          <a:p>
+            <a:r>
+              <a:rPr lang="en-US" altLang="zh-CN" dirty="0"/>
+              <a:t>#define </a:t>
+            </a:r>
+            <a:r>
+              <a:rPr lang="en-US" altLang="zh-CN" dirty="0" err="1"/>
+              <a:t>Lib_FloorTolerance</a:t>
+            </a:r>
+            <a:r>
+              <a:rPr lang="en-US" altLang="zh-CN" dirty="0"/>
+              <a:t> </a:t>
+            </a:r>
+            <a:r>
+              <a:rPr lang="en-US" altLang="zh-CN" dirty="0" smtClean="0"/>
+              <a:t>0.01   </a:t>
+            </a:r>
+            <a:endParaRPr lang="en-US" altLang="zh-CN" dirty="0" smtClean="0"/>
           </a:p>
         </p:txBody>
       </p:sp>
@@ -12733,8 +12832,20 @@
               <a:t>();  // </a:t>
             </a:r>
             <a:r>
+              <a:rPr lang="en-US" altLang="zh-CN" dirty="0" err="1"/>
+              <a:t>GetFloor</a:t>
+            </a:r>
+            <a:r>
+              <a:rPr lang="en-US" altLang="zh-CN" dirty="0"/>
+              <a:t>()</a:t>
+            </a:r>
+            <a:r>
               <a:rPr lang="zh-CN" altLang="en-US" dirty="0" smtClean="0"/>
-              <a:t>上述函数的四舍五入值</a:t>
+              <a:t>函数</a:t>
+            </a:r>
+            <a:r>
+              <a:rPr lang="zh-CN" altLang="en-US" dirty="0" smtClean="0"/>
+              <a:t>的四舍五入值</a:t>
             </a:r>
             <a:endParaRPr lang="en-US" altLang="zh-CN" dirty="0"/>
           </a:p>

--- a/C语言课程设计/2016/Garage_mfc/状态和状态机.pptx
+++ b/C语言课程设计/2016/Garage_mfc/状态和状态机.pptx
@@ -5,10 +5,10 @@
     <p:sldMasterId id="2147483659" r:id="rId1"/>
   </p:sldMasterIdLst>
   <p:notesMasterIdLst>
-    <p:notesMasterId r:id="rId37"/>
+    <p:notesMasterId r:id="rId39"/>
   </p:notesMasterIdLst>
   <p:handoutMasterIdLst>
-    <p:handoutMasterId r:id="rId38"/>
+    <p:handoutMasterId r:id="rId40"/>
   </p:handoutMasterIdLst>
   <p:sldIdLst>
     <p:sldId id="335" r:id="rId2"/>
@@ -36,16 +36,18 @@
     <p:sldId id="358" r:id="rId24"/>
     <p:sldId id="359" r:id="rId25"/>
     <p:sldId id="361" r:id="rId26"/>
-    <p:sldId id="362" r:id="rId27"/>
-    <p:sldId id="363" r:id="rId28"/>
-    <p:sldId id="364" r:id="rId29"/>
-    <p:sldId id="365" r:id="rId30"/>
-    <p:sldId id="366" r:id="rId31"/>
-    <p:sldId id="360" r:id="rId32"/>
-    <p:sldId id="367" r:id="rId33"/>
-    <p:sldId id="368" r:id="rId34"/>
-    <p:sldId id="369" r:id="rId35"/>
-    <p:sldId id="370" r:id="rId36"/>
+    <p:sldId id="371" r:id="rId27"/>
+    <p:sldId id="372" r:id="rId28"/>
+    <p:sldId id="373" r:id="rId29"/>
+    <p:sldId id="363" r:id="rId30"/>
+    <p:sldId id="364" r:id="rId31"/>
+    <p:sldId id="365" r:id="rId32"/>
+    <p:sldId id="366" r:id="rId33"/>
+    <p:sldId id="360" r:id="rId34"/>
+    <p:sldId id="367" r:id="rId35"/>
+    <p:sldId id="368" r:id="rId36"/>
+    <p:sldId id="369" r:id="rId37"/>
+    <p:sldId id="370" r:id="rId38"/>
   </p:sldIdLst>
   <p:sldSz cx="9144000" cy="6858000" type="screen4x3"/>
   <p:notesSz cx="6858000" cy="9144000"/>
@@ -1056,7 +1058,7 @@
               <a:pPr>
                 <a:defRPr/>
               </a:pPr>
-              <a:t>27</a:t>
+              <a:t>29</a:t>
             </a:fld>
             <a:endParaRPr lang="en-US" altLang="zh-CN"/>
           </a:p>
@@ -1146,7 +1148,7 @@
               <a:pPr>
                 <a:defRPr/>
               </a:pPr>
-              <a:t>28</a:t>
+              <a:t>30</a:t>
             </a:fld>
             <a:endParaRPr lang="en-US" altLang="zh-CN"/>
           </a:p>
@@ -1236,7 +1238,7 @@
               <a:pPr>
                 <a:defRPr/>
               </a:pPr>
-              <a:t>29</a:t>
+              <a:t>31</a:t>
             </a:fld>
             <a:endParaRPr lang="en-US" altLang="zh-CN"/>
           </a:p>
@@ -1326,7 +1328,7 @@
               <a:pPr>
                 <a:defRPr/>
               </a:pPr>
-              <a:t>30</a:t>
+              <a:t>32</a:t>
             </a:fld>
             <a:endParaRPr lang="en-US" altLang="zh-CN"/>
           </a:p>
@@ -7257,7 +7259,7 @@
           <a:graphicData uri="http://schemas.openxmlformats.org/presentationml/2006/ole">
             <mc:AlternateContent xmlns:mc="http://schemas.openxmlformats.org/markup-compatibility/2006">
               <mc:Choice xmlns:v="urn:schemas-microsoft-com:vml" Requires="v">
-                <p:oleObj spid="_x0000_s3172" name="Visio" r:id="rId4" imgW="1830313" imgH="456553" progId="Visio.Drawing.11">
+                <p:oleObj spid="_x0000_s3180" name="Visio" r:id="rId4" imgW="1830313" imgH="456553" progId="Visio.Drawing.11">
                   <p:link updateAutomatic="1"/>
                 </p:oleObj>
               </mc:Choice>
@@ -8366,7 +8368,7 @@
           <a:graphicData uri="http://schemas.openxmlformats.org/presentationml/2006/ole">
             <mc:AlternateContent xmlns:mc="http://schemas.openxmlformats.org/markup-compatibility/2006">
               <mc:Choice xmlns:v="urn:schemas-microsoft-com:vml" Requires="v">
-                <p:oleObj spid="_x0000_s4194" name="Visio" r:id="rId4" imgW="4370097" imgH="877953" progId="Visio.Drawing.11">
+                <p:oleObj spid="_x0000_s4202" name="Visio" r:id="rId4" imgW="4370097" imgH="877953" progId="Visio.Drawing.11">
                   <p:link updateAutomatic="1"/>
                 </p:oleObj>
               </mc:Choice>
@@ -10180,7 +10182,7 @@
         </p:nvSpPr>
         <p:spPr>
           <a:xfrm>
-            <a:off x="5285765" y="523875"/>
+            <a:off x="5285765" y="609441"/>
             <a:ext cx="3750731" cy="2531527"/>
           </a:xfrm>
           <a:prstGeom prst="rect">
@@ -10379,8 +10381,8 @@
         </p:nvSpPr>
         <p:spPr>
           <a:xfrm>
-            <a:off x="323528" y="3356992"/>
-            <a:ext cx="8136904" cy="3416320"/>
+            <a:off x="251520" y="3645024"/>
+            <a:ext cx="8712968" cy="2862322"/>
           </a:xfrm>
           <a:prstGeom prst="rect">
             <a:avLst/>
@@ -10402,13 +10404,8 @@
           </a:bodyPr>
           <a:lstStyle/>
           <a:p>
-            <a:pPr>
-              <a:lnSpc>
-                <a:spcPct val="150000"/>
-              </a:lnSpc>
-            </a:pPr>
-            <a:r>
-              <a:rPr lang="en-US" altLang="zh-CN" dirty="0">
+            <a:r>
+              <a:rPr lang="en-US" altLang="zh-CN" sz="2000" b="1" dirty="0">
                 <a:solidFill>
                   <a:srgbClr val="FF0000"/>
                 </a:solidFill>
@@ -10416,290 +10413,212 @@
               <a:t>Idle</a:t>
             </a:r>
             <a:r>
-              <a:rPr lang="zh-CN" altLang="en-US" dirty="0">
+              <a:rPr lang="zh-CN" altLang="en-US" sz="2000" b="1" dirty="0">
                 <a:solidFill>
                   <a:srgbClr val="FF0000"/>
                 </a:solidFill>
               </a:rPr>
-              <a:t>状态，电梯处于静止状态，等待相关事件的发生，从而走向下一个状态。</a:t>
-            </a:r>
-          </a:p>
-          <a:p>
-            <a:pPr>
-              <a:lnSpc>
-                <a:spcPct val="150000"/>
-              </a:lnSpc>
-            </a:pPr>
-            <a:r>
-              <a:rPr lang="en-US" altLang="zh-CN" dirty="0"/>
+              <a:t>状态，电梯停止在某楼层，门是关闭的，处于静止状态，等待相关事件的发生，从而转换到下一个状态。</a:t>
+            </a:r>
+          </a:p>
+          <a:p>
+            <a:r>
+              <a:rPr lang="en-US" altLang="zh-CN" sz="2000" b="1" dirty="0"/>
               <a:t>(S1) </a:t>
             </a:r>
             <a:r>
-              <a:rPr lang="zh-CN" altLang="en-US" dirty="0"/>
+              <a:rPr lang="zh-CN" altLang="en-US" sz="2000" b="1" dirty="0"/>
               <a:t>检查</a:t>
             </a:r>
             <a:r>
-              <a:rPr lang="en-US" altLang="zh-CN" dirty="0"/>
+              <a:rPr lang="en-US" altLang="zh-CN" sz="2000" b="1" dirty="0"/>
               <a:t>E3</a:t>
             </a:r>
             <a:r>
-              <a:rPr lang="zh-CN" altLang="en-US" dirty="0"/>
+              <a:rPr lang="zh-CN" altLang="en-US" sz="2000" b="1" dirty="0"/>
               <a:t>、</a:t>
             </a:r>
             <a:r>
-              <a:rPr lang="en-US" altLang="zh-CN" dirty="0"/>
+              <a:rPr lang="en-US" altLang="zh-CN" sz="2000" b="1" dirty="0"/>
               <a:t>E4</a:t>
             </a:r>
             <a:r>
-              <a:rPr lang="zh-CN" altLang="en-US" dirty="0"/>
+              <a:rPr lang="zh-CN" altLang="en-US" sz="2000" b="1" dirty="0"/>
               <a:t>、</a:t>
             </a:r>
             <a:r>
-              <a:rPr lang="en-US" altLang="zh-CN" dirty="0"/>
+              <a:rPr lang="en-US" altLang="zh-CN" sz="2000" b="1" dirty="0"/>
               <a:t>E5</a:t>
             </a:r>
             <a:r>
-              <a:rPr lang="zh-CN" altLang="en-US" dirty="0"/>
-              <a:t>事件。静态检测，目标楼层</a:t>
-            </a:r>
-            <a:r>
-              <a:rPr lang="en-US" altLang="zh-CN" dirty="0"/>
+              <a:rPr lang="zh-CN" altLang="en-US" sz="2000" b="1" dirty="0"/>
+              <a:t>事件</a:t>
+            </a:r>
+            <a:r>
+              <a:rPr lang="zh-CN" altLang="en-US" sz="2000" b="1" dirty="0" smtClean="0"/>
+              <a:t>。</a:t>
+            </a:r>
+            <a:endParaRPr lang="en-US" altLang="zh-CN" sz="2000" b="1" dirty="0" smtClean="0"/>
+          </a:p>
+          <a:p>
+            <a:r>
+              <a:rPr lang="en-US" altLang="zh-CN" sz="2000" b="1" dirty="0"/>
+              <a:t> </a:t>
+            </a:r>
+            <a:r>
+              <a:rPr lang="en-US" altLang="zh-CN" sz="2000" b="1" dirty="0" smtClean="0"/>
+              <a:t>       </a:t>
+            </a:r>
+            <a:r>
+              <a:rPr lang="zh-CN" altLang="en-US" sz="2000" b="1" dirty="0" smtClean="0"/>
+              <a:t>静态</a:t>
+            </a:r>
+            <a:r>
+              <a:rPr lang="zh-CN" altLang="en-US" sz="2000" b="1" dirty="0"/>
+              <a:t>检测，</a:t>
+            </a:r>
+            <a:r>
+              <a:rPr lang="en-US" altLang="zh-CN" sz="2000" b="1" dirty="0" err="1"/>
+              <a:t>bool</a:t>
+            </a:r>
+            <a:r>
+              <a:rPr lang="en-US" altLang="zh-CN" sz="2000" b="1" dirty="0"/>
+              <a:t> up; </a:t>
+            </a:r>
+            <a:r>
+              <a:rPr lang="zh-CN" altLang="en-US" sz="2000" b="1" dirty="0"/>
+              <a:t>目标楼层</a:t>
+            </a:r>
+            <a:r>
+              <a:rPr lang="en-US" altLang="zh-CN" sz="2000" b="1" dirty="0"/>
               <a:t>=</a:t>
             </a:r>
             <a:r>
-              <a:rPr lang="en-US" altLang="zh-CN" dirty="0" err="1"/>
+              <a:rPr lang="en-US" altLang="zh-CN" sz="2000" b="1" dirty="0" err="1"/>
               <a:t>IdleWhatFloorToGoTo</a:t>
             </a:r>
             <a:r>
-              <a:rPr lang="en-US" altLang="zh-CN" dirty="0"/>
-              <a:t>();</a:t>
-            </a:r>
-            <a:endParaRPr lang="zh-CN" altLang="en-US" dirty="0"/>
-          </a:p>
-          <a:p>
-            <a:pPr>
-              <a:lnSpc>
-                <a:spcPct val="150000"/>
-              </a:lnSpc>
-            </a:pPr>
-            <a:r>
-              <a:rPr lang="en-US" altLang="zh-CN" dirty="0"/>
+              <a:rPr lang="en-US" altLang="zh-CN" sz="2000" b="1" dirty="0"/>
+              <a:t>(&amp;up);</a:t>
+            </a:r>
+            <a:endParaRPr lang="zh-CN" altLang="en-US" sz="2000" b="1" dirty="0"/>
+          </a:p>
+          <a:p>
+            <a:r>
+              <a:rPr lang="zh-CN" altLang="en-US" sz="2000" b="1" dirty="0"/>
+              <a:t>     </a:t>
+            </a:r>
+            <a:r>
+              <a:rPr lang="zh-CN" altLang="en-US" sz="2000" b="1" dirty="0" smtClean="0"/>
+              <a:t>   关闭</a:t>
+            </a:r>
+            <a:r>
+              <a:rPr lang="zh-CN" altLang="en-US" sz="2000" b="1" dirty="0"/>
+              <a:t>本层门外</a:t>
+            </a:r>
+            <a:r>
+              <a:rPr lang="en-US" altLang="zh-CN" sz="2000" b="1" dirty="0"/>
+              <a:t>up</a:t>
+            </a:r>
+            <a:r>
+              <a:rPr lang="zh-CN" altLang="en-US" sz="2000" b="1" dirty="0"/>
+              <a:t>按钮，</a:t>
+            </a:r>
+            <a:r>
+              <a:rPr lang="en-US" altLang="zh-CN" sz="2000" b="1" dirty="0" err="1"/>
+              <a:t>SetCallLight</a:t>
+            </a:r>
+            <a:r>
+              <a:rPr lang="en-US" altLang="zh-CN" sz="2000" b="1" dirty="0"/>
+              <a:t>(); </a:t>
+            </a:r>
+            <a:r>
+              <a:rPr lang="zh-CN" altLang="en-US" sz="2000" b="1" dirty="0"/>
+              <a:t>即消费门外</a:t>
+            </a:r>
+            <a:r>
+              <a:rPr lang="en-US" altLang="zh-CN" sz="2000" b="1" dirty="0"/>
+              <a:t>up</a:t>
+            </a:r>
+            <a:r>
+              <a:rPr lang="zh-CN" altLang="en-US" sz="2000" b="1" dirty="0"/>
+              <a:t>按钮，防止下一周期重复处理此按钮行为。</a:t>
+            </a:r>
+          </a:p>
+          <a:p>
+            <a:r>
+              <a:rPr lang="en-US" altLang="zh-CN" sz="2000" b="1" dirty="0"/>
               <a:t>(S2) </a:t>
             </a:r>
             <a:r>
-              <a:rPr lang="zh-CN" altLang="en-US" dirty="0"/>
-              <a:t>检查</a:t>
-            </a:r>
-            <a:r>
-              <a:rPr lang="en-US" altLang="zh-CN" dirty="0"/>
-              <a:t>E3</a:t>
-            </a:r>
-            <a:r>
-              <a:rPr lang="zh-CN" altLang="en-US" dirty="0"/>
-              <a:t>、</a:t>
-            </a:r>
-            <a:r>
-              <a:rPr lang="en-US" altLang="zh-CN" dirty="0"/>
-              <a:t>E4</a:t>
-            </a:r>
-            <a:r>
-              <a:rPr lang="zh-CN" altLang="en-US" dirty="0"/>
-              <a:t>、</a:t>
-            </a:r>
-            <a:r>
-              <a:rPr lang="en-US" altLang="zh-CN" dirty="0"/>
-              <a:t>E5</a:t>
-            </a:r>
-            <a:r>
-              <a:rPr lang="zh-CN" altLang="en-US" dirty="0"/>
-              <a:t>事件。静态检测，目标楼层</a:t>
-            </a:r>
-            <a:r>
-              <a:rPr lang="en-US" altLang="zh-CN" dirty="0"/>
-              <a:t>=</a:t>
-            </a:r>
-            <a:r>
-              <a:rPr lang="en-US" altLang="zh-CN" dirty="0" err="1"/>
-              <a:t>IdleWhatFloorToGoTo</a:t>
-            </a:r>
-            <a:r>
-              <a:rPr lang="en-US" altLang="zh-CN" dirty="0"/>
-              <a:t>();</a:t>
-            </a:r>
-            <a:endParaRPr lang="zh-CN" altLang="en-US" dirty="0"/>
-          </a:p>
-          <a:p>
-            <a:pPr>
-              <a:lnSpc>
-                <a:spcPct val="150000"/>
-              </a:lnSpc>
-            </a:pPr>
-            <a:r>
-              <a:rPr lang="zh-CN" altLang="en-US" dirty="0"/>
+              <a:rPr lang="zh-CN" altLang="en-US" sz="2000" b="1" dirty="0"/>
+              <a:t>同</a:t>
+            </a:r>
+            <a:r>
+              <a:rPr lang="en-US" altLang="zh-CN" sz="2000" b="1" dirty="0"/>
+              <a:t>(S1)</a:t>
+            </a:r>
+            <a:r>
+              <a:rPr lang="zh-CN" altLang="en-US" sz="2000" b="1" dirty="0"/>
+              <a:t>，消费门外</a:t>
+            </a:r>
+            <a:r>
+              <a:rPr lang="en-US" altLang="zh-CN" sz="2000" b="1" dirty="0"/>
+              <a:t>down</a:t>
+            </a:r>
+            <a:r>
+              <a:rPr lang="zh-CN" altLang="en-US" sz="2000" b="1" dirty="0"/>
+              <a:t>按钮。</a:t>
+            </a:r>
+          </a:p>
+          <a:p>
+            <a:r>
+              <a:rPr lang="zh-CN" altLang="en-US" sz="2000" b="1" dirty="0"/>
               <a:t>     </a:t>
             </a:r>
             <a:r>
-              <a:rPr lang="zh-CN" altLang="en-US" dirty="0" smtClean="0"/>
-              <a:t>    一定</a:t>
-            </a:r>
-            <a:r>
-              <a:rPr lang="zh-CN" altLang="en-US" dirty="0"/>
-              <a:t>时间无动作，自动下降到</a:t>
-            </a:r>
-            <a:r>
-              <a:rPr lang="en-US" altLang="zh-CN" dirty="0"/>
+              <a:rPr lang="zh-CN" altLang="en-US" sz="2000" b="1" dirty="0" smtClean="0"/>
+              <a:t>   </a:t>
+            </a:r>
+            <a:r>
+              <a:rPr lang="en-US" altLang="zh-CN" sz="2000" b="1" dirty="0" smtClean="0"/>
               <a:t>1</a:t>
             </a:r>
             <a:r>
-              <a:rPr lang="zh-CN" altLang="en-US" dirty="0"/>
+              <a:rPr lang="zh-CN" altLang="en-US" sz="2000" b="1" dirty="0"/>
+              <a:t>层以上，一定时间无动作，自动下降到</a:t>
+            </a:r>
+            <a:r>
+              <a:rPr lang="en-US" altLang="zh-CN" sz="2000" b="1" dirty="0"/>
+              <a:t>1</a:t>
+            </a:r>
+            <a:r>
+              <a:rPr lang="zh-CN" altLang="en-US" sz="2000" b="1" dirty="0"/>
               <a:t>楼。</a:t>
             </a:r>
             <a:r>
-              <a:rPr lang="en-US" altLang="zh-CN" dirty="0"/>
-              <a:t>AutoTo1Floor</a:t>
-            </a:r>
-            <a:r>
-              <a:rPr lang="en-US" altLang="zh-CN" dirty="0" smtClean="0"/>
-              <a:t>();</a:t>
-            </a:r>
-          </a:p>
-          <a:p>
-            <a:pPr>
-              <a:lnSpc>
-                <a:spcPct val="150000"/>
-              </a:lnSpc>
-            </a:pPr>
-            <a:r>
-              <a:rPr lang="en-US" altLang="zh-CN" dirty="0"/>
-              <a:t> </a:t>
-            </a:r>
-            <a:r>
-              <a:rPr lang="en-US" altLang="zh-CN" dirty="0" smtClean="0"/>
-              <a:t>        [</a:t>
-            </a:r>
-            <a:r>
-              <a:rPr lang="zh-CN" altLang="en-US" dirty="0"/>
+              <a:rPr lang="en-US" altLang="zh-CN" sz="2000" b="1" dirty="0"/>
+              <a:t>AutoTo1Floor();[</a:t>
+            </a:r>
+            <a:r>
+              <a:rPr lang="zh-CN" altLang="en-US" sz="2000" b="1" dirty="0"/>
               <a:t>其它状态，取消此功能，</a:t>
             </a:r>
             <a:r>
-              <a:rPr lang="en-US" altLang="zh-CN" dirty="0"/>
-              <a:t>CancelTo1Floor()]</a:t>
-            </a:r>
-            <a:endParaRPr lang="zh-CN" altLang="en-US" dirty="0"/>
-          </a:p>
-          <a:p>
-            <a:pPr>
-              <a:lnSpc>
-                <a:spcPct val="150000"/>
-              </a:lnSpc>
-            </a:pPr>
-            <a:r>
-              <a:rPr lang="en-US" altLang="zh-CN" dirty="0"/>
-              <a:t>(S3) </a:t>
-            </a:r>
-            <a:r>
-              <a:rPr lang="zh-CN" altLang="en-US" dirty="0"/>
-              <a:t>检查</a:t>
-            </a:r>
-            <a:r>
-              <a:rPr lang="en-US" altLang="zh-CN" dirty="0"/>
-              <a:t>E1</a:t>
-            </a:r>
-            <a:r>
-              <a:rPr lang="zh-CN" altLang="en-US" dirty="0"/>
-              <a:t>、</a:t>
-            </a:r>
-            <a:r>
-              <a:rPr lang="en-US" altLang="zh-CN" dirty="0"/>
-              <a:t>E4</a:t>
-            </a:r>
-            <a:r>
-              <a:rPr lang="zh-CN" altLang="en-US" dirty="0"/>
-              <a:t>、</a:t>
-            </a:r>
-            <a:r>
-              <a:rPr lang="en-US" altLang="zh-CN" dirty="0"/>
-              <a:t>E5</a:t>
-            </a:r>
-            <a:r>
-              <a:rPr lang="zh-CN" altLang="en-US" dirty="0"/>
-              <a:t>事件，开门一定时间后自动</a:t>
-            </a:r>
-            <a:r>
-              <a:rPr lang="zh-CN" altLang="en-US" dirty="0" smtClean="0"/>
-              <a:t>关</a:t>
-            </a:r>
-            <a:endParaRPr lang="en-US" altLang="zh-CN" dirty="0" smtClean="0"/>
-          </a:p>
-          <a:p>
-            <a:pPr>
-              <a:lnSpc>
-                <a:spcPct val="150000"/>
-              </a:lnSpc>
-            </a:pPr>
-            <a:r>
-              <a:rPr lang="en-US" altLang="zh-CN" dirty="0"/>
-              <a:t> </a:t>
-            </a:r>
-            <a:r>
-              <a:rPr lang="en-US" altLang="zh-CN" dirty="0" smtClean="0"/>
-              <a:t>       </a:t>
-            </a:r>
-            <a:r>
-              <a:rPr lang="en-US" altLang="zh-CN" dirty="0" err="1" smtClean="0"/>
-              <a:t>GetOpenDoorLight</a:t>
-            </a:r>
-            <a:r>
-              <a:rPr lang="en-US" altLang="zh-CN" dirty="0"/>
-              <a:t>();</a:t>
-            </a:r>
-            <a:r>
-              <a:rPr lang="en-US" altLang="zh-CN" dirty="0" err="1"/>
-              <a:t>GetCallLight</a:t>
-            </a:r>
-            <a:r>
-              <a:rPr lang="en-US" altLang="zh-CN" dirty="0"/>
-              <a:t>();</a:t>
-            </a:r>
-            <a:endParaRPr lang="zh-CN" altLang="en-US" dirty="0"/>
-          </a:p>
-          <a:p>
-            <a:pPr>
-              <a:lnSpc>
-                <a:spcPct val="150000"/>
-              </a:lnSpc>
-            </a:pPr>
-            <a:r>
-              <a:rPr lang="en-US" altLang="zh-CN" dirty="0"/>
-              <a:t>(S4) </a:t>
-            </a:r>
-            <a:r>
-              <a:rPr lang="zh-CN" altLang="en-US" dirty="0"/>
-              <a:t>检查</a:t>
-            </a:r>
-            <a:r>
-              <a:rPr lang="en-US" altLang="zh-CN" dirty="0"/>
-              <a:t>E2</a:t>
-            </a:r>
-            <a:r>
-              <a:rPr lang="zh-CN" altLang="en-US" dirty="0"/>
-              <a:t>事件。</a:t>
-            </a:r>
-            <a:r>
-              <a:rPr lang="en-US" altLang="zh-CN" dirty="0" err="1"/>
-              <a:t>GetCloseDoorLight</a:t>
-            </a:r>
-            <a:r>
-              <a:rPr lang="en-US" altLang="zh-CN" dirty="0" smtClean="0"/>
-              <a:t>();</a:t>
-            </a:r>
-            <a:endParaRPr lang="zh-CN" altLang="en-US" dirty="0"/>
+              <a:rPr lang="en-US" altLang="zh-CN" sz="2000" b="1" dirty="0"/>
+              <a:t>CancelTo1Floor</a:t>
+            </a:r>
+            <a:r>
+              <a:rPr lang="en-US" altLang="zh-CN" sz="2000" b="1" dirty="0" smtClean="0"/>
+              <a:t>()]</a:t>
+            </a:r>
+            <a:endParaRPr lang="zh-CN" altLang="en-US" sz="2000" b="1" dirty="0"/>
           </a:p>
         </p:txBody>
       </p:sp>
       <p:pic>
         <p:nvPicPr>
-          <p:cNvPr id="6" name="Picture 2"/>
+          <p:cNvPr id="5122" name="Picture 2"/>
           <p:cNvPicPr>
             <a:picLocks noChangeAspect="1" noChangeArrowheads="1"/>
           </p:cNvPicPr>
@@ -10720,17 +10639,15 @@
         </p:blipFill>
         <p:spPr bwMode="auto">
           <a:xfrm>
-            <a:off x="323528" y="476672"/>
-            <a:ext cx="4804469" cy="2880320"/>
+            <a:off x="179512" y="588427"/>
+            <a:ext cx="4962237" cy="2975044"/>
           </a:xfrm>
           <a:prstGeom prst="rect">
             <a:avLst/>
           </a:prstGeom>
           <a:noFill/>
           <a:ln w="9525">
-            <a:solidFill>
-              <a:schemeClr val="tx1"/>
-            </a:solidFill>
+            <a:noFill/>
             <a:miter lim="800000"/>
             <a:headEnd/>
             <a:tailEnd/>
@@ -10840,7 +10757,7 @@
         </p:nvSpPr>
         <p:spPr>
           <a:xfrm>
-            <a:off x="5285765" y="476672"/>
+            <a:off x="5292080" y="764704"/>
             <a:ext cx="3750731" cy="2531527"/>
           </a:xfrm>
           <a:prstGeom prst="rect">
@@ -11039,8 +10956,8 @@
         </p:nvSpPr>
         <p:spPr>
           <a:xfrm>
-            <a:off x="323528" y="3356992"/>
-            <a:ext cx="8712968" cy="3416320"/>
+            <a:off x="323528" y="3826783"/>
+            <a:ext cx="8568952" cy="2554545"/>
           </a:xfrm>
           <a:prstGeom prst="rect">
             <a:avLst/>
@@ -11060,362 +10977,196 @@
           <a:bodyPr wrap="square" rtlCol="0">
             <a:spAutoFit/>
           </a:bodyPr>
-          <a:lstStyle>
-            <a:defPPr>
-              <a:defRPr lang="zh-CN"/>
-            </a:defPPr>
-            <a:lvl1pPr>
-              <a:lnSpc>
-                <a:spcPct val="150000"/>
-              </a:lnSpc>
-            </a:lvl1pPr>
-          </a:lstStyle>
-          <a:p>
-            <a:r>
-              <a:rPr lang="en-US" altLang="zh-CN" dirty="0" smtClean="0">
-                <a:solidFill>
-                  <a:srgbClr val="C00000"/>
-                </a:solidFill>
-              </a:rPr>
-              <a:t>Moving</a:t>
-            </a:r>
-            <a:r>
-              <a:rPr lang="zh-CN" altLang="en-US" dirty="0">
-                <a:solidFill>
-                  <a:srgbClr val="C00000"/>
-                </a:solidFill>
-              </a:rPr>
-              <a:t>状态：</a:t>
-            </a:r>
-            <a:r>
-              <a:rPr lang="en-US" altLang="zh-CN" dirty="0" err="1">
-                <a:solidFill>
-                  <a:srgbClr val="C00000"/>
-                </a:solidFill>
-              </a:rPr>
-              <a:t>MovingUp</a:t>
-            </a:r>
-            <a:r>
-              <a:rPr lang="en-US" altLang="zh-CN" dirty="0">
-                <a:solidFill>
-                  <a:srgbClr val="C00000"/>
-                </a:solidFill>
-              </a:rPr>
-              <a:t>/</a:t>
-            </a:r>
-            <a:r>
-              <a:rPr lang="en-US" altLang="zh-CN" dirty="0" err="1">
-                <a:solidFill>
-                  <a:srgbClr val="C00000"/>
-                </a:solidFill>
-              </a:rPr>
-              <a:t>MovingDown</a:t>
-            </a:r>
-            <a:r>
-              <a:rPr lang="en-US" altLang="zh-CN" dirty="0">
-                <a:solidFill>
-                  <a:srgbClr val="C00000"/>
-                </a:solidFill>
-              </a:rPr>
-              <a:t> </a:t>
-            </a:r>
-            <a:r>
-              <a:rPr lang="en-US" altLang="zh-CN" dirty="0" smtClean="0">
-                <a:solidFill>
-                  <a:srgbClr val="C00000"/>
-                </a:solidFill>
-                <a:sym typeface="Wingdings" panose="05000000000000000000" pitchFamily="2" charset="2"/>
-              </a:rPr>
-              <a:t></a:t>
-            </a:r>
-            <a:r>
-              <a:rPr lang="zh-CN" altLang="en-US" dirty="0" smtClean="0">
-                <a:solidFill>
-                  <a:srgbClr val="C00000"/>
-                </a:solidFill>
-              </a:rPr>
-              <a:t> </a:t>
-            </a:r>
-            <a:r>
-              <a:rPr lang="en-US" altLang="zh-CN" smtClean="0">
-                <a:solidFill>
-                  <a:srgbClr val="C00000"/>
-                </a:solidFill>
-              </a:rPr>
-              <a:t>DoorOpen</a:t>
-            </a:r>
-            <a:endParaRPr lang="zh-CN" altLang="en-US" dirty="0">
-              <a:solidFill>
-                <a:srgbClr val="C00000"/>
-              </a:solidFill>
-            </a:endParaRPr>
-          </a:p>
-          <a:p>
-            <a:r>
-              <a:rPr lang="en-US" altLang="zh-CN" dirty="0"/>
-              <a:t>(S5) </a:t>
-            </a:r>
-            <a:r>
-              <a:rPr lang="zh-CN" altLang="en-US" dirty="0"/>
+          <a:lstStyle/>
+          <a:p>
+            <a:r>
+              <a:rPr lang="en-US" altLang="zh-CN" sz="2000" b="1" dirty="0">
+                <a:solidFill>
+                  <a:srgbClr val="FF0000"/>
+                </a:solidFill>
+              </a:rPr>
+              <a:t>Idle</a:t>
+            </a:r>
+            <a:r>
+              <a:rPr lang="zh-CN" altLang="en-US" sz="2000" b="1" dirty="0">
+                <a:solidFill>
+                  <a:srgbClr val="FF0000"/>
+                </a:solidFill>
+              </a:rPr>
+              <a:t>状态，电梯停止在某楼层，门是关闭的，处于静止状态，等待相关事件的发生，从而转换到下一个状态。</a:t>
+            </a:r>
+          </a:p>
+          <a:p>
+            <a:r>
+              <a:rPr lang="en-US" altLang="zh-CN" sz="2000" b="1" dirty="0" smtClean="0"/>
+              <a:t>(</a:t>
+            </a:r>
+            <a:r>
+              <a:rPr lang="en-US" altLang="zh-CN" sz="2000" b="1" dirty="0"/>
+              <a:t>S3) </a:t>
+            </a:r>
+            <a:r>
+              <a:rPr lang="zh-CN" altLang="en-US" sz="2000" b="1" dirty="0"/>
               <a:t>检查</a:t>
             </a:r>
             <a:r>
-              <a:rPr lang="en-US" altLang="zh-CN" dirty="0"/>
-              <a:t>E3</a:t>
-            </a:r>
-            <a:r>
-              <a:rPr lang="zh-CN" altLang="en-US" dirty="0"/>
-              <a:t>、</a:t>
-            </a:r>
-            <a:r>
-              <a:rPr lang="en-US" altLang="zh-CN" dirty="0"/>
-              <a:t>E4</a:t>
-            </a:r>
-            <a:r>
-              <a:rPr lang="zh-CN" altLang="en-US" dirty="0"/>
-              <a:t>、</a:t>
-            </a:r>
-            <a:r>
-              <a:rPr lang="en-US" altLang="zh-CN" dirty="0"/>
-              <a:t>E5</a:t>
-            </a:r>
-            <a:r>
-              <a:rPr lang="zh-CN" altLang="en-US" dirty="0"/>
-              <a:t>事件。动态检测，目标楼层</a:t>
-            </a:r>
-            <a:r>
-              <a:rPr lang="en-US" altLang="zh-CN" dirty="0"/>
-              <a:t>=</a:t>
-            </a:r>
-            <a:r>
-              <a:rPr lang="en-US" altLang="zh-CN" dirty="0" err="1"/>
-              <a:t>GoingUpToFloor</a:t>
-            </a:r>
-            <a:r>
-              <a:rPr lang="en-US" altLang="zh-CN" dirty="0"/>
-              <a:t>();</a:t>
-            </a:r>
-            <a:endParaRPr lang="zh-CN" altLang="en-US" dirty="0"/>
-          </a:p>
-          <a:p>
-            <a:r>
-              <a:rPr lang="en-US" altLang="zh-CN" dirty="0"/>
-              <a:t>(S6) </a:t>
-            </a:r>
-            <a:r>
-              <a:rPr lang="zh-CN" altLang="en-US" dirty="0"/>
+              <a:rPr lang="en-US" altLang="zh-CN" sz="2000" b="1" dirty="0"/>
+              <a:t>E1</a:t>
+            </a:r>
+            <a:r>
+              <a:rPr lang="zh-CN" altLang="en-US" sz="2000" b="1" dirty="0"/>
+              <a:t>事件</a:t>
+            </a:r>
+            <a:r>
+              <a:rPr lang="en-US" altLang="zh-CN" sz="2000" b="1" dirty="0"/>
+              <a:t>, </a:t>
+            </a:r>
+            <a:r>
+              <a:rPr lang="zh-CN" altLang="en-US" sz="2000" b="1" dirty="0"/>
+              <a:t>开门</a:t>
+            </a:r>
+            <a:r>
+              <a:rPr lang="en-US" altLang="zh-CN" sz="2000" b="1" dirty="0"/>
+              <a:t>, </a:t>
+            </a:r>
+            <a:r>
+              <a:rPr lang="zh-CN" altLang="en-US" sz="2000" b="1" dirty="0"/>
+              <a:t>消费开门按钮</a:t>
+            </a:r>
+            <a:r>
+              <a:rPr lang="en-US" altLang="zh-CN" sz="2000" b="1" dirty="0"/>
+              <a:t>; </a:t>
+            </a:r>
+            <a:endParaRPr lang="zh-CN" altLang="en-US" sz="2000" b="1" dirty="0"/>
+          </a:p>
+          <a:p>
+            <a:r>
+              <a:rPr lang="zh-CN" altLang="en-US" sz="2000" b="1" dirty="0"/>
+              <a:t>     </a:t>
+            </a:r>
+            <a:r>
+              <a:rPr lang="zh-CN" altLang="en-US" sz="2000" b="1" dirty="0" smtClean="0"/>
+              <a:t>  上升 </a:t>
+            </a:r>
+            <a:r>
+              <a:rPr lang="en-US" altLang="zh-CN" sz="2000" b="1" dirty="0"/>
+              <a:t>(up &amp;&amp; E4</a:t>
+            </a:r>
+            <a:r>
+              <a:rPr lang="zh-CN" altLang="en-US" sz="2000" b="1" dirty="0"/>
+              <a:t>事件</a:t>
+            </a:r>
+            <a:r>
+              <a:rPr lang="en-US" altLang="zh-CN" sz="2000" b="1" dirty="0"/>
+              <a:t>), </a:t>
+            </a:r>
+            <a:r>
+              <a:rPr lang="zh-CN" altLang="en-US" sz="2000" b="1" dirty="0"/>
+              <a:t>开门，消费门外</a:t>
+            </a:r>
+            <a:r>
+              <a:rPr lang="en-US" altLang="zh-CN" sz="2000" b="1" dirty="0"/>
+              <a:t>up</a:t>
+            </a:r>
+            <a:r>
+              <a:rPr lang="zh-CN" altLang="en-US" sz="2000" b="1" dirty="0"/>
+              <a:t>按钮</a:t>
+            </a:r>
+          </a:p>
+          <a:p>
+            <a:r>
+              <a:rPr lang="zh-CN" altLang="en-US" sz="2000" b="1" dirty="0" smtClean="0"/>
+              <a:t>       下降 </a:t>
+            </a:r>
+            <a:r>
+              <a:rPr lang="en-US" altLang="zh-CN" sz="2000" b="1" dirty="0"/>
+              <a:t>(!up &amp;&amp; E5</a:t>
+            </a:r>
+            <a:r>
+              <a:rPr lang="zh-CN" altLang="en-US" sz="2000" b="1" dirty="0"/>
+              <a:t>事件</a:t>
+            </a:r>
+            <a:r>
+              <a:rPr lang="en-US" altLang="zh-CN" sz="2000" b="1" dirty="0"/>
+              <a:t>), </a:t>
+            </a:r>
+            <a:r>
+              <a:rPr lang="zh-CN" altLang="en-US" sz="2000" b="1" dirty="0"/>
+              <a:t>开门，消费门外</a:t>
+            </a:r>
+            <a:r>
+              <a:rPr lang="en-US" altLang="zh-CN" sz="2000" b="1" dirty="0"/>
+              <a:t>down</a:t>
+            </a:r>
+            <a:r>
+              <a:rPr lang="zh-CN" altLang="en-US" sz="2000" b="1" dirty="0"/>
+              <a:t>按钮</a:t>
+            </a:r>
+          </a:p>
+          <a:p>
+            <a:r>
+              <a:rPr lang="en-US" altLang="zh-CN" sz="2000" b="1" dirty="0"/>
+              <a:t>(S4) </a:t>
+            </a:r>
+            <a:r>
+              <a:rPr lang="zh-CN" altLang="en-US" sz="2000" b="1" dirty="0"/>
               <a:t>检查</a:t>
             </a:r>
             <a:r>
-              <a:rPr lang="en-US" altLang="zh-CN" dirty="0"/>
-              <a:t>E3</a:t>
-            </a:r>
-            <a:r>
-              <a:rPr lang="zh-CN" altLang="en-US" dirty="0"/>
-              <a:t>、</a:t>
-            </a:r>
-            <a:r>
-              <a:rPr lang="en-US" altLang="zh-CN" dirty="0"/>
-              <a:t>E4</a:t>
-            </a:r>
-            <a:r>
-              <a:rPr lang="zh-CN" altLang="en-US" dirty="0"/>
-              <a:t>、</a:t>
-            </a:r>
-            <a:r>
-              <a:rPr lang="en-US" altLang="zh-CN" dirty="0"/>
-              <a:t>E5</a:t>
-            </a:r>
-            <a:r>
-              <a:rPr lang="zh-CN" altLang="en-US" dirty="0"/>
-              <a:t>事件。动态检测，目标楼层</a:t>
-            </a:r>
-            <a:r>
-              <a:rPr lang="en-US" altLang="zh-CN" dirty="0"/>
-              <a:t>=</a:t>
-            </a:r>
-            <a:r>
-              <a:rPr lang="en-US" altLang="zh-CN" dirty="0" err="1"/>
-              <a:t>GoingDownToFloor</a:t>
-            </a:r>
-            <a:r>
-              <a:rPr lang="en-US" altLang="zh-CN" dirty="0" smtClean="0"/>
-              <a:t>();</a:t>
-            </a:r>
-            <a:endParaRPr lang="zh-CN" altLang="en-US" dirty="0" smtClean="0"/>
-          </a:p>
-          <a:p>
-            <a:r>
-              <a:rPr lang="en-US" altLang="zh-CN" dirty="0" err="1" smtClean="0">
-                <a:solidFill>
-                  <a:srgbClr val="C00000"/>
-                </a:solidFill>
-              </a:rPr>
-              <a:t>DoorOpen</a:t>
-            </a:r>
-            <a:r>
-              <a:rPr lang="zh-CN" altLang="en-US" dirty="0">
-                <a:solidFill>
-                  <a:srgbClr val="C00000"/>
-                </a:solidFill>
-              </a:rPr>
-              <a:t>状态</a:t>
-            </a:r>
-            <a:r>
-              <a:rPr lang="en-US" altLang="zh-CN" dirty="0">
-                <a:solidFill>
-                  <a:srgbClr val="C00000"/>
-                </a:solidFill>
-              </a:rPr>
-              <a:t>: </a:t>
-            </a:r>
-            <a:r>
-              <a:rPr lang="zh-CN" altLang="en-US" dirty="0">
-                <a:solidFill>
-                  <a:srgbClr val="C00000"/>
-                </a:solidFill>
-              </a:rPr>
-              <a:t>电梯门打开 </a:t>
-            </a:r>
-            <a:r>
-              <a:rPr lang="en-US" altLang="zh-CN" dirty="0" smtClean="0">
-                <a:solidFill>
-                  <a:srgbClr val="C00000"/>
-                </a:solidFill>
-                <a:sym typeface="Wingdings" panose="05000000000000000000" pitchFamily="2" charset="2"/>
-              </a:rPr>
-              <a:t> </a:t>
-            </a:r>
-            <a:r>
-              <a:rPr lang="en-US" altLang="zh-CN" dirty="0" err="1" smtClean="0">
-                <a:solidFill>
-                  <a:srgbClr val="C00000"/>
-                </a:solidFill>
-              </a:rPr>
-              <a:t>DoorClosing</a:t>
-            </a:r>
-            <a:endParaRPr lang="zh-CN" altLang="en-US" dirty="0">
-              <a:solidFill>
-                <a:srgbClr val="C00000"/>
-              </a:solidFill>
-            </a:endParaRPr>
-          </a:p>
-          <a:p>
-            <a:r>
-              <a:rPr lang="en-US" altLang="zh-CN" dirty="0"/>
-              <a:t>(S7) </a:t>
-            </a:r>
-            <a:r>
-              <a:rPr lang="zh-CN" altLang="en-US" dirty="0"/>
-              <a:t>开门过程需要一定的时间，开门结束后，自动进入关门</a:t>
-            </a:r>
-            <a:r>
-              <a:rPr lang="zh-CN" altLang="en-US" dirty="0" smtClean="0"/>
-              <a:t>状态。</a:t>
-            </a:r>
-            <a:endParaRPr lang="en-US" altLang="zh-CN" dirty="0" smtClean="0"/>
-          </a:p>
-          <a:p>
-            <a:r>
-              <a:rPr lang="en-US" altLang="zh-CN" dirty="0"/>
-              <a:t> </a:t>
-            </a:r>
-            <a:r>
-              <a:rPr lang="en-US" altLang="zh-CN" dirty="0" smtClean="0"/>
-              <a:t>       </a:t>
-            </a:r>
-            <a:r>
-              <a:rPr lang="en-US" altLang="zh-CN" dirty="0" err="1" smtClean="0"/>
-              <a:t>IsDoorOpen</a:t>
-            </a:r>
-            <a:r>
-              <a:rPr lang="en-US" altLang="zh-CN" dirty="0" smtClean="0"/>
-              <a:t>();     </a:t>
-            </a:r>
-            <a:r>
-              <a:rPr lang="en-US" altLang="zh-CN" dirty="0" err="1" smtClean="0"/>
-              <a:t>SetDoor</a:t>
-            </a:r>
-            <a:r>
-              <a:rPr lang="en-US" altLang="zh-CN" dirty="0" smtClean="0"/>
-              <a:t>();</a:t>
-            </a:r>
-            <a:endParaRPr lang="zh-CN" altLang="en-US" dirty="0"/>
-          </a:p>
-          <a:p>
-            <a:r>
-              <a:rPr lang="en-US" altLang="zh-CN" dirty="0" err="1">
-                <a:solidFill>
-                  <a:srgbClr val="C00000"/>
-                </a:solidFill>
-              </a:rPr>
-              <a:t>DoorClosing</a:t>
-            </a:r>
-            <a:r>
-              <a:rPr lang="zh-CN" altLang="en-US" dirty="0">
-                <a:solidFill>
-                  <a:srgbClr val="C00000"/>
-                </a:solidFill>
-              </a:rPr>
-              <a:t>状态</a:t>
-            </a:r>
-            <a:r>
-              <a:rPr lang="en-US" altLang="zh-CN" dirty="0">
-                <a:solidFill>
-                  <a:srgbClr val="C00000"/>
-                </a:solidFill>
-              </a:rPr>
-              <a:t>: </a:t>
-            </a:r>
-            <a:r>
-              <a:rPr lang="zh-CN" altLang="en-US" dirty="0">
-                <a:solidFill>
-                  <a:srgbClr val="C00000"/>
-                </a:solidFill>
-              </a:rPr>
-              <a:t>正在关门 </a:t>
-            </a:r>
-            <a:r>
-              <a:rPr lang="en-US" altLang="zh-CN" dirty="0" smtClean="0">
-                <a:solidFill>
-                  <a:srgbClr val="C00000"/>
-                </a:solidFill>
-                <a:sym typeface="Wingdings" panose="05000000000000000000" pitchFamily="2" charset="2"/>
-              </a:rPr>
-              <a:t> </a:t>
-            </a:r>
-            <a:r>
-              <a:rPr lang="en-US" altLang="zh-CN" dirty="0" smtClean="0">
-                <a:solidFill>
-                  <a:srgbClr val="C00000"/>
-                </a:solidFill>
-              </a:rPr>
-              <a:t>Idle</a:t>
-            </a:r>
-            <a:endParaRPr lang="zh-CN" altLang="en-US" dirty="0">
-              <a:solidFill>
-                <a:srgbClr val="C00000"/>
-              </a:solidFill>
-            </a:endParaRPr>
-          </a:p>
-          <a:p>
-            <a:r>
-              <a:rPr lang="en-US" altLang="zh-CN" dirty="0"/>
-              <a:t>(S8) </a:t>
-            </a:r>
-            <a:r>
-              <a:rPr lang="zh-CN" altLang="en-US" dirty="0"/>
-              <a:t>关门过程需要一定的时间，关门结束后，进入</a:t>
-            </a:r>
-            <a:r>
-              <a:rPr lang="en-US" altLang="zh-CN" dirty="0"/>
-              <a:t>Idle</a:t>
-            </a:r>
-            <a:r>
-              <a:rPr lang="zh-CN" altLang="en-US" dirty="0" smtClean="0"/>
-              <a:t>状态</a:t>
-            </a:r>
-            <a:endParaRPr lang="zh-CN" altLang="en-US" dirty="0"/>
+              <a:rPr lang="en-US" altLang="zh-CN" sz="2000" b="1" dirty="0"/>
+              <a:t>E2</a:t>
+            </a:r>
+            <a:r>
+              <a:rPr lang="zh-CN" altLang="en-US" sz="2000" b="1" dirty="0"/>
+              <a:t>事件</a:t>
+            </a:r>
+            <a:r>
+              <a:rPr lang="en-US" altLang="zh-CN" sz="2000" b="1" dirty="0"/>
+              <a:t>,</a:t>
+            </a:r>
+            <a:r>
+              <a:rPr lang="zh-CN" altLang="en-US" sz="2000" b="1" dirty="0"/>
+              <a:t>此时门应该是关闭的</a:t>
+            </a:r>
+            <a:r>
+              <a:rPr lang="en-US" altLang="zh-CN" sz="2000" b="1" dirty="0"/>
+              <a:t>,</a:t>
+            </a:r>
+            <a:r>
+              <a:rPr lang="zh-CN" altLang="en-US" sz="2000" b="1" dirty="0"/>
+              <a:t>因此仅读取关门灯，并关闭关门灯，即消费按键行为，防止下一周期重复处理该按钮的行为。</a:t>
+            </a:r>
+          </a:p>
+          <a:p>
+            <a:r>
+              <a:rPr lang="zh-CN" altLang="en-US" sz="2000" b="1" dirty="0"/>
+              <a:t>     </a:t>
+            </a:r>
+            <a:r>
+              <a:rPr lang="en-US" altLang="zh-CN" sz="2000" b="1" dirty="0"/>
+              <a:t>if(</a:t>
+            </a:r>
+            <a:r>
+              <a:rPr lang="en-US" altLang="zh-CN" sz="2000" b="1" dirty="0" err="1"/>
+              <a:t>GetCloseDoorLight</a:t>
+            </a:r>
+            <a:r>
+              <a:rPr lang="en-US" altLang="zh-CN" sz="2000" b="1" dirty="0"/>
+              <a:t>()) { </a:t>
+            </a:r>
+            <a:r>
+              <a:rPr lang="en-US" altLang="zh-CN" sz="2000" b="1" dirty="0" err="1"/>
+              <a:t>SetCloseDoorLight</a:t>
+            </a:r>
+            <a:r>
+              <a:rPr lang="en-US" altLang="zh-CN" sz="2000" b="1" dirty="0"/>
+              <a:t>(false); return; </a:t>
+            </a:r>
+            <a:r>
+              <a:rPr lang="en-US" altLang="zh-CN" sz="2000" b="1" dirty="0" smtClean="0"/>
+              <a:t>}</a:t>
+            </a:r>
+            <a:endParaRPr lang="zh-CN" altLang="en-US" sz="2000" b="1" dirty="0"/>
           </a:p>
         </p:txBody>
       </p:sp>
@@ -11442,20 +11193,15 @@
         </p:blipFill>
         <p:spPr bwMode="auto">
           <a:xfrm>
-            <a:off x="323528" y="476672"/>
-            <a:ext cx="4804469" cy="2880320"/>
+            <a:off x="107504" y="588427"/>
+            <a:ext cx="5098262" cy="3056597"/>
           </a:xfrm>
           <a:prstGeom prst="rect">
             <a:avLst/>
           </a:prstGeom>
           <a:noFill/>
-          <a:ln w="9525">
-            <a:solidFill>
-              <a:schemeClr val="tx1"/>
-            </a:solidFill>
-            <a:miter lim="800000"/>
-            <a:headEnd/>
-            <a:tailEnd/>
+          <a:ln>
+            <a:noFill/>
           </a:ln>
           <a:effectLst/>
           <a:extLst>
@@ -11465,6 +11211,16 @@
                   <a:schemeClr val="accent1"/>
                 </a:solidFill>
               </a14:hiddenFill>
+            </a:ext>
+            <a:ext uri="{91240B29-F687-4F45-9708-019B960494DF}">
+              <a14:hiddenLine xmlns:a14="http://schemas.microsoft.com/office/drawing/2010/main" w="9525">
+                <a:solidFill>
+                  <a:schemeClr val="tx1"/>
+                </a:solidFill>
+                <a:miter lim="800000"/>
+                <a:headEnd/>
+                <a:tailEnd/>
+              </a14:hiddenLine>
             </a:ext>
             <a:ext uri="{AF507438-7753-43E0-B8FC-AC1667EBCBE1}">
               <a14:hiddenEffects xmlns:a14="http://schemas.microsoft.com/office/drawing/2010/main">
@@ -11481,7 +11237,7 @@
     </p:spTree>
     <p:extLst>
       <p:ext uri="{BB962C8B-B14F-4D97-AF65-F5344CB8AC3E}">
-        <p14:creationId xmlns:p14="http://schemas.microsoft.com/office/powerpoint/2010/main" val="598837841"/>
+        <p14:creationId xmlns:p14="http://schemas.microsoft.com/office/powerpoint/2010/main" val="3766540212"/>
       </p:ext>
     </p:extLst>
   </p:cSld>
@@ -11530,8 +11286,8 @@
         </p:nvSpPr>
         <p:spPr>
           <a:xfrm>
-            <a:off x="352425" y="260648"/>
-            <a:ext cx="8612188" cy="998538"/>
+            <a:off x="179512" y="-171400"/>
+            <a:ext cx="7632848" cy="792088"/>
           </a:xfrm>
         </p:spPr>
         <p:txBody>
@@ -11539,567 +11295,16 @@
           <a:lstStyle/>
           <a:p>
             <a:r>
-              <a:rPr lang="zh-CN" altLang="en-US" sz="2800" dirty="0"/>
-              <a:t>三层电梯</a:t>
-            </a:r>
-            <a:r>
-              <a:rPr lang="zh-CN" altLang="en-US" sz="2800" dirty="0" smtClean="0"/>
-              <a:t>状态机相关函数</a:t>
-            </a:r>
-            <a:r>
-              <a:rPr lang="en-US" altLang="zh-CN" sz="2800" dirty="0" smtClean="0"/>
-              <a:t>(1)</a:t>
-            </a:r>
-            <a:endParaRPr lang="zh-CN" altLang="en-US" sz="2800" dirty="0"/>
-          </a:p>
-        </p:txBody>
-      </p:sp>
-      <p:sp>
-        <p:nvSpPr>
-          <p:cNvPr id="3" name="TextBox 2"/>
-          <p:cNvSpPr txBox="1"/>
-          <p:nvPr/>
-        </p:nvSpPr>
-        <p:spPr>
-          <a:xfrm>
-            <a:off x="539552" y="1052736"/>
-            <a:ext cx="8280920" cy="5493812"/>
-          </a:xfrm>
-          <a:prstGeom prst="rect">
-            <a:avLst/>
-          </a:prstGeom>
-          <a:noFill/>
-        </p:spPr>
-        <p:txBody>
-          <a:bodyPr wrap="square" rtlCol="0">
-            <a:spAutoFit/>
-          </a:bodyPr>
-          <a:lstStyle/>
-          <a:p>
-            <a:pPr>
-              <a:lnSpc>
-                <a:spcPct val="150000"/>
-              </a:lnSpc>
-            </a:pPr>
-            <a:r>
-              <a:rPr lang="en-US" altLang="zh-CN" dirty="0" smtClean="0">
-                <a:solidFill>
-                  <a:srgbClr val="C00000"/>
-                </a:solidFill>
-              </a:rPr>
-              <a:t>// </a:t>
-            </a:r>
-            <a:r>
-              <a:rPr lang="zh-CN" altLang="en-US" dirty="0" smtClean="0">
-                <a:solidFill>
-                  <a:srgbClr val="C00000"/>
-                </a:solidFill>
-              </a:rPr>
-              <a:t>系统是否运行</a:t>
-            </a:r>
-            <a:endParaRPr lang="en-US" altLang="zh-CN" dirty="0" smtClean="0">
+              <a:rPr lang="zh-CN" altLang="en-US" sz="2800" dirty="0" smtClean="0">
+                <a:solidFill>
+                  <a:schemeClr val="bg1"/>
+                </a:solidFill>
+              </a:rPr>
+              <a:t>三层电梯状态机</a:t>
+            </a:r>
+            <a:endParaRPr lang="zh-CN" altLang="en-US" sz="2800" dirty="0">
               <a:solidFill>
-                <a:srgbClr val="C00000"/>
-              </a:solidFill>
-            </a:endParaRPr>
-          </a:p>
-          <a:p>
-            <a:pPr>
-              <a:lnSpc>
-                <a:spcPct val="150000"/>
-              </a:lnSpc>
-            </a:pPr>
-            <a:r>
-              <a:rPr lang="en-US" altLang="zh-CN" dirty="0" err="1" smtClean="0"/>
-              <a:t>bool</a:t>
-            </a:r>
-            <a:r>
-              <a:rPr lang="en-US" altLang="zh-CN" dirty="0" smtClean="0"/>
-              <a:t> </a:t>
-            </a:r>
-            <a:r>
-              <a:rPr lang="en-US" altLang="zh-CN" dirty="0" err="1" smtClean="0"/>
-              <a:t>IsElevatorRunning</a:t>
-            </a:r>
-            <a:r>
-              <a:rPr lang="en-US" altLang="zh-CN" dirty="0" smtClean="0"/>
-              <a:t>();</a:t>
-            </a:r>
-          </a:p>
-          <a:p>
-            <a:pPr>
-              <a:lnSpc>
-                <a:spcPct val="150000"/>
-              </a:lnSpc>
-            </a:pPr>
-            <a:r>
-              <a:rPr lang="en-US" altLang="zh-CN" dirty="0" smtClean="0">
-                <a:solidFill>
-                  <a:srgbClr val="C00000"/>
-                </a:solidFill>
-              </a:rPr>
-              <a:t>// </a:t>
-            </a:r>
-            <a:r>
-              <a:rPr lang="zh-CN" altLang="en-US" dirty="0" smtClean="0">
-                <a:solidFill>
-                  <a:srgbClr val="C00000"/>
-                </a:solidFill>
-              </a:rPr>
-              <a:t>电梯</a:t>
-            </a:r>
-            <a:r>
-              <a:rPr lang="zh-CN" altLang="en-US" dirty="0">
-                <a:solidFill>
-                  <a:srgbClr val="C00000"/>
-                </a:solidFill>
-              </a:rPr>
-              <a:t>门</a:t>
-            </a:r>
-            <a:r>
-              <a:rPr lang="zh-CN" altLang="en-US" dirty="0" smtClean="0">
-                <a:solidFill>
-                  <a:srgbClr val="C00000"/>
-                </a:solidFill>
-              </a:rPr>
-              <a:t>外</a:t>
-            </a:r>
-            <a:r>
-              <a:rPr lang="en-US" altLang="zh-CN" dirty="0" smtClean="0">
-                <a:solidFill>
-                  <a:srgbClr val="C00000"/>
-                </a:solidFill>
-              </a:rPr>
-              <a:t>Up/Down</a:t>
-            </a:r>
-            <a:r>
-              <a:rPr lang="zh-CN" altLang="en-US" dirty="0" smtClean="0">
-                <a:solidFill>
-                  <a:srgbClr val="C00000"/>
-                </a:solidFill>
-              </a:rPr>
-              <a:t>按钮灯</a:t>
-            </a:r>
-            <a:r>
-              <a:rPr lang="en-US" altLang="zh-CN" dirty="0" smtClean="0">
-                <a:solidFill>
-                  <a:srgbClr val="C00000"/>
-                </a:solidFill>
-              </a:rPr>
-              <a:t>(Call Light)</a:t>
-            </a:r>
-          </a:p>
-          <a:p>
-            <a:pPr>
-              <a:lnSpc>
-                <a:spcPct val="150000"/>
-              </a:lnSpc>
-            </a:pPr>
-            <a:r>
-              <a:rPr lang="en-US" altLang="zh-CN" dirty="0" err="1"/>
-              <a:t>bool</a:t>
-            </a:r>
-            <a:r>
-              <a:rPr lang="en-US" altLang="zh-CN" dirty="0"/>
-              <a:t> </a:t>
-            </a:r>
-            <a:r>
-              <a:rPr lang="en-US" altLang="zh-CN" dirty="0" err="1"/>
-              <a:t>GetPanelFloorLight</a:t>
-            </a:r>
-            <a:r>
-              <a:rPr lang="en-US" altLang="zh-CN" dirty="0"/>
-              <a:t>(</a:t>
-            </a:r>
-            <a:r>
-              <a:rPr lang="en-US" altLang="zh-CN" dirty="0" err="1"/>
-              <a:t>int</a:t>
-            </a:r>
-            <a:r>
-              <a:rPr lang="en-US" altLang="zh-CN" dirty="0"/>
-              <a:t> floor);</a:t>
-            </a:r>
-          </a:p>
-          <a:p>
-            <a:pPr>
-              <a:lnSpc>
-                <a:spcPct val="150000"/>
-              </a:lnSpc>
-            </a:pPr>
-            <a:r>
-              <a:rPr lang="en-US" altLang="zh-CN" dirty="0"/>
-              <a:t>void </a:t>
-            </a:r>
-            <a:r>
-              <a:rPr lang="en-US" altLang="zh-CN" dirty="0" err="1"/>
-              <a:t>SetCallLight</a:t>
-            </a:r>
-            <a:r>
-              <a:rPr lang="en-US" altLang="zh-CN" dirty="0"/>
-              <a:t>(</a:t>
-            </a:r>
-            <a:r>
-              <a:rPr lang="en-US" altLang="zh-CN" dirty="0" err="1"/>
-              <a:t>int</a:t>
-            </a:r>
-            <a:r>
-              <a:rPr lang="en-US" altLang="zh-CN" dirty="0"/>
-              <a:t> floor, </a:t>
-            </a:r>
-            <a:r>
-              <a:rPr lang="en-US" altLang="zh-CN" dirty="0" err="1"/>
-              <a:t>bool</a:t>
-            </a:r>
-            <a:r>
-              <a:rPr lang="en-US" altLang="zh-CN" dirty="0"/>
-              <a:t> up, </a:t>
-            </a:r>
-            <a:r>
-              <a:rPr lang="en-US" altLang="zh-CN" dirty="0" err="1"/>
-              <a:t>bool</a:t>
-            </a:r>
-            <a:r>
-              <a:rPr lang="en-US" altLang="zh-CN" dirty="0"/>
-              <a:t> s</a:t>
-            </a:r>
-            <a:r>
-              <a:rPr lang="en-US" altLang="zh-CN" dirty="0" smtClean="0"/>
-              <a:t>);</a:t>
-            </a:r>
-          </a:p>
-          <a:p>
-            <a:pPr>
-              <a:lnSpc>
-                <a:spcPct val="150000"/>
-              </a:lnSpc>
-            </a:pPr>
-            <a:r>
-              <a:rPr lang="en-US" altLang="zh-CN" dirty="0" smtClean="0">
-                <a:solidFill>
-                  <a:srgbClr val="C00000"/>
-                </a:solidFill>
-              </a:rPr>
-              <a:t>// </a:t>
-            </a:r>
-            <a:r>
-              <a:rPr lang="zh-CN" altLang="en-US" dirty="0" smtClean="0">
-                <a:solidFill>
-                  <a:srgbClr val="C00000"/>
-                </a:solidFill>
-              </a:rPr>
-              <a:t>电梯门内楼层按钮灯</a:t>
-            </a:r>
-            <a:r>
-              <a:rPr lang="en-US" altLang="zh-CN" dirty="0" smtClean="0">
-                <a:solidFill>
-                  <a:srgbClr val="C00000"/>
-                </a:solidFill>
-              </a:rPr>
-              <a:t>(Panel Floor Light)</a:t>
-            </a:r>
-          </a:p>
-          <a:p>
-            <a:pPr>
-              <a:lnSpc>
-                <a:spcPct val="150000"/>
-              </a:lnSpc>
-            </a:pPr>
-            <a:r>
-              <a:rPr lang="en-US" altLang="zh-CN" dirty="0" err="1">
-                <a:solidFill>
-                  <a:schemeClr val="tx1">
-                    <a:lumMod val="40000"/>
-                    <a:lumOff val="60000"/>
-                  </a:schemeClr>
-                </a:solidFill>
-              </a:rPr>
-              <a:t>bool</a:t>
-            </a:r>
-            <a:r>
-              <a:rPr lang="en-US" altLang="zh-CN" dirty="0">
-                <a:solidFill>
-                  <a:schemeClr val="tx1">
-                    <a:lumMod val="40000"/>
-                    <a:lumOff val="60000"/>
-                  </a:schemeClr>
-                </a:solidFill>
-              </a:rPr>
-              <a:t> </a:t>
-            </a:r>
-            <a:r>
-              <a:rPr lang="en-US" altLang="zh-CN" dirty="0" err="1">
-                <a:solidFill>
-                  <a:schemeClr val="tx1">
-                    <a:lumMod val="40000"/>
-                    <a:lumOff val="60000"/>
-                  </a:schemeClr>
-                </a:solidFill>
-              </a:rPr>
-              <a:t>GetPanelFloorLight</a:t>
-            </a:r>
-            <a:r>
-              <a:rPr lang="en-US" altLang="zh-CN" dirty="0">
-                <a:solidFill>
-                  <a:schemeClr val="tx1">
-                    <a:lumMod val="40000"/>
-                    <a:lumOff val="60000"/>
-                  </a:schemeClr>
-                </a:solidFill>
-              </a:rPr>
-              <a:t>(</a:t>
-            </a:r>
-            <a:r>
-              <a:rPr lang="en-US" altLang="zh-CN" dirty="0" err="1">
-                <a:solidFill>
-                  <a:schemeClr val="tx1">
-                    <a:lumMod val="40000"/>
-                    <a:lumOff val="60000"/>
-                  </a:schemeClr>
-                </a:solidFill>
-              </a:rPr>
-              <a:t>int</a:t>
-            </a:r>
-            <a:r>
-              <a:rPr lang="en-US" altLang="zh-CN" dirty="0">
-                <a:solidFill>
-                  <a:schemeClr val="tx1">
-                    <a:lumMod val="40000"/>
-                    <a:lumOff val="60000"/>
-                  </a:schemeClr>
-                </a:solidFill>
-              </a:rPr>
-              <a:t> floor</a:t>
-            </a:r>
-            <a:r>
-              <a:rPr lang="en-US" altLang="zh-CN" dirty="0" smtClean="0">
-                <a:solidFill>
-                  <a:schemeClr val="tx1">
-                    <a:lumMod val="40000"/>
-                    <a:lumOff val="60000"/>
-                  </a:schemeClr>
-                </a:solidFill>
-              </a:rPr>
-              <a:t>); // </a:t>
-            </a:r>
-            <a:r>
-              <a:rPr lang="en-US" altLang="zh-CN" dirty="0" err="1" smtClean="0">
-                <a:solidFill>
-                  <a:schemeClr val="tx1">
-                    <a:lumMod val="40000"/>
-                    <a:lumOff val="60000"/>
-                  </a:schemeClr>
-                </a:solidFill>
-              </a:rPr>
-              <a:t>IdleWhatFloorToGoTo</a:t>
-            </a:r>
-            <a:r>
-              <a:rPr lang="en-US" altLang="zh-CN" dirty="0" smtClean="0">
-                <a:solidFill>
-                  <a:schemeClr val="tx1">
-                    <a:lumMod val="40000"/>
-                    <a:lumOff val="60000"/>
-                  </a:schemeClr>
-                </a:solidFill>
-              </a:rPr>
-              <a:t>()</a:t>
-            </a:r>
-            <a:r>
-              <a:rPr lang="zh-CN" altLang="en-US" dirty="0" smtClean="0">
-                <a:solidFill>
-                  <a:schemeClr val="tx1">
-                    <a:lumMod val="40000"/>
-                    <a:lumOff val="60000"/>
-                  </a:schemeClr>
-                </a:solidFill>
-              </a:rPr>
-              <a:t>等函数中调用</a:t>
-            </a:r>
-            <a:endParaRPr lang="en-US" altLang="zh-CN" dirty="0">
-              <a:solidFill>
-                <a:schemeClr val="tx1">
-                  <a:lumMod val="40000"/>
-                  <a:lumOff val="60000"/>
-                </a:schemeClr>
-              </a:solidFill>
-            </a:endParaRPr>
-          </a:p>
-          <a:p>
-            <a:pPr>
-              <a:lnSpc>
-                <a:spcPct val="150000"/>
-              </a:lnSpc>
-            </a:pPr>
-            <a:r>
-              <a:rPr lang="en-US" altLang="zh-CN" dirty="0"/>
-              <a:t>void </a:t>
-            </a:r>
-            <a:r>
-              <a:rPr lang="en-US" altLang="zh-CN" dirty="0" err="1"/>
-              <a:t>SetPanelFloorLight</a:t>
-            </a:r>
-            <a:r>
-              <a:rPr lang="en-US" altLang="zh-CN" dirty="0"/>
-              <a:t>(</a:t>
-            </a:r>
-            <a:r>
-              <a:rPr lang="en-US" altLang="zh-CN" dirty="0" err="1"/>
-              <a:t>int</a:t>
-            </a:r>
-            <a:r>
-              <a:rPr lang="en-US" altLang="zh-CN" dirty="0"/>
-              <a:t> floor, </a:t>
-            </a:r>
-            <a:r>
-              <a:rPr lang="en-US" altLang="zh-CN" dirty="0" err="1"/>
-              <a:t>bool</a:t>
-            </a:r>
-            <a:r>
-              <a:rPr lang="en-US" altLang="zh-CN" dirty="0"/>
-              <a:t> s</a:t>
-            </a:r>
-            <a:r>
-              <a:rPr lang="en-US" altLang="zh-CN" dirty="0" smtClean="0"/>
-              <a:t>);</a:t>
-            </a:r>
-          </a:p>
-          <a:p>
-            <a:pPr>
-              <a:lnSpc>
-                <a:spcPct val="150000"/>
-              </a:lnSpc>
-            </a:pPr>
-            <a:r>
-              <a:rPr lang="en-US" altLang="zh-CN" dirty="0" smtClean="0">
-                <a:solidFill>
-                  <a:srgbClr val="C00000"/>
-                </a:solidFill>
-              </a:rPr>
-              <a:t>// </a:t>
-            </a:r>
-            <a:r>
-              <a:rPr lang="zh-CN" altLang="en-US" dirty="0" smtClean="0">
-                <a:solidFill>
-                  <a:srgbClr val="C00000"/>
-                </a:solidFill>
-              </a:rPr>
-              <a:t>电梯门内开关门按钮灯</a:t>
-            </a:r>
-            <a:endParaRPr lang="en-US" altLang="zh-CN" dirty="0" smtClean="0">
-              <a:solidFill>
-                <a:srgbClr val="C00000"/>
-              </a:solidFill>
-            </a:endParaRPr>
-          </a:p>
-          <a:p>
-            <a:pPr>
-              <a:lnSpc>
-                <a:spcPct val="150000"/>
-              </a:lnSpc>
-            </a:pPr>
-            <a:r>
-              <a:rPr lang="en-US" altLang="zh-CN" dirty="0" err="1"/>
-              <a:t>bool</a:t>
-            </a:r>
-            <a:r>
-              <a:rPr lang="en-US" altLang="zh-CN" dirty="0"/>
-              <a:t> </a:t>
-            </a:r>
-            <a:r>
-              <a:rPr lang="en-US" altLang="zh-CN" dirty="0" err="1"/>
-              <a:t>GetOpenDoorLight</a:t>
-            </a:r>
-            <a:r>
-              <a:rPr lang="en-US" altLang="zh-CN" dirty="0"/>
-              <a:t>();</a:t>
-            </a:r>
-          </a:p>
-          <a:p>
-            <a:pPr>
-              <a:lnSpc>
-                <a:spcPct val="150000"/>
-              </a:lnSpc>
-            </a:pPr>
-            <a:r>
-              <a:rPr lang="en-US" altLang="zh-CN" dirty="0"/>
-              <a:t>void </a:t>
-            </a:r>
-            <a:r>
-              <a:rPr lang="en-US" altLang="zh-CN" dirty="0" err="1"/>
-              <a:t>SetOpenDoorLight</a:t>
-            </a:r>
-            <a:r>
-              <a:rPr lang="en-US" altLang="zh-CN" dirty="0"/>
-              <a:t>(</a:t>
-            </a:r>
-            <a:r>
-              <a:rPr lang="en-US" altLang="zh-CN" dirty="0" err="1"/>
-              <a:t>bool</a:t>
-            </a:r>
-            <a:r>
-              <a:rPr lang="en-US" altLang="zh-CN" dirty="0"/>
-              <a:t> s</a:t>
-            </a:r>
-            <a:r>
-              <a:rPr lang="en-US" altLang="zh-CN" dirty="0" smtClean="0"/>
-              <a:t>);</a:t>
-            </a:r>
-          </a:p>
-          <a:p>
-            <a:pPr>
-              <a:lnSpc>
-                <a:spcPct val="150000"/>
-              </a:lnSpc>
-            </a:pPr>
-            <a:r>
-              <a:rPr lang="en-US" altLang="zh-CN" dirty="0" err="1" smtClean="0"/>
-              <a:t>bool</a:t>
-            </a:r>
-            <a:r>
-              <a:rPr lang="en-US" altLang="zh-CN" dirty="0" smtClean="0"/>
-              <a:t> </a:t>
-            </a:r>
-            <a:r>
-              <a:rPr lang="en-US" altLang="zh-CN" dirty="0" err="1"/>
-              <a:t>GetCloseDoorLight</a:t>
-            </a:r>
-            <a:r>
-              <a:rPr lang="en-US" altLang="zh-CN" dirty="0"/>
-              <a:t>();</a:t>
-            </a:r>
-          </a:p>
-          <a:p>
-            <a:pPr>
-              <a:lnSpc>
-                <a:spcPct val="150000"/>
-              </a:lnSpc>
-            </a:pPr>
-            <a:r>
-              <a:rPr lang="en-US" altLang="zh-CN" dirty="0"/>
-              <a:t>void </a:t>
-            </a:r>
-            <a:r>
-              <a:rPr lang="en-US" altLang="zh-CN" dirty="0" err="1"/>
-              <a:t>SetCloseDoorLight</a:t>
-            </a:r>
-            <a:r>
-              <a:rPr lang="en-US" altLang="zh-CN" dirty="0"/>
-              <a:t>(</a:t>
-            </a:r>
-            <a:r>
-              <a:rPr lang="en-US" altLang="zh-CN" dirty="0" err="1"/>
-              <a:t>bool</a:t>
-            </a:r>
-            <a:r>
-              <a:rPr lang="en-US" altLang="zh-CN" dirty="0"/>
-              <a:t> s</a:t>
-            </a:r>
-            <a:r>
-              <a:rPr lang="en-US" altLang="zh-CN" dirty="0" smtClean="0"/>
-              <a:t>);</a:t>
-            </a:r>
-            <a:endParaRPr lang="en-US" altLang="zh-CN" dirty="0">
-              <a:solidFill>
-                <a:srgbClr val="C00000"/>
+                <a:schemeClr val="bg1"/>
               </a:solidFill>
             </a:endParaRPr>
           </a:p>
@@ -12113,15 +11318,18 @@
         </p:nvSpPr>
         <p:spPr>
           <a:xfrm>
-            <a:off x="7236296" y="868070"/>
-            <a:ext cx="1728192" cy="369332"/>
+            <a:off x="5285765" y="681449"/>
+            <a:ext cx="3750731" cy="2531527"/>
           </a:xfrm>
           <a:prstGeom prst="rect">
             <a:avLst/>
           </a:prstGeom>
-          <a:solidFill>
-            <a:schemeClr val="bg2"/>
-          </a:solidFill>
+          <a:noFill/>
+          <a:ln>
+            <a:solidFill>
+              <a:schemeClr val="tx2"/>
+            </a:solidFill>
+          </a:ln>
         </p:spPr>
         <p:txBody>
           <a:bodyPr wrap="square" rtlCol="0">
@@ -12129,22 +11337,586 @@
           </a:bodyPr>
           <a:lstStyle/>
           <a:p>
-            <a:r>
-              <a:rPr lang="zh-CN" altLang="en-US" dirty="0" smtClean="0"/>
-              <a:t>详见</a:t>
-            </a:r>
-            <a:r>
-              <a:rPr lang="en-US" altLang="zh-CN" dirty="0" err="1" smtClean="0"/>
-              <a:t>Elevator.h</a:t>
+            <a:pPr>
+              <a:lnSpc>
+                <a:spcPct val="150000"/>
+              </a:lnSpc>
+            </a:pPr>
+            <a:r>
+              <a:rPr lang="en-US" altLang="zh-CN" dirty="0">
+                <a:solidFill>
+                  <a:schemeClr val="tx2">
+                    <a:lumMod val="50000"/>
+                  </a:schemeClr>
+                </a:solidFill>
+              </a:rPr>
+              <a:t>Events</a:t>
+            </a:r>
+            <a:r>
+              <a:rPr lang="zh-CN" altLang="en-US" dirty="0">
+                <a:solidFill>
+                  <a:schemeClr val="tx2">
+                    <a:lumMod val="50000"/>
+                  </a:schemeClr>
+                </a:solidFill>
+              </a:rPr>
+              <a:t>：</a:t>
+            </a:r>
+          </a:p>
+          <a:p>
+            <a:pPr>
+              <a:lnSpc>
+                <a:spcPct val="150000"/>
+              </a:lnSpc>
+            </a:pPr>
+            <a:r>
+              <a:rPr lang="en-US" altLang="zh-CN" dirty="0"/>
+              <a:t>E1: </a:t>
+            </a:r>
+            <a:r>
+              <a:rPr lang="zh-CN" altLang="en-US" dirty="0"/>
+              <a:t>门内开门按钮</a:t>
+            </a:r>
+            <a:r>
+              <a:rPr lang="en-US" altLang="zh-CN" dirty="0"/>
+              <a:t>(</a:t>
+            </a:r>
+            <a:r>
+              <a:rPr lang="en-US" altLang="zh-CN" dirty="0" err="1"/>
+              <a:t>OpenDoorLight</a:t>
+            </a:r>
+            <a:r>
+              <a:rPr lang="en-US" altLang="zh-CN" dirty="0"/>
+              <a:t>)</a:t>
+            </a:r>
+            <a:endParaRPr lang="zh-CN" altLang="en-US" dirty="0"/>
+          </a:p>
+          <a:p>
+            <a:pPr>
+              <a:lnSpc>
+                <a:spcPct val="150000"/>
+              </a:lnSpc>
+            </a:pPr>
+            <a:r>
+              <a:rPr lang="en-US" altLang="zh-CN" dirty="0"/>
+              <a:t>E2: </a:t>
+            </a:r>
+            <a:r>
+              <a:rPr lang="zh-CN" altLang="en-US" dirty="0"/>
+              <a:t>门内关门按钮</a:t>
+            </a:r>
+            <a:r>
+              <a:rPr lang="en-US" altLang="zh-CN" dirty="0"/>
+              <a:t>(</a:t>
+            </a:r>
+            <a:r>
+              <a:rPr lang="en-US" altLang="zh-CN" dirty="0" err="1"/>
+              <a:t>CloseDoorLight</a:t>
+            </a:r>
+            <a:r>
+              <a:rPr lang="en-US" altLang="zh-CN" dirty="0"/>
+              <a:t>)</a:t>
+            </a:r>
+            <a:endParaRPr lang="zh-CN" altLang="en-US" dirty="0"/>
+          </a:p>
+          <a:p>
+            <a:pPr>
+              <a:lnSpc>
+                <a:spcPct val="150000"/>
+              </a:lnSpc>
+            </a:pPr>
+            <a:r>
+              <a:rPr lang="en-US" altLang="zh-CN" dirty="0"/>
+              <a:t>E3: </a:t>
+            </a:r>
+            <a:r>
+              <a:rPr lang="zh-CN" altLang="en-US" dirty="0"/>
+              <a:t>门内楼层按钮</a:t>
+            </a:r>
+            <a:r>
+              <a:rPr lang="en-US" altLang="zh-CN" dirty="0"/>
+              <a:t>(</a:t>
+            </a:r>
+            <a:r>
+              <a:rPr lang="en-US" altLang="zh-CN" dirty="0" err="1"/>
+              <a:t>PanelFloorLight</a:t>
+            </a:r>
+            <a:r>
+              <a:rPr lang="en-US" altLang="zh-CN" dirty="0"/>
+              <a:t>)</a:t>
+            </a:r>
+            <a:endParaRPr lang="zh-CN" altLang="en-US" dirty="0"/>
+          </a:p>
+          <a:p>
+            <a:pPr>
+              <a:lnSpc>
+                <a:spcPct val="150000"/>
+              </a:lnSpc>
+            </a:pPr>
+            <a:r>
+              <a:rPr lang="en-US" altLang="zh-CN" dirty="0"/>
+              <a:t>E4: </a:t>
+            </a:r>
+            <a:r>
+              <a:rPr lang="zh-CN" altLang="en-US" dirty="0"/>
+              <a:t>门外</a:t>
+            </a:r>
+            <a:r>
+              <a:rPr lang="en-US" altLang="zh-CN" dirty="0"/>
+              <a:t>up</a:t>
+            </a:r>
+            <a:r>
+              <a:rPr lang="zh-CN" altLang="en-US" dirty="0"/>
+              <a:t>按钮</a:t>
+            </a:r>
+            <a:r>
+              <a:rPr lang="en-US" altLang="zh-CN" dirty="0"/>
+              <a:t>(Call Light)</a:t>
+            </a:r>
+            <a:endParaRPr lang="zh-CN" altLang="en-US" dirty="0"/>
+          </a:p>
+          <a:p>
+            <a:pPr>
+              <a:lnSpc>
+                <a:spcPct val="150000"/>
+              </a:lnSpc>
+            </a:pPr>
+            <a:r>
+              <a:rPr lang="en-US" altLang="zh-CN" dirty="0"/>
+              <a:t>E5: </a:t>
+            </a:r>
+            <a:r>
+              <a:rPr lang="zh-CN" altLang="en-US" dirty="0"/>
+              <a:t>门外</a:t>
+            </a:r>
+            <a:r>
+              <a:rPr lang="en-US" altLang="zh-CN" dirty="0"/>
+              <a:t>down</a:t>
+            </a:r>
+            <a:r>
+              <a:rPr lang="zh-CN" altLang="en-US" dirty="0"/>
+              <a:t>按钮</a:t>
+            </a:r>
+            <a:r>
+              <a:rPr lang="en-US" altLang="zh-CN" dirty="0"/>
+              <a:t>(Call Light</a:t>
+            </a:r>
+            <a:r>
+              <a:rPr lang="en-US" altLang="zh-CN" dirty="0" smtClean="0"/>
+              <a:t>)</a:t>
             </a:r>
             <a:endParaRPr lang="zh-CN" altLang="en-US" dirty="0"/>
           </a:p>
         </p:txBody>
       </p:sp>
+      <p:sp>
+        <p:nvSpPr>
+          <p:cNvPr id="5" name="TextBox 4"/>
+          <p:cNvSpPr txBox="1"/>
+          <p:nvPr/>
+        </p:nvSpPr>
+        <p:spPr>
+          <a:xfrm>
+            <a:off x="323528" y="3663022"/>
+            <a:ext cx="8712968" cy="2862322"/>
+          </a:xfrm>
+          <a:prstGeom prst="rect">
+            <a:avLst/>
+          </a:prstGeom>
+          <a:solidFill>
+            <a:schemeClr val="accent3">
+              <a:lumMod val="95000"/>
+            </a:schemeClr>
+          </a:solidFill>
+          <a:ln>
+            <a:solidFill>
+              <a:schemeClr val="tx2"/>
+            </a:solidFill>
+          </a:ln>
+        </p:spPr>
+        <p:txBody>
+          <a:bodyPr wrap="square" rtlCol="0">
+            <a:spAutoFit/>
+          </a:bodyPr>
+          <a:lstStyle/>
+          <a:p>
+            <a:r>
+              <a:rPr lang="en-US" altLang="zh-CN" sz="2000" b="1" dirty="0" smtClean="0">
+                <a:solidFill>
+                  <a:srgbClr val="FF0000"/>
+                </a:solidFill>
+              </a:rPr>
+              <a:t>Moving</a:t>
+            </a:r>
+            <a:r>
+              <a:rPr lang="zh-CN" altLang="en-US" sz="2000" b="1" dirty="0">
+                <a:solidFill>
+                  <a:srgbClr val="FF0000"/>
+                </a:solidFill>
+              </a:rPr>
+              <a:t>状态：</a:t>
+            </a:r>
+            <a:r>
+              <a:rPr lang="en-US" altLang="zh-CN" sz="2000" b="1" dirty="0" err="1">
+                <a:solidFill>
+                  <a:srgbClr val="FF0000"/>
+                </a:solidFill>
+              </a:rPr>
+              <a:t>MovingUp</a:t>
+            </a:r>
+            <a:r>
+              <a:rPr lang="en-US" altLang="zh-CN" sz="2000" b="1" dirty="0">
+                <a:solidFill>
+                  <a:srgbClr val="FF0000"/>
+                </a:solidFill>
+              </a:rPr>
+              <a:t>/</a:t>
+            </a:r>
+            <a:r>
+              <a:rPr lang="en-US" altLang="zh-CN" sz="2000" b="1" dirty="0" err="1">
+                <a:solidFill>
+                  <a:srgbClr val="FF0000"/>
+                </a:solidFill>
+              </a:rPr>
+              <a:t>MovingDown</a:t>
+            </a:r>
+            <a:r>
+              <a:rPr lang="en-US" altLang="zh-CN" sz="2000" b="1" dirty="0">
+                <a:solidFill>
+                  <a:srgbClr val="FF0000"/>
+                </a:solidFill>
+              </a:rPr>
+              <a:t> </a:t>
+            </a:r>
+            <a:r>
+              <a:rPr lang="en-US" altLang="zh-CN" sz="2000" b="1" dirty="0" smtClean="0">
+                <a:solidFill>
+                  <a:srgbClr val="FF0000"/>
+                </a:solidFill>
+                <a:sym typeface="Wingdings" pitchFamily="2" charset="2"/>
+              </a:rPr>
+              <a:t></a:t>
+            </a:r>
+            <a:r>
+              <a:rPr lang="zh-CN" altLang="en-US" sz="2000" b="1" dirty="0" smtClean="0">
+                <a:solidFill>
+                  <a:srgbClr val="FF0000"/>
+                </a:solidFill>
+              </a:rPr>
+              <a:t> </a:t>
+            </a:r>
+            <a:r>
+              <a:rPr lang="en-US" altLang="zh-CN" sz="2000" b="1" dirty="0" err="1">
+                <a:solidFill>
+                  <a:srgbClr val="FF0000"/>
+                </a:solidFill>
+              </a:rPr>
+              <a:t>DoorOpen</a:t>
+            </a:r>
+            <a:endParaRPr lang="en-US" altLang="zh-CN" sz="2000" b="1" dirty="0">
+              <a:solidFill>
+                <a:srgbClr val="FF0000"/>
+              </a:solidFill>
+            </a:endParaRPr>
+          </a:p>
+          <a:p>
+            <a:r>
+              <a:rPr lang="en-US" altLang="zh-CN" sz="2000" b="1" dirty="0"/>
+              <a:t>(S5) </a:t>
+            </a:r>
+            <a:r>
+              <a:rPr lang="zh-CN" altLang="en-US" sz="2000" b="1" dirty="0"/>
+              <a:t>检查</a:t>
+            </a:r>
+            <a:r>
+              <a:rPr lang="en-US" altLang="zh-CN" sz="2000" b="1" dirty="0"/>
+              <a:t>E3</a:t>
+            </a:r>
+            <a:r>
+              <a:rPr lang="zh-CN" altLang="en-US" sz="2000" b="1" dirty="0"/>
+              <a:t>、</a:t>
+            </a:r>
+            <a:r>
+              <a:rPr lang="en-US" altLang="zh-CN" sz="2000" b="1" dirty="0"/>
+              <a:t>E4</a:t>
+            </a:r>
+            <a:r>
+              <a:rPr lang="zh-CN" altLang="en-US" sz="2000" b="1" dirty="0"/>
+              <a:t>、</a:t>
+            </a:r>
+            <a:r>
+              <a:rPr lang="en-US" altLang="zh-CN" sz="2000" b="1" dirty="0"/>
+              <a:t>E5</a:t>
+            </a:r>
+            <a:r>
+              <a:rPr lang="zh-CN" altLang="en-US" sz="2000" b="1" dirty="0"/>
+              <a:t>事件。动态检测，目标楼层</a:t>
+            </a:r>
+            <a:r>
+              <a:rPr lang="en-US" altLang="zh-CN" sz="2000" b="1" dirty="0"/>
+              <a:t>floor=</a:t>
+            </a:r>
+            <a:r>
+              <a:rPr lang="en-US" altLang="zh-CN" sz="2000" b="1" dirty="0" err="1"/>
+              <a:t>GoingUpToFloor</a:t>
+            </a:r>
+            <a:r>
+              <a:rPr lang="en-US" altLang="zh-CN" sz="2000" b="1" dirty="0"/>
+              <a:t>();</a:t>
+            </a:r>
+            <a:endParaRPr lang="zh-CN" altLang="en-US" sz="2000" b="1" dirty="0"/>
+          </a:p>
+          <a:p>
+            <a:r>
+              <a:rPr lang="zh-CN" altLang="en-US" sz="2000" b="1" dirty="0"/>
+              <a:t>     </a:t>
+            </a:r>
+            <a:r>
+              <a:rPr lang="en-US" altLang="zh-CN" sz="2000" b="1" dirty="0"/>
+              <a:t>if(</a:t>
+            </a:r>
+            <a:r>
+              <a:rPr lang="en-US" altLang="zh-CN" sz="2000" b="1" dirty="0" err="1"/>
+              <a:t>fabs</a:t>
+            </a:r>
+            <a:r>
+              <a:rPr lang="en-US" altLang="zh-CN" sz="2000" b="1" dirty="0"/>
+              <a:t>(</a:t>
+            </a:r>
+            <a:r>
+              <a:rPr lang="en-US" altLang="zh-CN" sz="2000" b="1" dirty="0" err="1"/>
+              <a:t>GetFloor</a:t>
+            </a:r>
+            <a:r>
+              <a:rPr lang="en-US" altLang="zh-CN" sz="2000" b="1" dirty="0"/>
+              <a:t>() - floor) &lt; </a:t>
+            </a:r>
+            <a:r>
+              <a:rPr lang="en-US" altLang="zh-CN" sz="2000" b="1" dirty="0" err="1"/>
+              <a:t>Lib_FloorTolerance</a:t>
+            </a:r>
+            <a:r>
+              <a:rPr lang="en-US" altLang="zh-CN" sz="2000" b="1" dirty="0"/>
+              <a:t>) </a:t>
+            </a:r>
+            <a:r>
+              <a:rPr lang="zh-CN" altLang="en-US" sz="2000" b="1" dirty="0"/>
+              <a:t>到达目标楼层，停止，开门</a:t>
+            </a:r>
+          </a:p>
+          <a:p>
+            <a:r>
+              <a:rPr lang="zh-CN" altLang="en-US" sz="2000" b="1" dirty="0"/>
+              <a:t>     消费门外</a:t>
+            </a:r>
+            <a:r>
+              <a:rPr lang="en-US" altLang="zh-CN" sz="2000" b="1" dirty="0"/>
+              <a:t>up</a:t>
+            </a:r>
+            <a:r>
+              <a:rPr lang="zh-CN" altLang="en-US" sz="2000" b="1" dirty="0"/>
+              <a:t>按钮</a:t>
+            </a:r>
+            <a:r>
+              <a:rPr lang="en-US" altLang="zh-CN" sz="2000" b="1" dirty="0"/>
+              <a:t>; </a:t>
+            </a:r>
+            <a:r>
+              <a:rPr lang="zh-CN" altLang="en-US" sz="2000" b="1" dirty="0"/>
+              <a:t>到了最高层</a:t>
+            </a:r>
+            <a:r>
+              <a:rPr lang="en-US" altLang="zh-CN" sz="2000" b="1" dirty="0" err="1"/>
+              <a:t>Lib_FloorNum</a:t>
+            </a:r>
+            <a:r>
+              <a:rPr lang="en-US" altLang="zh-CN" sz="2000" b="1" dirty="0"/>
+              <a:t>, </a:t>
+            </a:r>
+            <a:r>
+              <a:rPr lang="zh-CN" altLang="en-US" sz="2000" b="1" dirty="0"/>
+              <a:t>消费门外</a:t>
+            </a:r>
+            <a:r>
+              <a:rPr lang="en-US" altLang="zh-CN" sz="2000" b="1" dirty="0"/>
+              <a:t>down</a:t>
+            </a:r>
+            <a:r>
+              <a:rPr lang="zh-CN" altLang="en-US" sz="2000" b="1" dirty="0"/>
+              <a:t>按钮。消费门内楼层按钮。</a:t>
+            </a:r>
+          </a:p>
+          <a:p>
+            <a:r>
+              <a:rPr lang="zh-CN" altLang="en-US" sz="2000" b="1" dirty="0"/>
+              <a:t>     </a:t>
+            </a:r>
+            <a:r>
+              <a:rPr lang="en-US" altLang="zh-CN" sz="2000" b="1" dirty="0"/>
+              <a:t>(D) </a:t>
+            </a:r>
+            <a:r>
+              <a:rPr lang="zh-CN" altLang="en-US" sz="2000" b="1" dirty="0"/>
+              <a:t>检查</a:t>
+            </a:r>
+            <a:r>
+              <a:rPr lang="en-US" altLang="zh-CN" sz="2000" b="1" dirty="0"/>
+              <a:t>E1</a:t>
+            </a:r>
+            <a:r>
+              <a:rPr lang="zh-CN" altLang="en-US" sz="2000" b="1" dirty="0"/>
+              <a:t>、</a:t>
+            </a:r>
+            <a:r>
+              <a:rPr lang="en-US" altLang="zh-CN" sz="2000" b="1" dirty="0"/>
+              <a:t>E2</a:t>
+            </a:r>
+            <a:r>
+              <a:rPr lang="zh-CN" altLang="en-US" sz="2000" b="1" dirty="0"/>
+              <a:t>事件，无动作，消费开</a:t>
+            </a:r>
+            <a:r>
+              <a:rPr lang="en-US" altLang="zh-CN" sz="2000" b="1" dirty="0"/>
+              <a:t>/</a:t>
+            </a:r>
+            <a:r>
+              <a:rPr lang="zh-CN" altLang="en-US" sz="2000" b="1" dirty="0"/>
+              <a:t>关门按钮。</a:t>
+            </a:r>
+          </a:p>
+          <a:p>
+            <a:r>
+              <a:rPr lang="en-US" altLang="zh-CN" sz="2000" b="1" dirty="0"/>
+              <a:t>(S6) </a:t>
+            </a:r>
+            <a:r>
+              <a:rPr lang="zh-CN" altLang="en-US" sz="2000" b="1" dirty="0"/>
+              <a:t>检查</a:t>
+            </a:r>
+            <a:r>
+              <a:rPr lang="en-US" altLang="zh-CN" sz="2000" b="1" dirty="0"/>
+              <a:t>E3</a:t>
+            </a:r>
+            <a:r>
+              <a:rPr lang="zh-CN" altLang="en-US" sz="2000" b="1" dirty="0"/>
+              <a:t>、</a:t>
+            </a:r>
+            <a:r>
+              <a:rPr lang="en-US" altLang="zh-CN" sz="2000" b="1" dirty="0"/>
+              <a:t>E4</a:t>
+            </a:r>
+            <a:r>
+              <a:rPr lang="zh-CN" altLang="en-US" sz="2000" b="1" dirty="0"/>
+              <a:t>、</a:t>
+            </a:r>
+            <a:r>
+              <a:rPr lang="en-US" altLang="zh-CN" sz="2000" b="1" dirty="0"/>
+              <a:t>E5</a:t>
+            </a:r>
+            <a:r>
+              <a:rPr lang="zh-CN" altLang="en-US" sz="2000" b="1" dirty="0"/>
+              <a:t>事件。动态检测，目标楼层</a:t>
+            </a:r>
+            <a:r>
+              <a:rPr lang="en-US" altLang="zh-CN" sz="2000" b="1" dirty="0"/>
+              <a:t>=</a:t>
+            </a:r>
+            <a:r>
+              <a:rPr lang="en-US" altLang="zh-CN" sz="2000" b="1" dirty="0" err="1"/>
+              <a:t>GoingDownToFloor</a:t>
+            </a:r>
+            <a:r>
+              <a:rPr lang="en-US" altLang="zh-CN" sz="2000" b="1" dirty="0"/>
+              <a:t>();</a:t>
+            </a:r>
+            <a:r>
+              <a:rPr lang="zh-CN" altLang="en-US" sz="2000" b="1" dirty="0"/>
+              <a:t>其它与</a:t>
+            </a:r>
+            <a:r>
+              <a:rPr lang="en-US" altLang="zh-CN" sz="2000" b="1" dirty="0"/>
+              <a:t>(S5)</a:t>
+            </a:r>
+            <a:r>
+              <a:rPr lang="zh-CN" altLang="en-US" sz="2000" b="1" dirty="0"/>
+              <a:t>类似</a:t>
+            </a:r>
+            <a:r>
+              <a:rPr lang="zh-CN" altLang="en-US" sz="2000" b="1" dirty="0" smtClean="0"/>
+              <a:t>。</a:t>
+            </a:r>
+            <a:endParaRPr lang="zh-CN" altLang="en-US" sz="2000" b="1" dirty="0"/>
+          </a:p>
+        </p:txBody>
+      </p:sp>
+      <p:pic>
+        <p:nvPicPr>
+          <p:cNvPr id="5122" name="Picture 2"/>
+          <p:cNvPicPr>
+            <a:picLocks noChangeAspect="1" noChangeArrowheads="1"/>
+          </p:cNvPicPr>
+          <p:nvPr/>
+        </p:nvPicPr>
+        <p:blipFill>
+          <a:blip r:embed="rId2">
+            <a:extLst>
+              <a:ext uri="{28A0092B-C50C-407E-A947-70E740481C1C}">
+                <a14:useLocalDpi xmlns:a14="http://schemas.microsoft.com/office/drawing/2010/main" val="0"/>
+              </a:ext>
+            </a:extLst>
+          </a:blip>
+          <a:srcRect/>
+          <a:stretch>
+            <a:fillRect/>
+          </a:stretch>
+        </p:blipFill>
+        <p:spPr bwMode="auto">
+          <a:xfrm>
+            <a:off x="107504" y="588427"/>
+            <a:ext cx="5128282" cy="3074595"/>
+          </a:xfrm>
+          <a:prstGeom prst="rect">
+            <a:avLst/>
+          </a:prstGeom>
+          <a:noFill/>
+          <a:ln>
+            <a:noFill/>
+          </a:ln>
+          <a:effectLst/>
+          <a:extLst>
+            <a:ext uri="{909E8E84-426E-40DD-AFC4-6F175D3DCCD1}">
+              <a14:hiddenFill xmlns:a14="http://schemas.microsoft.com/office/drawing/2010/main">
+                <a:solidFill>
+                  <a:schemeClr val="accent1"/>
+                </a:solidFill>
+              </a14:hiddenFill>
+            </a:ext>
+            <a:ext uri="{91240B29-F687-4F45-9708-019B960494DF}">
+              <a14:hiddenLine xmlns:a14="http://schemas.microsoft.com/office/drawing/2010/main" w="9525">
+                <a:solidFill>
+                  <a:schemeClr val="tx1"/>
+                </a:solidFill>
+                <a:miter lim="800000"/>
+                <a:headEnd/>
+                <a:tailEnd/>
+              </a14:hiddenLine>
+            </a:ext>
+            <a:ext uri="{AF507438-7753-43E0-B8FC-AC1667EBCBE1}">
+              <a14:hiddenEffects xmlns:a14="http://schemas.microsoft.com/office/drawing/2010/main">
+                <a:effectLst>
+                  <a:outerShdw dist="35921" dir="2700000" algn="ctr" rotWithShape="0">
+                    <a:schemeClr val="bg2"/>
+                  </a:outerShdw>
+                </a:effectLst>
+              </a14:hiddenEffects>
+            </a:ext>
+          </a:extLst>
+        </p:spPr>
+      </p:pic>
     </p:spTree>
     <p:extLst>
       <p:ext uri="{BB962C8B-B14F-4D97-AF65-F5344CB8AC3E}">
-        <p14:creationId xmlns:p14="http://schemas.microsoft.com/office/powerpoint/2010/main" val="190035215"/>
+        <p14:creationId xmlns:p14="http://schemas.microsoft.com/office/powerpoint/2010/main" val="1366520076"/>
       </p:ext>
     </p:extLst>
   </p:cSld>
@@ -12154,6 +11926,13 @@
   <p:transition>
     <p:random/>
   </p:transition>
+  <p:timing>
+    <p:tnLst>
+      <p:par>
+        <p:cTn id="1" dur="indefinite" restart="never" nodeType="tmRoot"/>
+      </p:par>
+    </p:tnLst>
+  </p:timing>
 </p:sld>
 </file>
 
@@ -12186,8 +11965,8 @@
         </p:nvSpPr>
         <p:spPr>
           <a:xfrm>
-            <a:off x="352425" y="260648"/>
-            <a:ext cx="8612188" cy="998538"/>
+            <a:off x="179512" y="-171400"/>
+            <a:ext cx="7632848" cy="792088"/>
           </a:xfrm>
         </p:spPr>
         <p:txBody>
@@ -12195,410 +11974,18 @@
           <a:lstStyle/>
           <a:p>
             <a:r>
-              <a:rPr lang="zh-CN" altLang="en-US" sz="2800" dirty="0"/>
-              <a:t>三层电梯</a:t>
-            </a:r>
-            <a:r>
-              <a:rPr lang="zh-CN" altLang="en-US" sz="2800" dirty="0" smtClean="0"/>
-              <a:t>状态机相关函数</a:t>
-            </a:r>
-            <a:r>
-              <a:rPr lang="en-US" altLang="zh-CN" sz="2800" dirty="0" smtClean="0"/>
-              <a:t>(2)</a:t>
-            </a:r>
-            <a:endParaRPr lang="zh-CN" altLang="en-US" sz="2800" dirty="0"/>
-          </a:p>
-        </p:txBody>
-      </p:sp>
-      <p:sp>
-        <p:nvSpPr>
-          <p:cNvPr id="3" name="TextBox 2"/>
-          <p:cNvSpPr txBox="1"/>
-          <p:nvPr/>
-        </p:nvSpPr>
-        <p:spPr>
-          <a:xfrm>
-            <a:off x="539552" y="1052736"/>
-            <a:ext cx="8280920" cy="5216813"/>
-          </a:xfrm>
-          <a:prstGeom prst="rect">
-            <a:avLst/>
-          </a:prstGeom>
-          <a:noFill/>
-        </p:spPr>
-        <p:txBody>
-          <a:bodyPr wrap="square" rtlCol="0">
-            <a:spAutoFit/>
-          </a:bodyPr>
-          <a:lstStyle/>
-          <a:p>
-            <a:pPr>
-              <a:lnSpc>
-                <a:spcPct val="150000"/>
-              </a:lnSpc>
-            </a:pPr>
-            <a:r>
-              <a:rPr lang="en-US" altLang="zh-CN" dirty="0" smtClean="0">
-                <a:solidFill>
-                  <a:srgbClr val="C00000"/>
-                </a:solidFill>
-              </a:rPr>
-              <a:t>// </a:t>
-            </a:r>
-            <a:r>
-              <a:rPr lang="zh-CN" altLang="en-US" dirty="0" smtClean="0">
-                <a:solidFill>
-                  <a:srgbClr val="C00000"/>
-                </a:solidFill>
-              </a:rPr>
-              <a:t>电梯箱体门</a:t>
-            </a:r>
-            <a:endParaRPr lang="en-US" altLang="zh-CN" dirty="0" smtClean="0">
+              <a:rPr lang="zh-CN" altLang="en-US" sz="2800" dirty="0" smtClean="0">
+                <a:solidFill>
+                  <a:schemeClr val="bg1"/>
+                </a:solidFill>
+              </a:rPr>
+              <a:t>三层电梯状态机</a:t>
+            </a:r>
+            <a:endParaRPr lang="zh-CN" altLang="en-US" sz="2800" dirty="0">
               <a:solidFill>
-                <a:srgbClr val="C00000"/>
+                <a:schemeClr val="bg1"/>
               </a:solidFill>
             </a:endParaRPr>
-          </a:p>
-          <a:p>
-            <a:pPr>
-              <a:lnSpc>
-                <a:spcPct val="150000"/>
-              </a:lnSpc>
-            </a:pPr>
-            <a:r>
-              <a:rPr lang="en-US" altLang="zh-CN" dirty="0" err="1"/>
-              <a:t>bool</a:t>
-            </a:r>
-            <a:r>
-              <a:rPr lang="en-US" altLang="zh-CN" dirty="0"/>
-              <a:t> </a:t>
-            </a:r>
-            <a:r>
-              <a:rPr lang="en-US" altLang="zh-CN" dirty="0" err="1"/>
-              <a:t>IsDoorOpen</a:t>
-            </a:r>
-            <a:r>
-              <a:rPr lang="en-US" altLang="zh-CN" dirty="0"/>
-              <a:t>(</a:t>
-            </a:r>
-            <a:r>
-              <a:rPr lang="en-US" altLang="zh-CN" dirty="0" err="1"/>
-              <a:t>int</a:t>
-            </a:r>
-            <a:r>
-              <a:rPr lang="en-US" altLang="zh-CN" dirty="0"/>
-              <a:t> floor);</a:t>
-            </a:r>
-          </a:p>
-          <a:p>
-            <a:pPr>
-              <a:lnSpc>
-                <a:spcPct val="150000"/>
-              </a:lnSpc>
-            </a:pPr>
-            <a:r>
-              <a:rPr lang="en-US" altLang="zh-CN" dirty="0" err="1"/>
-              <a:t>bool</a:t>
-            </a:r>
-            <a:r>
-              <a:rPr lang="en-US" altLang="zh-CN" dirty="0"/>
-              <a:t> </a:t>
-            </a:r>
-            <a:r>
-              <a:rPr lang="en-US" altLang="zh-CN" dirty="0" err="1"/>
-              <a:t>IsDoorClosed</a:t>
-            </a:r>
-            <a:r>
-              <a:rPr lang="en-US" altLang="zh-CN" dirty="0"/>
-              <a:t>(</a:t>
-            </a:r>
-            <a:r>
-              <a:rPr lang="en-US" altLang="zh-CN" dirty="0" err="1"/>
-              <a:t>int</a:t>
-            </a:r>
-            <a:r>
-              <a:rPr lang="en-US" altLang="zh-CN" dirty="0"/>
-              <a:t> floor);</a:t>
-            </a:r>
-          </a:p>
-          <a:p>
-            <a:pPr>
-              <a:lnSpc>
-                <a:spcPct val="150000"/>
-              </a:lnSpc>
-            </a:pPr>
-            <a:r>
-              <a:rPr lang="en-US" altLang="zh-CN" dirty="0"/>
-              <a:t>void </a:t>
-            </a:r>
-            <a:r>
-              <a:rPr lang="en-US" altLang="zh-CN" dirty="0" err="1"/>
-              <a:t>SetDoor</a:t>
-            </a:r>
-            <a:r>
-              <a:rPr lang="en-US" altLang="zh-CN" dirty="0"/>
-              <a:t>(</a:t>
-            </a:r>
-            <a:r>
-              <a:rPr lang="en-US" altLang="zh-CN" dirty="0" err="1"/>
-              <a:t>int</a:t>
-            </a:r>
-            <a:r>
-              <a:rPr lang="en-US" altLang="zh-CN" dirty="0"/>
-              <a:t> floor, </a:t>
-            </a:r>
-            <a:r>
-              <a:rPr lang="en-US" altLang="zh-CN" dirty="0" err="1"/>
-              <a:t>bool</a:t>
-            </a:r>
-            <a:r>
-              <a:rPr lang="en-US" altLang="zh-CN" dirty="0"/>
-              <a:t> open</a:t>
-            </a:r>
-            <a:r>
-              <a:rPr lang="en-US" altLang="zh-CN" dirty="0" smtClean="0"/>
-              <a:t>);</a:t>
-            </a:r>
-            <a:endParaRPr lang="en-US" altLang="zh-CN" dirty="0"/>
-          </a:p>
-          <a:p>
-            <a:pPr>
-              <a:lnSpc>
-                <a:spcPct val="150000"/>
-              </a:lnSpc>
-            </a:pPr>
-            <a:r>
-              <a:rPr lang="en-US" altLang="zh-CN" dirty="0" smtClean="0">
-                <a:solidFill>
-                  <a:srgbClr val="C00000"/>
-                </a:solidFill>
-              </a:rPr>
-              <a:t>// </a:t>
-            </a:r>
-            <a:r>
-              <a:rPr lang="zh-CN" altLang="en-US" dirty="0" smtClean="0">
-                <a:solidFill>
-                  <a:srgbClr val="C00000"/>
-                </a:solidFill>
-              </a:rPr>
-              <a:t>设置电机功率</a:t>
-            </a:r>
-            <a:endParaRPr lang="en-US" altLang="zh-CN" dirty="0" smtClean="0">
-              <a:solidFill>
-                <a:srgbClr val="C00000"/>
-              </a:solidFill>
-            </a:endParaRPr>
-          </a:p>
-          <a:p>
-            <a:r>
-              <a:rPr lang="en-US" altLang="zh-CN" dirty="0"/>
-              <a:t>void </a:t>
-            </a:r>
-            <a:r>
-              <a:rPr lang="en-US" altLang="zh-CN" dirty="0" err="1"/>
-              <a:t>SetMotorPower</a:t>
-            </a:r>
-            <a:r>
-              <a:rPr lang="en-US" altLang="zh-CN" dirty="0"/>
-              <a:t>(double power</a:t>
-            </a:r>
-            <a:r>
-              <a:rPr lang="en-US" altLang="zh-CN" dirty="0" smtClean="0"/>
-              <a:t>);</a:t>
-            </a:r>
-          </a:p>
-          <a:p>
-            <a:endParaRPr lang="en-US" altLang="zh-CN" dirty="0" smtClean="0"/>
-          </a:p>
-          <a:p>
-            <a:r>
-              <a:rPr lang="en-US" altLang="zh-CN" dirty="0">
-                <a:solidFill>
-                  <a:srgbClr val="C00000"/>
-                </a:solidFill>
-              </a:rPr>
-              <a:t>// </a:t>
-            </a:r>
-            <a:r>
-              <a:rPr lang="zh-CN" altLang="en-US" dirty="0">
-                <a:solidFill>
-                  <a:srgbClr val="C00000"/>
-                </a:solidFill>
-              </a:rPr>
-              <a:t>一定时间无动作，自动到</a:t>
-            </a:r>
-            <a:r>
-              <a:rPr lang="en-US" altLang="zh-CN" dirty="0">
-                <a:solidFill>
-                  <a:srgbClr val="C00000"/>
-                </a:solidFill>
-              </a:rPr>
-              <a:t>1</a:t>
-            </a:r>
-            <a:r>
-              <a:rPr lang="zh-CN" altLang="en-US" dirty="0">
-                <a:solidFill>
-                  <a:srgbClr val="C00000"/>
-                </a:solidFill>
-              </a:rPr>
-              <a:t>楼</a:t>
-            </a:r>
-          </a:p>
-          <a:p>
-            <a:r>
-              <a:rPr lang="en-US" altLang="zh-CN" dirty="0"/>
-              <a:t>extern void AutoTo1Floor();</a:t>
-            </a:r>
-          </a:p>
-          <a:p>
-            <a:r>
-              <a:rPr lang="en-US" altLang="zh-CN" dirty="0">
-                <a:solidFill>
-                  <a:srgbClr val="C00000"/>
-                </a:solidFill>
-              </a:rPr>
-              <a:t>// </a:t>
-            </a:r>
-            <a:r>
-              <a:rPr lang="zh-CN" altLang="en-US" dirty="0">
-                <a:solidFill>
-                  <a:srgbClr val="C00000"/>
-                </a:solidFill>
-              </a:rPr>
-              <a:t>取消自动到</a:t>
-            </a:r>
-            <a:r>
-              <a:rPr lang="en-US" altLang="zh-CN" dirty="0">
-                <a:solidFill>
-                  <a:srgbClr val="C00000"/>
-                </a:solidFill>
-              </a:rPr>
-              <a:t>1</a:t>
-            </a:r>
-            <a:r>
-              <a:rPr lang="zh-CN" altLang="en-US" dirty="0">
-                <a:solidFill>
-                  <a:srgbClr val="C00000"/>
-                </a:solidFill>
-              </a:rPr>
-              <a:t>楼</a:t>
-            </a:r>
-          </a:p>
-          <a:p>
-            <a:r>
-              <a:rPr lang="en-US" altLang="zh-CN" dirty="0"/>
-              <a:t>extern void CancelTo1Floor</a:t>
-            </a:r>
-            <a:r>
-              <a:rPr lang="en-US" altLang="zh-CN" dirty="0" smtClean="0"/>
-              <a:t>();</a:t>
-            </a:r>
-          </a:p>
-          <a:p>
-            <a:endParaRPr lang="en-US" altLang="zh-CN" dirty="0"/>
-          </a:p>
-          <a:p>
-            <a:r>
-              <a:rPr lang="en-US" altLang="zh-CN" dirty="0" smtClean="0">
-                <a:solidFill>
-                  <a:srgbClr val="FF0000"/>
-                </a:solidFill>
-              </a:rPr>
-              <a:t>// </a:t>
-            </a:r>
-            <a:r>
-              <a:rPr lang="zh-CN" altLang="en-US" dirty="0" smtClean="0">
-                <a:solidFill>
-                  <a:srgbClr val="FF0000"/>
-                </a:solidFill>
-              </a:rPr>
-              <a:t>常数，楼层数</a:t>
-            </a:r>
-            <a:endParaRPr lang="en-US" altLang="zh-CN" dirty="0" smtClean="0">
-              <a:solidFill>
-                <a:srgbClr val="FF0000"/>
-              </a:solidFill>
-            </a:endParaRPr>
-          </a:p>
-          <a:p>
-            <a:r>
-              <a:rPr lang="en-US" altLang="zh-CN" dirty="0" smtClean="0"/>
-              <a:t>#define </a:t>
-            </a:r>
-            <a:r>
-              <a:rPr lang="en-US" altLang="zh-CN" dirty="0" err="1" smtClean="0"/>
-              <a:t>Lib_FloorNum</a:t>
-            </a:r>
-            <a:r>
-              <a:rPr lang="en-US" altLang="zh-CN" dirty="0" smtClean="0"/>
-              <a:t>  3 </a:t>
-            </a:r>
-          </a:p>
-          <a:p>
-            <a:r>
-              <a:rPr lang="en-US" altLang="zh-CN" dirty="0" smtClean="0">
-                <a:solidFill>
-                  <a:srgbClr val="FF0000"/>
-                </a:solidFill>
-              </a:rPr>
-              <a:t>// </a:t>
-            </a:r>
-            <a:r>
-              <a:rPr lang="zh-CN" altLang="en-US" dirty="0" smtClean="0">
-                <a:solidFill>
-                  <a:srgbClr val="FF0000"/>
-                </a:solidFill>
-              </a:rPr>
-              <a:t>常数，容差</a:t>
-            </a:r>
-            <a:r>
-              <a:rPr lang="en-US" altLang="zh-CN" dirty="0" smtClean="0">
-                <a:solidFill>
-                  <a:srgbClr val="FF0000"/>
-                </a:solidFill>
-              </a:rPr>
-              <a:t>(</a:t>
-            </a:r>
-            <a:r>
-              <a:rPr lang="zh-CN" altLang="en-US" smtClean="0">
-                <a:solidFill>
-                  <a:srgbClr val="FF0000"/>
-                </a:solidFill>
-              </a:rPr>
-              <a:t>见下页</a:t>
-            </a:r>
-            <a:r>
-              <a:rPr lang="en-US" altLang="zh-CN" smtClean="0">
-                <a:solidFill>
-                  <a:srgbClr val="FF0000"/>
-                </a:solidFill>
-              </a:rPr>
-              <a:t>)</a:t>
-            </a:r>
-            <a:endParaRPr lang="en-US" altLang="zh-CN" dirty="0" smtClean="0">
-              <a:solidFill>
-                <a:srgbClr val="FF0000"/>
-              </a:solidFill>
-            </a:endParaRPr>
-          </a:p>
-          <a:p>
-            <a:r>
-              <a:rPr lang="en-US" altLang="zh-CN" dirty="0"/>
-              <a:t>#define </a:t>
-            </a:r>
-            <a:r>
-              <a:rPr lang="en-US" altLang="zh-CN" dirty="0" err="1"/>
-              <a:t>Lib_FloorTolerance</a:t>
-            </a:r>
-            <a:r>
-              <a:rPr lang="en-US" altLang="zh-CN" dirty="0"/>
-              <a:t> </a:t>
-            </a:r>
-            <a:r>
-              <a:rPr lang="en-US" altLang="zh-CN" dirty="0" smtClean="0"/>
-              <a:t>0.01   </a:t>
-            </a:r>
-            <a:endParaRPr lang="en-US" altLang="zh-CN" dirty="0" smtClean="0"/>
           </a:p>
         </p:txBody>
       </p:sp>
@@ -12610,15 +11997,18 @@
         </p:nvSpPr>
         <p:spPr>
           <a:xfrm>
-            <a:off x="7236296" y="868070"/>
-            <a:ext cx="1728192" cy="369332"/>
+            <a:off x="5285765" y="523875"/>
+            <a:ext cx="3750731" cy="2531527"/>
           </a:xfrm>
           <a:prstGeom prst="rect">
             <a:avLst/>
           </a:prstGeom>
-          <a:solidFill>
-            <a:schemeClr val="bg2"/>
-          </a:solidFill>
+          <a:noFill/>
+          <a:ln>
+            <a:solidFill>
+              <a:schemeClr val="tx2"/>
+            </a:solidFill>
+          </a:ln>
         </p:spPr>
         <p:txBody>
           <a:bodyPr wrap="square" rtlCol="0">
@@ -12626,22 +12016,626 @@
           </a:bodyPr>
           <a:lstStyle/>
           <a:p>
-            <a:r>
-              <a:rPr lang="zh-CN" altLang="en-US" dirty="0" smtClean="0"/>
-              <a:t>详见</a:t>
-            </a:r>
-            <a:r>
-              <a:rPr lang="en-US" altLang="zh-CN" dirty="0" err="1" smtClean="0"/>
-              <a:t>Elevator.h</a:t>
+            <a:pPr>
+              <a:lnSpc>
+                <a:spcPct val="150000"/>
+              </a:lnSpc>
+            </a:pPr>
+            <a:r>
+              <a:rPr lang="en-US" altLang="zh-CN" dirty="0">
+                <a:solidFill>
+                  <a:schemeClr val="tx2">
+                    <a:lumMod val="50000"/>
+                  </a:schemeClr>
+                </a:solidFill>
+              </a:rPr>
+              <a:t>Events</a:t>
+            </a:r>
+            <a:r>
+              <a:rPr lang="zh-CN" altLang="en-US" dirty="0">
+                <a:solidFill>
+                  <a:schemeClr val="tx2">
+                    <a:lumMod val="50000"/>
+                  </a:schemeClr>
+                </a:solidFill>
+              </a:rPr>
+              <a:t>：</a:t>
+            </a:r>
+          </a:p>
+          <a:p>
+            <a:pPr>
+              <a:lnSpc>
+                <a:spcPct val="150000"/>
+              </a:lnSpc>
+            </a:pPr>
+            <a:r>
+              <a:rPr lang="en-US" altLang="zh-CN" dirty="0"/>
+              <a:t>E1: </a:t>
+            </a:r>
+            <a:r>
+              <a:rPr lang="zh-CN" altLang="en-US" dirty="0"/>
+              <a:t>门内开门按钮</a:t>
+            </a:r>
+            <a:r>
+              <a:rPr lang="en-US" altLang="zh-CN" dirty="0"/>
+              <a:t>(</a:t>
+            </a:r>
+            <a:r>
+              <a:rPr lang="en-US" altLang="zh-CN" dirty="0" err="1"/>
+              <a:t>OpenDoorLight</a:t>
+            </a:r>
+            <a:r>
+              <a:rPr lang="en-US" altLang="zh-CN" dirty="0"/>
+              <a:t>)</a:t>
+            </a:r>
+            <a:endParaRPr lang="zh-CN" altLang="en-US" dirty="0"/>
+          </a:p>
+          <a:p>
+            <a:pPr>
+              <a:lnSpc>
+                <a:spcPct val="150000"/>
+              </a:lnSpc>
+            </a:pPr>
+            <a:r>
+              <a:rPr lang="en-US" altLang="zh-CN" dirty="0"/>
+              <a:t>E2: </a:t>
+            </a:r>
+            <a:r>
+              <a:rPr lang="zh-CN" altLang="en-US" dirty="0"/>
+              <a:t>门内关门按钮</a:t>
+            </a:r>
+            <a:r>
+              <a:rPr lang="en-US" altLang="zh-CN" dirty="0"/>
+              <a:t>(</a:t>
+            </a:r>
+            <a:r>
+              <a:rPr lang="en-US" altLang="zh-CN" dirty="0" err="1"/>
+              <a:t>CloseDoorLight</a:t>
+            </a:r>
+            <a:r>
+              <a:rPr lang="en-US" altLang="zh-CN" dirty="0"/>
+              <a:t>)</a:t>
+            </a:r>
+            <a:endParaRPr lang="zh-CN" altLang="en-US" dirty="0"/>
+          </a:p>
+          <a:p>
+            <a:pPr>
+              <a:lnSpc>
+                <a:spcPct val="150000"/>
+              </a:lnSpc>
+            </a:pPr>
+            <a:r>
+              <a:rPr lang="en-US" altLang="zh-CN" dirty="0"/>
+              <a:t>E3: </a:t>
+            </a:r>
+            <a:r>
+              <a:rPr lang="zh-CN" altLang="en-US" dirty="0"/>
+              <a:t>门内楼层按钮</a:t>
+            </a:r>
+            <a:r>
+              <a:rPr lang="en-US" altLang="zh-CN" dirty="0"/>
+              <a:t>(</a:t>
+            </a:r>
+            <a:r>
+              <a:rPr lang="en-US" altLang="zh-CN" dirty="0" err="1"/>
+              <a:t>PanelFloorLight</a:t>
+            </a:r>
+            <a:r>
+              <a:rPr lang="en-US" altLang="zh-CN" dirty="0"/>
+              <a:t>)</a:t>
+            </a:r>
+            <a:endParaRPr lang="zh-CN" altLang="en-US" dirty="0"/>
+          </a:p>
+          <a:p>
+            <a:pPr>
+              <a:lnSpc>
+                <a:spcPct val="150000"/>
+              </a:lnSpc>
+            </a:pPr>
+            <a:r>
+              <a:rPr lang="en-US" altLang="zh-CN" dirty="0"/>
+              <a:t>E4: </a:t>
+            </a:r>
+            <a:r>
+              <a:rPr lang="zh-CN" altLang="en-US" dirty="0"/>
+              <a:t>门外</a:t>
+            </a:r>
+            <a:r>
+              <a:rPr lang="en-US" altLang="zh-CN" dirty="0"/>
+              <a:t>up</a:t>
+            </a:r>
+            <a:r>
+              <a:rPr lang="zh-CN" altLang="en-US" dirty="0"/>
+              <a:t>按钮</a:t>
+            </a:r>
+            <a:r>
+              <a:rPr lang="en-US" altLang="zh-CN" dirty="0"/>
+              <a:t>(Call Light)</a:t>
+            </a:r>
+            <a:endParaRPr lang="zh-CN" altLang="en-US" dirty="0"/>
+          </a:p>
+          <a:p>
+            <a:pPr>
+              <a:lnSpc>
+                <a:spcPct val="150000"/>
+              </a:lnSpc>
+            </a:pPr>
+            <a:r>
+              <a:rPr lang="en-US" altLang="zh-CN" dirty="0"/>
+              <a:t>E5: </a:t>
+            </a:r>
+            <a:r>
+              <a:rPr lang="zh-CN" altLang="en-US" dirty="0"/>
+              <a:t>门外</a:t>
+            </a:r>
+            <a:r>
+              <a:rPr lang="en-US" altLang="zh-CN" dirty="0"/>
+              <a:t>down</a:t>
+            </a:r>
+            <a:r>
+              <a:rPr lang="zh-CN" altLang="en-US" dirty="0"/>
+              <a:t>按钮</a:t>
+            </a:r>
+            <a:r>
+              <a:rPr lang="en-US" altLang="zh-CN" dirty="0"/>
+              <a:t>(Call Light</a:t>
+            </a:r>
+            <a:r>
+              <a:rPr lang="en-US" altLang="zh-CN" dirty="0" smtClean="0"/>
+              <a:t>)</a:t>
             </a:r>
             <a:endParaRPr lang="zh-CN" altLang="en-US" dirty="0"/>
           </a:p>
         </p:txBody>
       </p:sp>
+      <p:sp>
+        <p:nvSpPr>
+          <p:cNvPr id="5" name="TextBox 4"/>
+          <p:cNvSpPr txBox="1"/>
+          <p:nvPr/>
+        </p:nvSpPr>
+        <p:spPr>
+          <a:xfrm>
+            <a:off x="179512" y="3356992"/>
+            <a:ext cx="8712968" cy="3477875"/>
+          </a:xfrm>
+          <a:prstGeom prst="rect">
+            <a:avLst/>
+          </a:prstGeom>
+          <a:solidFill>
+            <a:schemeClr val="accent3">
+              <a:lumMod val="95000"/>
+            </a:schemeClr>
+          </a:solidFill>
+          <a:ln>
+            <a:solidFill>
+              <a:schemeClr val="tx2"/>
+            </a:solidFill>
+          </a:ln>
+        </p:spPr>
+        <p:txBody>
+          <a:bodyPr wrap="square" rtlCol="0">
+            <a:spAutoFit/>
+          </a:bodyPr>
+          <a:lstStyle/>
+          <a:p>
+            <a:r>
+              <a:rPr lang="en-US" altLang="zh-CN" sz="2000" b="1" dirty="0" err="1" smtClean="0">
+                <a:solidFill>
+                  <a:srgbClr val="FF0000"/>
+                </a:solidFill>
+              </a:rPr>
+              <a:t>DoorOpen</a:t>
+            </a:r>
+            <a:r>
+              <a:rPr lang="zh-CN" altLang="en-US" sz="2000" b="1" dirty="0">
+                <a:solidFill>
+                  <a:srgbClr val="FF0000"/>
+                </a:solidFill>
+              </a:rPr>
+              <a:t>状态</a:t>
+            </a:r>
+            <a:r>
+              <a:rPr lang="en-US" altLang="zh-CN" sz="2000" b="1" dirty="0">
+                <a:solidFill>
+                  <a:srgbClr val="FF0000"/>
+                </a:solidFill>
+              </a:rPr>
+              <a:t>: </a:t>
+            </a:r>
+            <a:r>
+              <a:rPr lang="zh-CN" altLang="en-US" sz="2000" b="1" dirty="0">
+                <a:solidFill>
+                  <a:srgbClr val="FF0000"/>
+                </a:solidFill>
+              </a:rPr>
+              <a:t>电梯门打开 </a:t>
+            </a:r>
+            <a:r>
+              <a:rPr lang="en-US" altLang="zh-CN" sz="2000" b="1" dirty="0" smtClean="0">
+                <a:solidFill>
+                  <a:srgbClr val="FF0000"/>
+                </a:solidFill>
+                <a:sym typeface="Wingdings" pitchFamily="2" charset="2"/>
+              </a:rPr>
+              <a:t> </a:t>
+            </a:r>
+            <a:r>
+              <a:rPr lang="en-US" altLang="zh-CN" sz="2000" b="1" dirty="0" err="1" smtClean="0">
+                <a:solidFill>
+                  <a:srgbClr val="FF0000"/>
+                </a:solidFill>
+              </a:rPr>
+              <a:t>DoorClosing</a:t>
+            </a:r>
+            <a:endParaRPr lang="zh-CN" altLang="en-US" sz="2000" b="1" dirty="0">
+              <a:solidFill>
+                <a:srgbClr val="FF0000"/>
+              </a:solidFill>
+            </a:endParaRPr>
+          </a:p>
+          <a:p>
+            <a:r>
+              <a:rPr lang="en-US" altLang="zh-CN" sz="2000" b="1" dirty="0"/>
+              <a:t>(S7) </a:t>
+            </a:r>
+            <a:r>
+              <a:rPr lang="zh-CN" altLang="en-US" sz="2000" b="1" dirty="0"/>
+              <a:t>检查</a:t>
+            </a:r>
+            <a:r>
+              <a:rPr lang="en-US" altLang="zh-CN" sz="2000" b="1" dirty="0"/>
+              <a:t>E2</a:t>
+            </a:r>
+            <a:r>
+              <a:rPr lang="zh-CN" altLang="en-US" sz="2000" b="1" dirty="0"/>
+              <a:t>事件，转而关门，</a:t>
+            </a:r>
+            <a:r>
+              <a:rPr lang="en-US" altLang="zh-CN" sz="2000" b="1" dirty="0" err="1"/>
+              <a:t>GetCloseDoorLight</a:t>
+            </a:r>
+            <a:r>
+              <a:rPr lang="en-US" altLang="zh-CN" sz="2000" b="1" dirty="0"/>
+              <a:t>(),</a:t>
+            </a:r>
+            <a:r>
+              <a:rPr lang="en-US" altLang="zh-CN" sz="2000" b="1" dirty="0" err="1"/>
+              <a:t>SetDoor</a:t>
+            </a:r>
+            <a:r>
+              <a:rPr lang="en-US" altLang="zh-CN" sz="2000" b="1" dirty="0"/>
+              <a:t>(); </a:t>
+            </a:r>
+            <a:r>
+              <a:rPr lang="zh-CN" altLang="en-US" sz="2000" b="1" dirty="0"/>
+              <a:t>消费关门按钮。</a:t>
+            </a:r>
+          </a:p>
+          <a:p>
+            <a:r>
+              <a:rPr lang="zh-CN" altLang="en-US" sz="2000" b="1" dirty="0"/>
+              <a:t>     开门结束后，自动进入关门状态。</a:t>
+            </a:r>
+            <a:r>
+              <a:rPr lang="en-US" altLang="zh-CN" sz="2000" b="1" dirty="0" err="1"/>
+              <a:t>IsDoorOpen</a:t>
+            </a:r>
+            <a:r>
+              <a:rPr lang="en-US" altLang="zh-CN" sz="2000" b="1" dirty="0"/>
+              <a:t>();</a:t>
+            </a:r>
+            <a:r>
+              <a:rPr lang="en-US" altLang="zh-CN" sz="2000" b="1" dirty="0" err="1"/>
+              <a:t>SetDoor</a:t>
+            </a:r>
+            <a:r>
+              <a:rPr lang="en-US" altLang="zh-CN" sz="2000" b="1" dirty="0"/>
+              <a:t>();</a:t>
+            </a:r>
+            <a:endParaRPr lang="zh-CN" altLang="en-US" sz="2000" b="1" dirty="0"/>
+          </a:p>
+          <a:p>
+            <a:r>
+              <a:rPr lang="zh-CN" altLang="en-US" sz="2000" b="1" dirty="0"/>
+              <a:t>     检查</a:t>
+            </a:r>
+            <a:r>
+              <a:rPr lang="en-US" altLang="zh-CN" sz="2000" b="1" dirty="0"/>
+              <a:t>E1</a:t>
+            </a:r>
+            <a:r>
+              <a:rPr lang="zh-CN" altLang="en-US" sz="2000" b="1" dirty="0"/>
+              <a:t>事件</a:t>
+            </a:r>
+            <a:r>
+              <a:rPr lang="en-US" altLang="zh-CN" sz="2000" b="1" dirty="0"/>
+              <a:t>, </a:t>
+            </a:r>
+            <a:r>
+              <a:rPr lang="zh-CN" altLang="en-US" sz="2000" b="1" dirty="0"/>
+              <a:t>无动作，消费开门按钮</a:t>
+            </a:r>
+            <a:r>
+              <a:rPr lang="zh-CN" altLang="en-US" sz="2000" b="1" dirty="0" smtClean="0"/>
+              <a:t>。</a:t>
+            </a:r>
+            <a:endParaRPr lang="zh-CN" altLang="en-US" sz="2000" b="1" dirty="0"/>
+          </a:p>
+          <a:p>
+            <a:r>
+              <a:rPr lang="en-US" altLang="zh-CN" sz="2000" b="1" dirty="0" err="1">
+                <a:solidFill>
+                  <a:srgbClr val="FF0000"/>
+                </a:solidFill>
+              </a:rPr>
+              <a:t>DoorClosing</a:t>
+            </a:r>
+            <a:r>
+              <a:rPr lang="zh-CN" altLang="en-US" sz="2000" b="1" dirty="0">
+                <a:solidFill>
+                  <a:srgbClr val="FF0000"/>
+                </a:solidFill>
+              </a:rPr>
+              <a:t>状态</a:t>
+            </a:r>
+            <a:r>
+              <a:rPr lang="en-US" altLang="zh-CN" sz="2000" b="1" dirty="0">
+                <a:solidFill>
+                  <a:srgbClr val="FF0000"/>
+                </a:solidFill>
+              </a:rPr>
+              <a:t>: </a:t>
+            </a:r>
+            <a:r>
+              <a:rPr lang="zh-CN" altLang="en-US" sz="2000" b="1" dirty="0">
+                <a:solidFill>
+                  <a:srgbClr val="FF0000"/>
+                </a:solidFill>
+              </a:rPr>
+              <a:t>正在关门 </a:t>
+            </a:r>
+            <a:r>
+              <a:rPr lang="en-US" altLang="zh-CN" sz="2000" b="1" dirty="0" smtClean="0">
+                <a:solidFill>
+                  <a:srgbClr val="FF0000"/>
+                </a:solidFill>
+                <a:sym typeface="Wingdings" pitchFamily="2" charset="2"/>
+              </a:rPr>
+              <a:t></a:t>
+            </a:r>
+            <a:r>
+              <a:rPr lang="zh-CN" altLang="en-US" sz="2000" b="1" dirty="0" smtClean="0">
+                <a:solidFill>
+                  <a:srgbClr val="FF0000"/>
+                </a:solidFill>
+              </a:rPr>
+              <a:t> </a:t>
+            </a:r>
+            <a:r>
+              <a:rPr lang="en-US" altLang="zh-CN" sz="2000" b="1" dirty="0" err="1">
+                <a:solidFill>
+                  <a:srgbClr val="FF0000"/>
+                </a:solidFill>
+              </a:rPr>
+              <a:t>DoorOpen</a:t>
+            </a:r>
+            <a:endParaRPr lang="zh-CN" altLang="en-US" sz="2000" b="1" dirty="0">
+              <a:solidFill>
+                <a:srgbClr val="FF0000"/>
+              </a:solidFill>
+            </a:endParaRPr>
+          </a:p>
+          <a:p>
+            <a:r>
+              <a:rPr lang="en-US" altLang="zh-CN" sz="2000" b="1" dirty="0"/>
+              <a:t>(S8) </a:t>
+            </a:r>
+            <a:r>
+              <a:rPr lang="zh-CN" altLang="en-US" sz="2000" b="1" dirty="0"/>
+              <a:t>检查</a:t>
+            </a:r>
+            <a:r>
+              <a:rPr lang="en-US" altLang="zh-CN" sz="2000" b="1" dirty="0"/>
+              <a:t>E1</a:t>
+            </a:r>
+            <a:r>
+              <a:rPr lang="zh-CN" altLang="en-US" sz="2000" b="1" dirty="0"/>
+              <a:t>事件，转而开门。</a:t>
+            </a:r>
+            <a:r>
+              <a:rPr lang="en-US" altLang="zh-CN" sz="2000" b="1" dirty="0" err="1"/>
+              <a:t>GetOpenDoorLight</a:t>
+            </a:r>
+            <a:r>
+              <a:rPr lang="en-US" altLang="zh-CN" sz="2000" b="1" dirty="0"/>
+              <a:t>();</a:t>
+            </a:r>
+            <a:r>
+              <a:rPr lang="en-US" altLang="zh-CN" sz="2000" b="1" dirty="0" err="1"/>
+              <a:t>SetDoor</a:t>
+            </a:r>
+            <a:r>
+              <a:rPr lang="en-US" altLang="zh-CN" sz="2000" b="1" dirty="0"/>
+              <a:t>(); </a:t>
+            </a:r>
+            <a:r>
+              <a:rPr lang="zh-CN" altLang="en-US" sz="2000" b="1" dirty="0"/>
+              <a:t>消费关门按钮。</a:t>
+            </a:r>
+          </a:p>
+          <a:p>
+            <a:r>
+              <a:rPr lang="zh-CN" altLang="en-US" sz="2000" b="1" dirty="0"/>
+              <a:t>     检查</a:t>
+            </a:r>
+            <a:r>
+              <a:rPr lang="en-US" altLang="zh-CN" sz="2000" b="1" dirty="0"/>
+              <a:t>E2</a:t>
+            </a:r>
+            <a:r>
+              <a:rPr lang="zh-CN" altLang="en-US" sz="2000" b="1" dirty="0"/>
+              <a:t>事件，无动作，消费关门按钮</a:t>
+            </a:r>
+            <a:r>
+              <a:rPr lang="zh-CN" altLang="en-US" sz="2000" b="1" dirty="0" smtClean="0"/>
+              <a:t>。</a:t>
+            </a:r>
+            <a:endParaRPr lang="zh-CN" altLang="en-US" sz="2000" b="1" dirty="0"/>
+          </a:p>
+          <a:p>
+            <a:r>
+              <a:rPr lang="en-US" altLang="zh-CN" sz="2000" b="1" dirty="0" err="1">
+                <a:solidFill>
+                  <a:srgbClr val="FF0000"/>
+                </a:solidFill>
+              </a:rPr>
+              <a:t>DoorClosing</a:t>
+            </a:r>
+            <a:r>
+              <a:rPr lang="zh-CN" altLang="en-US" sz="2000" b="1" dirty="0">
+                <a:solidFill>
+                  <a:srgbClr val="FF0000"/>
+                </a:solidFill>
+              </a:rPr>
+              <a:t>状态</a:t>
+            </a:r>
+            <a:r>
+              <a:rPr lang="en-US" altLang="zh-CN" sz="2000" b="1" dirty="0">
+                <a:solidFill>
+                  <a:srgbClr val="FF0000"/>
+                </a:solidFill>
+              </a:rPr>
+              <a:t>: </a:t>
+            </a:r>
+            <a:r>
+              <a:rPr lang="zh-CN" altLang="en-US" sz="2000" b="1" dirty="0">
+                <a:solidFill>
+                  <a:srgbClr val="FF0000"/>
+                </a:solidFill>
+              </a:rPr>
+              <a:t>正在关门 </a:t>
+            </a:r>
+            <a:r>
+              <a:rPr lang="en-US" altLang="zh-CN" sz="2000" b="1" dirty="0" smtClean="0">
+                <a:solidFill>
+                  <a:srgbClr val="FF0000"/>
+                </a:solidFill>
+                <a:sym typeface="Wingdings" pitchFamily="2" charset="2"/>
+              </a:rPr>
+              <a:t> </a:t>
+            </a:r>
+            <a:r>
+              <a:rPr lang="en-US" altLang="zh-CN" sz="2000" b="1" dirty="0" smtClean="0">
+                <a:solidFill>
+                  <a:srgbClr val="FF0000"/>
+                </a:solidFill>
+              </a:rPr>
+              <a:t>Idle</a:t>
+            </a:r>
+            <a:endParaRPr lang="zh-CN" altLang="en-US" sz="2000" b="1" dirty="0">
+              <a:solidFill>
+                <a:srgbClr val="FF0000"/>
+              </a:solidFill>
+            </a:endParaRPr>
+          </a:p>
+          <a:p>
+            <a:r>
+              <a:rPr lang="en-US" altLang="zh-CN" sz="2000" b="1" dirty="0"/>
+              <a:t>(S9) </a:t>
+            </a:r>
+            <a:r>
+              <a:rPr lang="zh-CN" altLang="en-US" sz="2000" b="1" dirty="0"/>
+              <a:t>关门结束后，进入</a:t>
+            </a:r>
+            <a:r>
+              <a:rPr lang="en-US" altLang="zh-CN" sz="2000" b="1" dirty="0"/>
+              <a:t>Idle</a:t>
+            </a:r>
+            <a:r>
+              <a:rPr lang="zh-CN" altLang="en-US" sz="2000" b="1" dirty="0"/>
+              <a:t>状态。</a:t>
+            </a:r>
+            <a:r>
+              <a:rPr lang="en-US" altLang="zh-CN" sz="2000" b="1" dirty="0" err="1"/>
+              <a:t>IsDoorClosed</a:t>
+            </a:r>
+            <a:r>
+              <a:rPr lang="en-US" altLang="zh-CN" sz="2000" b="1" dirty="0" smtClean="0"/>
+              <a:t>();</a:t>
+            </a:r>
+            <a:endParaRPr lang="zh-CN" altLang="en-US" sz="2000" b="1" dirty="0"/>
+          </a:p>
+        </p:txBody>
+      </p:sp>
+      <p:pic>
+        <p:nvPicPr>
+          <p:cNvPr id="5122" name="Picture 2"/>
+          <p:cNvPicPr>
+            <a:picLocks noChangeAspect="1" noChangeArrowheads="1"/>
+          </p:cNvPicPr>
+          <p:nvPr/>
+        </p:nvPicPr>
+        <p:blipFill>
+          <a:blip r:embed="rId2">
+            <a:extLst>
+              <a:ext uri="{28A0092B-C50C-407E-A947-70E740481C1C}">
+                <a14:useLocalDpi xmlns:a14="http://schemas.microsoft.com/office/drawing/2010/main" val="0"/>
+              </a:ext>
+            </a:extLst>
+          </a:blip>
+          <a:srcRect/>
+          <a:stretch>
+            <a:fillRect/>
+          </a:stretch>
+        </p:blipFill>
+        <p:spPr bwMode="auto">
+          <a:xfrm>
+            <a:off x="323528" y="548680"/>
+            <a:ext cx="4617838" cy="2768565"/>
+          </a:xfrm>
+          <a:prstGeom prst="rect">
+            <a:avLst/>
+          </a:prstGeom>
+          <a:noFill/>
+          <a:ln>
+            <a:noFill/>
+          </a:ln>
+          <a:effectLst/>
+          <a:extLst>
+            <a:ext uri="{909E8E84-426E-40DD-AFC4-6F175D3DCCD1}">
+              <a14:hiddenFill xmlns:a14="http://schemas.microsoft.com/office/drawing/2010/main">
+                <a:solidFill>
+                  <a:schemeClr val="accent1"/>
+                </a:solidFill>
+              </a14:hiddenFill>
+            </a:ext>
+            <a:ext uri="{91240B29-F687-4F45-9708-019B960494DF}">
+              <a14:hiddenLine xmlns:a14="http://schemas.microsoft.com/office/drawing/2010/main" w="9525">
+                <a:solidFill>
+                  <a:schemeClr val="tx1"/>
+                </a:solidFill>
+                <a:miter lim="800000"/>
+                <a:headEnd/>
+                <a:tailEnd/>
+              </a14:hiddenLine>
+            </a:ext>
+            <a:ext uri="{AF507438-7753-43E0-B8FC-AC1667EBCBE1}">
+              <a14:hiddenEffects xmlns:a14="http://schemas.microsoft.com/office/drawing/2010/main">
+                <a:effectLst>
+                  <a:outerShdw dist="35921" dir="2700000" algn="ctr" rotWithShape="0">
+                    <a:schemeClr val="bg2"/>
+                  </a:outerShdw>
+                </a:effectLst>
+              </a14:hiddenEffects>
+            </a:ext>
+          </a:extLst>
+        </p:spPr>
+      </p:pic>
     </p:spTree>
     <p:extLst>
       <p:ext uri="{BB962C8B-B14F-4D97-AF65-F5344CB8AC3E}">
-        <p14:creationId xmlns:p14="http://schemas.microsoft.com/office/powerpoint/2010/main" val="962869007"/>
+        <p14:creationId xmlns:p14="http://schemas.microsoft.com/office/powerpoint/2010/main" val="4071406028"/>
       </p:ext>
     </p:extLst>
   </p:cSld>
@@ -12651,6 +12645,13 @@
   <p:transition>
     <p:random/>
   </p:transition>
+  <p:timing>
+    <p:tnLst>
+      <p:par>
+        <p:cTn id="1" dur="indefinite" restart="never" nodeType="tmRoot"/>
+      </p:par>
+    </p:tnLst>
+  </p:timing>
 </p:sld>
 </file>
 
@@ -12701,7 +12702,7 @@
             </a:r>
             <a:r>
               <a:rPr lang="en-US" altLang="zh-CN" sz="2800" dirty="0" smtClean="0"/>
-              <a:t>(3)</a:t>
+              <a:t>(1)</a:t>
             </a:r>
             <a:endParaRPr lang="zh-CN" altLang="en-US" sz="2800" dirty="0"/>
           </a:p>
@@ -12715,18 +12716,13 @@
         </p:nvSpPr>
         <p:spPr>
           <a:xfrm>
-            <a:off x="179511" y="1055046"/>
-            <a:ext cx="8287707" cy="2169825"/>
+            <a:off x="539552" y="1052736"/>
+            <a:ext cx="8280920" cy="5493812"/>
           </a:xfrm>
           <a:prstGeom prst="rect">
             <a:avLst/>
           </a:prstGeom>
           <a:noFill/>
-          <a:ln>
-            <a:solidFill>
-              <a:schemeClr val="tx2"/>
-            </a:solidFill>
-          </a:ln>
         </p:spPr>
         <p:txBody>
           <a:bodyPr wrap="square" rtlCol="0">
@@ -12753,7 +12749,7 @@
                   <a:srgbClr val="C00000"/>
                 </a:solidFill>
               </a:rPr>
-              <a:t>获取电梯箱体当前所在楼层</a:t>
+              <a:t>系统是否运行</a:t>
             </a:r>
             <a:endParaRPr lang="en-US" altLang="zh-CN" dirty="0" smtClean="0">
               <a:solidFill>
@@ -12768,46 +12764,21 @@
               </a:lnSpc>
             </a:pPr>
             <a:r>
+              <a:rPr lang="en-US" altLang="zh-CN" dirty="0" err="1" smtClean="0"/>
+              <a:t>bool</a:t>
+            </a:r>
+            <a:r>
               <a:rPr lang="en-US" altLang="zh-CN" dirty="0" smtClean="0"/>
-              <a:t>double </a:t>
+              <a:t> </a:t>
             </a:r>
             <a:r>
               <a:rPr lang="en-US" altLang="zh-CN" dirty="0" err="1" smtClean="0"/>
-              <a:t>GetFloor</a:t>
+              <a:t>IsElevatorRunning</a:t>
             </a:r>
             <a:r>
               <a:rPr lang="en-US" altLang="zh-CN" dirty="0" smtClean="0"/>
-              <a:t>();    // </a:t>
-            </a:r>
-            <a:r>
-              <a:rPr lang="zh-CN" altLang="en-US" dirty="0" smtClean="0"/>
-              <a:t>浮点数，如</a:t>
-            </a:r>
-            <a:r>
-              <a:rPr lang="en-US" altLang="zh-CN" dirty="0" smtClean="0"/>
-              <a:t>1.5</a:t>
-            </a:r>
-            <a:r>
-              <a:rPr lang="zh-CN" altLang="en-US" dirty="0"/>
-              <a:t>，表示电梯箱体处在</a:t>
-            </a:r>
-            <a:r>
-              <a:rPr lang="en-US" altLang="zh-CN" dirty="0"/>
-              <a:t>1</a:t>
-            </a:r>
-            <a:r>
-              <a:rPr lang="zh-CN" altLang="en-US" dirty="0"/>
-              <a:t>层到</a:t>
-            </a:r>
-            <a:r>
-              <a:rPr lang="en-US" altLang="zh-CN" dirty="0"/>
-              <a:t>2</a:t>
-            </a:r>
-            <a:r>
-              <a:rPr lang="zh-CN" altLang="en-US" dirty="0"/>
-              <a:t>层的中间</a:t>
-            </a:r>
-            <a:endParaRPr lang="en-US" altLang="zh-CN" dirty="0" smtClean="0"/>
+              <a:t>();</a:t>
+            </a:r>
           </a:p>
           <a:p>
             <a:pPr>
@@ -12816,38 +12787,61 @@
               </a:lnSpc>
             </a:pPr>
             <a:r>
-              <a:rPr lang="en-US" altLang="zh-CN" dirty="0" err="1" smtClean="0"/>
-              <a:t>int</a:t>
-            </a:r>
-            <a:r>
-              <a:rPr lang="en-US" altLang="zh-CN" dirty="0" smtClean="0"/>
-              <a:t> </a:t>
-            </a:r>
-            <a:r>
-              <a:rPr lang="en-US" altLang="zh-CN" dirty="0" err="1"/>
-              <a:t>GetNearestFloor</a:t>
-            </a:r>
-            <a:r>
-              <a:rPr lang="en-US" altLang="zh-CN" dirty="0" smtClean="0"/>
-              <a:t>();  // </a:t>
-            </a:r>
-            <a:r>
-              <a:rPr lang="en-US" altLang="zh-CN" dirty="0" err="1"/>
-              <a:t>GetFloor</a:t>
-            </a:r>
-            <a:r>
-              <a:rPr lang="en-US" altLang="zh-CN" dirty="0"/>
-              <a:t>()</a:t>
-            </a:r>
-            <a:r>
-              <a:rPr lang="zh-CN" altLang="en-US" dirty="0" smtClean="0"/>
-              <a:t>函数</a:t>
-            </a:r>
-            <a:r>
-              <a:rPr lang="zh-CN" altLang="en-US" dirty="0" smtClean="0"/>
-              <a:t>的四舍五入值</a:t>
-            </a:r>
-            <a:endParaRPr lang="en-US" altLang="zh-CN" dirty="0"/>
+              <a:rPr lang="en-US" altLang="zh-CN" dirty="0" smtClean="0">
+                <a:solidFill>
+                  <a:srgbClr val="C00000"/>
+                </a:solidFill>
+              </a:rPr>
+              <a:t>// </a:t>
+            </a:r>
+            <a:r>
+              <a:rPr lang="zh-CN" altLang="en-US" dirty="0" smtClean="0">
+                <a:solidFill>
+                  <a:srgbClr val="C00000"/>
+                </a:solidFill>
+              </a:rPr>
+              <a:t>电梯</a:t>
+            </a:r>
+            <a:r>
+              <a:rPr lang="zh-CN" altLang="en-US" dirty="0">
+                <a:solidFill>
+                  <a:srgbClr val="C00000"/>
+                </a:solidFill>
+              </a:rPr>
+              <a:t>门</a:t>
+            </a:r>
+            <a:r>
+              <a:rPr lang="zh-CN" altLang="en-US" dirty="0" smtClean="0">
+                <a:solidFill>
+                  <a:srgbClr val="C00000"/>
+                </a:solidFill>
+              </a:rPr>
+              <a:t>外</a:t>
+            </a:r>
+            <a:r>
+              <a:rPr lang="en-US" altLang="zh-CN" dirty="0" smtClean="0">
+                <a:solidFill>
+                  <a:srgbClr val="C00000"/>
+                </a:solidFill>
+              </a:rPr>
+              <a:t>Up/Down</a:t>
+            </a:r>
+            <a:r>
+              <a:rPr lang="zh-CN" altLang="en-US" dirty="0" smtClean="0">
+                <a:solidFill>
+                  <a:srgbClr val="C00000"/>
+                </a:solidFill>
+              </a:rPr>
+              <a:t>按钮灯</a:t>
+            </a:r>
+            <a:r>
+              <a:rPr lang="en-US" altLang="zh-CN" dirty="0" smtClean="0">
+                <a:solidFill>
+                  <a:srgbClr val="C00000"/>
+                </a:solidFill>
+              </a:rPr>
+              <a:t>(Call Light)</a:t>
+            </a:r>
           </a:p>
           <a:p>
             <a:pPr>
@@ -12856,112 +12850,29 @@
               </a:lnSpc>
             </a:pPr>
             <a:r>
-              <a:rPr lang="en-US" altLang="zh-CN" dirty="0" smtClean="0">
-                <a:solidFill>
-                  <a:schemeClr val="tx2">
-                    <a:lumMod val="50000"/>
-                  </a:schemeClr>
-                </a:solidFill>
-              </a:rPr>
-              <a:t>if(</a:t>
-            </a:r>
-            <a:r>
-              <a:rPr lang="en-US" altLang="zh-CN" dirty="0" err="1" smtClean="0">
-                <a:solidFill>
-                  <a:schemeClr val="tx2">
-                    <a:lumMod val="50000"/>
-                  </a:schemeClr>
-                </a:solidFill>
-              </a:rPr>
-              <a:t>fabs</a:t>
-            </a:r>
-            <a:r>
-              <a:rPr lang="en-US" altLang="zh-CN" dirty="0" smtClean="0">
-                <a:solidFill>
-                  <a:schemeClr val="tx2">
-                    <a:lumMod val="50000"/>
-                  </a:schemeClr>
-                </a:solidFill>
-              </a:rPr>
+              <a:rPr lang="en-US" altLang="zh-CN" dirty="0" err="1"/>
+              <a:t>bool</a:t>
+            </a:r>
+            <a:r>
+              <a:rPr lang="en-US" altLang="zh-CN" dirty="0"/>
+              <a:t> </a:t>
+            </a:r>
+            <a:r>
+              <a:rPr lang="en-US" altLang="zh-CN" dirty="0" err="1"/>
+              <a:t>GetPanelFloorLight</a:t>
+            </a:r>
+            <a:r>
+              <a:rPr lang="en-US" altLang="zh-CN" dirty="0"/>
               <a:t>(</a:t>
             </a:r>
             <a:r>
-              <a:rPr lang="en-US" altLang="zh-CN" dirty="0" err="1" smtClean="0">
-                <a:solidFill>
-                  <a:schemeClr val="tx2">
-                    <a:lumMod val="50000"/>
-                  </a:schemeClr>
-                </a:solidFill>
-              </a:rPr>
-              <a:t>GetFloor</a:t>
-            </a:r>
-            <a:r>
-              <a:rPr lang="en-US" altLang="zh-CN" dirty="0">
-                <a:solidFill>
-                  <a:schemeClr val="tx2">
-                    <a:lumMod val="50000"/>
-                  </a:schemeClr>
-                </a:solidFill>
-              </a:rPr>
-              <a:t>() - </a:t>
-            </a:r>
-            <a:r>
-              <a:rPr lang="en-US" altLang="zh-CN" dirty="0" err="1">
-                <a:solidFill>
-                  <a:schemeClr val="tx2">
-                    <a:lumMod val="50000"/>
-                  </a:schemeClr>
-                </a:solidFill>
-              </a:rPr>
-              <a:t>GetNearestFloor</a:t>
-            </a:r>
-            <a:r>
-              <a:rPr lang="en-US" altLang="zh-CN" dirty="0" smtClean="0">
-                <a:solidFill>
-                  <a:schemeClr val="tx2">
-                    <a:lumMod val="50000"/>
-                  </a:schemeClr>
-                </a:solidFill>
-              </a:rPr>
-              <a:t>()) </a:t>
-            </a:r>
-            <a:r>
-              <a:rPr lang="en-US" altLang="zh-CN" dirty="0">
-                <a:solidFill>
-                  <a:schemeClr val="tx2">
-                    <a:lumMod val="50000"/>
-                  </a:schemeClr>
-                </a:solidFill>
-              </a:rPr>
-              <a:t>&lt; </a:t>
-            </a:r>
-            <a:r>
-              <a:rPr lang="en-US" altLang="zh-CN" dirty="0" err="1">
-                <a:solidFill>
-                  <a:schemeClr val="tx2">
-                    <a:lumMod val="50000"/>
-                  </a:schemeClr>
-                </a:solidFill>
-              </a:rPr>
-              <a:t>Lib_FloorTolerance</a:t>
-            </a:r>
-            <a:r>
-              <a:rPr lang="en-US" altLang="zh-CN" dirty="0">
-                <a:solidFill>
-                  <a:schemeClr val="tx2">
-                    <a:lumMod val="50000"/>
-                  </a:schemeClr>
-                </a:solidFill>
-              </a:rPr>
-              <a:t>) </a:t>
-            </a:r>
-            <a:endParaRPr lang="en-US" altLang="zh-CN" dirty="0" smtClean="0">
-              <a:solidFill>
-                <a:schemeClr val="tx2">
-                  <a:lumMod val="50000"/>
-                </a:schemeClr>
-              </a:solidFill>
-            </a:endParaRPr>
+              <a:rPr lang="en-US" altLang="zh-CN" dirty="0" err="1"/>
+              <a:t>int</a:t>
+            </a:r>
+            <a:r>
+              <a:rPr lang="en-US" altLang="zh-CN" dirty="0"/>
+              <a:t> floor);</a:t>
+            </a:r>
           </a:p>
           <a:p>
             <a:pPr>
@@ -12970,71 +12881,387 @@
               </a:lnSpc>
             </a:pPr>
             <a:r>
+              <a:rPr lang="en-US" altLang="zh-CN" dirty="0"/>
+              <a:t>void </a:t>
+            </a:r>
+            <a:r>
+              <a:rPr lang="en-US" altLang="zh-CN" dirty="0" err="1"/>
+              <a:t>SetCallLight</a:t>
+            </a:r>
+            <a:r>
+              <a:rPr lang="en-US" altLang="zh-CN" dirty="0"/>
+              <a:t>(</a:t>
+            </a:r>
+            <a:r>
+              <a:rPr lang="en-US" altLang="zh-CN" dirty="0" err="1"/>
+              <a:t>int</a:t>
+            </a:r>
+            <a:r>
+              <a:rPr lang="en-US" altLang="zh-CN" dirty="0"/>
+              <a:t> floor, </a:t>
+            </a:r>
+            <a:r>
+              <a:rPr lang="en-US" altLang="zh-CN" dirty="0" err="1"/>
+              <a:t>bool</a:t>
+            </a:r>
+            <a:r>
+              <a:rPr lang="en-US" altLang="zh-CN" dirty="0"/>
+              <a:t> up, </a:t>
+            </a:r>
+            <a:r>
+              <a:rPr lang="en-US" altLang="zh-CN" dirty="0" err="1"/>
+              <a:t>bool</a:t>
+            </a:r>
+            <a:r>
+              <a:rPr lang="en-US" altLang="zh-CN" dirty="0"/>
+              <a:t> s</a:t>
+            </a:r>
+            <a:r>
+              <a:rPr lang="en-US" altLang="zh-CN" dirty="0" smtClean="0"/>
+              <a:t>);</a:t>
+            </a:r>
+          </a:p>
+          <a:p>
+            <a:pPr>
+              <a:lnSpc>
+                <a:spcPct val="150000"/>
+              </a:lnSpc>
+            </a:pPr>
+            <a:r>
               <a:rPr lang="en-US" altLang="zh-CN" dirty="0" smtClean="0">
                 <a:solidFill>
-                  <a:schemeClr val="tx2">
-                    <a:lumMod val="50000"/>
+                  <a:srgbClr val="C00000"/>
+                </a:solidFill>
+              </a:rPr>
+              <a:t>// </a:t>
+            </a:r>
+            <a:r>
+              <a:rPr lang="zh-CN" altLang="en-US" dirty="0" smtClean="0">
+                <a:solidFill>
+                  <a:srgbClr val="C00000"/>
+                </a:solidFill>
+              </a:rPr>
+              <a:t>电梯门内楼层按钮灯</a:t>
+            </a:r>
+            <a:r>
+              <a:rPr lang="en-US" altLang="zh-CN" dirty="0" smtClean="0">
+                <a:solidFill>
+                  <a:srgbClr val="C00000"/>
+                </a:solidFill>
+              </a:rPr>
+              <a:t>(Panel Floor Light)</a:t>
+            </a:r>
+          </a:p>
+          <a:p>
+            <a:pPr>
+              <a:lnSpc>
+                <a:spcPct val="150000"/>
+              </a:lnSpc>
+            </a:pPr>
+            <a:r>
+              <a:rPr lang="en-US" altLang="zh-CN" dirty="0" err="1">
+                <a:solidFill>
+                  <a:schemeClr val="tx1">
+                    <a:lumMod val="40000"/>
+                    <a:lumOff val="60000"/>
                   </a:schemeClr>
                 </a:solidFill>
               </a:rPr>
-              <a:t>{  </a:t>
+              <a:t>bool</a:t>
+            </a:r>
+            <a:r>
+              <a:rPr lang="en-US" altLang="zh-CN" dirty="0">
+                <a:solidFill>
+                  <a:schemeClr val="tx1">
+                    <a:lumMod val="40000"/>
+                    <a:lumOff val="60000"/>
+                  </a:schemeClr>
+                </a:solidFill>
+              </a:rPr>
+              <a:t> </a:t>
+            </a:r>
+            <a:r>
+              <a:rPr lang="en-US" altLang="zh-CN" dirty="0" err="1">
+                <a:solidFill>
+                  <a:schemeClr val="tx1">
+                    <a:lumMod val="40000"/>
+                    <a:lumOff val="60000"/>
+                  </a:schemeClr>
+                </a:solidFill>
+              </a:rPr>
+              <a:t>GetPanelFloorLight</a:t>
+            </a:r>
+            <a:r>
+              <a:rPr lang="en-US" altLang="zh-CN" dirty="0">
+                <a:solidFill>
+                  <a:schemeClr val="tx1">
+                    <a:lumMod val="40000"/>
+                    <a:lumOff val="60000"/>
+                  </a:schemeClr>
+                </a:solidFill>
+              </a:rPr>
+              <a:t>(</a:t>
+            </a:r>
+            <a:r>
+              <a:rPr lang="en-US" altLang="zh-CN" dirty="0" err="1">
+                <a:solidFill>
+                  <a:schemeClr val="tx1">
+                    <a:lumMod val="40000"/>
+                    <a:lumOff val="60000"/>
+                  </a:schemeClr>
+                </a:solidFill>
+              </a:rPr>
+              <a:t>int</a:t>
+            </a:r>
+            <a:r>
+              <a:rPr lang="en-US" altLang="zh-CN" dirty="0">
+                <a:solidFill>
+                  <a:schemeClr val="tx1">
+                    <a:lumMod val="40000"/>
+                    <a:lumOff val="60000"/>
+                  </a:schemeClr>
+                </a:solidFill>
+              </a:rPr>
+              <a:t> floor</a:t>
+            </a:r>
+            <a:r>
+              <a:rPr lang="en-US" altLang="zh-CN" dirty="0" smtClean="0">
+                <a:solidFill>
+                  <a:schemeClr val="tx1">
+                    <a:lumMod val="40000"/>
+                    <a:lumOff val="60000"/>
+                  </a:schemeClr>
+                </a:solidFill>
+              </a:rPr>
+              <a:t>); // </a:t>
+            </a:r>
+            <a:r>
+              <a:rPr lang="en-US" altLang="zh-CN" dirty="0" err="1" smtClean="0">
+                <a:solidFill>
+                  <a:schemeClr val="tx1">
+                    <a:lumMod val="40000"/>
+                    <a:lumOff val="60000"/>
+                  </a:schemeClr>
+                </a:solidFill>
+              </a:rPr>
+              <a:t>IdleWhatFloorToGoTo</a:t>
+            </a:r>
+            <a:r>
+              <a:rPr lang="en-US" altLang="zh-CN" dirty="0" smtClean="0">
+                <a:solidFill>
+                  <a:schemeClr val="tx1">
+                    <a:lumMod val="40000"/>
+                    <a:lumOff val="60000"/>
+                  </a:schemeClr>
+                </a:solidFill>
+              </a:rPr>
+              <a:t>()</a:t>
             </a:r>
             <a:r>
               <a:rPr lang="zh-CN" altLang="en-US" dirty="0" smtClean="0">
                 <a:solidFill>
-                  <a:schemeClr val="tx2">
-                    <a:lumMod val="50000"/>
+                  <a:schemeClr val="tx1">
+                    <a:lumMod val="40000"/>
+                    <a:lumOff val="60000"/>
                   </a:schemeClr>
                 </a:solidFill>
               </a:rPr>
-              <a:t>到达</a:t>
-            </a:r>
-            <a:r>
-              <a:rPr lang="en-US" altLang="zh-CN" dirty="0" err="1" smtClean="0">
-                <a:solidFill>
-                  <a:schemeClr val="tx2">
-                    <a:lumMod val="50000"/>
-                  </a:schemeClr>
-                </a:solidFill>
-              </a:rPr>
-              <a:t>GetNearestFloor</a:t>
-            </a:r>
+              <a:t>等函数中调用</a:t>
+            </a:r>
+            <a:endParaRPr lang="en-US" altLang="zh-CN" dirty="0">
+              <a:solidFill>
+                <a:schemeClr val="tx1">
+                  <a:lumMod val="40000"/>
+                  <a:lumOff val="60000"/>
+                </a:schemeClr>
+              </a:solidFill>
+            </a:endParaRPr>
+          </a:p>
+          <a:p>
+            <a:pPr>
+              <a:lnSpc>
+                <a:spcPct val="150000"/>
+              </a:lnSpc>
+            </a:pPr>
+            <a:r>
+              <a:rPr lang="en-US" altLang="zh-CN" dirty="0"/>
+              <a:t>void </a:t>
+            </a:r>
+            <a:r>
+              <a:rPr lang="en-US" altLang="zh-CN" dirty="0" err="1"/>
+              <a:t>SetPanelFloorLight</a:t>
+            </a:r>
+            <a:r>
+              <a:rPr lang="en-US" altLang="zh-CN" dirty="0"/>
+              <a:t>(</a:t>
+            </a:r>
+            <a:r>
+              <a:rPr lang="en-US" altLang="zh-CN" dirty="0" err="1"/>
+              <a:t>int</a:t>
+            </a:r>
+            <a:r>
+              <a:rPr lang="en-US" altLang="zh-CN" dirty="0"/>
+              <a:t> floor, </a:t>
+            </a:r>
+            <a:r>
+              <a:rPr lang="en-US" altLang="zh-CN" dirty="0" err="1"/>
+              <a:t>bool</a:t>
+            </a:r>
+            <a:r>
+              <a:rPr lang="en-US" altLang="zh-CN" dirty="0"/>
+              <a:t> s</a:t>
+            </a:r>
+            <a:r>
+              <a:rPr lang="en-US" altLang="zh-CN" dirty="0" smtClean="0"/>
+              <a:t>);</a:t>
+            </a:r>
+          </a:p>
+          <a:p>
+            <a:pPr>
+              <a:lnSpc>
+                <a:spcPct val="150000"/>
+              </a:lnSpc>
+            </a:pPr>
             <a:r>
               <a:rPr lang="en-US" altLang="zh-CN" dirty="0" smtClean="0">
                 <a:solidFill>
-                  <a:schemeClr val="tx2">
-                    <a:lumMod val="50000"/>
-                  </a:schemeClr>
-                </a:solidFill>
-              </a:rPr>
-              <a:t>()</a:t>
+                  <a:srgbClr val="C00000"/>
+                </a:solidFill>
+              </a:rPr>
+              <a:t>// </a:t>
             </a:r>
             <a:r>
               <a:rPr lang="zh-CN" altLang="en-US" dirty="0" smtClean="0">
                 <a:solidFill>
-                  <a:schemeClr val="tx2">
-                    <a:lumMod val="50000"/>
-                  </a:schemeClr>
-                </a:solidFill>
-              </a:rPr>
-              <a:t>层  </a:t>
-            </a:r>
-            <a:r>
-              <a:rPr lang="en-US" altLang="zh-CN" dirty="0" smtClean="0">
-                <a:solidFill>
-                  <a:schemeClr val="tx2">
-                    <a:lumMod val="50000"/>
-                  </a:schemeClr>
-                </a:solidFill>
-              </a:rPr>
-              <a:t>}</a:t>
-            </a:r>
+                  <a:srgbClr val="C00000"/>
+                </a:solidFill>
+              </a:rPr>
+              <a:t>电梯门内开关门按钮灯</a:t>
+            </a:r>
+            <a:endParaRPr lang="en-US" altLang="zh-CN" dirty="0" smtClean="0">
+              <a:solidFill>
+                <a:srgbClr val="C00000"/>
+              </a:solidFill>
+            </a:endParaRPr>
+          </a:p>
+          <a:p>
+            <a:pPr>
+              <a:lnSpc>
+                <a:spcPct val="150000"/>
+              </a:lnSpc>
+            </a:pPr>
+            <a:r>
+              <a:rPr lang="en-US" altLang="zh-CN" dirty="0" err="1"/>
+              <a:t>bool</a:t>
+            </a:r>
+            <a:r>
+              <a:rPr lang="en-US" altLang="zh-CN" dirty="0"/>
+              <a:t> </a:t>
+            </a:r>
+            <a:r>
+              <a:rPr lang="en-US" altLang="zh-CN" dirty="0" err="1"/>
+              <a:t>GetOpenDoorLight</a:t>
+            </a:r>
+            <a:r>
+              <a:rPr lang="en-US" altLang="zh-CN" dirty="0"/>
+              <a:t>();</a:t>
+            </a:r>
+          </a:p>
+          <a:p>
+            <a:pPr>
+              <a:lnSpc>
+                <a:spcPct val="150000"/>
+              </a:lnSpc>
+            </a:pPr>
+            <a:r>
+              <a:rPr lang="en-US" altLang="zh-CN" dirty="0"/>
+              <a:t>void </a:t>
+            </a:r>
+            <a:r>
+              <a:rPr lang="en-US" altLang="zh-CN" dirty="0" err="1"/>
+              <a:t>SetOpenDoorLight</a:t>
+            </a:r>
+            <a:r>
+              <a:rPr lang="en-US" altLang="zh-CN" dirty="0"/>
+              <a:t>(</a:t>
+            </a:r>
+            <a:r>
+              <a:rPr lang="en-US" altLang="zh-CN" dirty="0" err="1"/>
+              <a:t>bool</a:t>
+            </a:r>
+            <a:r>
+              <a:rPr lang="en-US" altLang="zh-CN" dirty="0"/>
+              <a:t> s</a:t>
+            </a:r>
+            <a:r>
+              <a:rPr lang="en-US" altLang="zh-CN" dirty="0" smtClean="0"/>
+              <a:t>);</a:t>
+            </a:r>
+          </a:p>
+          <a:p>
+            <a:pPr>
+              <a:lnSpc>
+                <a:spcPct val="150000"/>
+              </a:lnSpc>
+            </a:pPr>
+            <a:r>
+              <a:rPr lang="en-US" altLang="zh-CN" dirty="0" err="1" smtClean="0"/>
+              <a:t>bool</a:t>
+            </a:r>
+            <a:r>
+              <a:rPr lang="en-US" altLang="zh-CN" dirty="0" smtClean="0"/>
+              <a:t> </a:t>
+            </a:r>
+            <a:r>
+              <a:rPr lang="en-US" altLang="zh-CN" dirty="0" err="1"/>
+              <a:t>GetCloseDoorLight</a:t>
+            </a:r>
+            <a:r>
+              <a:rPr lang="en-US" altLang="zh-CN" dirty="0"/>
+              <a:t>();</a:t>
+            </a:r>
+          </a:p>
+          <a:p>
+            <a:pPr>
+              <a:lnSpc>
+                <a:spcPct val="150000"/>
+              </a:lnSpc>
+            </a:pPr>
+            <a:r>
+              <a:rPr lang="en-US" altLang="zh-CN" dirty="0"/>
+              <a:t>void </a:t>
+            </a:r>
+            <a:r>
+              <a:rPr lang="en-US" altLang="zh-CN" dirty="0" err="1"/>
+              <a:t>SetCloseDoorLight</a:t>
+            </a:r>
+            <a:r>
+              <a:rPr lang="en-US" altLang="zh-CN" dirty="0"/>
+              <a:t>(</a:t>
+            </a:r>
+            <a:r>
+              <a:rPr lang="en-US" altLang="zh-CN" dirty="0" err="1"/>
+              <a:t>bool</a:t>
+            </a:r>
+            <a:r>
+              <a:rPr lang="en-US" altLang="zh-CN" dirty="0"/>
+              <a:t> s</a:t>
+            </a:r>
+            <a:r>
+              <a:rPr lang="en-US" altLang="zh-CN" dirty="0" smtClean="0"/>
+              <a:t>);</a:t>
+            </a:r>
+            <a:endParaRPr lang="en-US" altLang="zh-CN" dirty="0">
+              <a:solidFill>
+                <a:srgbClr val="C00000"/>
+              </a:solidFill>
+            </a:endParaRPr>
           </a:p>
         </p:txBody>
       </p:sp>
       <p:sp>
         <p:nvSpPr>
-          <p:cNvPr id="5" name="TextBox 4"/>
+          <p:cNvPr id="4" name="TextBox 3"/>
           <p:cNvSpPr txBox="1"/>
           <p:nvPr/>
         </p:nvSpPr>
@@ -13068,433 +13295,10 @@
           </a:p>
         </p:txBody>
       </p:sp>
-      <p:sp>
-        <p:nvSpPr>
-          <p:cNvPr id="6" name="TextBox 5"/>
-          <p:cNvSpPr txBox="1"/>
-          <p:nvPr/>
-        </p:nvSpPr>
-        <p:spPr>
-          <a:xfrm>
-            <a:off x="186299" y="3212976"/>
-            <a:ext cx="8280920" cy="3365024"/>
-          </a:xfrm>
-          <a:prstGeom prst="rect">
-            <a:avLst/>
-          </a:prstGeom>
-          <a:noFill/>
-          <a:ln>
-            <a:solidFill>
-              <a:schemeClr val="tx2"/>
-            </a:solidFill>
-          </a:ln>
-        </p:spPr>
-        <p:txBody>
-          <a:bodyPr wrap="square" rtlCol="0">
-            <a:spAutoFit/>
-          </a:bodyPr>
-          <a:lstStyle/>
-          <a:p>
-            <a:pPr>
-              <a:lnSpc>
-                <a:spcPct val="150000"/>
-              </a:lnSpc>
-            </a:pPr>
-            <a:r>
-              <a:rPr lang="en-US" altLang="zh-CN" dirty="0" smtClean="0">
-                <a:solidFill>
-                  <a:srgbClr val="C00000"/>
-                </a:solidFill>
-              </a:rPr>
-              <a:t>// </a:t>
-            </a:r>
-            <a:r>
-              <a:rPr lang="zh-CN" altLang="en-US" dirty="0" smtClean="0">
-                <a:solidFill>
-                  <a:srgbClr val="C00000"/>
-                </a:solidFill>
-              </a:rPr>
-              <a:t>静态</a:t>
-            </a:r>
-            <a:r>
-              <a:rPr lang="zh-CN" altLang="en-US" dirty="0">
-                <a:solidFill>
-                  <a:srgbClr val="C00000"/>
-                </a:solidFill>
-              </a:rPr>
-              <a:t>监测</a:t>
-            </a:r>
-            <a:r>
-              <a:rPr lang="en-US" altLang="zh-CN" dirty="0">
-                <a:solidFill>
-                  <a:srgbClr val="C00000"/>
-                </a:solidFill>
-              </a:rPr>
-              <a:t>,</a:t>
-            </a:r>
-            <a:r>
-              <a:rPr lang="zh-CN" altLang="en-US" dirty="0">
-                <a:solidFill>
-                  <a:srgbClr val="C00000"/>
-                </a:solidFill>
-              </a:rPr>
-              <a:t>电梯处于空闲状态</a:t>
-            </a:r>
-            <a:r>
-              <a:rPr lang="en-US" altLang="zh-CN" dirty="0">
-                <a:solidFill>
-                  <a:srgbClr val="C00000"/>
-                </a:solidFill>
-              </a:rPr>
-              <a:t>, </a:t>
-            </a:r>
-            <a:r>
-              <a:rPr lang="zh-CN" altLang="en-US" dirty="0">
-                <a:solidFill>
-                  <a:srgbClr val="C00000"/>
-                </a:solidFill>
-              </a:rPr>
-              <a:t>确定下一步的运动方向和所到楼层</a:t>
-            </a:r>
-            <a:r>
-              <a:rPr lang="en-US" altLang="zh-CN" dirty="0">
-                <a:solidFill>
-                  <a:srgbClr val="C00000"/>
-                </a:solidFill>
-              </a:rPr>
-              <a:t>(</a:t>
-            </a:r>
-            <a:r>
-              <a:rPr lang="zh-CN" altLang="en-US" dirty="0">
-                <a:solidFill>
-                  <a:srgbClr val="C00000"/>
-                </a:solidFill>
-              </a:rPr>
-              <a:t>目标楼层</a:t>
-            </a:r>
-            <a:r>
-              <a:rPr lang="en-US" altLang="zh-CN" dirty="0">
-                <a:solidFill>
-                  <a:srgbClr val="C00000"/>
-                </a:solidFill>
-              </a:rPr>
-              <a:t>)</a:t>
-            </a:r>
-            <a:endParaRPr lang="en-US" altLang="zh-CN" dirty="0" smtClean="0">
-              <a:solidFill>
-                <a:srgbClr val="C00000"/>
-              </a:solidFill>
-            </a:endParaRPr>
-          </a:p>
-          <a:p>
-            <a:pPr>
-              <a:lnSpc>
-                <a:spcPct val="150000"/>
-              </a:lnSpc>
-            </a:pPr>
-            <a:r>
-              <a:rPr lang="en-US" altLang="zh-CN" dirty="0" err="1"/>
-              <a:t>int</a:t>
-            </a:r>
-            <a:r>
-              <a:rPr lang="en-US" altLang="zh-CN" dirty="0"/>
-              <a:t> </a:t>
-            </a:r>
-            <a:r>
-              <a:rPr lang="en-US" altLang="zh-CN" dirty="0" err="1"/>
-              <a:t>IdleWhatFloorToGoTo</a:t>
-            </a:r>
-            <a:r>
-              <a:rPr lang="en-US" altLang="zh-CN" dirty="0"/>
-              <a:t>(</a:t>
-            </a:r>
-            <a:r>
-              <a:rPr lang="en-US" altLang="zh-CN" dirty="0" err="1"/>
-              <a:t>bool</a:t>
-            </a:r>
-            <a:r>
-              <a:rPr lang="en-US" altLang="zh-CN" dirty="0"/>
-              <a:t> *up);</a:t>
-            </a:r>
-          </a:p>
-          <a:p>
-            <a:pPr>
-              <a:lnSpc>
-                <a:spcPct val="150000"/>
-              </a:lnSpc>
-            </a:pPr>
-            <a:r>
-              <a:rPr lang="en-US" altLang="zh-CN" dirty="0" err="1">
-                <a:solidFill>
-                  <a:srgbClr val="C00000"/>
-                </a:solidFill>
-              </a:rPr>
-              <a:t>int</a:t>
-            </a:r>
-            <a:r>
-              <a:rPr lang="en-US" altLang="zh-CN" dirty="0">
-                <a:solidFill>
-                  <a:srgbClr val="C00000"/>
-                </a:solidFill>
-              </a:rPr>
-              <a:t> floor; </a:t>
-            </a:r>
-            <a:r>
-              <a:rPr lang="en-US" altLang="zh-CN" dirty="0" err="1">
-                <a:solidFill>
-                  <a:srgbClr val="C00000"/>
-                </a:solidFill>
-              </a:rPr>
-              <a:t>bool</a:t>
-            </a:r>
-            <a:r>
-              <a:rPr lang="en-US" altLang="zh-CN" dirty="0">
-                <a:solidFill>
-                  <a:srgbClr val="C00000"/>
-                </a:solidFill>
-              </a:rPr>
-              <a:t> up;</a:t>
-            </a:r>
-          </a:p>
-          <a:p>
-            <a:pPr>
-              <a:lnSpc>
-                <a:spcPct val="150000"/>
-              </a:lnSpc>
-            </a:pPr>
-            <a:r>
-              <a:rPr lang="en-US" altLang="zh-CN" dirty="0" smtClean="0">
-                <a:solidFill>
-                  <a:srgbClr val="C00000"/>
-                </a:solidFill>
-              </a:rPr>
-              <a:t>floor </a:t>
-            </a:r>
-            <a:r>
-              <a:rPr lang="en-US" altLang="zh-CN" dirty="0">
-                <a:solidFill>
-                  <a:srgbClr val="C00000"/>
-                </a:solidFill>
-              </a:rPr>
-              <a:t>= </a:t>
-            </a:r>
-            <a:r>
-              <a:rPr lang="en-US" altLang="zh-CN" dirty="0" err="1">
-                <a:solidFill>
-                  <a:srgbClr val="C00000"/>
-                </a:solidFill>
-              </a:rPr>
-              <a:t>IdleWhatFloorToGoTo</a:t>
-            </a:r>
-            <a:r>
-              <a:rPr lang="en-US" altLang="zh-CN" dirty="0">
-                <a:solidFill>
-                  <a:srgbClr val="C00000"/>
-                </a:solidFill>
-              </a:rPr>
-              <a:t>(&amp;up);</a:t>
-            </a:r>
-          </a:p>
-          <a:p>
-            <a:pPr>
-              <a:lnSpc>
-                <a:spcPct val="150000"/>
-              </a:lnSpc>
-            </a:pPr>
-            <a:r>
-              <a:rPr lang="en-US" altLang="zh-CN" dirty="0" smtClean="0">
-                <a:solidFill>
-                  <a:srgbClr val="C00000"/>
-                </a:solidFill>
-              </a:rPr>
-              <a:t>// </a:t>
-            </a:r>
-            <a:r>
-              <a:rPr lang="zh-CN" altLang="en-US" dirty="0" smtClean="0">
-                <a:solidFill>
-                  <a:srgbClr val="C00000"/>
-                </a:solidFill>
-              </a:rPr>
-              <a:t>动态</a:t>
-            </a:r>
-            <a:r>
-              <a:rPr lang="zh-CN" altLang="en-US" dirty="0">
-                <a:solidFill>
-                  <a:srgbClr val="C00000"/>
-                </a:solidFill>
-              </a:rPr>
-              <a:t>监测</a:t>
-            </a:r>
-            <a:r>
-              <a:rPr lang="en-US" altLang="zh-CN" dirty="0">
-                <a:solidFill>
-                  <a:srgbClr val="C00000"/>
-                </a:solidFill>
-              </a:rPr>
-              <a:t>, </a:t>
-            </a:r>
-            <a:r>
-              <a:rPr lang="zh-CN" altLang="en-US" dirty="0">
-                <a:solidFill>
-                  <a:srgbClr val="C00000"/>
-                </a:solidFill>
-              </a:rPr>
-              <a:t>电梯正在上升时，检测将要到达停止的最近楼层</a:t>
-            </a:r>
-            <a:r>
-              <a:rPr lang="en-US" altLang="zh-CN" dirty="0">
-                <a:solidFill>
-                  <a:srgbClr val="C00000"/>
-                </a:solidFill>
-              </a:rPr>
-              <a:t>(</a:t>
-            </a:r>
-            <a:r>
-              <a:rPr lang="zh-CN" altLang="en-US" dirty="0">
-                <a:solidFill>
-                  <a:srgbClr val="C00000"/>
-                </a:solidFill>
-              </a:rPr>
-              <a:t>目标楼层</a:t>
-            </a:r>
-            <a:r>
-              <a:rPr lang="en-US" altLang="zh-CN" dirty="0" smtClean="0">
-                <a:solidFill>
-                  <a:srgbClr val="C00000"/>
-                </a:solidFill>
-              </a:rPr>
-              <a:t>)</a:t>
-            </a:r>
-          </a:p>
-          <a:p>
-            <a:pPr>
-              <a:lnSpc>
-                <a:spcPct val="150000"/>
-              </a:lnSpc>
-            </a:pPr>
-            <a:r>
-              <a:rPr lang="en-US" altLang="zh-CN" dirty="0" err="1"/>
-              <a:t>int</a:t>
-            </a:r>
-            <a:r>
-              <a:rPr lang="en-US" altLang="zh-CN" dirty="0"/>
-              <a:t> </a:t>
-            </a:r>
-            <a:r>
-              <a:rPr lang="en-US" altLang="zh-CN" dirty="0" err="1"/>
-              <a:t>GoingUpToFloor</a:t>
-            </a:r>
-            <a:r>
-              <a:rPr lang="en-US" altLang="zh-CN" dirty="0" smtClean="0"/>
-              <a:t>();</a:t>
-            </a:r>
-          </a:p>
-          <a:p>
-            <a:pPr>
-              <a:lnSpc>
-                <a:spcPct val="150000"/>
-              </a:lnSpc>
-            </a:pPr>
-            <a:r>
-              <a:rPr lang="en-US" altLang="zh-CN" dirty="0" smtClean="0">
-                <a:solidFill>
-                  <a:srgbClr val="C00000"/>
-                </a:solidFill>
-              </a:rPr>
-              <a:t>// </a:t>
-            </a:r>
-            <a:r>
-              <a:rPr lang="zh-CN" altLang="en-US" dirty="0" smtClean="0">
-                <a:solidFill>
-                  <a:srgbClr val="C00000"/>
-                </a:solidFill>
-              </a:rPr>
-              <a:t>动态</a:t>
-            </a:r>
-            <a:r>
-              <a:rPr lang="zh-CN" altLang="en-US" dirty="0">
-                <a:solidFill>
-                  <a:srgbClr val="C00000"/>
-                </a:solidFill>
-              </a:rPr>
-              <a:t>监测</a:t>
-            </a:r>
-            <a:r>
-              <a:rPr lang="en-US" altLang="zh-CN" dirty="0">
-                <a:solidFill>
-                  <a:srgbClr val="C00000"/>
-                </a:solidFill>
-              </a:rPr>
-              <a:t>, </a:t>
-            </a:r>
-            <a:r>
-              <a:rPr lang="zh-CN" altLang="en-US" dirty="0">
-                <a:solidFill>
-                  <a:srgbClr val="C00000"/>
-                </a:solidFill>
-              </a:rPr>
-              <a:t>电梯正在下降时，检测将要到达停止的最近楼层</a:t>
-            </a:r>
-            <a:r>
-              <a:rPr lang="en-US" altLang="zh-CN" dirty="0">
-                <a:solidFill>
-                  <a:srgbClr val="C00000"/>
-                </a:solidFill>
-              </a:rPr>
-              <a:t>(</a:t>
-            </a:r>
-            <a:r>
-              <a:rPr lang="zh-CN" altLang="en-US" dirty="0">
-                <a:solidFill>
-                  <a:srgbClr val="C00000"/>
-                </a:solidFill>
-              </a:rPr>
-              <a:t>目标楼层</a:t>
-            </a:r>
-            <a:r>
-              <a:rPr lang="en-US" altLang="zh-CN" dirty="0">
-                <a:solidFill>
-                  <a:srgbClr val="C00000"/>
-                </a:solidFill>
-              </a:rPr>
-              <a:t>)</a:t>
-            </a:r>
-            <a:endParaRPr lang="en-US" altLang="zh-CN" dirty="0" smtClean="0">
-              <a:solidFill>
-                <a:srgbClr val="C00000"/>
-              </a:solidFill>
-            </a:endParaRPr>
-          </a:p>
-          <a:p>
-            <a:pPr>
-              <a:lnSpc>
-                <a:spcPct val="150000"/>
-              </a:lnSpc>
-            </a:pPr>
-            <a:r>
-              <a:rPr lang="en-US" altLang="zh-CN" dirty="0" err="1" smtClean="0"/>
-              <a:t>int</a:t>
-            </a:r>
-            <a:r>
-              <a:rPr lang="en-US" altLang="zh-CN" dirty="0" smtClean="0"/>
-              <a:t> </a:t>
-            </a:r>
-            <a:r>
-              <a:rPr lang="en-US" altLang="zh-CN" dirty="0" err="1" smtClean="0"/>
-              <a:t>GoingDownToFloor</a:t>
-            </a:r>
-            <a:r>
-              <a:rPr lang="en-US" altLang="zh-CN" dirty="0" smtClean="0"/>
-              <a:t>();</a:t>
-            </a:r>
-            <a:endParaRPr lang="en-US" altLang="zh-CN" dirty="0"/>
-          </a:p>
-        </p:txBody>
-      </p:sp>
     </p:spTree>
     <p:extLst>
       <p:ext uri="{BB962C8B-B14F-4D97-AF65-F5344CB8AC3E}">
-        <p14:creationId xmlns:p14="http://schemas.microsoft.com/office/powerpoint/2010/main" val="1898191147"/>
+        <p14:creationId xmlns:p14="http://schemas.microsoft.com/office/powerpoint/2010/main" val="190035215"/>
       </p:ext>
     </p:extLst>
   </p:cSld>
@@ -13504,6 +13308,13 @@
   <p:transition>
     <p:random/>
   </p:transition>
+  <p:timing>
+    <p:tnLst>
+      <p:par>
+        <p:cTn id="1" dur="indefinite" restart="never" nodeType="tmRoot"/>
+      </p:par>
+    </p:tnLst>
+  </p:timing>
 </p:sld>
 </file>
 
@@ -14000,7 +13811,7 @@
             </a:r>
             <a:r>
               <a:rPr lang="en-US" altLang="zh-CN" sz="2800" dirty="0" smtClean="0"/>
-              <a:t>(4)</a:t>
+              <a:t>(2)</a:t>
             </a:r>
             <a:endParaRPr lang="zh-CN" altLang="en-US" sz="2800" dirty="0"/>
           </a:p>
@@ -14015,7 +13826,7 @@
         <p:spPr>
           <a:xfrm>
             <a:off x="539552" y="1052736"/>
-            <a:ext cx="8280920" cy="2031325"/>
+            <a:ext cx="8280920" cy="5216813"/>
           </a:xfrm>
           <a:prstGeom prst="rect">
             <a:avLst/>
@@ -14028,55 +13839,32 @@
           </a:bodyPr>
           <a:lstStyle/>
           <a:p>
-            <a:r>
-              <a:rPr lang="en-US" altLang="zh-CN" dirty="0" smtClean="0">
-                <a:solidFill>
-                  <a:srgbClr val="C00000"/>
-                </a:solidFill>
-              </a:rPr>
-              <a:t>// </a:t>
-            </a:r>
-            <a:r>
-              <a:rPr lang="zh-CN" altLang="en-US" dirty="0" smtClean="0">
-                <a:solidFill>
-                  <a:srgbClr val="C00000"/>
-                </a:solidFill>
-              </a:rPr>
-              <a:t>显示信息，调试信息</a:t>
-            </a:r>
-            <a:endParaRPr lang="en-US" altLang="zh-CN" dirty="0">
-              <a:solidFill>
-                <a:srgbClr val="C00000"/>
-              </a:solidFill>
-            </a:endParaRPr>
-          </a:p>
-          <a:p>
             <a:pPr>
               <a:lnSpc>
                 <a:spcPct val="150000"/>
               </a:lnSpc>
             </a:pPr>
             <a:r>
-              <a:rPr lang="en-US" altLang="zh-CN" dirty="0" err="1"/>
-              <a:t>CString</a:t>
-            </a:r>
-            <a:r>
-              <a:rPr lang="en-US" altLang="zh-CN" dirty="0"/>
-              <a:t> status</a:t>
-            </a:r>
-            <a:r>
-              <a:rPr lang="en-US" altLang="zh-CN" dirty="0" smtClean="0"/>
-              <a:t>; </a:t>
-            </a:r>
-            <a:r>
-              <a:rPr lang="en-US" altLang="zh-CN" dirty="0" err="1" smtClean="0"/>
-              <a:t>int</a:t>
-            </a:r>
-            <a:r>
-              <a:rPr lang="en-US" altLang="zh-CN" dirty="0" smtClean="0"/>
-              <a:t> floor =1;</a:t>
-            </a:r>
-            <a:endParaRPr lang="en-US" altLang="zh-CN" dirty="0"/>
+              <a:rPr lang="en-US" altLang="zh-CN" dirty="0" smtClean="0">
+                <a:solidFill>
+                  <a:srgbClr val="C00000"/>
+                </a:solidFill>
+              </a:rPr>
+              <a:t>// </a:t>
+            </a:r>
+            <a:r>
+              <a:rPr lang="zh-CN" altLang="en-US" dirty="0" smtClean="0">
+                <a:solidFill>
+                  <a:srgbClr val="C00000"/>
+                </a:solidFill>
+              </a:rPr>
+              <a:t>电梯箱体门</a:t>
+            </a:r>
+            <a:endParaRPr lang="en-US" altLang="zh-CN" dirty="0" smtClean="0">
+              <a:solidFill>
+                <a:srgbClr val="C00000"/>
+              </a:solidFill>
+            </a:endParaRPr>
           </a:p>
           <a:p>
             <a:pPr>
@@ -14086,27 +13874,27 @@
             </a:pPr>
             <a:r>
               <a:rPr lang="en-US" altLang="zh-CN" dirty="0" err="1"/>
-              <a:t>status.Format</a:t>
+              <a:t>bool</a:t>
             </a:r>
             <a:r>
               <a:rPr lang="en-US" altLang="zh-CN" dirty="0"/>
-              <a:t>(_T("[%d]</a:t>
-            </a:r>
-            <a:r>
-              <a:rPr lang="zh-CN" altLang="en-US" dirty="0"/>
-              <a:t>楼</a:t>
+              <a:t> </a:t>
+            </a:r>
+            <a:r>
+              <a:rPr lang="en-US" altLang="zh-CN" dirty="0" err="1"/>
+              <a:t>IsDoorOpen</a:t>
             </a:r>
             <a:r>
               <a:rPr lang="en-US" altLang="zh-CN" dirty="0"/>
-              <a:t>\n</a:t>
-            </a:r>
-            <a:r>
-              <a:rPr lang="zh-CN" altLang="en-US" dirty="0"/>
-              <a:t>关门结束</a:t>
+              <a:t>(</a:t>
+            </a:r>
+            <a:r>
+              <a:rPr lang="en-US" altLang="zh-CN" dirty="0" err="1"/>
+              <a:t>int</a:t>
             </a:r>
             <a:r>
               <a:rPr lang="en-US" altLang="zh-CN" dirty="0"/>
-              <a:t>"),floor);</a:t>
+              <a:t> floor);</a:t>
             </a:r>
           </a:p>
           <a:p>
@@ -14116,13 +13904,76 @@
               </a:lnSpc>
             </a:pPr>
             <a:r>
-              <a:rPr lang="en-US" altLang="zh-CN" dirty="0" err="1" smtClean="0"/>
-              <a:t>ViewStatus</a:t>
+              <a:rPr lang="en-US" altLang="zh-CN" dirty="0" err="1"/>
+              <a:t>bool</a:t>
+            </a:r>
+            <a:r>
+              <a:rPr lang="en-US" altLang="zh-CN" dirty="0"/>
+              <a:t> </a:t>
+            </a:r>
+            <a:r>
+              <a:rPr lang="en-US" altLang="zh-CN" dirty="0" err="1"/>
+              <a:t>IsDoorClosed</a:t>
+            </a:r>
+            <a:r>
+              <a:rPr lang="en-US" altLang="zh-CN" dirty="0"/>
+              <a:t>(</a:t>
+            </a:r>
+            <a:r>
+              <a:rPr lang="en-US" altLang="zh-CN" dirty="0" err="1"/>
+              <a:t>int</a:t>
+            </a:r>
+            <a:r>
+              <a:rPr lang="en-US" altLang="zh-CN" dirty="0"/>
+              <a:t> floor);</a:t>
+            </a:r>
+          </a:p>
+          <a:p>
+            <a:pPr>
+              <a:lnSpc>
+                <a:spcPct val="150000"/>
+              </a:lnSpc>
+            </a:pPr>
+            <a:r>
+              <a:rPr lang="en-US" altLang="zh-CN" dirty="0"/>
+              <a:t>void </a:t>
+            </a:r>
+            <a:r>
+              <a:rPr lang="en-US" altLang="zh-CN" dirty="0" err="1"/>
+              <a:t>SetDoor</a:t>
+            </a:r>
+            <a:r>
+              <a:rPr lang="en-US" altLang="zh-CN" dirty="0"/>
+              <a:t>(</a:t>
+            </a:r>
+            <a:r>
+              <a:rPr lang="en-US" altLang="zh-CN" dirty="0" err="1"/>
+              <a:t>int</a:t>
+            </a:r>
+            <a:r>
+              <a:rPr lang="en-US" altLang="zh-CN" dirty="0"/>
+              <a:t> floor, </a:t>
+            </a:r>
+            <a:r>
+              <a:rPr lang="en-US" altLang="zh-CN" dirty="0" err="1"/>
+              <a:t>bool</a:t>
+            </a:r>
+            <a:r>
+              <a:rPr lang="en-US" altLang="zh-CN" dirty="0"/>
+              <a:t> open</a:t>
             </a:r>
             <a:r>
               <a:rPr lang="en-US" altLang="zh-CN" dirty="0" smtClean="0"/>
-              <a:t>(status);  </a:t>
-            </a:r>
+              <a:t>);</a:t>
+            </a:r>
+            <a:endParaRPr lang="en-US" altLang="zh-CN" dirty="0"/>
+          </a:p>
+          <a:p>
+            <a:pPr>
+              <a:lnSpc>
+                <a:spcPct val="150000"/>
+              </a:lnSpc>
+            </a:pPr>
             <a:r>
               <a:rPr lang="en-US" altLang="zh-CN" dirty="0" smtClean="0">
                 <a:solidFill>
@@ -14137,7 +13988,7 @@
                   <a:srgbClr val="C00000"/>
                 </a:solidFill>
               </a:rPr>
-              <a:t>有可能被内部函数的显示覆盖</a:t>
+              <a:t>设置电机功率</a:t>
             </a:r>
             <a:endParaRPr lang="en-US" altLang="zh-CN" dirty="0" smtClean="0">
               <a:solidFill>
@@ -14146,95 +13997,220 @@
             </a:endParaRPr>
           </a:p>
           <a:p>
-            <a:pPr>
-              <a:lnSpc>
-                <a:spcPct val="150000"/>
-              </a:lnSpc>
-            </a:pPr>
+            <a:r>
+              <a:rPr lang="en-US" altLang="zh-CN" dirty="0"/>
+              <a:t>void </a:t>
+            </a:r>
             <a:r>
               <a:rPr lang="en-US" altLang="zh-CN" dirty="0" err="1"/>
-              <a:t>printf</a:t>
+              <a:t>SetMotorPower</a:t>
             </a:r>
             <a:r>
               <a:rPr lang="en-US" altLang="zh-CN" dirty="0"/>
-              <a:t>("[%d]</a:t>
-            </a:r>
-            <a:r>
-              <a:rPr lang="zh-CN" altLang="en-US" dirty="0"/>
-              <a:t>楼关门结束</a:t>
-            </a:r>
+              <a:t>(double power</a:t>
+            </a:r>
+            <a:r>
+              <a:rPr lang="en-US" altLang="zh-CN" dirty="0" smtClean="0"/>
+              <a:t>);</a:t>
+            </a:r>
+          </a:p>
+          <a:p>
+            <a:endParaRPr lang="en-US" altLang="zh-CN" dirty="0" smtClean="0"/>
+          </a:p>
+          <a:p>
+            <a:r>
+              <a:rPr lang="en-US" altLang="zh-CN" dirty="0">
+                <a:solidFill>
+                  <a:srgbClr val="C00000"/>
+                </a:solidFill>
+              </a:rPr>
+              <a:t>// </a:t>
+            </a:r>
+            <a:r>
+              <a:rPr lang="zh-CN" altLang="en-US" dirty="0">
+                <a:solidFill>
+                  <a:srgbClr val="C00000"/>
+                </a:solidFill>
+              </a:rPr>
+              <a:t>一定时间无动作，自动到</a:t>
+            </a:r>
+            <a:r>
+              <a:rPr lang="en-US" altLang="zh-CN" dirty="0">
+                <a:solidFill>
+                  <a:srgbClr val="C00000"/>
+                </a:solidFill>
+              </a:rPr>
+              <a:t>1</a:t>
+            </a:r>
+            <a:r>
+              <a:rPr lang="zh-CN" altLang="en-US" dirty="0">
+                <a:solidFill>
+                  <a:srgbClr val="C00000"/>
+                </a:solidFill>
+              </a:rPr>
+              <a:t>楼</a:t>
+            </a:r>
+          </a:p>
+          <a:p>
             <a:r>
               <a:rPr lang="en-US" altLang="zh-CN" dirty="0"/>
-              <a:t>\</a:t>
+              <a:t>extern void AutoTo1Floor();</a:t>
+            </a:r>
+          </a:p>
+          <a:p>
+            <a:r>
+              <a:rPr lang="en-US" altLang="zh-CN" dirty="0">
+                <a:solidFill>
+                  <a:srgbClr val="C00000"/>
+                </a:solidFill>
+              </a:rPr>
+              <a:t>// </a:t>
+            </a:r>
+            <a:r>
+              <a:rPr lang="zh-CN" altLang="en-US" dirty="0">
+                <a:solidFill>
+                  <a:srgbClr val="C00000"/>
+                </a:solidFill>
+              </a:rPr>
+              <a:t>取消自动到</a:t>
+            </a:r>
+            <a:r>
+              <a:rPr lang="en-US" altLang="zh-CN" dirty="0">
+                <a:solidFill>
+                  <a:srgbClr val="C00000"/>
+                </a:solidFill>
+              </a:rPr>
+              <a:t>1</a:t>
+            </a:r>
+            <a:r>
+              <a:rPr lang="zh-CN" altLang="en-US" dirty="0">
+                <a:solidFill>
+                  <a:srgbClr val="C00000"/>
+                </a:solidFill>
+              </a:rPr>
+              <a:t>楼</a:t>
+            </a:r>
+          </a:p>
+          <a:p>
+            <a:r>
+              <a:rPr lang="en-US" altLang="zh-CN" dirty="0"/>
+              <a:t>extern void CancelTo1Floor</a:t>
+            </a:r>
+            <a:r>
+              <a:rPr lang="en-US" altLang="zh-CN" dirty="0" smtClean="0"/>
+              <a:t>();</a:t>
+            </a:r>
+          </a:p>
+          <a:p>
+            <a:endParaRPr lang="en-US" altLang="zh-CN" dirty="0"/>
+          </a:p>
+          <a:p>
+            <a:r>
+              <a:rPr lang="en-US" altLang="zh-CN" dirty="0" smtClean="0">
+                <a:solidFill>
+                  <a:srgbClr val="FF0000"/>
+                </a:solidFill>
+              </a:rPr>
+              <a:t>// </a:t>
+            </a:r>
+            <a:r>
+              <a:rPr lang="zh-CN" altLang="en-US" dirty="0" smtClean="0">
+                <a:solidFill>
+                  <a:srgbClr val="FF0000"/>
+                </a:solidFill>
+              </a:rPr>
+              <a:t>常数，楼层数</a:t>
+            </a:r>
+            <a:endParaRPr lang="en-US" altLang="zh-CN" dirty="0" smtClean="0">
+              <a:solidFill>
+                <a:srgbClr val="FF0000"/>
+              </a:solidFill>
+            </a:endParaRPr>
+          </a:p>
+          <a:p>
+            <a:r>
+              <a:rPr lang="en-US" altLang="zh-CN" dirty="0" smtClean="0"/>
+              <a:t>#define </a:t>
+            </a:r>
+            <a:r>
+              <a:rPr lang="en-US" altLang="zh-CN" dirty="0" err="1" smtClean="0"/>
+              <a:t>Lib_FloorNum</a:t>
+            </a:r>
+            <a:r>
+              <a:rPr lang="en-US" altLang="zh-CN" dirty="0" smtClean="0"/>
+              <a:t>  3 </a:t>
+            </a:r>
+          </a:p>
+          <a:p>
+            <a:r>
+              <a:rPr lang="en-US" altLang="zh-CN" dirty="0" smtClean="0">
+                <a:solidFill>
+                  <a:srgbClr val="FF0000"/>
+                </a:solidFill>
+              </a:rPr>
+              <a:t>// </a:t>
+            </a:r>
+            <a:r>
+              <a:rPr lang="zh-CN" altLang="en-US" dirty="0" smtClean="0">
+                <a:solidFill>
+                  <a:srgbClr val="FF0000"/>
+                </a:solidFill>
+              </a:rPr>
+              <a:t>常数，容差</a:t>
+            </a:r>
+            <a:r>
+              <a:rPr lang="en-US" altLang="zh-CN" dirty="0" smtClean="0">
+                <a:solidFill>
+                  <a:srgbClr val="FF0000"/>
+                </a:solidFill>
+              </a:rPr>
+              <a:t>(</a:t>
+            </a:r>
+            <a:r>
+              <a:rPr lang="zh-CN" altLang="en-US" smtClean="0">
+                <a:solidFill>
+                  <a:srgbClr val="FF0000"/>
+                </a:solidFill>
+              </a:rPr>
+              <a:t>见下页</a:t>
+            </a:r>
+            <a:r>
+              <a:rPr lang="en-US" altLang="zh-CN" smtClean="0">
+                <a:solidFill>
+                  <a:srgbClr val="FF0000"/>
+                </a:solidFill>
+              </a:rPr>
+              <a:t>)</a:t>
+            </a:r>
+            <a:endParaRPr lang="en-US" altLang="zh-CN" dirty="0" smtClean="0">
+              <a:solidFill>
+                <a:srgbClr val="FF0000"/>
+              </a:solidFill>
+            </a:endParaRPr>
+          </a:p>
+          <a:p>
+            <a:r>
+              <a:rPr lang="en-US" altLang="zh-CN" dirty="0"/>
+              <a:t>#define </a:t>
             </a:r>
             <a:r>
               <a:rPr lang="en-US" altLang="zh-CN" dirty="0" err="1"/>
-              <a:t>n",floor</a:t>
+              <a:t>Lib_FloorTolerance</a:t>
             </a:r>
             <a:r>
               <a:rPr lang="en-US" altLang="zh-CN" dirty="0"/>
-              <a:t>);	</a:t>
+              <a:t> </a:t>
+            </a:r>
+            <a:r>
+              <a:rPr lang="en-US" altLang="zh-CN" dirty="0" smtClean="0"/>
+              <a:t>0.01   </a:t>
             </a:r>
           </a:p>
         </p:txBody>
       </p:sp>
-      <p:pic>
-        <p:nvPicPr>
-          <p:cNvPr id="8194" name="Picture 2"/>
-          <p:cNvPicPr>
-            <a:picLocks noChangeAspect="1" noChangeArrowheads="1"/>
-          </p:cNvPicPr>
-          <p:nvPr/>
-        </p:nvPicPr>
-        <p:blipFill>
-          <a:blip r:embed="rId3">
-            <a:extLst>
-              <a:ext uri="{28A0092B-C50C-407E-A947-70E740481C1C}">
-                <a14:useLocalDpi xmlns:a14="http://schemas.microsoft.com/office/drawing/2010/main" val="0"/>
-              </a:ext>
-            </a:extLst>
-          </a:blip>
-          <a:srcRect/>
-          <a:stretch>
-            <a:fillRect/>
-          </a:stretch>
-        </p:blipFill>
-        <p:spPr bwMode="auto">
-          <a:xfrm>
-            <a:off x="428947" y="3068960"/>
-            <a:ext cx="8031485" cy="3737695"/>
-          </a:xfrm>
-          <a:prstGeom prst="rect">
-            <a:avLst/>
-          </a:prstGeom>
-          <a:noFill/>
-          <a:ln>
-            <a:noFill/>
-          </a:ln>
-          <a:extLst>
-            <a:ext uri="{909E8E84-426E-40DD-AFC4-6F175D3DCCD1}">
-              <a14:hiddenFill xmlns:a14="http://schemas.microsoft.com/office/drawing/2010/main">
-                <a:solidFill>
-                  <a:schemeClr val="accent1"/>
-                </a:solidFill>
-              </a14:hiddenFill>
-            </a:ext>
-            <a:ext uri="{91240B29-F687-4F45-9708-019B960494DF}">
-              <a14:hiddenLine xmlns:a14="http://schemas.microsoft.com/office/drawing/2010/main" w="9525">
-                <a:solidFill>
-                  <a:schemeClr val="tx1"/>
-                </a:solidFill>
-                <a:miter lim="800000"/>
-                <a:headEnd/>
-                <a:tailEnd/>
-              </a14:hiddenLine>
-            </a:ext>
-          </a:extLst>
-        </p:spPr>
-      </p:pic>
       <p:sp>
         <p:nvSpPr>
-          <p:cNvPr id="5" name="TextBox 4"/>
+          <p:cNvPr id="4" name="TextBox 3"/>
           <p:cNvSpPr txBox="1"/>
           <p:nvPr/>
         </p:nvSpPr>
@@ -14271,7 +14247,7 @@
     </p:spTree>
     <p:extLst>
       <p:ext uri="{BB962C8B-B14F-4D97-AF65-F5344CB8AC3E}">
-        <p14:creationId xmlns:p14="http://schemas.microsoft.com/office/powerpoint/2010/main" val="3275783718"/>
+        <p14:creationId xmlns:p14="http://schemas.microsoft.com/office/powerpoint/2010/main" val="962869007"/>
       </p:ext>
     </p:extLst>
   </p:cSld>
@@ -14313,7 +14289,7 @@
         </p:nvSpPr>
         <p:spPr>
           <a:xfrm>
-            <a:off x="352425" y="342230"/>
+            <a:off x="352425" y="260648"/>
             <a:ext cx="8612188" cy="998538"/>
           </a:xfrm>
         </p:spPr>
@@ -14322,9 +14298,18 @@
           <a:lstStyle/>
           <a:p>
             <a:r>
-              <a:rPr lang="zh-CN" altLang="en-US" dirty="0"/>
-              <a:t>三层电梯状态机仿真程序</a:t>
-            </a:r>
+              <a:rPr lang="zh-CN" altLang="en-US" sz="2800" dirty="0"/>
+              <a:t>三层电梯</a:t>
+            </a:r>
+            <a:r>
+              <a:rPr lang="zh-CN" altLang="en-US" sz="2800" dirty="0" smtClean="0"/>
+              <a:t>状态机相关函数</a:t>
+            </a:r>
+            <a:r>
+              <a:rPr lang="en-US" altLang="zh-CN" sz="2800" dirty="0" smtClean="0"/>
+              <a:t>(3)</a:t>
+            </a:r>
+            <a:endParaRPr lang="zh-CN" altLang="en-US" sz="2800" dirty="0"/>
           </a:p>
         </p:txBody>
       </p:sp>
@@ -14336,8 +14321,8 @@
         </p:nvSpPr>
         <p:spPr>
           <a:xfrm>
-            <a:off x="2267744" y="1407060"/>
-            <a:ext cx="1800200" cy="923330"/>
+            <a:off x="179511" y="1055046"/>
+            <a:ext cx="8287707" cy="2169825"/>
           </a:xfrm>
           <a:prstGeom prst="rect">
             <a:avLst/>
@@ -14345,7 +14330,7 @@
           <a:noFill/>
           <a:ln>
             <a:solidFill>
-              <a:srgbClr val="FF0000"/>
+              <a:schemeClr val="tx2"/>
             </a:solidFill>
           </a:ln>
         </p:spPr>
@@ -14361,16 +14346,24 @@
               </a:lnSpc>
             </a:pPr>
             <a:r>
-              <a:rPr lang="en-US" altLang="zh-CN" b="1" dirty="0" err="1" smtClean="0">
-                <a:solidFill>
-                  <a:srgbClr val="FF0000"/>
-                </a:solidFill>
-              </a:rPr>
-              <a:t>ElevatorLib.h</a:t>
-            </a:r>
-            <a:endParaRPr lang="en-US" altLang="zh-CN" b="1" dirty="0" smtClean="0">
+              <a:rPr lang="en-US" altLang="zh-CN" dirty="0" smtClean="0">
+                <a:solidFill>
+                  <a:srgbClr val="C00000"/>
+                </a:solidFill>
+              </a:rPr>
+              <a:t>// </a:t>
+            </a:r>
+            <a:r>
+              <a:rPr lang="zh-CN" altLang="en-US" dirty="0" smtClean="0">
+                <a:solidFill>
+                  <a:srgbClr val="C00000"/>
+                </a:solidFill>
+              </a:rPr>
+              <a:t>获取电梯箱体当前所在楼层</a:t>
+            </a:r>
+            <a:endParaRPr lang="en-US" altLang="zh-CN" dirty="0" smtClean="0">
               <a:solidFill>
-                <a:srgbClr val="FF0000"/>
+                <a:srgbClr val="C00000"/>
               </a:solidFill>
             </a:endParaRPr>
           </a:p>
@@ -14381,10 +14374,263 @@
               </a:lnSpc>
             </a:pPr>
             <a:r>
+              <a:rPr lang="en-US" altLang="zh-CN" dirty="0" smtClean="0"/>
+              <a:t>double </a:t>
+            </a:r>
+            <a:r>
+              <a:rPr lang="en-US" altLang="zh-CN" dirty="0" err="1" smtClean="0"/>
+              <a:t>GetFloor</a:t>
+            </a:r>
+            <a:r>
+              <a:rPr lang="en-US" altLang="zh-CN" dirty="0" smtClean="0"/>
+              <a:t>();    // </a:t>
+            </a:r>
+            <a:r>
               <a:rPr lang="zh-CN" altLang="en-US" dirty="0" smtClean="0"/>
-              <a:t>各个库函数说明</a:t>
-            </a:r>
-            <a:endParaRPr lang="zh-CN" altLang="en-US" dirty="0"/>
+              <a:t>浮点数，如</a:t>
+            </a:r>
+            <a:r>
+              <a:rPr lang="en-US" altLang="zh-CN" dirty="0" smtClean="0"/>
+              <a:t>1.5</a:t>
+            </a:r>
+            <a:r>
+              <a:rPr lang="zh-CN" altLang="en-US" dirty="0"/>
+              <a:t>，表示电梯箱体处在</a:t>
+            </a:r>
+            <a:r>
+              <a:rPr lang="en-US" altLang="zh-CN" dirty="0"/>
+              <a:t>1</a:t>
+            </a:r>
+            <a:r>
+              <a:rPr lang="zh-CN" altLang="en-US" dirty="0"/>
+              <a:t>层到</a:t>
+            </a:r>
+            <a:r>
+              <a:rPr lang="en-US" altLang="zh-CN" dirty="0"/>
+              <a:t>2</a:t>
+            </a:r>
+            <a:r>
+              <a:rPr lang="zh-CN" altLang="en-US" dirty="0"/>
+              <a:t>层的中间</a:t>
+            </a:r>
+            <a:endParaRPr lang="en-US" altLang="zh-CN" dirty="0" smtClean="0"/>
+          </a:p>
+          <a:p>
+            <a:pPr>
+              <a:lnSpc>
+                <a:spcPct val="150000"/>
+              </a:lnSpc>
+            </a:pPr>
+            <a:r>
+              <a:rPr lang="en-US" altLang="zh-CN" dirty="0" err="1" smtClean="0"/>
+              <a:t>int</a:t>
+            </a:r>
+            <a:r>
+              <a:rPr lang="en-US" altLang="zh-CN" dirty="0" smtClean="0"/>
+              <a:t> </a:t>
+            </a:r>
+            <a:r>
+              <a:rPr lang="en-US" altLang="zh-CN" dirty="0" err="1"/>
+              <a:t>GetNearestFloor</a:t>
+            </a:r>
+            <a:r>
+              <a:rPr lang="en-US" altLang="zh-CN" dirty="0" smtClean="0"/>
+              <a:t>();  // </a:t>
+            </a:r>
+            <a:r>
+              <a:rPr lang="en-US" altLang="zh-CN" dirty="0" err="1"/>
+              <a:t>GetFloor</a:t>
+            </a:r>
+            <a:r>
+              <a:rPr lang="en-US" altLang="zh-CN" dirty="0"/>
+              <a:t>()</a:t>
+            </a:r>
+            <a:r>
+              <a:rPr lang="zh-CN" altLang="en-US" dirty="0" smtClean="0"/>
+              <a:t>函数的四舍五入值</a:t>
+            </a:r>
+            <a:endParaRPr lang="en-US" altLang="zh-CN" dirty="0"/>
+          </a:p>
+          <a:p>
+            <a:pPr>
+              <a:lnSpc>
+                <a:spcPct val="150000"/>
+              </a:lnSpc>
+            </a:pPr>
+            <a:r>
+              <a:rPr lang="en-US" altLang="zh-CN" dirty="0" smtClean="0">
+                <a:solidFill>
+                  <a:schemeClr val="tx2">
+                    <a:lumMod val="50000"/>
+                  </a:schemeClr>
+                </a:solidFill>
+              </a:rPr>
+              <a:t>if(</a:t>
+            </a:r>
+            <a:r>
+              <a:rPr lang="en-US" altLang="zh-CN" dirty="0" err="1" smtClean="0">
+                <a:solidFill>
+                  <a:schemeClr val="tx2">
+                    <a:lumMod val="50000"/>
+                  </a:schemeClr>
+                </a:solidFill>
+              </a:rPr>
+              <a:t>fabs</a:t>
+            </a:r>
+            <a:r>
+              <a:rPr lang="en-US" altLang="zh-CN" dirty="0" smtClean="0">
+                <a:solidFill>
+                  <a:schemeClr val="tx2">
+                    <a:lumMod val="50000"/>
+                  </a:schemeClr>
+                </a:solidFill>
+              </a:rPr>
+              <a:t>(</a:t>
+            </a:r>
+            <a:r>
+              <a:rPr lang="en-US" altLang="zh-CN" dirty="0" err="1" smtClean="0">
+                <a:solidFill>
+                  <a:schemeClr val="tx2">
+                    <a:lumMod val="50000"/>
+                  </a:schemeClr>
+                </a:solidFill>
+              </a:rPr>
+              <a:t>GetFloor</a:t>
+            </a:r>
+            <a:r>
+              <a:rPr lang="en-US" altLang="zh-CN" dirty="0">
+                <a:solidFill>
+                  <a:schemeClr val="tx2">
+                    <a:lumMod val="50000"/>
+                  </a:schemeClr>
+                </a:solidFill>
+              </a:rPr>
+              <a:t>() - </a:t>
+            </a:r>
+            <a:r>
+              <a:rPr lang="en-US" altLang="zh-CN" dirty="0" err="1">
+                <a:solidFill>
+                  <a:schemeClr val="tx2">
+                    <a:lumMod val="50000"/>
+                  </a:schemeClr>
+                </a:solidFill>
+              </a:rPr>
+              <a:t>GetNearestFloor</a:t>
+            </a:r>
+            <a:r>
+              <a:rPr lang="en-US" altLang="zh-CN" dirty="0" smtClean="0">
+                <a:solidFill>
+                  <a:schemeClr val="tx2">
+                    <a:lumMod val="50000"/>
+                  </a:schemeClr>
+                </a:solidFill>
+              </a:rPr>
+              <a:t>()) </a:t>
+            </a:r>
+            <a:r>
+              <a:rPr lang="en-US" altLang="zh-CN" dirty="0">
+                <a:solidFill>
+                  <a:schemeClr val="tx2">
+                    <a:lumMod val="50000"/>
+                  </a:schemeClr>
+                </a:solidFill>
+              </a:rPr>
+              <a:t>&lt; </a:t>
+            </a:r>
+            <a:r>
+              <a:rPr lang="en-US" altLang="zh-CN" dirty="0" err="1">
+                <a:solidFill>
+                  <a:schemeClr val="tx2">
+                    <a:lumMod val="50000"/>
+                  </a:schemeClr>
+                </a:solidFill>
+              </a:rPr>
+              <a:t>Lib_FloorTolerance</a:t>
+            </a:r>
+            <a:r>
+              <a:rPr lang="en-US" altLang="zh-CN" dirty="0">
+                <a:solidFill>
+                  <a:schemeClr val="tx2">
+                    <a:lumMod val="50000"/>
+                  </a:schemeClr>
+                </a:solidFill>
+              </a:rPr>
+              <a:t>) </a:t>
+            </a:r>
+            <a:endParaRPr lang="en-US" altLang="zh-CN" dirty="0" smtClean="0">
+              <a:solidFill>
+                <a:schemeClr val="tx2">
+                  <a:lumMod val="50000"/>
+                </a:schemeClr>
+              </a:solidFill>
+            </a:endParaRPr>
+          </a:p>
+          <a:p>
+            <a:pPr>
+              <a:lnSpc>
+                <a:spcPct val="150000"/>
+              </a:lnSpc>
+            </a:pPr>
+            <a:r>
+              <a:rPr lang="en-US" altLang="zh-CN" dirty="0" smtClean="0">
+                <a:solidFill>
+                  <a:schemeClr val="tx2">
+                    <a:lumMod val="50000"/>
+                  </a:schemeClr>
+                </a:solidFill>
+              </a:rPr>
+              <a:t>{  </a:t>
+            </a:r>
+            <a:r>
+              <a:rPr lang="zh-CN" altLang="en-US" dirty="0" smtClean="0">
+                <a:solidFill>
+                  <a:schemeClr val="tx2">
+                    <a:lumMod val="50000"/>
+                  </a:schemeClr>
+                </a:solidFill>
+              </a:rPr>
+              <a:t>到达</a:t>
+            </a:r>
+            <a:r>
+              <a:rPr lang="en-US" altLang="zh-CN" dirty="0" err="1" smtClean="0">
+                <a:solidFill>
+                  <a:schemeClr val="tx2">
+                    <a:lumMod val="50000"/>
+                  </a:schemeClr>
+                </a:solidFill>
+              </a:rPr>
+              <a:t>GetNearestFloor</a:t>
+            </a:r>
+            <a:r>
+              <a:rPr lang="en-US" altLang="zh-CN" dirty="0" smtClean="0">
+                <a:solidFill>
+                  <a:schemeClr val="tx2">
+                    <a:lumMod val="50000"/>
+                  </a:schemeClr>
+                </a:solidFill>
+              </a:rPr>
+              <a:t>()</a:t>
+            </a:r>
+            <a:r>
+              <a:rPr lang="zh-CN" altLang="en-US" dirty="0" smtClean="0">
+                <a:solidFill>
+                  <a:schemeClr val="tx2">
+                    <a:lumMod val="50000"/>
+                  </a:schemeClr>
+                </a:solidFill>
+              </a:rPr>
+              <a:t>层  </a:t>
+            </a:r>
+            <a:r>
+              <a:rPr lang="en-US" altLang="zh-CN" dirty="0" smtClean="0">
+                <a:solidFill>
+                  <a:schemeClr val="tx2">
+                    <a:lumMod val="50000"/>
+                  </a:schemeClr>
+                </a:solidFill>
+              </a:rPr>
+              <a:t>}</a:t>
+            </a:r>
           </a:p>
         </p:txBody>
       </p:sp>
@@ -14396,8 +14642,44 @@
         </p:nvSpPr>
         <p:spPr>
           <a:xfrm>
-            <a:off x="4283968" y="1340768"/>
-            <a:ext cx="4752528" cy="5078313"/>
+            <a:off x="7236296" y="868070"/>
+            <a:ext cx="1728192" cy="369332"/>
+          </a:xfrm>
+          <a:prstGeom prst="rect">
+            <a:avLst/>
+          </a:prstGeom>
+          <a:solidFill>
+            <a:schemeClr val="bg2"/>
+          </a:solidFill>
+        </p:spPr>
+        <p:txBody>
+          <a:bodyPr wrap="square" rtlCol="0">
+            <a:spAutoFit/>
+          </a:bodyPr>
+          <a:lstStyle/>
+          <a:p>
+            <a:r>
+              <a:rPr lang="zh-CN" altLang="en-US" dirty="0" smtClean="0"/>
+              <a:t>详见</a:t>
+            </a:r>
+            <a:r>
+              <a:rPr lang="en-US" altLang="zh-CN" dirty="0" err="1" smtClean="0"/>
+              <a:t>Elevator.h</a:t>
+            </a:r>
+            <a:endParaRPr lang="zh-CN" altLang="en-US" dirty="0"/>
+          </a:p>
+        </p:txBody>
+      </p:sp>
+      <p:sp>
+        <p:nvSpPr>
+          <p:cNvPr id="6" name="TextBox 5"/>
+          <p:cNvSpPr txBox="1"/>
+          <p:nvPr/>
+        </p:nvSpPr>
+        <p:spPr>
+          <a:xfrm>
+            <a:off x="186299" y="3212976"/>
+            <a:ext cx="8280920" cy="3365024"/>
           </a:xfrm>
           <a:prstGeom prst="rect">
             <a:avLst/>
@@ -14405,7 +14687,7 @@
           <a:noFill/>
           <a:ln>
             <a:solidFill>
-              <a:srgbClr val="FF0000"/>
+              <a:schemeClr val="tx2"/>
             </a:solidFill>
           </a:ln>
         </p:spPr>
@@ -14421,16 +14703,88 @@
               </a:lnSpc>
             </a:pPr>
             <a:r>
-              <a:rPr lang="zh-CN" altLang="en-US" b="1" dirty="0" smtClean="0">
-                <a:solidFill>
-                  <a:srgbClr val="FF0000"/>
-                </a:solidFill>
-              </a:rPr>
-              <a:t>状态机代码：</a:t>
-            </a:r>
-            <a:endParaRPr lang="en-US" altLang="zh-CN" b="1" dirty="0" smtClean="0">
+              <a:rPr lang="en-US" altLang="zh-CN" dirty="0" smtClean="0">
+                <a:solidFill>
+                  <a:srgbClr val="C00000"/>
+                </a:solidFill>
+              </a:rPr>
+              <a:t>// </a:t>
+            </a:r>
+            <a:r>
+              <a:rPr lang="zh-CN" altLang="en-US" dirty="0" smtClean="0">
+                <a:solidFill>
+                  <a:srgbClr val="C00000"/>
+                </a:solidFill>
+              </a:rPr>
+              <a:t>静态</a:t>
+            </a:r>
+            <a:r>
+              <a:rPr lang="zh-CN" altLang="en-US" dirty="0">
+                <a:solidFill>
+                  <a:srgbClr val="C00000"/>
+                </a:solidFill>
+              </a:rPr>
+              <a:t>监测</a:t>
+            </a:r>
+            <a:r>
+              <a:rPr lang="en-US" altLang="zh-CN" dirty="0">
+                <a:solidFill>
+                  <a:srgbClr val="C00000"/>
+                </a:solidFill>
+              </a:rPr>
+              <a:t>,</a:t>
+            </a:r>
+            <a:r>
+              <a:rPr lang="zh-CN" altLang="en-US" dirty="0">
+                <a:solidFill>
+                  <a:srgbClr val="C00000"/>
+                </a:solidFill>
+              </a:rPr>
+              <a:t>电梯处于空闲状态</a:t>
+            </a:r>
+            <a:r>
+              <a:rPr lang="en-US" altLang="zh-CN" dirty="0">
+                <a:solidFill>
+                  <a:srgbClr val="C00000"/>
+                </a:solidFill>
+              </a:rPr>
+              <a:t>, </a:t>
+            </a:r>
+            <a:r>
+              <a:rPr lang="zh-CN" altLang="en-US" dirty="0">
+                <a:solidFill>
+                  <a:srgbClr val="C00000"/>
+                </a:solidFill>
+              </a:rPr>
+              <a:t>确定下一步的运动方向和所到楼层</a:t>
+            </a:r>
+            <a:r>
+              <a:rPr lang="en-US" altLang="zh-CN" dirty="0">
+                <a:solidFill>
+                  <a:srgbClr val="C00000"/>
+                </a:solidFill>
+              </a:rPr>
+              <a:t>(</a:t>
+            </a:r>
+            <a:r>
+              <a:rPr lang="zh-CN" altLang="en-US" dirty="0">
+                <a:solidFill>
+                  <a:srgbClr val="C00000"/>
+                </a:solidFill>
+              </a:rPr>
+              <a:t>目标楼层</a:t>
+            </a:r>
+            <a:r>
+              <a:rPr lang="en-US" altLang="zh-CN" dirty="0">
+                <a:solidFill>
+                  <a:srgbClr val="C00000"/>
+                </a:solidFill>
+              </a:rPr>
+              <a:t>)</a:t>
+            </a:r>
+            <a:endParaRPr lang="en-US" altLang="zh-CN" dirty="0" smtClean="0">
               <a:solidFill>
-                <a:srgbClr val="FF0000"/>
+                <a:srgbClr val="C00000"/>
               </a:solidFill>
             </a:endParaRPr>
           </a:p>
@@ -14441,12 +14795,28 @@
               </a:lnSpc>
             </a:pPr>
             <a:r>
-              <a:rPr lang="en-US" altLang="zh-CN" b="1" dirty="0" smtClean="0">
-                <a:solidFill>
-                  <a:srgbClr val="FF0000"/>
-                </a:solidFill>
-              </a:rPr>
-              <a:t>elevator.cpp</a:t>
+              <a:rPr lang="en-US" altLang="zh-CN" dirty="0" err="1"/>
+              <a:t>int</a:t>
+            </a:r>
+            <a:r>
+              <a:rPr lang="en-US" altLang="zh-CN" dirty="0"/>
+              <a:t> </a:t>
+            </a:r>
+            <a:r>
+              <a:rPr lang="en-US" altLang="zh-CN" dirty="0" err="1"/>
+              <a:t>IdleWhatFloorToGoTo</a:t>
+            </a:r>
+            <a:r>
+              <a:rPr lang="en-US" altLang="zh-CN" dirty="0"/>
+              <a:t>(</a:t>
+            </a:r>
+            <a:r>
+              <a:rPr lang="en-US" altLang="zh-CN" dirty="0" err="1"/>
+              <a:t>bool</a:t>
+            </a:r>
+            <a:r>
+              <a:rPr lang="en-US" altLang="zh-CN" dirty="0"/>
+              <a:t> *up);</a:t>
             </a:r>
           </a:p>
           <a:p>
@@ -14456,270 +14826,277 @@
               </a:lnSpc>
             </a:pPr>
             <a:r>
-              <a:rPr lang="en-US" altLang="zh-CN" b="1" dirty="0" smtClean="0">
-                <a:solidFill>
-                  <a:srgbClr val="FF0000"/>
-                </a:solidFill>
-              </a:rPr>
-              <a:t>//</a:t>
-            </a:r>
-            <a:r>
-              <a:rPr lang="zh-CN" altLang="en-US" b="1" dirty="0">
-                <a:solidFill>
-                  <a:srgbClr val="FF0000"/>
-                </a:solidFill>
-              </a:rPr>
-              <a:t>状态机，每隔一定时间</a:t>
-            </a:r>
-            <a:r>
-              <a:rPr lang="en-US" altLang="zh-CN" b="1" dirty="0">
-                <a:solidFill>
-                  <a:srgbClr val="FF0000"/>
+              <a:rPr lang="en-US" altLang="zh-CN" dirty="0" err="1">
+                <a:solidFill>
+                  <a:srgbClr val="C00000"/>
+                </a:solidFill>
+              </a:rPr>
+              <a:t>int</a:t>
+            </a:r>
+            <a:r>
+              <a:rPr lang="en-US" altLang="zh-CN" dirty="0">
+                <a:solidFill>
+                  <a:srgbClr val="C00000"/>
+                </a:solidFill>
+              </a:rPr>
+              <a:t> floor; </a:t>
+            </a:r>
+            <a:r>
+              <a:rPr lang="en-US" altLang="zh-CN" dirty="0" err="1">
+                <a:solidFill>
+                  <a:srgbClr val="C00000"/>
+                </a:solidFill>
+              </a:rPr>
+              <a:t>bool</a:t>
+            </a:r>
+            <a:r>
+              <a:rPr lang="en-US" altLang="zh-CN" dirty="0">
+                <a:solidFill>
+                  <a:srgbClr val="C00000"/>
+                </a:solidFill>
+              </a:rPr>
+              <a:t> up;</a:t>
+            </a:r>
+          </a:p>
+          <a:p>
+            <a:pPr>
+              <a:lnSpc>
+                <a:spcPct val="150000"/>
+              </a:lnSpc>
+            </a:pPr>
+            <a:r>
+              <a:rPr lang="en-US" altLang="zh-CN" dirty="0" smtClean="0">
+                <a:solidFill>
+                  <a:srgbClr val="C00000"/>
+                </a:solidFill>
+              </a:rPr>
+              <a:t>floor </a:t>
+            </a:r>
+            <a:r>
+              <a:rPr lang="en-US" altLang="zh-CN" dirty="0">
+                <a:solidFill>
+                  <a:srgbClr val="C00000"/>
+                </a:solidFill>
+              </a:rPr>
+              <a:t>= </a:t>
+            </a:r>
+            <a:r>
+              <a:rPr lang="en-US" altLang="zh-CN" dirty="0" err="1">
+                <a:solidFill>
+                  <a:srgbClr val="C00000"/>
+                </a:solidFill>
+              </a:rPr>
+              <a:t>IdleWhatFloorToGoTo</a:t>
+            </a:r>
+            <a:r>
+              <a:rPr lang="en-US" altLang="zh-CN" dirty="0">
+                <a:solidFill>
+                  <a:srgbClr val="C00000"/>
+                </a:solidFill>
+              </a:rPr>
+              <a:t>(&amp;up);</a:t>
+            </a:r>
+          </a:p>
+          <a:p>
+            <a:pPr>
+              <a:lnSpc>
+                <a:spcPct val="150000"/>
+              </a:lnSpc>
+            </a:pPr>
+            <a:r>
+              <a:rPr lang="en-US" altLang="zh-CN" dirty="0" smtClean="0">
+                <a:solidFill>
+                  <a:srgbClr val="C00000"/>
+                </a:solidFill>
+              </a:rPr>
+              <a:t>// </a:t>
+            </a:r>
+            <a:r>
+              <a:rPr lang="zh-CN" altLang="en-US" dirty="0" smtClean="0">
+                <a:solidFill>
+                  <a:srgbClr val="C00000"/>
+                </a:solidFill>
+              </a:rPr>
+              <a:t>动态</a:t>
+            </a:r>
+            <a:r>
+              <a:rPr lang="zh-CN" altLang="en-US" dirty="0">
+                <a:solidFill>
+                  <a:srgbClr val="C00000"/>
+                </a:solidFill>
+              </a:rPr>
+              <a:t>监测</a:t>
+            </a:r>
+            <a:r>
+              <a:rPr lang="en-US" altLang="zh-CN" dirty="0">
+                <a:solidFill>
+                  <a:srgbClr val="C00000"/>
+                </a:solidFill>
+              </a:rPr>
+              <a:t>, </a:t>
+            </a:r>
+            <a:r>
+              <a:rPr lang="zh-CN" altLang="en-US" dirty="0">
+                <a:solidFill>
+                  <a:srgbClr val="C00000"/>
+                </a:solidFill>
+              </a:rPr>
+              <a:t>电梯正在上升时，检测将要到达停止的最近楼层</a:t>
+            </a:r>
+            <a:r>
+              <a:rPr lang="en-US" altLang="zh-CN" dirty="0">
+                <a:solidFill>
+                  <a:srgbClr val="C00000"/>
                 </a:solidFill>
               </a:rPr>
               <a:t>(</a:t>
             </a:r>
             <a:r>
-              <a:rPr lang="zh-CN" altLang="en-US" b="1" dirty="0">
-                <a:solidFill>
-                  <a:srgbClr val="FF0000"/>
-                </a:solidFill>
-              </a:rPr>
-              <a:t>如，</a:t>
-            </a:r>
-            <a:r>
-              <a:rPr lang="en-US" altLang="zh-CN" b="1" dirty="0">
-                <a:solidFill>
-                  <a:srgbClr val="FF0000"/>
-                </a:solidFill>
-              </a:rPr>
-              <a:t>100ms)</a:t>
-            </a:r>
-            <a:r>
-              <a:rPr lang="zh-CN" altLang="en-US" b="1" dirty="0">
-                <a:solidFill>
-                  <a:srgbClr val="FF0000"/>
-                </a:solidFill>
-              </a:rPr>
-              <a:t>被调用一次，采集系统的运行状态</a:t>
-            </a:r>
-            <a:endParaRPr lang="en-US" altLang="zh-CN" b="1" dirty="0" smtClean="0">
+              <a:rPr lang="zh-CN" altLang="en-US" dirty="0">
+                <a:solidFill>
+                  <a:srgbClr val="C00000"/>
+                </a:solidFill>
+              </a:rPr>
+              <a:t>目标楼层</a:t>
+            </a:r>
+            <a:r>
+              <a:rPr lang="en-US" altLang="zh-CN" dirty="0" smtClean="0">
+                <a:solidFill>
+                  <a:srgbClr val="C00000"/>
+                </a:solidFill>
+              </a:rPr>
+              <a:t>)</a:t>
+            </a:r>
+          </a:p>
+          <a:p>
+            <a:pPr>
+              <a:lnSpc>
+                <a:spcPct val="150000"/>
+              </a:lnSpc>
+            </a:pPr>
+            <a:r>
+              <a:rPr lang="en-US" altLang="zh-CN" dirty="0" err="1"/>
+              <a:t>int</a:t>
+            </a:r>
+            <a:r>
+              <a:rPr lang="en-US" altLang="zh-CN" dirty="0"/>
+              <a:t> </a:t>
+            </a:r>
+            <a:r>
+              <a:rPr lang="en-US" altLang="zh-CN" dirty="0" err="1"/>
+              <a:t>GoingUpToFloor</a:t>
+            </a:r>
+            <a:r>
+              <a:rPr lang="en-US" altLang="zh-CN" dirty="0" smtClean="0"/>
+              <a:t>();</a:t>
+            </a:r>
+          </a:p>
+          <a:p>
+            <a:pPr>
+              <a:lnSpc>
+                <a:spcPct val="150000"/>
+              </a:lnSpc>
+            </a:pPr>
+            <a:r>
+              <a:rPr lang="en-US" altLang="zh-CN" dirty="0" smtClean="0">
+                <a:solidFill>
+                  <a:srgbClr val="C00000"/>
+                </a:solidFill>
+              </a:rPr>
+              <a:t>// </a:t>
+            </a:r>
+            <a:r>
+              <a:rPr lang="zh-CN" altLang="en-US" dirty="0" smtClean="0">
+                <a:solidFill>
+                  <a:srgbClr val="C00000"/>
+                </a:solidFill>
+              </a:rPr>
+              <a:t>动态</a:t>
+            </a:r>
+            <a:r>
+              <a:rPr lang="zh-CN" altLang="en-US" dirty="0">
+                <a:solidFill>
+                  <a:srgbClr val="C00000"/>
+                </a:solidFill>
+              </a:rPr>
+              <a:t>监测</a:t>
+            </a:r>
+            <a:r>
+              <a:rPr lang="en-US" altLang="zh-CN" dirty="0">
+                <a:solidFill>
+                  <a:srgbClr val="C00000"/>
+                </a:solidFill>
+              </a:rPr>
+              <a:t>, </a:t>
+            </a:r>
+            <a:r>
+              <a:rPr lang="zh-CN" altLang="en-US" dirty="0">
+                <a:solidFill>
+                  <a:srgbClr val="C00000"/>
+                </a:solidFill>
+              </a:rPr>
+              <a:t>电梯正在下降时，检测将要到达停止的最近楼层</a:t>
+            </a:r>
+            <a:r>
+              <a:rPr lang="en-US" altLang="zh-CN" dirty="0">
+                <a:solidFill>
+                  <a:srgbClr val="C00000"/>
+                </a:solidFill>
+              </a:rPr>
+              <a:t>(</a:t>
+            </a:r>
+            <a:r>
+              <a:rPr lang="zh-CN" altLang="en-US" dirty="0">
+                <a:solidFill>
+                  <a:srgbClr val="C00000"/>
+                </a:solidFill>
+              </a:rPr>
+              <a:t>目标楼层</a:t>
+            </a:r>
+            <a:r>
+              <a:rPr lang="en-US" altLang="zh-CN" dirty="0">
+                <a:solidFill>
+                  <a:srgbClr val="C00000"/>
+                </a:solidFill>
+              </a:rPr>
+              <a:t>)</a:t>
+            </a:r>
+            <a:endParaRPr lang="en-US" altLang="zh-CN" dirty="0" smtClean="0">
               <a:solidFill>
-                <a:srgbClr val="FF0000"/>
+                <a:srgbClr val="C00000"/>
               </a:solidFill>
             </a:endParaRPr>
           </a:p>
           <a:p>
+            <a:pPr>
+              <a:lnSpc>
+                <a:spcPct val="150000"/>
+              </a:lnSpc>
+            </a:pPr>
+            <a:r>
+              <a:rPr lang="en-US" altLang="zh-CN" dirty="0" err="1" smtClean="0"/>
+              <a:t>int</a:t>
+            </a:r>
             <a:r>
               <a:rPr lang="en-US" altLang="zh-CN" dirty="0" smtClean="0"/>
-              <a:t>void </a:t>
-            </a:r>
-            <a:r>
-              <a:rPr lang="en-US" altLang="zh-CN" dirty="0" err="1"/>
-              <a:t>main_control</a:t>
-            </a:r>
-            <a:r>
-              <a:rPr lang="en-US" altLang="zh-CN" dirty="0"/>
-              <a:t>(</a:t>
-            </a:r>
-            <a:r>
-              <a:rPr lang="en-US" altLang="zh-CN" dirty="0" err="1"/>
-              <a:t>int</a:t>
-            </a:r>
-            <a:r>
-              <a:rPr lang="en-US" altLang="zh-CN" dirty="0"/>
-              <a:t> *state)</a:t>
-            </a:r>
-          </a:p>
-          <a:p>
-            <a:r>
-              <a:rPr lang="en-US" altLang="zh-CN" dirty="0"/>
-              <a:t>{  </a:t>
-            </a:r>
-          </a:p>
-          <a:p>
-            <a:r>
-              <a:rPr lang="en-US" altLang="zh-CN" dirty="0"/>
-              <a:t>    if(</a:t>
-            </a:r>
-            <a:r>
-              <a:rPr lang="en-US" altLang="zh-CN" dirty="0" err="1"/>
-              <a:t>IsElevatorRunning</a:t>
-            </a:r>
-            <a:r>
-              <a:rPr lang="en-US" altLang="zh-CN" dirty="0"/>
-              <a:t>())</a:t>
-            </a:r>
-          </a:p>
-          <a:p>
-            <a:r>
-              <a:rPr lang="zh-CN" altLang="en-US" dirty="0"/>
-              <a:t>    </a:t>
-            </a:r>
-            <a:r>
-              <a:rPr lang="en-US" altLang="zh-CN" dirty="0"/>
-              <a:t>{</a:t>
-            </a:r>
-          </a:p>
-          <a:p>
+              <a:t> </a:t>
+            </a:r>
+            <a:r>
+              <a:rPr lang="en-US" altLang="zh-CN" dirty="0" err="1" smtClean="0"/>
+              <a:t>GoingDownToFloor</a:t>
+            </a:r>
             <a:r>
               <a:rPr lang="en-US" altLang="zh-CN" dirty="0" smtClean="0"/>
-              <a:t>       switch</a:t>
-            </a:r>
-            <a:r>
-              <a:rPr lang="en-US" altLang="zh-CN" dirty="0"/>
-              <a:t>(*state</a:t>
-            </a:r>
-            <a:r>
-              <a:rPr lang="en-US" altLang="zh-CN" dirty="0" smtClean="0"/>
-              <a:t>)  {</a:t>
+              <a:t>();</a:t>
             </a:r>
             <a:endParaRPr lang="en-US" altLang="zh-CN" dirty="0"/>
-          </a:p>
-          <a:p>
-            <a:r>
-              <a:rPr lang="en-US" altLang="zh-CN" dirty="0" smtClean="0"/>
-              <a:t>          case </a:t>
-            </a:r>
-            <a:r>
-              <a:rPr lang="en-US" altLang="zh-CN" dirty="0"/>
-              <a:t>Idle:</a:t>
-            </a:r>
-          </a:p>
-          <a:p>
-            <a:r>
-              <a:rPr lang="en-US" altLang="zh-CN" dirty="0" smtClean="0"/>
-              <a:t>          case </a:t>
-            </a:r>
-            <a:r>
-              <a:rPr lang="en-US" altLang="zh-CN" dirty="0" err="1"/>
-              <a:t>MovingUp</a:t>
-            </a:r>
-            <a:r>
-              <a:rPr lang="en-US" altLang="zh-CN" dirty="0"/>
-              <a:t>:</a:t>
-            </a:r>
-          </a:p>
-          <a:p>
-            <a:r>
-              <a:rPr lang="en-US" altLang="zh-CN" dirty="0" smtClean="0"/>
-              <a:t>          case </a:t>
-            </a:r>
-            <a:r>
-              <a:rPr lang="en-US" altLang="zh-CN" dirty="0" err="1"/>
-              <a:t>MovingDown</a:t>
-            </a:r>
-            <a:r>
-              <a:rPr lang="en-US" altLang="zh-CN" dirty="0"/>
-              <a:t>:</a:t>
-            </a:r>
-          </a:p>
-          <a:p>
-            <a:r>
-              <a:rPr lang="en-US" altLang="zh-CN" dirty="0" smtClean="0"/>
-              <a:t>          case </a:t>
-            </a:r>
-            <a:r>
-              <a:rPr lang="en-US" altLang="zh-CN" dirty="0" err="1"/>
-              <a:t>DoorOpen</a:t>
-            </a:r>
-            <a:r>
-              <a:rPr lang="en-US" altLang="zh-CN" dirty="0"/>
-              <a:t>:</a:t>
-            </a:r>
-          </a:p>
-          <a:p>
-            <a:r>
-              <a:rPr lang="en-US" altLang="zh-CN" dirty="0" smtClean="0"/>
-              <a:t>          case </a:t>
-            </a:r>
-            <a:r>
-              <a:rPr lang="en-US" altLang="zh-CN" dirty="0" err="1"/>
-              <a:t>DoorClosing</a:t>
-            </a:r>
-            <a:r>
-              <a:rPr lang="en-US" altLang="zh-CN" dirty="0" smtClean="0"/>
-              <a:t>:</a:t>
-            </a:r>
-            <a:endParaRPr lang="en-US" altLang="zh-CN" dirty="0"/>
-          </a:p>
-          <a:p>
-            <a:r>
-              <a:rPr lang="zh-CN" altLang="en-US" dirty="0"/>
-              <a:t>    </a:t>
-            </a:r>
-            <a:r>
-              <a:rPr lang="en-US" altLang="zh-CN" dirty="0" smtClean="0"/>
-              <a:t>}}</a:t>
-            </a:r>
-            <a:endParaRPr lang="en-US" altLang="zh-CN" dirty="0"/>
-          </a:p>
-          <a:p>
-            <a:r>
-              <a:rPr lang="en-US" altLang="zh-CN" dirty="0"/>
-              <a:t>}</a:t>
-            </a:r>
           </a:p>
         </p:txBody>
       </p:sp>
-      <p:pic>
-        <p:nvPicPr>
-          <p:cNvPr id="5122" name="Picture 2"/>
-          <p:cNvPicPr>
-            <a:picLocks noChangeAspect="1" noChangeArrowheads="1"/>
-          </p:cNvPicPr>
-          <p:nvPr/>
-        </p:nvPicPr>
-        <p:blipFill>
-          <a:blip r:embed="rId2">
-            <a:extLst>
-              <a:ext uri="{28A0092B-C50C-407E-A947-70E740481C1C}">
-                <a14:useLocalDpi xmlns:a14="http://schemas.microsoft.com/office/drawing/2010/main" val="0"/>
-              </a:ext>
-            </a:extLst>
-          </a:blip>
-          <a:srcRect/>
-          <a:stretch>
-            <a:fillRect/>
-          </a:stretch>
-        </p:blipFill>
-        <p:spPr bwMode="auto">
-          <a:xfrm>
-            <a:off x="179512" y="1176362"/>
-            <a:ext cx="1949450" cy="5060950"/>
-          </a:xfrm>
-          <a:prstGeom prst="rect">
-            <a:avLst/>
-          </a:prstGeom>
-          <a:noFill/>
-          <a:ln>
-            <a:noFill/>
-          </a:ln>
-          <a:extLst>
-            <a:ext uri="{909E8E84-426E-40DD-AFC4-6F175D3DCCD1}">
-              <a14:hiddenFill xmlns:a14="http://schemas.microsoft.com/office/drawing/2010/main">
-                <a:solidFill>
-                  <a:schemeClr val="accent1"/>
-                </a:solidFill>
-              </a14:hiddenFill>
-            </a:ext>
-            <a:ext uri="{91240B29-F687-4F45-9708-019B960494DF}">
-              <a14:hiddenLine xmlns:a14="http://schemas.microsoft.com/office/drawing/2010/main" w="9525">
-                <a:solidFill>
-                  <a:schemeClr val="tx1"/>
-                </a:solidFill>
-                <a:miter lim="800000"/>
-                <a:headEnd/>
-                <a:tailEnd/>
-              </a14:hiddenLine>
-            </a:ext>
-          </a:extLst>
-        </p:spPr>
-      </p:pic>
     </p:spTree>
     <p:extLst>
       <p:ext uri="{BB962C8B-B14F-4D97-AF65-F5344CB8AC3E}">
-        <p14:creationId xmlns:p14="http://schemas.microsoft.com/office/powerpoint/2010/main" val="2585339564"/>
+        <p14:creationId xmlns:p14="http://schemas.microsoft.com/office/powerpoint/2010/main" val="1898191147"/>
       </p:ext>
     </p:extLst>
   </p:cSld>
@@ -14729,13 +15106,6 @@
   <p:transition>
     <p:random/>
   </p:transition>
-  <p:timing>
-    <p:tnLst>
-      <p:par>
-        <p:cTn id="1" dur="indefinite" restart="never" nodeType="tmRoot"/>
-      </p:par>
-    </p:tnLst>
-  </p:timing>
 </p:sld>
 </file>
 
@@ -14766,16 +15136,29 @@
             <p:ph type="title"/>
           </p:nvPr>
         </p:nvSpPr>
-        <p:spPr/>
+        <p:spPr>
+          <a:xfrm>
+            <a:off x="352425" y="260648"/>
+            <a:ext cx="8612188" cy="998538"/>
+          </a:xfrm>
+        </p:spPr>
         <p:txBody>
           <a:bodyPr/>
           <a:lstStyle/>
           <a:p>
             <a:r>
-              <a:rPr lang="zh-CN" altLang="en-US" dirty="0" smtClean="0"/>
-              <a:t>课程设计要求</a:t>
-            </a:r>
-            <a:endParaRPr lang="zh-CN" altLang="en-US" dirty="0"/>
+              <a:rPr lang="zh-CN" altLang="en-US" sz="2800" dirty="0"/>
+              <a:t>三层电梯</a:t>
+            </a:r>
+            <a:r>
+              <a:rPr lang="zh-CN" altLang="en-US" sz="2800" dirty="0" smtClean="0"/>
+              <a:t>状态机相关函数</a:t>
+            </a:r>
+            <a:r>
+              <a:rPr lang="en-US" altLang="zh-CN" sz="2800" dirty="0" smtClean="0"/>
+              <a:t>(4)</a:t>
+            </a:r>
+            <a:endParaRPr lang="zh-CN" altLang="en-US" sz="2800" dirty="0"/>
           </a:p>
         </p:txBody>
       </p:sp>
@@ -14787,18 +15170,241 @@
         </p:nvSpPr>
         <p:spPr>
           <a:xfrm>
-            <a:off x="467544" y="2084655"/>
-            <a:ext cx="8064896" cy="3831818"/>
+            <a:off x="539552" y="1052736"/>
+            <a:ext cx="8280920" cy="2031325"/>
+          </a:xfrm>
+          <a:prstGeom prst="rect">
+            <a:avLst/>
+          </a:prstGeom>
+          <a:noFill/>
+        </p:spPr>
+        <p:txBody>
+          <a:bodyPr wrap="square" rtlCol="0">
+            <a:spAutoFit/>
+          </a:bodyPr>
+          <a:lstStyle/>
+          <a:p>
+            <a:r>
+              <a:rPr lang="en-US" altLang="zh-CN" dirty="0" smtClean="0">
+                <a:solidFill>
+                  <a:srgbClr val="C00000"/>
+                </a:solidFill>
+              </a:rPr>
+              <a:t>// </a:t>
+            </a:r>
+            <a:r>
+              <a:rPr lang="zh-CN" altLang="en-US" dirty="0" smtClean="0">
+                <a:solidFill>
+                  <a:srgbClr val="C00000"/>
+                </a:solidFill>
+              </a:rPr>
+              <a:t>显示信息，调试信息</a:t>
+            </a:r>
+            <a:endParaRPr lang="en-US" altLang="zh-CN" dirty="0">
+              <a:solidFill>
+                <a:srgbClr val="C00000"/>
+              </a:solidFill>
+            </a:endParaRPr>
+          </a:p>
+          <a:p>
+            <a:pPr>
+              <a:lnSpc>
+                <a:spcPct val="150000"/>
+              </a:lnSpc>
+            </a:pPr>
+            <a:r>
+              <a:rPr lang="en-US" altLang="zh-CN" dirty="0" err="1"/>
+              <a:t>CString</a:t>
+            </a:r>
+            <a:r>
+              <a:rPr lang="en-US" altLang="zh-CN" dirty="0"/>
+              <a:t> status</a:t>
+            </a:r>
+            <a:r>
+              <a:rPr lang="en-US" altLang="zh-CN" dirty="0" smtClean="0"/>
+              <a:t>; </a:t>
+            </a:r>
+            <a:r>
+              <a:rPr lang="en-US" altLang="zh-CN" dirty="0" err="1" smtClean="0"/>
+              <a:t>int</a:t>
+            </a:r>
+            <a:r>
+              <a:rPr lang="en-US" altLang="zh-CN" dirty="0" smtClean="0"/>
+              <a:t> floor =1;</a:t>
+            </a:r>
+            <a:endParaRPr lang="en-US" altLang="zh-CN" dirty="0"/>
+          </a:p>
+          <a:p>
+            <a:pPr>
+              <a:lnSpc>
+                <a:spcPct val="150000"/>
+              </a:lnSpc>
+            </a:pPr>
+            <a:r>
+              <a:rPr lang="en-US" altLang="zh-CN" dirty="0" err="1"/>
+              <a:t>status.Format</a:t>
+            </a:r>
+            <a:r>
+              <a:rPr lang="en-US" altLang="zh-CN" dirty="0"/>
+              <a:t>(_T("[%d]</a:t>
+            </a:r>
+            <a:r>
+              <a:rPr lang="zh-CN" altLang="en-US" dirty="0"/>
+              <a:t>楼</a:t>
+            </a:r>
+            <a:r>
+              <a:rPr lang="en-US" altLang="zh-CN" dirty="0"/>
+              <a:t>\n</a:t>
+            </a:r>
+            <a:r>
+              <a:rPr lang="zh-CN" altLang="en-US" dirty="0"/>
+              <a:t>关门结束</a:t>
+            </a:r>
+            <a:r>
+              <a:rPr lang="en-US" altLang="zh-CN" dirty="0"/>
+              <a:t>"),floor);</a:t>
+            </a:r>
+          </a:p>
+          <a:p>
+            <a:pPr>
+              <a:lnSpc>
+                <a:spcPct val="150000"/>
+              </a:lnSpc>
+            </a:pPr>
+            <a:r>
+              <a:rPr lang="en-US" altLang="zh-CN" dirty="0" err="1" smtClean="0"/>
+              <a:t>ViewStatus</a:t>
+            </a:r>
+            <a:r>
+              <a:rPr lang="en-US" altLang="zh-CN" dirty="0" smtClean="0"/>
+              <a:t>(status);  </a:t>
+            </a:r>
+            <a:r>
+              <a:rPr lang="en-US" altLang="zh-CN" dirty="0" smtClean="0">
+                <a:solidFill>
+                  <a:srgbClr val="C00000"/>
+                </a:solidFill>
+              </a:rPr>
+              <a:t>// </a:t>
+            </a:r>
+            <a:r>
+              <a:rPr lang="zh-CN" altLang="en-US" dirty="0" smtClean="0">
+                <a:solidFill>
+                  <a:srgbClr val="C00000"/>
+                </a:solidFill>
+              </a:rPr>
+              <a:t>有可能被内部函数的显示覆盖</a:t>
+            </a:r>
+            <a:endParaRPr lang="en-US" altLang="zh-CN" dirty="0" smtClean="0">
+              <a:solidFill>
+                <a:srgbClr val="C00000"/>
+              </a:solidFill>
+            </a:endParaRPr>
+          </a:p>
+          <a:p>
+            <a:pPr>
+              <a:lnSpc>
+                <a:spcPct val="150000"/>
+              </a:lnSpc>
+            </a:pPr>
+            <a:r>
+              <a:rPr lang="en-US" altLang="zh-CN" dirty="0" err="1"/>
+              <a:t>printf</a:t>
+            </a:r>
+            <a:r>
+              <a:rPr lang="en-US" altLang="zh-CN" dirty="0"/>
+              <a:t>("[%d]</a:t>
+            </a:r>
+            <a:r>
+              <a:rPr lang="zh-CN" altLang="en-US" dirty="0"/>
+              <a:t>楼关门结束</a:t>
+            </a:r>
+            <a:r>
+              <a:rPr lang="en-US" altLang="zh-CN" dirty="0"/>
+              <a:t>\</a:t>
+            </a:r>
+            <a:r>
+              <a:rPr lang="en-US" altLang="zh-CN" dirty="0" err="1"/>
+              <a:t>n",floor</a:t>
+            </a:r>
+            <a:r>
+              <a:rPr lang="en-US" altLang="zh-CN" dirty="0"/>
+              <a:t>);	</a:t>
+            </a:r>
+          </a:p>
+        </p:txBody>
+      </p:sp>
+      <p:pic>
+        <p:nvPicPr>
+          <p:cNvPr id="8194" name="Picture 2"/>
+          <p:cNvPicPr>
+            <a:picLocks noChangeAspect="1" noChangeArrowheads="1"/>
+          </p:cNvPicPr>
+          <p:nvPr/>
+        </p:nvPicPr>
+        <p:blipFill>
+          <a:blip r:embed="rId3">
+            <a:extLst>
+              <a:ext uri="{28A0092B-C50C-407E-A947-70E740481C1C}">
+                <a14:useLocalDpi xmlns:a14="http://schemas.microsoft.com/office/drawing/2010/main" val="0"/>
+              </a:ext>
+            </a:extLst>
+          </a:blip>
+          <a:srcRect/>
+          <a:stretch>
+            <a:fillRect/>
+          </a:stretch>
+        </p:blipFill>
+        <p:spPr bwMode="auto">
+          <a:xfrm>
+            <a:off x="428947" y="3068960"/>
+            <a:ext cx="8031485" cy="3737695"/>
           </a:xfrm>
           <a:prstGeom prst="rect">
             <a:avLst/>
           </a:prstGeom>
           <a:noFill/>
           <a:ln>
-            <a:solidFill>
-              <a:srgbClr val="FF0000"/>
-            </a:solidFill>
+            <a:noFill/>
           </a:ln>
+          <a:extLst>
+            <a:ext uri="{909E8E84-426E-40DD-AFC4-6F175D3DCCD1}">
+              <a14:hiddenFill xmlns:a14="http://schemas.microsoft.com/office/drawing/2010/main">
+                <a:solidFill>
+                  <a:schemeClr val="accent1"/>
+                </a:solidFill>
+              </a14:hiddenFill>
+            </a:ext>
+            <a:ext uri="{91240B29-F687-4F45-9708-019B960494DF}">
+              <a14:hiddenLine xmlns:a14="http://schemas.microsoft.com/office/drawing/2010/main" w="9525">
+                <a:solidFill>
+                  <a:schemeClr val="tx1"/>
+                </a:solidFill>
+                <a:miter lim="800000"/>
+                <a:headEnd/>
+                <a:tailEnd/>
+              </a14:hiddenLine>
+            </a:ext>
+          </a:extLst>
+        </p:spPr>
+      </p:pic>
+      <p:sp>
+        <p:nvSpPr>
+          <p:cNvPr id="5" name="TextBox 4"/>
+          <p:cNvSpPr txBox="1"/>
+          <p:nvPr/>
+        </p:nvSpPr>
+        <p:spPr>
+          <a:xfrm>
+            <a:off x="7236296" y="868070"/>
+            <a:ext cx="1728192" cy="369332"/>
+          </a:xfrm>
+          <a:prstGeom prst="rect">
+            <a:avLst/>
+          </a:prstGeom>
+          <a:solidFill>
+            <a:schemeClr val="bg2"/>
+          </a:solidFill>
         </p:spPr>
         <p:txBody>
           <a:bodyPr wrap="square" rtlCol="0">
@@ -14806,190 +15412,22 @@
           </a:bodyPr>
           <a:lstStyle/>
           <a:p>
-            <a:pPr marL="285750" indent="-285750">
-              <a:lnSpc>
-                <a:spcPct val="150000"/>
-              </a:lnSpc>
-              <a:buFont typeface="Wingdings" panose="05000000000000000000" pitchFamily="2" charset="2"/>
-              <a:buChar char="Ø"/>
-            </a:pPr>
             <a:r>
               <a:rPr lang="zh-CN" altLang="en-US" dirty="0" smtClean="0"/>
-              <a:t>三</a:t>
-            </a:r>
-            <a:r>
-              <a:rPr lang="zh-CN" altLang="en-US" dirty="0"/>
-              <a:t>层电梯状态机</a:t>
-            </a:r>
-            <a:r>
-              <a:rPr lang="zh-CN" altLang="en-US" dirty="0" smtClean="0"/>
-              <a:t>课程设计报告</a:t>
-            </a:r>
-            <a:endParaRPr lang="en-US" altLang="zh-CN" dirty="0" smtClean="0"/>
-          </a:p>
-          <a:p>
-            <a:pPr marL="800100" lvl="1" indent="-342900">
-              <a:lnSpc>
-                <a:spcPct val="150000"/>
-              </a:lnSpc>
-              <a:buFontTx/>
-              <a:buAutoNum type="arabicParenBoth"/>
-            </a:pPr>
-            <a:r>
-              <a:rPr lang="zh-CN" altLang="en-US" dirty="0" smtClean="0"/>
-              <a:t>状态机图。</a:t>
-            </a:r>
-            <a:endParaRPr lang="en-US" altLang="zh-CN" dirty="0" smtClean="0"/>
-          </a:p>
-          <a:p>
-            <a:pPr marL="800100" lvl="1" indent="-342900">
-              <a:lnSpc>
-                <a:spcPct val="150000"/>
-              </a:lnSpc>
-              <a:buFontTx/>
-              <a:buAutoNum type="arabicParenBoth"/>
-            </a:pPr>
-            <a:r>
-              <a:rPr lang="zh-CN" altLang="en-US" dirty="0" smtClean="0"/>
-              <a:t>状态函数流程图。</a:t>
-            </a:r>
-            <a:endParaRPr lang="en-US" altLang="zh-CN" dirty="0" smtClean="0"/>
-          </a:p>
-          <a:p>
-            <a:pPr marL="800100" lvl="1" indent="-342900">
-              <a:lnSpc>
-                <a:spcPct val="150000"/>
-              </a:lnSpc>
-              <a:buFontTx/>
-              <a:buAutoNum type="arabicParenBoth"/>
-            </a:pPr>
-            <a:r>
-              <a:rPr lang="zh-CN" altLang="en-US" dirty="0" smtClean="0"/>
-              <a:t>状态机代码，注释清楚，结构简洁。</a:t>
-            </a:r>
-            <a:r>
-              <a:rPr lang="en-US" altLang="zh-CN" dirty="0"/>
-              <a:t>(</a:t>
-            </a:r>
-            <a:r>
-              <a:rPr lang="zh-CN" altLang="en-US" dirty="0"/>
-              <a:t>在</a:t>
-            </a:r>
-            <a:r>
-              <a:rPr lang="en-US" altLang="zh-CN" dirty="0"/>
-              <a:t>elevator.cpp</a:t>
-            </a:r>
-            <a:r>
-              <a:rPr lang="zh-CN" altLang="en-US" dirty="0"/>
-              <a:t>中完成</a:t>
-            </a:r>
-            <a:r>
-              <a:rPr lang="en-US" altLang="zh-CN" dirty="0"/>
-              <a:t>)</a:t>
-            </a:r>
-          </a:p>
-          <a:p>
-            <a:pPr marL="800100" lvl="1" indent="-342900">
-              <a:lnSpc>
-                <a:spcPct val="150000"/>
-              </a:lnSpc>
-              <a:buFontTx/>
-              <a:buAutoNum type="arabicParenBoth"/>
-            </a:pPr>
-            <a:r>
-              <a:rPr lang="zh-CN" altLang="en-US" dirty="0" smtClean="0"/>
-              <a:t>运行测试，描述实现的功能及测试结果。</a:t>
-            </a:r>
-            <a:endParaRPr lang="en-US" altLang="zh-CN" dirty="0" smtClean="0"/>
-          </a:p>
-          <a:p>
-            <a:pPr marL="342900" indent="-342900">
-              <a:lnSpc>
-                <a:spcPct val="150000"/>
-              </a:lnSpc>
-              <a:buFont typeface="Wingdings" panose="05000000000000000000" pitchFamily="2" charset="2"/>
-              <a:buChar char="Ø"/>
-            </a:pPr>
-            <a:r>
-              <a:rPr lang="en-US" altLang="zh-CN" dirty="0" smtClean="0"/>
-              <a:t>elevator.cpp</a:t>
-            </a:r>
-          </a:p>
-          <a:p>
-            <a:pPr marL="342900" indent="-342900">
-              <a:lnSpc>
-                <a:spcPct val="150000"/>
-              </a:lnSpc>
-              <a:buFont typeface="Wingdings" panose="05000000000000000000" pitchFamily="2" charset="2"/>
-              <a:buChar char="Ø"/>
-            </a:pPr>
-            <a:r>
-              <a:rPr lang="zh-CN" altLang="en-US" dirty="0" smtClean="0"/>
-              <a:t>将上列两个文件压缩为一个文件，文件名：</a:t>
-            </a:r>
-            <a:r>
-              <a:rPr lang="zh-CN" altLang="en-US" dirty="0"/>
-              <a:t>学</a:t>
-            </a:r>
-            <a:r>
-              <a:rPr lang="zh-CN" altLang="en-US" dirty="0" smtClean="0"/>
-              <a:t>号姓名</a:t>
-            </a:r>
-            <a:r>
-              <a:rPr lang="en-US" altLang="zh-CN" dirty="0" smtClean="0"/>
-              <a:t>.</a:t>
+              <a:t>详见</a:t>
             </a:r>
             <a:r>
               <a:rPr lang="en-US" altLang="zh-CN" dirty="0" err="1" smtClean="0"/>
-              <a:t>rar</a:t>
-            </a:r>
-            <a:r>
-              <a:rPr lang="zh-CN" altLang="en-US" dirty="0" smtClean="0"/>
-              <a:t>或</a:t>
-            </a:r>
-            <a:r>
-              <a:rPr lang="en-US" altLang="zh-CN" dirty="0" smtClean="0"/>
-              <a:t>.zip</a:t>
-            </a:r>
-          </a:p>
-          <a:p>
-            <a:pPr marL="342900" indent="-342900">
-              <a:lnSpc>
-                <a:spcPct val="150000"/>
-              </a:lnSpc>
-              <a:buFont typeface="Wingdings" panose="05000000000000000000" pitchFamily="2" charset="2"/>
-              <a:buChar char="Ø"/>
-            </a:pPr>
-            <a:r>
-              <a:rPr lang="zh-CN" altLang="en-US" dirty="0" smtClean="0"/>
-              <a:t>如果发现照抄现象，相关同学的成绩以</a:t>
-            </a:r>
-            <a:r>
-              <a:rPr lang="en-US" altLang="zh-CN" dirty="0" smtClean="0"/>
-              <a:t>0</a:t>
-            </a:r>
-            <a:r>
-              <a:rPr lang="zh-CN" altLang="en-US" dirty="0" smtClean="0"/>
-              <a:t>分计。</a:t>
-            </a:r>
-            <a:endParaRPr lang="en-US" altLang="zh-CN" dirty="0" smtClean="0"/>
-          </a:p>
-          <a:p>
-            <a:pPr marL="342900" indent="-342900">
-              <a:lnSpc>
-                <a:spcPct val="150000"/>
-              </a:lnSpc>
-              <a:buFontTx/>
-              <a:buAutoNum type="arabicParenBoth"/>
-            </a:pPr>
-            <a:endParaRPr lang="en-US" altLang="zh-CN" dirty="0"/>
+              <a:t>Elevator.h</a:t>
+            </a:r>
+            <a:endParaRPr lang="zh-CN" altLang="en-US" dirty="0"/>
           </a:p>
         </p:txBody>
       </p:sp>
     </p:spTree>
     <p:extLst>
       <p:ext uri="{BB962C8B-B14F-4D97-AF65-F5344CB8AC3E}">
-        <p14:creationId xmlns:p14="http://schemas.microsoft.com/office/powerpoint/2010/main" val="2291265408"/>
+        <p14:creationId xmlns:p14="http://schemas.microsoft.com/office/powerpoint/2010/main" val="3275783718"/>
       </p:ext>
     </p:extLst>
   </p:cSld>
@@ -15031,7 +15469,7 @@
         </p:nvSpPr>
         <p:spPr>
           <a:xfrm>
-            <a:off x="349225" y="-243408"/>
+            <a:off x="352425" y="342230"/>
             <a:ext cx="8612188" cy="998538"/>
           </a:xfrm>
         </p:spPr>
@@ -15040,34 +15478,9 @@
           <a:lstStyle/>
           <a:p>
             <a:r>
-              <a:rPr lang="zh-CN" altLang="en-US" sz="3200" dirty="0" smtClean="0">
-                <a:solidFill>
-                  <a:schemeClr val="bg1"/>
-                </a:solidFill>
-              </a:rPr>
-              <a:t>电梯功能测试参考（</a:t>
-            </a:r>
-            <a:r>
-              <a:rPr lang="en-US" altLang="zh-CN" sz="3200" dirty="0" smtClean="0">
-                <a:solidFill>
-                  <a:schemeClr val="bg1"/>
-                </a:solidFill>
-              </a:rPr>
-              <a:t>1</a:t>
-            </a:r>
-            <a:r>
-              <a:rPr lang="zh-CN" altLang="en-US" sz="3200" dirty="0" smtClean="0">
-                <a:solidFill>
-                  <a:schemeClr val="bg1"/>
-                </a:solidFill>
-              </a:rPr>
-              <a:t>）</a:t>
-            </a:r>
-            <a:endParaRPr lang="zh-CN" altLang="en-US" sz="3200" dirty="0">
-              <a:solidFill>
-                <a:schemeClr val="bg1"/>
-              </a:solidFill>
-            </a:endParaRPr>
+              <a:rPr lang="zh-CN" altLang="en-US" dirty="0"/>
+              <a:t>三层电梯状态机仿真程序</a:t>
+            </a:r>
           </a:p>
         </p:txBody>
       </p:sp>
@@ -15079,13 +15492,18 @@
         </p:nvSpPr>
         <p:spPr>
           <a:xfrm>
-            <a:off x="323528" y="483051"/>
-            <a:ext cx="8640960" cy="6186309"/>
+            <a:off x="2267744" y="1407060"/>
+            <a:ext cx="1800200" cy="923330"/>
           </a:xfrm>
           <a:prstGeom prst="rect">
             <a:avLst/>
           </a:prstGeom>
           <a:noFill/>
+          <a:ln>
+            <a:solidFill>
+              <a:srgbClr val="FF0000"/>
+            </a:solidFill>
+          </a:ln>
         </p:spPr>
         <p:txBody>
           <a:bodyPr wrap="square" rtlCol="0">
@@ -15093,440 +15511,641 @@
           </a:bodyPr>
           <a:lstStyle/>
           <a:p>
+            <a:pPr>
+              <a:lnSpc>
+                <a:spcPct val="150000"/>
+              </a:lnSpc>
+            </a:pPr>
+            <a:r>
+              <a:rPr lang="en-US" altLang="zh-CN" b="1" dirty="0" err="1" smtClean="0">
+                <a:solidFill>
+                  <a:srgbClr val="FF0000"/>
+                </a:solidFill>
+              </a:rPr>
+              <a:t>ElevatorLib.h</a:t>
+            </a:r>
+            <a:endParaRPr lang="en-US" altLang="zh-CN" b="1" dirty="0" smtClean="0">
+              <a:solidFill>
+                <a:srgbClr val="FF0000"/>
+              </a:solidFill>
+            </a:endParaRPr>
+          </a:p>
+          <a:p>
+            <a:pPr>
+              <a:lnSpc>
+                <a:spcPct val="150000"/>
+              </a:lnSpc>
+            </a:pPr>
+            <a:r>
+              <a:rPr lang="zh-CN" altLang="en-US" dirty="0" smtClean="0"/>
+              <a:t>各个库函数说明</a:t>
+            </a:r>
+            <a:endParaRPr lang="zh-CN" altLang="en-US" dirty="0"/>
+          </a:p>
+        </p:txBody>
+      </p:sp>
+      <p:sp>
+        <p:nvSpPr>
+          <p:cNvPr id="5" name="TextBox 4"/>
+          <p:cNvSpPr txBox="1"/>
+          <p:nvPr/>
+        </p:nvSpPr>
+        <p:spPr>
+          <a:xfrm>
+            <a:off x="4283968" y="1340768"/>
+            <a:ext cx="4752528" cy="5078313"/>
+          </a:xfrm>
+          <a:prstGeom prst="rect">
+            <a:avLst/>
+          </a:prstGeom>
+          <a:noFill/>
+          <a:ln>
+            <a:solidFill>
+              <a:srgbClr val="FF0000"/>
+            </a:solidFill>
+          </a:ln>
+        </p:spPr>
+        <p:txBody>
+          <a:bodyPr wrap="square" rtlCol="0">
+            <a:spAutoFit/>
+          </a:bodyPr>
+          <a:lstStyle/>
+          <a:p>
+            <a:pPr>
+              <a:lnSpc>
+                <a:spcPct val="150000"/>
+              </a:lnSpc>
+            </a:pPr>
+            <a:r>
+              <a:rPr lang="zh-CN" altLang="en-US" b="1" dirty="0" smtClean="0">
+                <a:solidFill>
+                  <a:srgbClr val="FF0000"/>
+                </a:solidFill>
+              </a:rPr>
+              <a:t>状态机代码：</a:t>
+            </a:r>
+            <a:endParaRPr lang="en-US" altLang="zh-CN" b="1" dirty="0" smtClean="0">
+              <a:solidFill>
+                <a:srgbClr val="FF0000"/>
+              </a:solidFill>
+            </a:endParaRPr>
+          </a:p>
+          <a:p>
+            <a:pPr>
+              <a:lnSpc>
+                <a:spcPct val="150000"/>
+              </a:lnSpc>
+            </a:pPr>
+            <a:r>
+              <a:rPr lang="en-US" altLang="zh-CN" b="1" dirty="0" smtClean="0">
+                <a:solidFill>
+                  <a:srgbClr val="FF0000"/>
+                </a:solidFill>
+              </a:rPr>
+              <a:t>elevator.cpp</a:t>
+            </a:r>
+          </a:p>
+          <a:p>
+            <a:pPr>
+              <a:lnSpc>
+                <a:spcPct val="150000"/>
+              </a:lnSpc>
+            </a:pPr>
+            <a:r>
+              <a:rPr lang="en-US" altLang="zh-CN" b="1" dirty="0" smtClean="0">
+                <a:solidFill>
+                  <a:srgbClr val="FF0000"/>
+                </a:solidFill>
+              </a:rPr>
+              <a:t>//</a:t>
+            </a:r>
+            <a:r>
+              <a:rPr lang="zh-CN" altLang="en-US" b="1" dirty="0">
+                <a:solidFill>
+                  <a:srgbClr val="FF0000"/>
+                </a:solidFill>
+              </a:rPr>
+              <a:t>状态机，每隔一定时间</a:t>
+            </a:r>
+            <a:r>
+              <a:rPr lang="en-US" altLang="zh-CN" b="1" dirty="0">
+                <a:solidFill>
+                  <a:srgbClr val="FF0000"/>
+                </a:solidFill>
+              </a:rPr>
+              <a:t>(</a:t>
+            </a:r>
+            <a:r>
+              <a:rPr lang="zh-CN" altLang="en-US" b="1" dirty="0">
+                <a:solidFill>
+                  <a:srgbClr val="FF0000"/>
+                </a:solidFill>
+              </a:rPr>
+              <a:t>如，</a:t>
+            </a:r>
+            <a:r>
+              <a:rPr lang="en-US" altLang="zh-CN" b="1" dirty="0">
+                <a:solidFill>
+                  <a:srgbClr val="FF0000"/>
+                </a:solidFill>
+              </a:rPr>
+              <a:t>100ms)</a:t>
+            </a:r>
+            <a:r>
+              <a:rPr lang="zh-CN" altLang="en-US" b="1" dirty="0">
+                <a:solidFill>
+                  <a:srgbClr val="FF0000"/>
+                </a:solidFill>
+              </a:rPr>
+              <a:t>被调用一次，采集系统的运行状态</a:t>
+            </a:r>
+            <a:endParaRPr lang="en-US" altLang="zh-CN" b="1" dirty="0" smtClean="0">
+              <a:solidFill>
+                <a:srgbClr val="FF0000"/>
+              </a:solidFill>
+            </a:endParaRPr>
+          </a:p>
+          <a:p>
+            <a:r>
+              <a:rPr lang="en-US" altLang="zh-CN" dirty="0" smtClean="0"/>
+              <a:t>void </a:t>
+            </a:r>
+            <a:r>
+              <a:rPr lang="en-US" altLang="zh-CN" dirty="0" err="1"/>
+              <a:t>main_control</a:t>
+            </a:r>
+            <a:r>
+              <a:rPr lang="en-US" altLang="zh-CN" dirty="0"/>
+              <a:t>(</a:t>
+            </a:r>
+            <a:r>
+              <a:rPr lang="en-US" altLang="zh-CN" dirty="0" err="1"/>
+              <a:t>int</a:t>
+            </a:r>
+            <a:r>
+              <a:rPr lang="en-US" altLang="zh-CN" dirty="0"/>
+              <a:t> *state)</a:t>
+            </a:r>
+          </a:p>
+          <a:p>
+            <a:r>
+              <a:rPr lang="en-US" altLang="zh-CN" dirty="0"/>
+              <a:t>{  </a:t>
+            </a:r>
+          </a:p>
+          <a:p>
+            <a:r>
+              <a:rPr lang="en-US" altLang="zh-CN" dirty="0"/>
+              <a:t>    if(</a:t>
+            </a:r>
+            <a:r>
+              <a:rPr lang="en-US" altLang="zh-CN" dirty="0" err="1"/>
+              <a:t>IsElevatorRunning</a:t>
+            </a:r>
+            <a:r>
+              <a:rPr lang="en-US" altLang="zh-CN" dirty="0"/>
+              <a:t>())</a:t>
+            </a:r>
+          </a:p>
+          <a:p>
+            <a:r>
+              <a:rPr lang="zh-CN" altLang="en-US" dirty="0"/>
+              <a:t>    </a:t>
+            </a:r>
+            <a:r>
+              <a:rPr lang="en-US" altLang="zh-CN" dirty="0"/>
+              <a:t>{</a:t>
+            </a:r>
+          </a:p>
+          <a:p>
+            <a:r>
+              <a:rPr lang="en-US" altLang="zh-CN" dirty="0" smtClean="0"/>
+              <a:t>       switch</a:t>
+            </a:r>
+            <a:r>
+              <a:rPr lang="en-US" altLang="zh-CN" dirty="0"/>
+              <a:t>(*state</a:t>
+            </a:r>
+            <a:r>
+              <a:rPr lang="en-US" altLang="zh-CN" dirty="0" smtClean="0"/>
+              <a:t>)  {</a:t>
+            </a:r>
+            <a:endParaRPr lang="en-US" altLang="zh-CN" dirty="0"/>
+          </a:p>
+          <a:p>
+            <a:r>
+              <a:rPr lang="en-US" altLang="zh-CN" dirty="0" smtClean="0"/>
+              <a:t>          case </a:t>
+            </a:r>
+            <a:r>
+              <a:rPr lang="en-US" altLang="zh-CN" dirty="0"/>
+              <a:t>Idle:</a:t>
+            </a:r>
+          </a:p>
+          <a:p>
+            <a:r>
+              <a:rPr lang="en-US" altLang="zh-CN" dirty="0" smtClean="0"/>
+              <a:t>          case </a:t>
+            </a:r>
+            <a:r>
+              <a:rPr lang="en-US" altLang="zh-CN" dirty="0" err="1"/>
+              <a:t>MovingUp</a:t>
+            </a:r>
+            <a:r>
+              <a:rPr lang="en-US" altLang="zh-CN" dirty="0"/>
+              <a:t>:</a:t>
+            </a:r>
+          </a:p>
+          <a:p>
+            <a:r>
+              <a:rPr lang="en-US" altLang="zh-CN" dirty="0" smtClean="0"/>
+              <a:t>          case </a:t>
+            </a:r>
+            <a:r>
+              <a:rPr lang="en-US" altLang="zh-CN" dirty="0" err="1"/>
+              <a:t>MovingDown</a:t>
+            </a:r>
+            <a:r>
+              <a:rPr lang="en-US" altLang="zh-CN" dirty="0"/>
+              <a:t>:</a:t>
+            </a:r>
+          </a:p>
+          <a:p>
+            <a:r>
+              <a:rPr lang="en-US" altLang="zh-CN" dirty="0" smtClean="0"/>
+              <a:t>          case </a:t>
+            </a:r>
+            <a:r>
+              <a:rPr lang="en-US" altLang="zh-CN" dirty="0" err="1"/>
+              <a:t>DoorOpen</a:t>
+            </a:r>
+            <a:r>
+              <a:rPr lang="en-US" altLang="zh-CN" dirty="0"/>
+              <a:t>:</a:t>
+            </a:r>
+          </a:p>
+          <a:p>
+            <a:r>
+              <a:rPr lang="en-US" altLang="zh-CN" dirty="0" smtClean="0"/>
+              <a:t>          case </a:t>
+            </a:r>
+            <a:r>
+              <a:rPr lang="en-US" altLang="zh-CN" dirty="0" err="1"/>
+              <a:t>DoorClosing</a:t>
+            </a:r>
+            <a:r>
+              <a:rPr lang="en-US" altLang="zh-CN" dirty="0" smtClean="0"/>
+              <a:t>:</a:t>
+            </a:r>
+            <a:endParaRPr lang="en-US" altLang="zh-CN" dirty="0"/>
+          </a:p>
+          <a:p>
+            <a:r>
+              <a:rPr lang="zh-CN" altLang="en-US" dirty="0"/>
+              <a:t>    </a:t>
+            </a:r>
+            <a:r>
+              <a:rPr lang="en-US" altLang="zh-CN" dirty="0" smtClean="0"/>
+              <a:t>}}</a:t>
+            </a:r>
+            <a:endParaRPr lang="en-US" altLang="zh-CN" dirty="0"/>
+          </a:p>
+          <a:p>
+            <a:r>
+              <a:rPr lang="en-US" altLang="zh-CN" dirty="0"/>
+              <a:t>}</a:t>
+            </a:r>
+          </a:p>
+        </p:txBody>
+      </p:sp>
+      <p:pic>
+        <p:nvPicPr>
+          <p:cNvPr id="5122" name="Picture 2"/>
+          <p:cNvPicPr>
+            <a:picLocks noChangeAspect="1" noChangeArrowheads="1"/>
+          </p:cNvPicPr>
+          <p:nvPr/>
+        </p:nvPicPr>
+        <p:blipFill>
+          <a:blip r:embed="rId2">
+            <a:extLst>
+              <a:ext uri="{28A0092B-C50C-407E-A947-70E740481C1C}">
+                <a14:useLocalDpi xmlns:a14="http://schemas.microsoft.com/office/drawing/2010/main" val="0"/>
+              </a:ext>
+            </a:extLst>
+          </a:blip>
+          <a:srcRect/>
+          <a:stretch>
+            <a:fillRect/>
+          </a:stretch>
+        </p:blipFill>
+        <p:spPr bwMode="auto">
+          <a:xfrm>
+            <a:off x="179512" y="1176362"/>
+            <a:ext cx="1949450" cy="5060950"/>
+          </a:xfrm>
+          <a:prstGeom prst="rect">
+            <a:avLst/>
+          </a:prstGeom>
+          <a:noFill/>
+          <a:ln>
+            <a:noFill/>
+          </a:ln>
+          <a:extLst>
+            <a:ext uri="{909E8E84-426E-40DD-AFC4-6F175D3DCCD1}">
+              <a14:hiddenFill xmlns:a14="http://schemas.microsoft.com/office/drawing/2010/main">
+                <a:solidFill>
+                  <a:schemeClr val="accent1"/>
+                </a:solidFill>
+              </a14:hiddenFill>
+            </a:ext>
+            <a:ext uri="{91240B29-F687-4F45-9708-019B960494DF}">
+              <a14:hiddenLine xmlns:a14="http://schemas.microsoft.com/office/drawing/2010/main" w="9525">
+                <a:solidFill>
+                  <a:schemeClr val="tx1"/>
+                </a:solidFill>
+                <a:miter lim="800000"/>
+                <a:headEnd/>
+                <a:tailEnd/>
+              </a14:hiddenLine>
+            </a:ext>
+          </a:extLst>
+        </p:spPr>
+      </p:pic>
+    </p:spTree>
+    <p:extLst>
+      <p:ext uri="{BB962C8B-B14F-4D97-AF65-F5344CB8AC3E}">
+        <p14:creationId xmlns:p14="http://schemas.microsoft.com/office/powerpoint/2010/main" val="2585339564"/>
+      </p:ext>
+    </p:extLst>
+  </p:cSld>
+  <p:clrMapOvr>
+    <a:masterClrMapping/>
+  </p:clrMapOvr>
+  <p:transition>
+    <p:random/>
+  </p:transition>
+  <p:timing>
+    <p:tnLst>
+      <p:par>
+        <p:cTn id="1" dur="indefinite" restart="never" nodeType="tmRoot"/>
+      </p:par>
+    </p:tnLst>
+  </p:timing>
+</p:sld>
+</file>
+
+<file path=ppt/slides/slide34.xml><?xml version="1.0" encoding="utf-8"?>
+<p:sld xmlns:a="http://schemas.openxmlformats.org/drawingml/2006/main" xmlns:r="http://schemas.openxmlformats.org/officeDocument/2006/relationships" xmlns:p="http://schemas.openxmlformats.org/presentationml/2006/main">
+  <p:cSld>
+    <p:spTree>
+      <p:nvGrpSpPr>
+        <p:cNvPr id="1" name=""/>
+        <p:cNvGrpSpPr/>
+        <p:nvPr/>
+      </p:nvGrpSpPr>
+      <p:grpSpPr>
+        <a:xfrm>
+          <a:off x="0" y="0"/>
+          <a:ext cx="0" cy="0"/>
+          <a:chOff x="0" y="0"/>
+          <a:chExt cx="0" cy="0"/>
+        </a:xfrm>
+      </p:grpSpPr>
+      <p:sp>
+        <p:nvSpPr>
+          <p:cNvPr id="2" name="标题 1"/>
+          <p:cNvSpPr>
+            <a:spLocks noGrp="1"/>
+          </p:cNvSpPr>
+          <p:nvPr>
+            <p:ph type="title"/>
+          </p:nvPr>
+        </p:nvSpPr>
+        <p:spPr/>
+        <p:txBody>
+          <a:bodyPr/>
+          <a:lstStyle/>
+          <a:p>
+            <a:r>
+              <a:rPr lang="zh-CN" altLang="en-US" dirty="0" smtClean="0"/>
+              <a:t>课程设计要求</a:t>
+            </a:r>
+            <a:endParaRPr lang="zh-CN" altLang="en-US" dirty="0"/>
+          </a:p>
+        </p:txBody>
+      </p:sp>
+      <p:sp>
+        <p:nvSpPr>
+          <p:cNvPr id="3" name="TextBox 2"/>
+          <p:cNvSpPr txBox="1"/>
+          <p:nvPr/>
+        </p:nvSpPr>
+        <p:spPr>
+          <a:xfrm>
+            <a:off x="467544" y="2084655"/>
+            <a:ext cx="8064896" cy="3831818"/>
+          </a:xfrm>
+          <a:prstGeom prst="rect">
+            <a:avLst/>
+          </a:prstGeom>
+          <a:noFill/>
+          <a:ln>
+            <a:solidFill>
+              <a:srgbClr val="FF0000"/>
+            </a:solidFill>
+          </a:ln>
+        </p:spPr>
+        <p:txBody>
+          <a:bodyPr wrap="square" rtlCol="0">
+            <a:spAutoFit/>
+          </a:bodyPr>
+          <a:lstStyle/>
+          <a:p>
+            <a:pPr marL="285750" indent="-285750">
+              <a:lnSpc>
+                <a:spcPct val="150000"/>
+              </a:lnSpc>
+              <a:buFont typeface="Wingdings" panose="05000000000000000000" pitchFamily="2" charset="2"/>
+              <a:buChar char="Ø"/>
+            </a:pPr>
+            <a:r>
+              <a:rPr lang="zh-CN" altLang="en-US" dirty="0" smtClean="0"/>
+              <a:t>三</a:t>
+            </a:r>
+            <a:r>
+              <a:rPr lang="zh-CN" altLang="en-US" dirty="0"/>
+              <a:t>层电梯状态机</a:t>
+            </a:r>
+            <a:r>
+              <a:rPr lang="zh-CN" altLang="en-US" dirty="0" smtClean="0"/>
+              <a:t>课程设计报告</a:t>
+            </a:r>
+            <a:endParaRPr lang="en-US" altLang="zh-CN" dirty="0" smtClean="0"/>
+          </a:p>
+          <a:p>
+            <a:pPr marL="800100" lvl="1" indent="-342900">
+              <a:lnSpc>
+                <a:spcPct val="150000"/>
+              </a:lnSpc>
+              <a:buFontTx/>
+              <a:buAutoNum type="arabicParenBoth"/>
+            </a:pPr>
+            <a:r>
+              <a:rPr lang="zh-CN" altLang="en-US" dirty="0" smtClean="0"/>
+              <a:t>状态机图。</a:t>
+            </a:r>
+            <a:endParaRPr lang="en-US" altLang="zh-CN" dirty="0" smtClean="0"/>
+          </a:p>
+          <a:p>
+            <a:pPr marL="800100" lvl="1" indent="-342900">
+              <a:lnSpc>
+                <a:spcPct val="150000"/>
+              </a:lnSpc>
+              <a:buFontTx/>
+              <a:buAutoNum type="arabicParenBoth"/>
+            </a:pPr>
+            <a:r>
+              <a:rPr lang="zh-CN" altLang="en-US" dirty="0" smtClean="0"/>
+              <a:t>状态函数流程图。</a:t>
+            </a:r>
+            <a:endParaRPr lang="en-US" altLang="zh-CN" dirty="0" smtClean="0"/>
+          </a:p>
+          <a:p>
+            <a:pPr marL="800100" lvl="1" indent="-342900">
+              <a:lnSpc>
+                <a:spcPct val="150000"/>
+              </a:lnSpc>
+              <a:buFontTx/>
+              <a:buAutoNum type="arabicParenBoth"/>
+            </a:pPr>
+            <a:r>
+              <a:rPr lang="zh-CN" altLang="en-US" dirty="0" smtClean="0"/>
+              <a:t>状态机代码，注释清楚，结构简洁。</a:t>
+            </a:r>
+            <a:r>
+              <a:rPr lang="en-US" altLang="zh-CN" dirty="0"/>
+              <a:t>(</a:t>
+            </a:r>
+            <a:r>
+              <a:rPr lang="zh-CN" altLang="en-US" dirty="0"/>
+              <a:t>在</a:t>
+            </a:r>
+            <a:r>
+              <a:rPr lang="en-US" altLang="zh-CN" dirty="0"/>
+              <a:t>elevator.cpp</a:t>
+            </a:r>
+            <a:r>
+              <a:rPr lang="zh-CN" altLang="en-US" dirty="0"/>
+              <a:t>中完成</a:t>
+            </a:r>
+            <a:r>
+              <a:rPr lang="en-US" altLang="zh-CN" dirty="0"/>
+              <a:t>)</a:t>
+            </a:r>
+          </a:p>
+          <a:p>
+            <a:pPr marL="800100" lvl="1" indent="-342900">
+              <a:lnSpc>
+                <a:spcPct val="150000"/>
+              </a:lnSpc>
+              <a:buFontTx/>
+              <a:buAutoNum type="arabicParenBoth"/>
+            </a:pPr>
+            <a:r>
+              <a:rPr lang="zh-CN" altLang="en-US" dirty="0" smtClean="0"/>
+              <a:t>运行测试，描述实现的功能及测试结果。</a:t>
+            </a:r>
+            <a:endParaRPr lang="en-US" altLang="zh-CN" dirty="0" smtClean="0"/>
+          </a:p>
+          <a:p>
             <a:pPr marL="342900" indent="-342900">
               <a:lnSpc>
                 <a:spcPct val="150000"/>
               </a:lnSpc>
-              <a:buFont typeface="+mj-lt"/>
-              <a:buAutoNum type="arabicPeriod"/>
+              <a:buFont typeface="Wingdings" panose="05000000000000000000" pitchFamily="2" charset="2"/>
+              <a:buChar char="Ø"/>
             </a:pPr>
             <a:r>
-              <a:rPr lang="zh-CN" altLang="en-US" sz="2400" dirty="0" smtClean="0"/>
-              <a:t>电梯</a:t>
-            </a:r>
-            <a:r>
-              <a:rPr lang="zh-CN" altLang="en-US" sz="2400" dirty="0"/>
-              <a:t>停于</a:t>
-            </a:r>
-            <a:r>
-              <a:rPr lang="en-US" altLang="zh-CN" sz="2400" dirty="0"/>
-              <a:t>1F</a:t>
-            </a:r>
-            <a:r>
-              <a:rPr lang="zh-CN" altLang="en-US" sz="2400" dirty="0"/>
-              <a:t>或</a:t>
-            </a:r>
-            <a:r>
-              <a:rPr lang="en-US" altLang="zh-CN" sz="2400" dirty="0"/>
-              <a:t>2F</a:t>
-            </a:r>
-            <a:r>
-              <a:rPr lang="zh-CN" altLang="en-US" sz="2400" dirty="0"/>
-              <a:t>时，按</a:t>
-            </a:r>
-            <a:r>
-              <a:rPr lang="en-US" altLang="zh-CN" sz="2400" dirty="0" smtClean="0"/>
-              <a:t>3F</a:t>
-            </a:r>
-            <a:r>
-              <a:rPr lang="zh-CN" altLang="en-US" sz="2400" dirty="0"/>
-              <a:t>向下</a:t>
-            </a:r>
-            <a:r>
-              <a:rPr lang="zh-CN" altLang="en-US" sz="2400" dirty="0" smtClean="0"/>
-              <a:t>呼叫按钮</a:t>
-            </a:r>
-            <a:r>
-              <a:rPr lang="zh-CN" altLang="en-US" sz="2400" dirty="0"/>
-              <a:t>；</a:t>
-            </a:r>
-            <a:r>
-              <a:rPr lang="zh-CN" altLang="en-US" sz="2400" dirty="0" smtClean="0"/>
-              <a:t>电梯</a:t>
-            </a:r>
-            <a:r>
-              <a:rPr lang="zh-CN" altLang="en-US" sz="2400" dirty="0"/>
-              <a:t>上升到</a:t>
-            </a:r>
-            <a:r>
-              <a:rPr lang="en-US" altLang="zh-CN" sz="2400" dirty="0"/>
-              <a:t>3F</a:t>
-            </a:r>
-            <a:r>
-              <a:rPr lang="zh-CN" altLang="en-US" sz="2400" dirty="0"/>
-              <a:t>才</a:t>
-            </a:r>
-            <a:r>
-              <a:rPr lang="zh-CN" altLang="en-US" sz="2400" dirty="0" smtClean="0"/>
-              <a:t>停止。</a:t>
-            </a:r>
-            <a:endParaRPr lang="zh-CN" altLang="en-US" sz="2400" dirty="0"/>
+              <a:rPr lang="en-US" altLang="zh-CN" dirty="0" smtClean="0"/>
+              <a:t>elevator.cpp</a:t>
+            </a:r>
           </a:p>
           <a:p>
             <a:pPr marL="342900" indent="-342900">
               <a:lnSpc>
                 <a:spcPct val="150000"/>
               </a:lnSpc>
-              <a:buFont typeface="+mj-lt"/>
-              <a:buAutoNum type="arabicPeriod"/>
+              <a:buFont typeface="Wingdings" panose="05000000000000000000" pitchFamily="2" charset="2"/>
+              <a:buChar char="Ø"/>
             </a:pPr>
             <a:r>
-              <a:rPr lang="zh-CN" altLang="en-US" sz="2400" dirty="0" smtClean="0"/>
-              <a:t>电梯</a:t>
-            </a:r>
-            <a:r>
-              <a:rPr lang="zh-CN" altLang="en-US" sz="2400" dirty="0"/>
-              <a:t>停于</a:t>
-            </a:r>
-            <a:r>
-              <a:rPr lang="en-US" altLang="zh-CN" sz="2400" dirty="0"/>
-              <a:t>2F</a:t>
-            </a:r>
-            <a:r>
-              <a:rPr lang="zh-CN" altLang="en-US" sz="2400" dirty="0"/>
+              <a:rPr lang="zh-CN" altLang="en-US" dirty="0" smtClean="0"/>
+              <a:t>将上列两个文件压缩为一个文件，文件名：</a:t>
+            </a:r>
+            <a:r>
+              <a:rPr lang="zh-CN" altLang="en-US" dirty="0"/>
+              <a:t>学</a:t>
+            </a:r>
+            <a:r>
+              <a:rPr lang="zh-CN" altLang="en-US" dirty="0" smtClean="0"/>
+              <a:t>号姓名</a:t>
+            </a:r>
+            <a:r>
+              <a:rPr lang="en-US" altLang="zh-CN" dirty="0" smtClean="0"/>
+              <a:t>.</a:t>
+            </a:r>
+            <a:r>
+              <a:rPr lang="en-US" altLang="zh-CN" dirty="0" err="1" smtClean="0"/>
+              <a:t>rar</a:t>
+            </a:r>
+            <a:r>
+              <a:rPr lang="zh-CN" altLang="en-US" dirty="0" smtClean="0"/>
               <a:t>或</a:t>
             </a:r>
             <a:r>
-              <a:rPr lang="en-US" altLang="zh-CN" sz="2400" dirty="0"/>
-              <a:t>3F</a:t>
-            </a:r>
-            <a:r>
-              <a:rPr lang="zh-CN" altLang="en-US" sz="2400" dirty="0"/>
-              <a:t>时，按</a:t>
-            </a:r>
-            <a:r>
-              <a:rPr lang="en-US" altLang="zh-CN" sz="2400" dirty="0" smtClean="0"/>
-              <a:t>1F</a:t>
-            </a:r>
-            <a:r>
-              <a:rPr lang="zh-CN" altLang="en-US" sz="2400" dirty="0"/>
-              <a:t>向下</a:t>
-            </a:r>
-            <a:r>
-              <a:rPr lang="zh-CN" altLang="en-US" sz="2400" dirty="0" smtClean="0"/>
-              <a:t>呼叫按钮；电梯</a:t>
-            </a:r>
-            <a:r>
-              <a:rPr lang="zh-CN" altLang="en-US" sz="2400" dirty="0"/>
-              <a:t>下降到</a:t>
-            </a:r>
-            <a:r>
-              <a:rPr lang="en-US" altLang="zh-CN" sz="2400" dirty="0"/>
-              <a:t>1F</a:t>
-            </a:r>
-            <a:r>
-              <a:rPr lang="zh-CN" altLang="en-US" sz="2400" dirty="0"/>
-              <a:t>才</a:t>
-            </a:r>
-            <a:r>
-              <a:rPr lang="zh-CN" altLang="en-US" sz="2400" dirty="0" smtClean="0"/>
-              <a:t>停止。</a:t>
-            </a:r>
-            <a:endParaRPr lang="zh-CN" altLang="en-US" sz="2400" dirty="0"/>
+              <a:rPr lang="en-US" altLang="zh-CN" dirty="0" smtClean="0"/>
+              <a:t>.zip</a:t>
+            </a:r>
           </a:p>
           <a:p>
             <a:pPr marL="342900" indent="-342900">
               <a:lnSpc>
                 <a:spcPct val="150000"/>
               </a:lnSpc>
-              <a:buFont typeface="+mj-lt"/>
-              <a:buAutoNum type="arabicPeriod"/>
+              <a:buFont typeface="Wingdings" panose="05000000000000000000" pitchFamily="2" charset="2"/>
+              <a:buChar char="Ø"/>
             </a:pPr>
             <a:r>
-              <a:rPr lang="zh-CN" altLang="en-US" sz="2400" dirty="0" smtClean="0"/>
-              <a:t>电梯</a:t>
-            </a:r>
-            <a:r>
-              <a:rPr lang="zh-CN" altLang="en-US" sz="2400" dirty="0"/>
-              <a:t>停于</a:t>
-            </a:r>
-            <a:r>
-              <a:rPr lang="en-US" altLang="zh-CN" sz="2400" dirty="0"/>
-              <a:t>1F</a:t>
-            </a:r>
-            <a:r>
-              <a:rPr lang="zh-CN" altLang="en-US" sz="2400" dirty="0"/>
-              <a:t>时，按</a:t>
-            </a:r>
-            <a:r>
-              <a:rPr lang="en-US" altLang="zh-CN" sz="2400" dirty="0" smtClean="0"/>
-              <a:t>2F</a:t>
-            </a:r>
-            <a:r>
-              <a:rPr lang="zh-CN" altLang="en-US" sz="2400" dirty="0" smtClean="0"/>
-              <a:t>向上呼叫按钮；电梯</a:t>
-            </a:r>
-            <a:r>
-              <a:rPr lang="zh-CN" altLang="en-US" sz="2400" dirty="0"/>
-              <a:t>上升到</a:t>
-            </a:r>
-            <a:r>
-              <a:rPr lang="en-US" altLang="zh-CN" sz="2400" dirty="0"/>
-              <a:t>2F</a:t>
-            </a:r>
-            <a:r>
-              <a:rPr lang="zh-CN" altLang="en-US" sz="2400" dirty="0" smtClean="0"/>
-              <a:t>停止。</a:t>
-            </a:r>
-            <a:endParaRPr lang="zh-CN" altLang="en-US" sz="2400" dirty="0"/>
+              <a:rPr lang="zh-CN" altLang="en-US" dirty="0" smtClean="0"/>
+              <a:t>如果发现照抄现象，相关同学的成绩以</a:t>
+            </a:r>
+            <a:r>
+              <a:rPr lang="en-US" altLang="zh-CN" dirty="0" smtClean="0"/>
+              <a:t>0</a:t>
+            </a:r>
+            <a:r>
+              <a:rPr lang="zh-CN" altLang="en-US" dirty="0" smtClean="0"/>
+              <a:t>分计。</a:t>
+            </a:r>
+            <a:endParaRPr lang="en-US" altLang="zh-CN" dirty="0" smtClean="0"/>
           </a:p>
           <a:p>
             <a:pPr marL="342900" indent="-342900">
               <a:lnSpc>
                 <a:spcPct val="150000"/>
               </a:lnSpc>
-              <a:buFont typeface="+mj-lt"/>
-              <a:buAutoNum type="arabicPeriod"/>
+              <a:buFontTx/>
+              <a:buAutoNum type="arabicParenBoth"/>
             </a:pPr>
-            <a:r>
-              <a:rPr lang="zh-CN" altLang="en-US" sz="2400" dirty="0" smtClean="0"/>
-              <a:t>电梯</a:t>
-            </a:r>
-            <a:r>
-              <a:rPr lang="zh-CN" altLang="en-US" sz="2400" dirty="0"/>
-              <a:t>停于</a:t>
-            </a:r>
-            <a:r>
-              <a:rPr lang="en-US" altLang="zh-CN" sz="2400" dirty="0"/>
-              <a:t>3F</a:t>
-            </a:r>
-            <a:r>
-              <a:rPr lang="zh-CN" altLang="en-US" sz="2400" dirty="0"/>
-              <a:t>时，按</a:t>
-            </a:r>
-            <a:r>
-              <a:rPr lang="en-US" altLang="zh-CN" sz="2400" dirty="0" smtClean="0"/>
-              <a:t>2F</a:t>
-            </a:r>
-            <a:r>
-              <a:rPr lang="zh-CN" altLang="en-US" sz="2400" dirty="0" smtClean="0"/>
-              <a:t>向下呼叫按钮；电梯</a:t>
-            </a:r>
-            <a:r>
-              <a:rPr lang="zh-CN" altLang="en-US" sz="2400" dirty="0"/>
-              <a:t>下降到</a:t>
-            </a:r>
-            <a:r>
-              <a:rPr lang="en-US" altLang="zh-CN" sz="2400" dirty="0"/>
-              <a:t>2F</a:t>
-            </a:r>
-            <a:r>
-              <a:rPr lang="zh-CN" altLang="en-US" sz="2400" dirty="0" smtClean="0"/>
-              <a:t>停止。</a:t>
-            </a:r>
-            <a:endParaRPr lang="zh-CN" altLang="en-US" sz="2400" dirty="0"/>
-          </a:p>
-          <a:p>
-            <a:pPr marL="342900" indent="-342900">
-              <a:lnSpc>
-                <a:spcPct val="150000"/>
-              </a:lnSpc>
-              <a:buFont typeface="+mj-lt"/>
-              <a:buAutoNum type="arabicPeriod"/>
-            </a:pPr>
-            <a:r>
-              <a:rPr lang="zh-CN" altLang="en-US" sz="2400" dirty="0" smtClean="0"/>
-              <a:t>电梯</a:t>
-            </a:r>
-            <a:r>
-              <a:rPr lang="zh-CN" altLang="en-US" sz="2400" dirty="0"/>
-              <a:t>停于</a:t>
-            </a:r>
-            <a:r>
-              <a:rPr lang="en-US" altLang="zh-CN" sz="2400" dirty="0"/>
-              <a:t>1F</a:t>
-            </a:r>
-            <a:r>
-              <a:rPr lang="zh-CN" altLang="en-US" sz="2400" dirty="0" smtClean="0"/>
-              <a:t>，</a:t>
-            </a:r>
-            <a:r>
-              <a:rPr lang="en-US" altLang="zh-CN" sz="2400" dirty="0" smtClean="0"/>
-              <a:t>2F</a:t>
-            </a:r>
-            <a:r>
-              <a:rPr lang="zh-CN" altLang="en-US" sz="2400" dirty="0"/>
-              <a:t>和</a:t>
-            </a:r>
-            <a:r>
-              <a:rPr lang="en-US" altLang="zh-CN" sz="2400" dirty="0"/>
-              <a:t>3F</a:t>
-            </a:r>
-            <a:r>
-              <a:rPr lang="zh-CN" altLang="en-US" sz="2400" dirty="0"/>
-              <a:t>均有按钮</a:t>
-            </a:r>
-            <a:r>
-              <a:rPr lang="zh-CN" altLang="en-US" sz="2400" dirty="0" smtClean="0"/>
-              <a:t>呼叫；电梯</a:t>
-            </a:r>
-            <a:r>
-              <a:rPr lang="zh-CN" altLang="en-US" sz="2400" dirty="0"/>
-              <a:t>先上升到</a:t>
-            </a:r>
-            <a:r>
-              <a:rPr lang="en-US" altLang="zh-CN" sz="2400" dirty="0"/>
-              <a:t>2F</a:t>
-            </a:r>
-            <a:r>
-              <a:rPr lang="zh-CN" altLang="en-US" sz="2400" dirty="0" smtClean="0"/>
-              <a:t>，开门</a:t>
-            </a:r>
-            <a:r>
-              <a:rPr lang="en-US" altLang="zh-CN" sz="2400" dirty="0" smtClean="0"/>
-              <a:t>/</a:t>
-            </a:r>
-            <a:r>
-              <a:rPr lang="zh-CN" altLang="en-US" sz="2400" dirty="0" smtClean="0"/>
-              <a:t>关门，</a:t>
-            </a:r>
-            <a:r>
-              <a:rPr lang="zh-CN" altLang="en-US" sz="2400" dirty="0"/>
-              <a:t>然后上升到</a:t>
-            </a:r>
-            <a:r>
-              <a:rPr lang="en-US" altLang="zh-CN" sz="2400" dirty="0"/>
-              <a:t>3F</a:t>
-            </a:r>
-            <a:r>
-              <a:rPr lang="zh-CN" altLang="en-US" sz="2400" dirty="0" smtClean="0"/>
-              <a:t>停止</a:t>
-            </a:r>
-            <a:r>
-              <a:rPr lang="zh-CN" altLang="en-US" sz="2400" dirty="0"/>
-              <a:t>。</a:t>
-            </a:r>
-            <a:endParaRPr lang="en-US" altLang="zh-CN" sz="2400" dirty="0" smtClean="0"/>
-          </a:p>
-          <a:p>
-            <a:pPr marL="342900" indent="-342900">
-              <a:lnSpc>
-                <a:spcPct val="150000"/>
-              </a:lnSpc>
-              <a:buFont typeface="+mj-lt"/>
-              <a:buAutoNum type="arabicPeriod"/>
-            </a:pPr>
-            <a:r>
-              <a:rPr lang="zh-CN" altLang="zh-CN" sz="2400" dirty="0" smtClean="0"/>
-              <a:t>电梯</a:t>
-            </a:r>
-            <a:r>
-              <a:rPr lang="zh-CN" altLang="zh-CN" sz="2400" dirty="0"/>
-              <a:t>停于</a:t>
-            </a:r>
-            <a:r>
-              <a:rPr lang="en-US" altLang="zh-CN" sz="2400" dirty="0"/>
-              <a:t>3F</a:t>
-            </a:r>
-            <a:r>
-              <a:rPr lang="zh-CN" altLang="zh-CN" sz="2400" dirty="0"/>
-              <a:t>，</a:t>
-            </a:r>
-            <a:r>
-              <a:rPr lang="en-US" altLang="zh-CN" sz="2400" dirty="0"/>
-              <a:t>2F</a:t>
-            </a:r>
-            <a:r>
-              <a:rPr lang="zh-CN" altLang="zh-CN" sz="2400" dirty="0"/>
-              <a:t>和</a:t>
-            </a:r>
-            <a:r>
-              <a:rPr lang="en-US" altLang="zh-CN" sz="2400" dirty="0"/>
-              <a:t>1F</a:t>
-            </a:r>
-            <a:r>
-              <a:rPr lang="zh-CN" altLang="zh-CN" sz="2400" dirty="0"/>
-              <a:t>均有按钮</a:t>
-            </a:r>
-            <a:r>
-              <a:rPr lang="zh-CN" altLang="zh-CN" sz="2400" dirty="0" smtClean="0"/>
-              <a:t>呼叫</a:t>
-            </a:r>
-            <a:r>
-              <a:rPr lang="zh-CN" altLang="en-US" sz="2400" dirty="0" smtClean="0"/>
-              <a:t>；</a:t>
-            </a:r>
-            <a:r>
-              <a:rPr lang="zh-CN" altLang="zh-CN" sz="2400" dirty="0" smtClean="0"/>
-              <a:t>电梯</a:t>
-            </a:r>
-            <a:r>
-              <a:rPr lang="zh-CN" altLang="zh-CN" sz="2400" dirty="0"/>
-              <a:t>先下降到</a:t>
-            </a:r>
-            <a:r>
-              <a:rPr lang="en-US" altLang="zh-CN" sz="2400" dirty="0"/>
-              <a:t>2F</a:t>
-            </a:r>
-            <a:r>
-              <a:rPr lang="zh-CN" altLang="zh-CN" sz="2400" dirty="0" smtClean="0"/>
-              <a:t>，</a:t>
-            </a:r>
-            <a:r>
-              <a:rPr lang="zh-CN" altLang="en-US" sz="2400" dirty="0" smtClean="0"/>
-              <a:t>开门</a:t>
-            </a:r>
-            <a:r>
-              <a:rPr lang="en-US" altLang="zh-CN" sz="2400" dirty="0" smtClean="0"/>
-              <a:t>/</a:t>
-            </a:r>
-            <a:r>
-              <a:rPr lang="zh-CN" altLang="en-US" sz="2400" dirty="0" smtClean="0"/>
-              <a:t>关门</a:t>
-            </a:r>
-            <a:r>
-              <a:rPr lang="zh-CN" altLang="zh-CN" sz="2400" dirty="0" smtClean="0"/>
-              <a:t>，</a:t>
-            </a:r>
-            <a:r>
-              <a:rPr lang="zh-CN" altLang="zh-CN" sz="2400" dirty="0"/>
-              <a:t>然后下降到</a:t>
-            </a:r>
-            <a:r>
-              <a:rPr lang="en-US" altLang="zh-CN" sz="2400" dirty="0"/>
-              <a:t>1F</a:t>
-            </a:r>
-            <a:r>
-              <a:rPr lang="zh-CN" altLang="zh-CN" sz="2400" dirty="0" smtClean="0"/>
-              <a:t>停止</a:t>
-            </a:r>
-            <a:r>
-              <a:rPr lang="zh-CN" altLang="en-US" sz="2400" dirty="0"/>
-              <a:t>。</a:t>
-            </a:r>
-            <a:endParaRPr lang="en-US" altLang="zh-CN" sz="2400" dirty="0" smtClean="0"/>
-          </a:p>
-          <a:p>
-            <a:pPr marL="342900" indent="-342900">
-              <a:lnSpc>
-                <a:spcPct val="150000"/>
-              </a:lnSpc>
-              <a:buFont typeface="+mj-lt"/>
-              <a:buAutoNum type="arabicPeriod"/>
-            </a:pPr>
-            <a:r>
-              <a:rPr lang="zh-CN" altLang="zh-CN" sz="2400" dirty="0" smtClean="0"/>
-              <a:t>电梯</a:t>
-            </a:r>
-            <a:r>
-              <a:rPr lang="zh-CN" altLang="zh-CN" sz="2400" dirty="0"/>
-              <a:t>上升途中或下降途中，任何反方向按钮呼叫均</a:t>
-            </a:r>
-            <a:r>
-              <a:rPr lang="zh-CN" altLang="zh-CN" sz="2400" dirty="0" smtClean="0"/>
-              <a:t>无效</a:t>
-            </a:r>
-            <a:r>
-              <a:rPr lang="zh-CN" altLang="en-US" sz="2400" dirty="0"/>
-              <a:t>。</a:t>
-            </a:r>
+            <a:endParaRPr lang="en-US" altLang="zh-CN" dirty="0"/>
           </a:p>
         </p:txBody>
       </p:sp>
     </p:spTree>
     <p:extLst>
       <p:ext uri="{BB962C8B-B14F-4D97-AF65-F5344CB8AC3E}">
-        <p14:creationId xmlns:p14="http://schemas.microsoft.com/office/powerpoint/2010/main" val="1775702534"/>
+        <p14:creationId xmlns:p14="http://schemas.microsoft.com/office/powerpoint/2010/main" val="2291265408"/>
       </p:ext>
     </p:extLst>
   </p:cSld>
@@ -15539,7 +16158,7 @@
 </p:sld>
 </file>
 
-<file path=ppt/slides/slide34.xml><?xml version="1.0" encoding="utf-8"?>
+<file path=ppt/slides/slide35.xml><?xml version="1.0" encoding="utf-8"?>
 <p:sld xmlns:a="http://schemas.openxmlformats.org/drawingml/2006/main" xmlns:r="http://schemas.openxmlformats.org/officeDocument/2006/relationships" xmlns:p="http://schemas.openxmlformats.org/presentationml/2006/main">
   <p:cSld>
     <p:spTree>
@@ -15590,6 +16209,543 @@
                   <a:schemeClr val="bg1"/>
                 </a:solidFill>
               </a:rPr>
+              <a:t>1</a:t>
+            </a:r>
+            <a:r>
+              <a:rPr lang="zh-CN" altLang="en-US" sz="3200" dirty="0" smtClean="0">
+                <a:solidFill>
+                  <a:schemeClr val="bg1"/>
+                </a:solidFill>
+              </a:rPr>
+              <a:t>）</a:t>
+            </a:r>
+            <a:endParaRPr lang="zh-CN" altLang="en-US" sz="3200" dirty="0">
+              <a:solidFill>
+                <a:schemeClr val="bg1"/>
+              </a:solidFill>
+            </a:endParaRPr>
+          </a:p>
+        </p:txBody>
+      </p:sp>
+      <p:sp>
+        <p:nvSpPr>
+          <p:cNvPr id="3" name="TextBox 2"/>
+          <p:cNvSpPr txBox="1"/>
+          <p:nvPr/>
+        </p:nvSpPr>
+        <p:spPr>
+          <a:xfrm>
+            <a:off x="323528" y="483051"/>
+            <a:ext cx="8640960" cy="6186309"/>
+          </a:xfrm>
+          <a:prstGeom prst="rect">
+            <a:avLst/>
+          </a:prstGeom>
+          <a:noFill/>
+        </p:spPr>
+        <p:txBody>
+          <a:bodyPr wrap="square" rtlCol="0">
+            <a:spAutoFit/>
+          </a:bodyPr>
+          <a:lstStyle/>
+          <a:p>
+            <a:pPr marL="342900" indent="-342900">
+              <a:lnSpc>
+                <a:spcPct val="150000"/>
+              </a:lnSpc>
+              <a:buFont typeface="+mj-lt"/>
+              <a:buAutoNum type="arabicPeriod"/>
+            </a:pPr>
+            <a:r>
+              <a:rPr lang="zh-CN" altLang="en-US" sz="2400" dirty="0" smtClean="0"/>
+              <a:t>电梯</a:t>
+            </a:r>
+            <a:r>
+              <a:rPr lang="zh-CN" altLang="en-US" sz="2400" dirty="0"/>
+              <a:t>停于</a:t>
+            </a:r>
+            <a:r>
+              <a:rPr lang="en-US" altLang="zh-CN" sz="2400" dirty="0"/>
+              <a:t>1F</a:t>
+            </a:r>
+            <a:r>
+              <a:rPr lang="zh-CN" altLang="en-US" sz="2400" dirty="0"/>
+              <a:t>或</a:t>
+            </a:r>
+            <a:r>
+              <a:rPr lang="en-US" altLang="zh-CN" sz="2400" dirty="0"/>
+              <a:t>2F</a:t>
+            </a:r>
+            <a:r>
+              <a:rPr lang="zh-CN" altLang="en-US" sz="2400" dirty="0"/>
+              <a:t>时，按</a:t>
+            </a:r>
+            <a:r>
+              <a:rPr lang="en-US" altLang="zh-CN" sz="2400" dirty="0" smtClean="0"/>
+              <a:t>3F</a:t>
+            </a:r>
+            <a:r>
+              <a:rPr lang="zh-CN" altLang="en-US" sz="2400" dirty="0"/>
+              <a:t>向下</a:t>
+            </a:r>
+            <a:r>
+              <a:rPr lang="zh-CN" altLang="en-US" sz="2400" dirty="0" smtClean="0"/>
+              <a:t>呼叫按钮</a:t>
+            </a:r>
+            <a:r>
+              <a:rPr lang="zh-CN" altLang="en-US" sz="2400" dirty="0"/>
+              <a:t>；</a:t>
+            </a:r>
+            <a:r>
+              <a:rPr lang="zh-CN" altLang="en-US" sz="2400" dirty="0" smtClean="0"/>
+              <a:t>电梯</a:t>
+            </a:r>
+            <a:r>
+              <a:rPr lang="zh-CN" altLang="en-US" sz="2400" dirty="0"/>
+              <a:t>上升到</a:t>
+            </a:r>
+            <a:r>
+              <a:rPr lang="en-US" altLang="zh-CN" sz="2400" dirty="0"/>
+              <a:t>3F</a:t>
+            </a:r>
+            <a:r>
+              <a:rPr lang="zh-CN" altLang="en-US" sz="2400" dirty="0"/>
+              <a:t>才</a:t>
+            </a:r>
+            <a:r>
+              <a:rPr lang="zh-CN" altLang="en-US" sz="2400" dirty="0" smtClean="0"/>
+              <a:t>停止。</a:t>
+            </a:r>
+            <a:endParaRPr lang="zh-CN" altLang="en-US" sz="2400" dirty="0"/>
+          </a:p>
+          <a:p>
+            <a:pPr marL="342900" indent="-342900">
+              <a:lnSpc>
+                <a:spcPct val="150000"/>
+              </a:lnSpc>
+              <a:buFont typeface="+mj-lt"/>
+              <a:buAutoNum type="arabicPeriod"/>
+            </a:pPr>
+            <a:r>
+              <a:rPr lang="zh-CN" altLang="en-US" sz="2400" dirty="0" smtClean="0"/>
+              <a:t>电梯</a:t>
+            </a:r>
+            <a:r>
+              <a:rPr lang="zh-CN" altLang="en-US" sz="2400" dirty="0"/>
+              <a:t>停于</a:t>
+            </a:r>
+            <a:r>
+              <a:rPr lang="en-US" altLang="zh-CN" sz="2400" dirty="0"/>
+              <a:t>2F</a:t>
+            </a:r>
+            <a:r>
+              <a:rPr lang="zh-CN" altLang="en-US" sz="2400" dirty="0"/>
+              <a:t>或</a:t>
+            </a:r>
+            <a:r>
+              <a:rPr lang="en-US" altLang="zh-CN" sz="2400" dirty="0"/>
+              <a:t>3F</a:t>
+            </a:r>
+            <a:r>
+              <a:rPr lang="zh-CN" altLang="en-US" sz="2400" dirty="0"/>
+              <a:t>时，按</a:t>
+            </a:r>
+            <a:r>
+              <a:rPr lang="en-US" altLang="zh-CN" sz="2400" dirty="0" smtClean="0"/>
+              <a:t>1F</a:t>
+            </a:r>
+            <a:r>
+              <a:rPr lang="zh-CN" altLang="en-US" sz="2400" dirty="0"/>
+              <a:t>向下</a:t>
+            </a:r>
+            <a:r>
+              <a:rPr lang="zh-CN" altLang="en-US" sz="2400" dirty="0" smtClean="0"/>
+              <a:t>呼叫按钮；电梯</a:t>
+            </a:r>
+            <a:r>
+              <a:rPr lang="zh-CN" altLang="en-US" sz="2400" dirty="0"/>
+              <a:t>下降到</a:t>
+            </a:r>
+            <a:r>
+              <a:rPr lang="en-US" altLang="zh-CN" sz="2400" dirty="0"/>
+              <a:t>1F</a:t>
+            </a:r>
+            <a:r>
+              <a:rPr lang="zh-CN" altLang="en-US" sz="2400" dirty="0"/>
+              <a:t>才</a:t>
+            </a:r>
+            <a:r>
+              <a:rPr lang="zh-CN" altLang="en-US" sz="2400" dirty="0" smtClean="0"/>
+              <a:t>停止。</a:t>
+            </a:r>
+            <a:endParaRPr lang="zh-CN" altLang="en-US" sz="2400" dirty="0"/>
+          </a:p>
+          <a:p>
+            <a:pPr marL="342900" indent="-342900">
+              <a:lnSpc>
+                <a:spcPct val="150000"/>
+              </a:lnSpc>
+              <a:buFont typeface="+mj-lt"/>
+              <a:buAutoNum type="arabicPeriod"/>
+            </a:pPr>
+            <a:r>
+              <a:rPr lang="zh-CN" altLang="en-US" sz="2400" dirty="0" smtClean="0"/>
+              <a:t>电梯</a:t>
+            </a:r>
+            <a:r>
+              <a:rPr lang="zh-CN" altLang="en-US" sz="2400" dirty="0"/>
+              <a:t>停于</a:t>
+            </a:r>
+            <a:r>
+              <a:rPr lang="en-US" altLang="zh-CN" sz="2400" dirty="0"/>
+              <a:t>1F</a:t>
+            </a:r>
+            <a:r>
+              <a:rPr lang="zh-CN" altLang="en-US" sz="2400" dirty="0"/>
+              <a:t>时，按</a:t>
+            </a:r>
+            <a:r>
+              <a:rPr lang="en-US" altLang="zh-CN" sz="2400" dirty="0" smtClean="0"/>
+              <a:t>2F</a:t>
+            </a:r>
+            <a:r>
+              <a:rPr lang="zh-CN" altLang="en-US" sz="2400" dirty="0" smtClean="0"/>
+              <a:t>向上呼叫按钮；电梯</a:t>
+            </a:r>
+            <a:r>
+              <a:rPr lang="zh-CN" altLang="en-US" sz="2400" dirty="0"/>
+              <a:t>上升到</a:t>
+            </a:r>
+            <a:r>
+              <a:rPr lang="en-US" altLang="zh-CN" sz="2400" dirty="0"/>
+              <a:t>2F</a:t>
+            </a:r>
+            <a:r>
+              <a:rPr lang="zh-CN" altLang="en-US" sz="2400" dirty="0" smtClean="0"/>
+              <a:t>停止。</a:t>
+            </a:r>
+            <a:endParaRPr lang="zh-CN" altLang="en-US" sz="2400" dirty="0"/>
+          </a:p>
+          <a:p>
+            <a:pPr marL="342900" indent="-342900">
+              <a:lnSpc>
+                <a:spcPct val="150000"/>
+              </a:lnSpc>
+              <a:buFont typeface="+mj-lt"/>
+              <a:buAutoNum type="arabicPeriod"/>
+            </a:pPr>
+            <a:r>
+              <a:rPr lang="zh-CN" altLang="en-US" sz="2400" dirty="0" smtClean="0"/>
+              <a:t>电梯</a:t>
+            </a:r>
+            <a:r>
+              <a:rPr lang="zh-CN" altLang="en-US" sz="2400" dirty="0"/>
+              <a:t>停于</a:t>
+            </a:r>
+            <a:r>
+              <a:rPr lang="en-US" altLang="zh-CN" sz="2400" dirty="0"/>
+              <a:t>3F</a:t>
+            </a:r>
+            <a:r>
+              <a:rPr lang="zh-CN" altLang="en-US" sz="2400" dirty="0"/>
+              <a:t>时，按</a:t>
+            </a:r>
+            <a:r>
+              <a:rPr lang="en-US" altLang="zh-CN" sz="2400" dirty="0" smtClean="0"/>
+              <a:t>2F</a:t>
+            </a:r>
+            <a:r>
+              <a:rPr lang="zh-CN" altLang="en-US" sz="2400" dirty="0" smtClean="0"/>
+              <a:t>向下呼叫按钮；电梯</a:t>
+            </a:r>
+            <a:r>
+              <a:rPr lang="zh-CN" altLang="en-US" sz="2400" dirty="0"/>
+              <a:t>下降到</a:t>
+            </a:r>
+            <a:r>
+              <a:rPr lang="en-US" altLang="zh-CN" sz="2400" dirty="0"/>
+              <a:t>2F</a:t>
+            </a:r>
+            <a:r>
+              <a:rPr lang="zh-CN" altLang="en-US" sz="2400" dirty="0" smtClean="0"/>
+              <a:t>停止。</a:t>
+            </a:r>
+            <a:endParaRPr lang="zh-CN" altLang="en-US" sz="2400" dirty="0"/>
+          </a:p>
+          <a:p>
+            <a:pPr marL="342900" indent="-342900">
+              <a:lnSpc>
+                <a:spcPct val="150000"/>
+              </a:lnSpc>
+              <a:buFont typeface="+mj-lt"/>
+              <a:buAutoNum type="arabicPeriod"/>
+            </a:pPr>
+            <a:r>
+              <a:rPr lang="zh-CN" altLang="en-US" sz="2400" dirty="0" smtClean="0"/>
+              <a:t>电梯</a:t>
+            </a:r>
+            <a:r>
+              <a:rPr lang="zh-CN" altLang="en-US" sz="2400" dirty="0"/>
+              <a:t>停于</a:t>
+            </a:r>
+            <a:r>
+              <a:rPr lang="en-US" altLang="zh-CN" sz="2400" dirty="0"/>
+              <a:t>1F</a:t>
+            </a:r>
+            <a:r>
+              <a:rPr lang="zh-CN" altLang="en-US" sz="2400" dirty="0" smtClean="0"/>
+              <a:t>，</a:t>
+            </a:r>
+            <a:r>
+              <a:rPr lang="en-US" altLang="zh-CN" sz="2400" dirty="0" smtClean="0"/>
+              <a:t>2F</a:t>
+            </a:r>
+            <a:r>
+              <a:rPr lang="zh-CN" altLang="en-US" sz="2400" dirty="0"/>
+              <a:t>和</a:t>
+            </a:r>
+            <a:r>
+              <a:rPr lang="en-US" altLang="zh-CN" sz="2400" dirty="0"/>
+              <a:t>3F</a:t>
+            </a:r>
+            <a:r>
+              <a:rPr lang="zh-CN" altLang="en-US" sz="2400" dirty="0"/>
+              <a:t>均有按钮</a:t>
+            </a:r>
+            <a:r>
+              <a:rPr lang="zh-CN" altLang="en-US" sz="2400" dirty="0" smtClean="0"/>
+              <a:t>呼叫；电梯</a:t>
+            </a:r>
+            <a:r>
+              <a:rPr lang="zh-CN" altLang="en-US" sz="2400" dirty="0"/>
+              <a:t>先上升到</a:t>
+            </a:r>
+            <a:r>
+              <a:rPr lang="en-US" altLang="zh-CN" sz="2400" dirty="0"/>
+              <a:t>2F</a:t>
+            </a:r>
+            <a:r>
+              <a:rPr lang="zh-CN" altLang="en-US" sz="2400" dirty="0" smtClean="0"/>
+              <a:t>，开门</a:t>
+            </a:r>
+            <a:r>
+              <a:rPr lang="en-US" altLang="zh-CN" sz="2400" dirty="0" smtClean="0"/>
+              <a:t>/</a:t>
+            </a:r>
+            <a:r>
+              <a:rPr lang="zh-CN" altLang="en-US" sz="2400" dirty="0" smtClean="0"/>
+              <a:t>关门，</a:t>
+            </a:r>
+            <a:r>
+              <a:rPr lang="zh-CN" altLang="en-US" sz="2400" dirty="0"/>
+              <a:t>然后上升到</a:t>
+            </a:r>
+            <a:r>
+              <a:rPr lang="en-US" altLang="zh-CN" sz="2400" dirty="0"/>
+              <a:t>3F</a:t>
+            </a:r>
+            <a:r>
+              <a:rPr lang="zh-CN" altLang="en-US" sz="2400" dirty="0" smtClean="0"/>
+              <a:t>停止</a:t>
+            </a:r>
+            <a:r>
+              <a:rPr lang="zh-CN" altLang="en-US" sz="2400" dirty="0"/>
+              <a:t>。</a:t>
+            </a:r>
+            <a:endParaRPr lang="en-US" altLang="zh-CN" sz="2400" dirty="0" smtClean="0"/>
+          </a:p>
+          <a:p>
+            <a:pPr marL="342900" indent="-342900">
+              <a:lnSpc>
+                <a:spcPct val="150000"/>
+              </a:lnSpc>
+              <a:buFont typeface="+mj-lt"/>
+              <a:buAutoNum type="arabicPeriod"/>
+            </a:pPr>
+            <a:r>
+              <a:rPr lang="zh-CN" altLang="zh-CN" sz="2400" dirty="0" smtClean="0"/>
+              <a:t>电梯</a:t>
+            </a:r>
+            <a:r>
+              <a:rPr lang="zh-CN" altLang="zh-CN" sz="2400" dirty="0"/>
+              <a:t>停于</a:t>
+            </a:r>
+            <a:r>
+              <a:rPr lang="en-US" altLang="zh-CN" sz="2400" dirty="0"/>
+              <a:t>3F</a:t>
+            </a:r>
+            <a:r>
+              <a:rPr lang="zh-CN" altLang="zh-CN" sz="2400" dirty="0"/>
+              <a:t>，</a:t>
+            </a:r>
+            <a:r>
+              <a:rPr lang="en-US" altLang="zh-CN" sz="2400" dirty="0"/>
+              <a:t>2F</a:t>
+            </a:r>
+            <a:r>
+              <a:rPr lang="zh-CN" altLang="zh-CN" sz="2400" dirty="0"/>
+              <a:t>和</a:t>
+            </a:r>
+            <a:r>
+              <a:rPr lang="en-US" altLang="zh-CN" sz="2400" dirty="0"/>
+              <a:t>1F</a:t>
+            </a:r>
+            <a:r>
+              <a:rPr lang="zh-CN" altLang="zh-CN" sz="2400" dirty="0"/>
+              <a:t>均有按钮</a:t>
+            </a:r>
+            <a:r>
+              <a:rPr lang="zh-CN" altLang="zh-CN" sz="2400" dirty="0" smtClean="0"/>
+              <a:t>呼叫</a:t>
+            </a:r>
+            <a:r>
+              <a:rPr lang="zh-CN" altLang="en-US" sz="2400" dirty="0" smtClean="0"/>
+              <a:t>；</a:t>
+            </a:r>
+            <a:r>
+              <a:rPr lang="zh-CN" altLang="zh-CN" sz="2400" dirty="0" smtClean="0"/>
+              <a:t>电梯</a:t>
+            </a:r>
+            <a:r>
+              <a:rPr lang="zh-CN" altLang="zh-CN" sz="2400" dirty="0"/>
+              <a:t>先下降到</a:t>
+            </a:r>
+            <a:r>
+              <a:rPr lang="en-US" altLang="zh-CN" sz="2400" dirty="0"/>
+              <a:t>2F</a:t>
+            </a:r>
+            <a:r>
+              <a:rPr lang="zh-CN" altLang="zh-CN" sz="2400" dirty="0" smtClean="0"/>
+              <a:t>，</a:t>
+            </a:r>
+            <a:r>
+              <a:rPr lang="zh-CN" altLang="en-US" sz="2400" dirty="0" smtClean="0"/>
+              <a:t>开门</a:t>
+            </a:r>
+            <a:r>
+              <a:rPr lang="en-US" altLang="zh-CN" sz="2400" dirty="0" smtClean="0"/>
+              <a:t>/</a:t>
+            </a:r>
+            <a:r>
+              <a:rPr lang="zh-CN" altLang="en-US" sz="2400" dirty="0" smtClean="0"/>
+              <a:t>关门</a:t>
+            </a:r>
+            <a:r>
+              <a:rPr lang="zh-CN" altLang="zh-CN" sz="2400" dirty="0" smtClean="0"/>
+              <a:t>，</a:t>
+            </a:r>
+            <a:r>
+              <a:rPr lang="zh-CN" altLang="zh-CN" sz="2400" dirty="0"/>
+              <a:t>然后下降到</a:t>
+            </a:r>
+            <a:r>
+              <a:rPr lang="en-US" altLang="zh-CN" sz="2400" dirty="0"/>
+              <a:t>1F</a:t>
+            </a:r>
+            <a:r>
+              <a:rPr lang="zh-CN" altLang="zh-CN" sz="2400" dirty="0" smtClean="0"/>
+              <a:t>停止</a:t>
+            </a:r>
+            <a:r>
+              <a:rPr lang="zh-CN" altLang="en-US" sz="2400" dirty="0"/>
+              <a:t>。</a:t>
+            </a:r>
+            <a:endParaRPr lang="en-US" altLang="zh-CN" sz="2400" dirty="0" smtClean="0"/>
+          </a:p>
+          <a:p>
+            <a:pPr marL="342900" indent="-342900">
+              <a:lnSpc>
+                <a:spcPct val="150000"/>
+              </a:lnSpc>
+              <a:buFont typeface="+mj-lt"/>
+              <a:buAutoNum type="arabicPeriod"/>
+            </a:pPr>
+            <a:r>
+              <a:rPr lang="zh-CN" altLang="zh-CN" sz="2400" dirty="0" smtClean="0"/>
+              <a:t>电梯</a:t>
+            </a:r>
+            <a:r>
+              <a:rPr lang="zh-CN" altLang="zh-CN" sz="2400" dirty="0"/>
+              <a:t>上升途中或下降途中，任何反方向按钮呼叫均</a:t>
+            </a:r>
+            <a:r>
+              <a:rPr lang="zh-CN" altLang="zh-CN" sz="2400" dirty="0" smtClean="0"/>
+              <a:t>无效</a:t>
+            </a:r>
+            <a:r>
+              <a:rPr lang="zh-CN" altLang="en-US" sz="2400" dirty="0"/>
+              <a:t>。</a:t>
+            </a:r>
+          </a:p>
+        </p:txBody>
+      </p:sp>
+    </p:spTree>
+    <p:extLst>
+      <p:ext uri="{BB962C8B-B14F-4D97-AF65-F5344CB8AC3E}">
+        <p14:creationId xmlns:p14="http://schemas.microsoft.com/office/powerpoint/2010/main" val="1775702534"/>
+      </p:ext>
+    </p:extLst>
+  </p:cSld>
+  <p:clrMapOvr>
+    <a:masterClrMapping/>
+  </p:clrMapOvr>
+  <p:transition>
+    <p:random/>
+  </p:transition>
+</p:sld>
+</file>
+
+<file path=ppt/slides/slide36.xml><?xml version="1.0" encoding="utf-8"?>
+<p:sld xmlns:a="http://schemas.openxmlformats.org/drawingml/2006/main" xmlns:r="http://schemas.openxmlformats.org/officeDocument/2006/relationships" xmlns:p="http://schemas.openxmlformats.org/presentationml/2006/main">
+  <p:cSld>
+    <p:spTree>
+      <p:nvGrpSpPr>
+        <p:cNvPr id="1" name=""/>
+        <p:cNvGrpSpPr/>
+        <p:nvPr/>
+      </p:nvGrpSpPr>
+      <p:grpSpPr>
+        <a:xfrm>
+          <a:off x="0" y="0"/>
+          <a:ext cx="0" cy="0"/>
+          <a:chOff x="0" y="0"/>
+          <a:chExt cx="0" cy="0"/>
+        </a:xfrm>
+      </p:grpSpPr>
+      <p:sp>
+        <p:nvSpPr>
+          <p:cNvPr id="2" name="标题 1"/>
+          <p:cNvSpPr>
+            <a:spLocks noGrp="1"/>
+          </p:cNvSpPr>
+          <p:nvPr>
+            <p:ph type="title"/>
+          </p:nvPr>
+        </p:nvSpPr>
+        <p:spPr>
+          <a:xfrm>
+            <a:off x="349225" y="-243408"/>
+            <a:ext cx="8612188" cy="998538"/>
+          </a:xfrm>
+        </p:spPr>
+        <p:txBody>
+          <a:bodyPr/>
+          <a:lstStyle/>
+          <a:p>
+            <a:r>
+              <a:rPr lang="zh-CN" altLang="en-US" sz="3200" dirty="0" smtClean="0">
+                <a:solidFill>
+                  <a:schemeClr val="bg1"/>
+                </a:solidFill>
+              </a:rPr>
+              <a:t>电梯功能测试参考（</a:t>
+            </a:r>
+            <a:r>
+              <a:rPr lang="en-US" altLang="zh-CN" sz="3200" dirty="0" smtClean="0">
+                <a:solidFill>
+                  <a:schemeClr val="bg1"/>
+                </a:solidFill>
+              </a:rPr>
               <a:t>2</a:t>
             </a:r>
             <a:r>
@@ -16015,7 +17171,7 @@
 </p:sld>
 </file>
 
-<file path=ppt/slides/slide35.xml><?xml version="1.0" encoding="utf-8"?>
+<file path=ppt/slides/slide37.xml><?xml version="1.0" encoding="utf-8"?>
 <p:sld xmlns:a="http://schemas.openxmlformats.org/drawingml/2006/main" xmlns:r="http://schemas.openxmlformats.org/officeDocument/2006/relationships" xmlns:p="http://schemas.openxmlformats.org/presentationml/2006/main">
   <p:cSld>
     <p:spTree>

--- a/C语言课程设计/2016/Garage_mfc/状态和状态机.pptx
+++ b/C语言课程设计/2016/Garage_mfc/状态和状态机.pptx
@@ -6766,11 +6766,7 @@
           <a:p>
             <a:r>
               <a:rPr lang="zh-CN" altLang="en-US" dirty="0" smtClean="0"/>
-              <a:t>主控循环与状态</a:t>
-            </a:r>
-            <a:r>
-              <a:rPr lang="zh-CN" altLang="en-US" dirty="0" smtClean="0"/>
-              <a:t>函数</a:t>
+              <a:t>主控循环与状态函数</a:t>
             </a:r>
             <a:endParaRPr lang="zh-CN" altLang="en-US" dirty="0"/>
           </a:p>
@@ -6936,7 +6932,15 @@
                   <a:srgbClr val="FF0000"/>
                 </a:solidFill>
               </a:rPr>
-              <a:t>主控循环：每</a:t>
+              <a:t>主控循环：每隔一定时间</a:t>
+            </a:r>
+            <a:r>
+              <a:rPr lang="en-US" altLang="zh-CN" dirty="0" smtClean="0">
+                <a:solidFill>
+                  <a:srgbClr val="FF0000"/>
+                </a:solidFill>
+              </a:rPr>
+              <a:t>(</a:t>
             </a:r>
             <a:r>
               <a:rPr lang="zh-CN" altLang="en-US" dirty="0" smtClean="0">
@@ -6944,7 +6948,15 @@
                   <a:srgbClr val="FF0000"/>
                 </a:solidFill>
               </a:rPr>
-              <a:t>隔一定时间</a:t>
+              <a:t>如，</a:t>
+            </a:r>
+            <a:r>
+              <a:rPr lang="en-US" altLang="zh-CN" dirty="0">
+                <a:solidFill>
+                  <a:srgbClr val="FF0000"/>
+                </a:solidFill>
+              </a:rPr>
+              <a:t>1</a:t>
             </a:r>
             <a:r>
               <a:rPr lang="en-US" altLang="zh-CN" dirty="0" smtClean="0">
@@ -6952,7 +6964,7 @@
                   <a:srgbClr val="FF0000"/>
                 </a:solidFill>
               </a:rPr>
-              <a:t>(</a:t>
+              <a:t>00ms)</a:t>
             </a:r>
             <a:r>
               <a:rPr lang="zh-CN" altLang="en-US" dirty="0" smtClean="0">
@@ -6960,47 +6972,7 @@
                   <a:srgbClr val="FF0000"/>
                 </a:solidFill>
               </a:rPr>
-              <a:t>如，</a:t>
-            </a:r>
-            <a:r>
-              <a:rPr lang="en-US" altLang="zh-CN" dirty="0">
-                <a:solidFill>
-                  <a:srgbClr val="FF0000"/>
-                </a:solidFill>
-              </a:rPr>
-              <a:t>1</a:t>
-            </a:r>
-            <a:r>
-              <a:rPr lang="en-US" altLang="zh-CN" dirty="0" smtClean="0">
-                <a:solidFill>
-                  <a:srgbClr val="FF0000"/>
-                </a:solidFill>
-              </a:rPr>
-              <a:t>00ms)</a:t>
-            </a:r>
-            <a:r>
-              <a:rPr lang="zh-CN" altLang="en-US" dirty="0" smtClean="0">
-                <a:solidFill>
-                  <a:srgbClr val="FF0000"/>
-                </a:solidFill>
-              </a:rPr>
-              <a:t>被调用一</a:t>
-            </a:r>
-            <a:r>
-              <a:rPr lang="zh-CN" altLang="en-US" dirty="0" smtClean="0">
-                <a:solidFill>
-                  <a:srgbClr val="FF0000"/>
-                </a:solidFill>
-              </a:rPr>
-              <a:t>次，采集系统</a:t>
-            </a:r>
-            <a:r>
-              <a:rPr lang="zh-CN" altLang="en-US" dirty="0" smtClean="0">
-                <a:solidFill>
-                  <a:srgbClr val="FF0000"/>
-                </a:solidFill>
-              </a:rPr>
-              <a:t>的运行状态</a:t>
+              <a:t>被调用一次，采集系统的运行状态</a:t>
             </a:r>
             <a:endParaRPr lang="en-US" altLang="zh-CN" dirty="0" smtClean="0">
               <a:solidFill>
@@ -13463,11 +13435,7 @@
             </a:r>
             <a:r>
               <a:rPr lang="zh-CN" altLang="en-US" sz="2800" dirty="0" smtClean="0"/>
-              <a:t>语言课程设计：三</a:t>
-            </a:r>
-            <a:r>
-              <a:rPr lang="zh-CN" altLang="en-US" sz="2800" dirty="0" smtClean="0"/>
-              <a:t>层电梯状态机仿真程序</a:t>
+              <a:t>语言课程设计：三层电梯状态机仿真程序</a:t>
             </a:r>
             <a:endParaRPr lang="zh-CN" altLang="en-US" sz="2800" dirty="0"/>
           </a:p>
@@ -15133,11 +15101,7 @@
             </a:pPr>
             <a:r>
               <a:rPr lang="zh-CN" altLang="en-US" sz="2400" dirty="0" smtClean="0"/>
-              <a:t>状态机</a:t>
-            </a:r>
-            <a:r>
-              <a:rPr lang="zh-CN" altLang="en-US" sz="2400" dirty="0" smtClean="0"/>
-              <a:t>图及其分解描述。</a:t>
+              <a:t>状态机图及其分解描述。</a:t>
             </a:r>
             <a:endParaRPr lang="en-US" altLang="zh-CN" sz="2400" dirty="0" smtClean="0"/>
           </a:p>
@@ -15159,11 +15123,7 @@
             </a:r>
             <a:r>
               <a:rPr lang="zh-CN" altLang="en-US" sz="2400" dirty="0" smtClean="0"/>
-              <a:t>状态</a:t>
-            </a:r>
-            <a:r>
-              <a:rPr lang="zh-CN" altLang="en-US" sz="2400" dirty="0" smtClean="0"/>
-              <a:t>函数的设计过程。</a:t>
+              <a:t>状态函数的设计过程。</a:t>
             </a:r>
             <a:endParaRPr lang="en-US" altLang="zh-CN" sz="2400" dirty="0" smtClean="0"/>
           </a:p>
@@ -15283,11 +15243,7 @@
             </a:r>
             <a:r>
               <a:rPr lang="zh-CN" altLang="en-US" sz="2400" dirty="0" smtClean="0"/>
-              <a:t>分计</a:t>
-            </a:r>
-            <a:r>
-              <a:rPr lang="zh-CN" altLang="en-US" sz="2400" dirty="0" smtClean="0"/>
-              <a:t>。</a:t>
+              <a:t>分计。</a:t>
             </a:r>
             <a:endParaRPr lang="en-US" altLang="zh-CN" sz="2400" dirty="0"/>
           </a:p>
@@ -18278,7 +18234,15 @@
                   <a:srgbClr val="C00000"/>
                 </a:solidFill>
               </a:rPr>
-              <a:t>(Call Light)</a:t>
+              <a:t>(Call Light</a:t>
+            </a:r>
+            <a:r>
+              <a:rPr lang="en-US" altLang="zh-CN" dirty="0" smtClean="0">
+                <a:solidFill>
+                  <a:srgbClr val="C00000"/>
+                </a:solidFill>
+              </a:rPr>
+              <a:t>)</a:t>
             </a:r>
           </a:p>
           <a:p>
@@ -18288,29 +18252,38 @@
               </a:lnSpc>
             </a:pPr>
             <a:r>
+              <a:rPr lang="en-US" altLang="zh-CN" dirty="0" err="1" smtClean="0"/>
+              <a:t>bool</a:t>
+            </a:r>
+            <a:r>
+              <a:rPr lang="en-US" altLang="zh-CN" dirty="0" smtClean="0"/>
+              <a:t> </a:t>
+            </a:r>
+            <a:r>
+              <a:rPr lang="en-US" altLang="zh-CN" dirty="0" err="1"/>
+              <a:t>GetCallLight</a:t>
+            </a:r>
+            <a:r>
+              <a:rPr lang="en-US" altLang="zh-CN" dirty="0"/>
+              <a:t>(</a:t>
+            </a:r>
+            <a:r>
+              <a:rPr lang="en-US" altLang="zh-CN" dirty="0" err="1"/>
+              <a:t>int</a:t>
+            </a:r>
+            <a:r>
+              <a:rPr lang="en-US" altLang="zh-CN" dirty="0"/>
+              <a:t> floor, </a:t>
+            </a:r>
+            <a:r>
               <a:rPr lang="en-US" altLang="zh-CN" dirty="0" err="1"/>
               <a:t>bool</a:t>
             </a:r>
             <a:r>
               <a:rPr lang="en-US" altLang="zh-CN" dirty="0"/>
-              <a:t> </a:t>
-            </a:r>
-            <a:r>
-              <a:rPr lang="en-US" altLang="zh-CN" dirty="0" err="1"/>
-              <a:t>GetPanelFloorLight</a:t>
-            </a:r>
-            <a:r>
-              <a:rPr lang="en-US" altLang="zh-CN" dirty="0"/>
-              <a:t>(</a:t>
-            </a:r>
-            <a:r>
-              <a:rPr lang="en-US" altLang="zh-CN" dirty="0" err="1"/>
-              <a:t>int</a:t>
-            </a:r>
-            <a:r>
-              <a:rPr lang="en-US" altLang="zh-CN" dirty="0"/>
-              <a:t> floor);</a:t>
-            </a:r>
+              <a:t> up);</a:t>
+            </a:r>
+            <a:endParaRPr lang="en-US" altLang="zh-CN" dirty="0"/>
           </a:p>
           <a:p>
             <a:pPr>
@@ -18699,14 +18672,14 @@
       </p:sp>
       <p:sp>
         <p:nvSpPr>
-          <p:cNvPr id="4" name="TextBox 3"/>
+          <p:cNvPr id="5" name="TextBox 4"/>
           <p:cNvSpPr txBox="1"/>
           <p:nvPr/>
         </p:nvSpPr>
         <p:spPr>
           <a:xfrm>
-            <a:off x="7236296" y="868070"/>
-            <a:ext cx="1728192" cy="369332"/>
+            <a:off x="6948264" y="620688"/>
+            <a:ext cx="2088232" cy="369332"/>
           </a:xfrm>
           <a:prstGeom prst="rect">
             <a:avLst/>
@@ -18727,7 +18700,7 @@
             </a:r>
             <a:r>
               <a:rPr lang="en-US" altLang="zh-CN" dirty="0" err="1" smtClean="0"/>
-              <a:t>Elevator.h</a:t>
+              <a:t>ElevatorLib.h</a:t>
             </a:r>
             <a:endParaRPr lang="zh-CN" altLang="en-US" dirty="0"/>
           </a:p>
@@ -19254,14 +19227,14 @@
       </p:sp>
       <p:sp>
         <p:nvSpPr>
-          <p:cNvPr id="4" name="TextBox 3"/>
+          <p:cNvPr id="5" name="TextBox 4"/>
           <p:cNvSpPr txBox="1"/>
           <p:nvPr/>
         </p:nvSpPr>
         <p:spPr>
           <a:xfrm>
-            <a:off x="7236296" y="868070"/>
-            <a:ext cx="1728192" cy="369332"/>
+            <a:off x="6948264" y="620688"/>
+            <a:ext cx="2088232" cy="369332"/>
           </a:xfrm>
           <a:prstGeom prst="rect">
             <a:avLst/>
@@ -19282,7 +19255,7 @@
             </a:r>
             <a:r>
               <a:rPr lang="en-US" altLang="zh-CN" dirty="0" err="1" smtClean="0"/>
-              <a:t>Elevator.h</a:t>
+              <a:t>ElevatorLib.h</a:t>
             </a:r>
             <a:endParaRPr lang="zh-CN" altLang="en-US" dirty="0"/>
           </a:p>
@@ -19702,8 +19675,8 @@
         </p:nvSpPr>
         <p:spPr>
           <a:xfrm>
-            <a:off x="7236296" y="868070"/>
-            <a:ext cx="1728192" cy="369332"/>
+            <a:off x="6948264" y="620688"/>
+            <a:ext cx="2088232" cy="369332"/>
           </a:xfrm>
           <a:prstGeom prst="rect">
             <a:avLst/>
@@ -19724,7 +19697,7 @@
             </a:r>
             <a:r>
               <a:rPr lang="en-US" altLang="zh-CN" dirty="0" err="1" smtClean="0"/>
-              <a:t>Elevator.h</a:t>
+              <a:t>ElevatorLib.h</a:t>
             </a:r>
             <a:endParaRPr lang="zh-CN" altLang="en-US" dirty="0"/>
           </a:p>
@@ -20496,8 +20469,8 @@
         </p:nvSpPr>
         <p:spPr>
           <a:xfrm>
-            <a:off x="539552" y="1052736"/>
-            <a:ext cx="8280920" cy="2031325"/>
+            <a:off x="179512" y="1052736"/>
+            <a:ext cx="8640960" cy="2031325"/>
           </a:xfrm>
           <a:prstGeom prst="rect">
             <a:avLst/>
@@ -20628,7 +20601,7 @@
             </a:endParaRPr>
           </a:p>
           <a:p>
-            <a:pPr>
+            <a:pPr algn="just">
               <a:lnSpc>
                 <a:spcPct val="150000"/>
               </a:lnSpc>
@@ -20638,8 +20611,12 @@
               <a:t>printf</a:t>
             </a:r>
             <a:r>
+              <a:rPr lang="en-US" altLang="zh-CN" dirty="0" smtClean="0"/>
+              <a:t>(“[%</a:t>
+            </a:r>
+            <a:r>
               <a:rPr lang="en-US" altLang="zh-CN" dirty="0"/>
-              <a:t>("[%d]</a:t>
+              <a:t>d]</a:t>
             </a:r>
             <a:r>
               <a:rPr lang="zh-CN" altLang="en-US" dirty="0"/>
@@ -20650,12 +20627,36 @@
               <a:t>\</a:t>
             </a:r>
             <a:r>
+              <a:rPr lang="en-US" altLang="zh-CN" dirty="0" err="1" smtClean="0"/>
+              <a:t>n”,</a:t>
+            </a:r>
+            <a:r>
               <a:rPr lang="en-US" altLang="zh-CN" dirty="0" err="1"/>
-              <a:t>n",floor</a:t>
+              <a:t>floor</a:t>
+            </a:r>
+            <a:r>
+              <a:rPr lang="en-US" altLang="zh-CN" dirty="0" smtClean="0"/>
+              <a:t>);  // </a:t>
+            </a:r>
+            <a:r>
+              <a:rPr lang="zh-CN" altLang="en-US" dirty="0"/>
+              <a:t>适当</a:t>
+            </a:r>
+            <a:r>
+              <a:rPr lang="zh-CN" altLang="en-US" dirty="0" smtClean="0"/>
+              <a:t>使用</a:t>
+            </a:r>
+            <a:r>
+              <a:rPr lang="en-US" altLang="zh-CN" dirty="0" err="1" smtClean="0"/>
+              <a:t>printf</a:t>
+            </a:r>
+            <a:r>
+              <a:rPr lang="zh-CN" altLang="en-US" dirty="0" smtClean="0"/>
+              <a:t>语句，了解程序的执行过程。</a:t>
             </a:r>
             <a:r>
               <a:rPr lang="en-US" altLang="zh-CN" dirty="0"/>
-              <a:t>);	</a:t>
+              <a:t>	</a:t>
             </a:r>
           </a:p>
         </p:txBody>
@@ -20716,14 +20717,14 @@
       </p:pic>
       <p:sp>
         <p:nvSpPr>
-          <p:cNvPr id="5" name="TextBox 4"/>
+          <p:cNvPr id="6" name="TextBox 5"/>
           <p:cNvSpPr txBox="1"/>
           <p:nvPr/>
         </p:nvSpPr>
         <p:spPr>
           <a:xfrm>
-            <a:off x="7236296" y="868070"/>
-            <a:ext cx="1728192" cy="369332"/>
+            <a:off x="6948264" y="620688"/>
+            <a:ext cx="2088232" cy="369332"/>
           </a:xfrm>
           <a:prstGeom prst="rect">
             <a:avLst/>
@@ -20744,7 +20745,7 @@
             </a:r>
             <a:r>
               <a:rPr lang="en-US" altLang="zh-CN" dirty="0" err="1" smtClean="0"/>
-              <a:t>Elevator.h</a:t>
+              <a:t>ElevatorLib.h</a:t>
             </a:r>
             <a:endParaRPr lang="zh-CN" altLang="en-US" dirty="0"/>
           </a:p>
@@ -22922,11 +22923,6 @@
               </a:rPr>
               <a:t>/***</a:t>
             </a:r>
-            <a:endParaRPr lang="en-US" altLang="zh-CN" dirty="0" smtClean="0">
-              <a:solidFill>
-                <a:srgbClr val="FF0000"/>
-              </a:solidFill>
-            </a:endParaRPr>
           </a:p>
           <a:p>
             <a:r>
@@ -23112,15 +23108,7 @@
                   <a:srgbClr val="FF0000"/>
                 </a:solidFill>
               </a:rPr>
-              <a:t> </a:t>
-            </a:r>
-            <a:r>
-              <a:rPr lang="zh-CN" altLang="en-US" dirty="0">
-                <a:solidFill>
-                  <a:srgbClr val="FF0000"/>
-                </a:solidFill>
-              </a:rPr>
-              <a:t> </a:t>
+              <a:t>  </a:t>
             </a:r>
             <a:r>
               <a:rPr lang="zh-CN" altLang="en-US" dirty="0" smtClean="0">
@@ -23161,11 +23149,6 @@
               </a:rPr>
               <a:t>**/</a:t>
             </a:r>
-            <a:endParaRPr lang="en-US" altLang="zh-CN" dirty="0" smtClean="0">
-              <a:solidFill>
-                <a:srgbClr val="FF0000"/>
-              </a:solidFill>
-            </a:endParaRPr>
           </a:p>
           <a:p>
             <a:pPr>
@@ -23499,41 +23482,59 @@
           <a:p>
             <a:r>
               <a:rPr lang="zh-CN" altLang="en-US" dirty="0"/>
-              <a:t> </a:t>
-            </a:r>
+              <a:t>  </a:t>
+            </a:r>
+            <a:r>
+              <a:rPr lang="zh-CN" altLang="en-US" dirty="0" smtClean="0"/>
+              <a:t>动态</a:t>
+            </a:r>
+            <a:r>
+              <a:rPr lang="zh-CN" altLang="en-US" dirty="0"/>
+              <a:t>监测</a:t>
+            </a:r>
+            <a:r>
+              <a:rPr lang="en-US" altLang="zh-CN" dirty="0"/>
+              <a:t>, </a:t>
+            </a:r>
+            <a:r>
+              <a:rPr lang="zh-CN" altLang="en-US" dirty="0"/>
+              <a:t>电梯正在上升时，检测将要到达停止的最近楼层</a:t>
+            </a:r>
+            <a:r>
+              <a:rPr lang="en-US" altLang="zh-CN" dirty="0"/>
+              <a:t>(</a:t>
+            </a:r>
+            <a:r>
+              <a:rPr lang="zh-CN" altLang="en-US" dirty="0"/>
+              <a:t>目标楼层</a:t>
+            </a:r>
+            <a:r>
+              <a:rPr lang="en-US" altLang="zh-CN" dirty="0"/>
+              <a:t>)</a:t>
+            </a:r>
+            <a:endParaRPr lang="zh-CN" altLang="en-US" dirty="0"/>
+          </a:p>
+          <a:p>
             <a:r>
               <a:rPr lang="zh-CN" altLang="en-US" dirty="0"/>
               <a:t> </a:t>
             </a:r>
             <a:r>
               <a:rPr lang="zh-CN" altLang="en-US" dirty="0" smtClean="0"/>
-              <a:t>动态</a:t>
+              <a:t> </a:t>
             </a:r>
             <a:r>
               <a:rPr lang="zh-CN" altLang="en-US" dirty="0"/>
-              <a:t>监测</a:t>
+              <a:t>电梯正在上行</a:t>
             </a:r>
             <a:r>
               <a:rPr lang="en-US" altLang="zh-CN" dirty="0"/>
-              <a:t>, </a:t>
+              <a:t>,</a:t>
             </a:r>
             <a:r>
               <a:rPr lang="zh-CN" altLang="en-US" dirty="0"/>
-              <a:t>电梯正在上升时，检测将要到达停止的最近楼层</a:t>
-            </a:r>
-            <a:r>
-              <a:rPr lang="en-US" altLang="zh-CN" dirty="0"/>
-              <a:t>(</a:t>
-            </a:r>
-            <a:r>
-              <a:rPr lang="zh-CN" altLang="en-US" dirty="0"/>
-              <a:t>目标楼层</a:t>
-            </a:r>
-            <a:r>
-              <a:rPr lang="en-US" altLang="zh-CN" dirty="0"/>
-              <a:t>)</a:t>
-            </a:r>
-            <a:endParaRPr lang="zh-CN" altLang="en-US" dirty="0"/>
+              <a:t>在当前楼层和上一层之间的一半高度以下，检查是否上一楼层是要到的楼层</a:t>
+            </a:r>
           </a:p>
           <a:p>
             <a:r>
@@ -23546,39 +23547,13 @@
             </a:r>
             <a:r>
               <a:rPr lang="zh-CN" altLang="en-US" dirty="0"/>
-              <a:t>电梯正在上行</a:t>
-            </a:r>
-            <a:r>
-              <a:rPr lang="en-US" altLang="zh-CN" dirty="0"/>
-              <a:t>,</a:t>
-            </a:r>
+              <a:t>如果过了一半，就不检查啦，返回原来存储的值。因为过了一半，就没有时间让直流电机停止啦。</a:t>
+            </a:r>
+          </a:p>
+          <a:p>
             <a:r>
               <a:rPr lang="zh-CN" altLang="en-US" dirty="0"/>
-              <a:t>在当前楼层和上一层之间的一半高度以下，检查是否上一楼层是要到的楼层</a:t>
-            </a:r>
-          </a:p>
-          <a:p>
-            <a:r>
-              <a:rPr lang="zh-CN" altLang="en-US" dirty="0"/>
-              <a:t> </a:t>
-            </a:r>
-            <a:r>
-              <a:rPr lang="zh-CN" altLang="en-US" dirty="0" smtClean="0"/>
-              <a:t> </a:t>
-            </a:r>
-            <a:r>
-              <a:rPr lang="zh-CN" altLang="en-US" dirty="0"/>
-              <a:t>如果过了一半，就不检查啦，返回原来存储的值。因为过了一半，就没有时间让直流电机停止啦。</a:t>
-            </a:r>
-          </a:p>
-          <a:p>
-            <a:r>
-              <a:rPr lang="zh-CN" altLang="en-US" dirty="0"/>
-              <a:t> </a:t>
-            </a:r>
-            <a:r>
-              <a:rPr lang="zh-CN" altLang="en-US" dirty="0"/>
-              <a:t> </a:t>
+              <a:t>  </a:t>
             </a:r>
             <a:r>
               <a:rPr lang="zh-CN" altLang="en-US" dirty="0" smtClean="0"/>
@@ -23813,11 +23788,6 @@
               </a:rPr>
               <a:t>();</a:t>
             </a:r>
-            <a:endParaRPr lang="en-US" altLang="zh-CN" dirty="0" smtClean="0">
-              <a:solidFill>
-                <a:srgbClr val="FF0000"/>
-              </a:solidFill>
-            </a:endParaRPr>
           </a:p>
         </p:txBody>
       </p:sp>

--- a/C语言课程设计/2016/Garage_mfc/状态和状态机.pptx
+++ b/C语言课程设计/2016/Garage_mfc/状态和状态机.pptx
@@ -17841,8 +17841,20 @@
               <a:t>(); </a:t>
             </a:r>
             <a:r>
+              <a:rPr lang="zh-CN" altLang="en-US" sz="2000" b="1" smtClean="0"/>
+              <a:t>消费</a:t>
+            </a:r>
+            <a:r>
+              <a:rPr lang="zh-CN" altLang="en-US" sz="2000" b="1"/>
+              <a:t>开</a:t>
+            </a:r>
+            <a:r>
+              <a:rPr lang="zh-CN" altLang="en-US" sz="2000" b="1" smtClean="0"/>
+              <a:t>门</a:t>
+            </a:r>
+            <a:r>
               <a:rPr lang="zh-CN" altLang="en-US" sz="2000" b="1" dirty="0"/>
-              <a:t>消费关门按钮。</a:t>
+              <a:t>按钮。</a:t>
             </a:r>
           </a:p>
           <a:p>
@@ -18234,15 +18246,7 @@
                   <a:srgbClr val="C00000"/>
                 </a:solidFill>
               </a:rPr>
-              <a:t>(Call Light</a:t>
-            </a:r>
-            <a:r>
-              <a:rPr lang="en-US" altLang="zh-CN" dirty="0" smtClean="0">
-                <a:solidFill>
-                  <a:srgbClr val="C00000"/>
-                </a:solidFill>
-              </a:rPr>
-              <a:t>)</a:t>
+              <a:t>(Call Light)</a:t>
             </a:r>
           </a:p>
           <a:p>
@@ -18283,7 +18287,6 @@
               <a:rPr lang="en-US" altLang="zh-CN" dirty="0"/>
               <a:t> up);</a:t>
             </a:r>
-            <a:endParaRPr lang="en-US" altLang="zh-CN" dirty="0"/>
           </a:p>
           <a:p>
             <a:pPr>
